--- a/docs/diagrams/LogicComponentSequenceDiagram.pptx
+++ b/docs/diagrams/LogicComponentSequenceDiagram.pptx
@@ -5,10 +5,11 @@
     <p:sldMasterId id="2147483648" r:id="rId1"/>
   </p:sldMasterIdLst>
   <p:notesMasterIdLst>
-    <p:notesMasterId r:id="rId3"/>
+    <p:notesMasterId r:id="rId4"/>
   </p:notesMasterIdLst>
   <p:sldIdLst>
     <p:sldId id="267" r:id="rId2"/>
+    <p:sldId id="268" r:id="rId3"/>
   </p:sldIdLst>
   <p:sldSz cx="9144000" cy="6858000" type="screen4x3"/>
   <p:notesSz cx="6858000" cy="9144000"/>
@@ -212,7 +213,7 @@
           <a:p>
             <a:fld id="{F5CC4B3F-88C1-4FFA-B1B6-F41C21DC6924}" type="datetimeFigureOut">
               <a:rPr lang="en-US" smtClean="0"/>
-              <a:t>7/11/2017</a:t>
+              <a:t>3/28/2018</a:t>
             </a:fld>
             <a:endParaRPr lang="en-US"/>
           </a:p>
@@ -658,7 +659,7 @@
           <a:p>
             <a:fld id="{78C97017-6FC3-485B-9764-EAC9E56C1D49}" type="datetimeFigureOut">
               <a:rPr lang="en-US" smtClean="0"/>
-              <a:t>7/11/2017</a:t>
+              <a:t>3/28/2018</a:t>
             </a:fld>
             <a:endParaRPr lang="en-US"/>
           </a:p>
@@ -826,7 +827,7 @@
           <a:p>
             <a:fld id="{78C97017-6FC3-485B-9764-EAC9E56C1D49}" type="datetimeFigureOut">
               <a:rPr lang="en-US" smtClean="0"/>
-              <a:t>7/11/2017</a:t>
+              <a:t>3/28/2018</a:t>
             </a:fld>
             <a:endParaRPr lang="en-US"/>
           </a:p>
@@ -1004,7 +1005,7 @@
           <a:p>
             <a:fld id="{78C97017-6FC3-485B-9764-EAC9E56C1D49}" type="datetimeFigureOut">
               <a:rPr lang="en-US" smtClean="0"/>
-              <a:t>7/11/2017</a:t>
+              <a:t>3/28/2018</a:t>
             </a:fld>
             <a:endParaRPr lang="en-US"/>
           </a:p>
@@ -1172,7 +1173,7 @@
           <a:p>
             <a:fld id="{78C97017-6FC3-485B-9764-EAC9E56C1D49}" type="datetimeFigureOut">
               <a:rPr lang="en-US" smtClean="0"/>
-              <a:t>7/11/2017</a:t>
+              <a:t>3/28/2018</a:t>
             </a:fld>
             <a:endParaRPr lang="en-US"/>
           </a:p>
@@ -1417,7 +1418,7 @@
           <a:p>
             <a:fld id="{78C97017-6FC3-485B-9764-EAC9E56C1D49}" type="datetimeFigureOut">
               <a:rPr lang="en-US" smtClean="0"/>
-              <a:t>7/11/2017</a:t>
+              <a:t>3/28/2018</a:t>
             </a:fld>
             <a:endParaRPr lang="en-US"/>
           </a:p>
@@ -1702,7 +1703,7 @@
           <a:p>
             <a:fld id="{78C97017-6FC3-485B-9764-EAC9E56C1D49}" type="datetimeFigureOut">
               <a:rPr lang="en-US" smtClean="0"/>
-              <a:t>7/11/2017</a:t>
+              <a:t>3/28/2018</a:t>
             </a:fld>
             <a:endParaRPr lang="en-US"/>
           </a:p>
@@ -2121,7 +2122,7 @@
           <a:p>
             <a:fld id="{78C97017-6FC3-485B-9764-EAC9E56C1D49}" type="datetimeFigureOut">
               <a:rPr lang="en-US" smtClean="0"/>
-              <a:t>7/11/2017</a:t>
+              <a:t>3/28/2018</a:t>
             </a:fld>
             <a:endParaRPr lang="en-US"/>
           </a:p>
@@ -2238,7 +2239,7 @@
           <a:p>
             <a:fld id="{78C97017-6FC3-485B-9764-EAC9E56C1D49}" type="datetimeFigureOut">
               <a:rPr lang="en-US" smtClean="0"/>
-              <a:t>7/11/2017</a:t>
+              <a:t>3/28/2018</a:t>
             </a:fld>
             <a:endParaRPr lang="en-US"/>
           </a:p>
@@ -2333,7 +2334,7 @@
           <a:p>
             <a:fld id="{78C97017-6FC3-485B-9764-EAC9E56C1D49}" type="datetimeFigureOut">
               <a:rPr lang="en-US" smtClean="0"/>
-              <a:t>7/11/2017</a:t>
+              <a:t>3/28/2018</a:t>
             </a:fld>
             <a:endParaRPr lang="en-US"/>
           </a:p>
@@ -2608,7 +2609,7 @@
           <a:p>
             <a:fld id="{78C97017-6FC3-485B-9764-EAC9E56C1D49}" type="datetimeFigureOut">
               <a:rPr lang="en-US" smtClean="0"/>
-              <a:t>7/11/2017</a:t>
+              <a:t>3/28/2018</a:t>
             </a:fld>
             <a:endParaRPr lang="en-US"/>
           </a:p>
@@ -2860,7 +2861,7 @@
           <a:p>
             <a:fld id="{78C97017-6FC3-485B-9764-EAC9E56C1D49}" type="datetimeFigureOut">
               <a:rPr lang="en-US" smtClean="0"/>
-              <a:t>7/11/2017</a:t>
+              <a:t>3/28/2018</a:t>
             </a:fld>
             <a:endParaRPr lang="en-US"/>
           </a:p>
@@ -3071,7 +3072,7 @@
           <a:p>
             <a:fld id="{78C97017-6FC3-485B-9764-EAC9E56C1D49}" type="datetimeFigureOut">
               <a:rPr lang="en-US" smtClean="0"/>
-              <a:t>7/11/2017</a:t>
+              <a:t>3/28/2018</a:t>
             </a:fld>
             <a:endParaRPr lang="en-US"/>
           </a:p>
@@ -5469,6 +5470,2157 @@
     <p:extLst>
       <p:ext uri="{BB962C8B-B14F-4D97-AF65-F5344CB8AC3E}">
         <p14:creationId xmlns:p14="http://schemas.microsoft.com/office/powerpoint/2010/main" val="3945898909"/>
+      </p:ext>
+    </p:extLst>
+  </p:cSld>
+  <p:clrMapOvr>
+    <a:masterClrMapping/>
+  </p:clrMapOvr>
+</p:sld>
+</file>
+
+<file path=ppt/slides/slide2.xml><?xml version="1.0" encoding="utf-8"?>
+<p:sld xmlns:a="http://schemas.openxmlformats.org/drawingml/2006/main" xmlns:r="http://schemas.openxmlformats.org/officeDocument/2006/relationships" xmlns:p="http://schemas.openxmlformats.org/presentationml/2006/main">
+  <p:cSld>
+    <p:spTree>
+      <p:nvGrpSpPr>
+        <p:cNvPr id="1" name=""/>
+        <p:cNvGrpSpPr/>
+        <p:nvPr/>
+      </p:nvGrpSpPr>
+      <p:grpSpPr>
+        <a:xfrm>
+          <a:off x="0" y="0"/>
+          <a:ext cx="0" cy="0"/>
+          <a:chOff x="0" y="0"/>
+          <a:chExt cx="0" cy="0"/>
+        </a:xfrm>
+      </p:grpSpPr>
+      <p:sp>
+        <p:nvSpPr>
+          <p:cNvPr id="81" name="Rectangle 65"/>
+          <p:cNvSpPr/>
+          <p:nvPr/>
+        </p:nvSpPr>
+        <p:spPr>
+          <a:xfrm>
+            <a:off x="176603" y="1981200"/>
+            <a:ext cx="6671809" cy="4000286"/>
+          </a:xfrm>
+          <a:prstGeom prst="roundRect">
+            <a:avLst>
+              <a:gd name="adj" fmla="val 3484"/>
+            </a:avLst>
+          </a:prstGeom>
+          <a:solidFill>
+            <a:schemeClr val="accent1">
+              <a:lumMod val="20000"/>
+              <a:lumOff val="80000"/>
+            </a:schemeClr>
+          </a:solidFill>
+          <a:ln w="19050">
+            <a:noFill/>
+          </a:ln>
+          <a:effectLst/>
+        </p:spPr>
+        <p:style>
+          <a:lnRef idx="1">
+            <a:schemeClr val="accent2"/>
+          </a:lnRef>
+          <a:fillRef idx="2">
+            <a:schemeClr val="accent2"/>
+          </a:fillRef>
+          <a:effectRef idx="1">
+            <a:schemeClr val="accent2"/>
+          </a:effectRef>
+          <a:fontRef idx="minor">
+            <a:schemeClr val="dk1"/>
+          </a:fontRef>
+        </p:style>
+        <p:txBody>
+          <a:bodyPr rtlCol="0" anchor="t"/>
+          <a:lstStyle/>
+          <a:p>
+            <a:r>
+              <a:rPr lang="en-US" sz="1050" b="1" dirty="0">
+                <a:solidFill>
+                  <a:srgbClr val="0070C0"/>
+                </a:solidFill>
+              </a:rPr>
+              <a:t>Logic</a:t>
+            </a:r>
+            <a:endParaRPr lang="en-SG" sz="1050" b="1" dirty="0">
+              <a:solidFill>
+                <a:srgbClr val="0070C0"/>
+              </a:solidFill>
+            </a:endParaRPr>
+          </a:p>
+        </p:txBody>
+      </p:sp>
+      <p:sp>
+        <p:nvSpPr>
+          <p:cNvPr id="2" name="Rectangle 62"/>
+          <p:cNvSpPr/>
+          <p:nvPr/>
+        </p:nvSpPr>
+        <p:spPr>
+          <a:xfrm>
+            <a:off x="587289" y="2212610"/>
+            <a:ext cx="1358424" cy="219350"/>
+          </a:xfrm>
+          <a:prstGeom prst="rect">
+            <a:avLst/>
+          </a:prstGeom>
+          <a:solidFill>
+            <a:srgbClr val="0070C0"/>
+          </a:solidFill>
+          <a:ln w="19050">
+            <a:solidFill>
+              <a:srgbClr val="0070C0"/>
+            </a:solidFill>
+          </a:ln>
+          <a:effectLst/>
+        </p:spPr>
+        <p:style>
+          <a:lnRef idx="1">
+            <a:schemeClr val="accent2"/>
+          </a:lnRef>
+          <a:fillRef idx="2">
+            <a:schemeClr val="accent2"/>
+          </a:fillRef>
+          <a:effectRef idx="1">
+            <a:schemeClr val="accent2"/>
+          </a:effectRef>
+          <a:fontRef idx="minor">
+            <a:schemeClr val="dk1"/>
+          </a:fontRef>
+        </p:style>
+        <p:txBody>
+          <a:bodyPr rtlCol="0" anchor="ctr"/>
+          <a:lstStyle/>
+          <a:p>
+            <a:pPr algn="ctr"/>
+            <a:r>
+              <a:rPr lang="en-US" sz="1200" dirty="0">
+                <a:solidFill>
+                  <a:schemeClr val="bg1"/>
+                </a:solidFill>
+              </a:rPr>
+              <a:t>:</a:t>
+            </a:r>
+            <a:r>
+              <a:rPr lang="en-US" sz="1200" dirty="0" err="1">
+                <a:solidFill>
+                  <a:schemeClr val="bg1"/>
+                </a:solidFill>
+              </a:rPr>
+              <a:t>LogicManager</a:t>
+            </a:r>
+            <a:endParaRPr lang="en-SG" sz="1200" dirty="0">
+              <a:solidFill>
+                <a:schemeClr val="bg1"/>
+              </a:solidFill>
+            </a:endParaRPr>
+          </a:p>
+        </p:txBody>
+      </p:sp>
+      <p:cxnSp>
+        <p:nvCxnSpPr>
+          <p:cNvPr id="5" name="Straight Connector 4"/>
+          <p:cNvCxnSpPr>
+            <a:stCxn id="2" idx="2"/>
+          </p:cNvCxnSpPr>
+          <p:nvPr/>
+        </p:nvCxnSpPr>
+        <p:spPr>
+          <a:xfrm>
+            <a:off x="1266501" y="2431960"/>
+            <a:ext cx="1558" cy="2779396"/>
+          </a:xfrm>
+          <a:prstGeom prst="line">
+            <a:avLst/>
+          </a:prstGeom>
+          <a:ln w="19050">
+            <a:solidFill>
+              <a:srgbClr val="0070C0"/>
+            </a:solidFill>
+            <a:prstDash val="sysDash"/>
+          </a:ln>
+          <a:effectLst/>
+        </p:spPr>
+        <p:style>
+          <a:lnRef idx="1">
+            <a:schemeClr val="accent1"/>
+          </a:lnRef>
+          <a:fillRef idx="2">
+            <a:schemeClr val="accent1"/>
+          </a:fillRef>
+          <a:effectRef idx="1">
+            <a:schemeClr val="accent1"/>
+          </a:effectRef>
+          <a:fontRef idx="minor">
+            <a:schemeClr val="dk1"/>
+          </a:fontRef>
+        </p:style>
+      </p:cxnSp>
+      <p:sp>
+        <p:nvSpPr>
+          <p:cNvPr id="6" name="Rectangle 5"/>
+          <p:cNvSpPr/>
+          <p:nvPr/>
+        </p:nvSpPr>
+        <p:spPr>
+          <a:xfrm>
+            <a:off x="1196051" y="2964467"/>
+            <a:ext cx="152400" cy="2780287"/>
+          </a:xfrm>
+          <a:prstGeom prst="rect">
+            <a:avLst/>
+          </a:prstGeom>
+          <a:solidFill>
+            <a:srgbClr val="0070C0"/>
+          </a:solidFill>
+          <a:ln>
+            <a:solidFill>
+              <a:srgbClr val="0070C0"/>
+            </a:solidFill>
+          </a:ln>
+          <a:effectLst/>
+        </p:spPr>
+        <p:style>
+          <a:lnRef idx="1">
+            <a:schemeClr val="accent3"/>
+          </a:lnRef>
+          <a:fillRef idx="2">
+            <a:schemeClr val="accent3"/>
+          </a:fillRef>
+          <a:effectRef idx="1">
+            <a:schemeClr val="accent3"/>
+          </a:effectRef>
+          <a:fontRef idx="minor">
+            <a:schemeClr val="dk1"/>
+          </a:fontRef>
+        </p:style>
+        <p:txBody>
+          <a:bodyPr rtlCol="0" anchor="ctr"/>
+          <a:lstStyle/>
+          <a:p>
+            <a:pPr algn="ctr"/>
+            <a:endParaRPr lang="en-SG" sz="1100"/>
+          </a:p>
+        </p:txBody>
+      </p:sp>
+      <p:sp>
+        <p:nvSpPr>
+          <p:cNvPr id="16" name="Rectangle 62"/>
+          <p:cNvSpPr/>
+          <p:nvPr/>
+        </p:nvSpPr>
+        <p:spPr>
+          <a:xfrm>
+            <a:off x="2478119" y="2344805"/>
+            <a:ext cx="930590" cy="331702"/>
+          </a:xfrm>
+          <a:prstGeom prst="rect">
+            <a:avLst/>
+          </a:prstGeom>
+          <a:solidFill>
+            <a:srgbClr val="0070C0"/>
+          </a:solidFill>
+          <a:ln w="19050">
+            <a:solidFill>
+              <a:srgbClr val="0070C0"/>
+            </a:solidFill>
+          </a:ln>
+          <a:effectLst/>
+        </p:spPr>
+        <p:style>
+          <a:lnRef idx="1">
+            <a:schemeClr val="accent2"/>
+          </a:lnRef>
+          <a:fillRef idx="2">
+            <a:schemeClr val="accent2"/>
+          </a:fillRef>
+          <a:effectRef idx="1">
+            <a:schemeClr val="accent2"/>
+          </a:effectRef>
+          <a:fontRef idx="minor">
+            <a:schemeClr val="dk1"/>
+          </a:fontRef>
+        </p:style>
+        <p:txBody>
+          <a:bodyPr rtlCol="0" anchor="ctr"/>
+          <a:lstStyle/>
+          <a:p>
+            <a:pPr algn="ctr"/>
+            <a:r>
+              <a:rPr lang="en-US" sz="1200" dirty="0">
+                <a:solidFill>
+                  <a:schemeClr val="bg1"/>
+                </a:solidFill>
+              </a:rPr>
+              <a:t>:Address</a:t>
+            </a:r>
+          </a:p>
+          <a:p>
+            <a:pPr algn="ctr"/>
+            <a:r>
+              <a:rPr lang="en-US" sz="1200" dirty="0" err="1">
+                <a:solidFill>
+                  <a:schemeClr val="bg1"/>
+                </a:solidFill>
+              </a:rPr>
+              <a:t>BookParser</a:t>
+            </a:r>
+            <a:endParaRPr lang="en-SG" sz="1200" dirty="0">
+              <a:solidFill>
+                <a:schemeClr val="bg1"/>
+              </a:solidFill>
+            </a:endParaRPr>
+          </a:p>
+        </p:txBody>
+      </p:sp>
+      <p:cxnSp>
+        <p:nvCxnSpPr>
+          <p:cNvPr id="17" name="Straight Connector 16"/>
+          <p:cNvCxnSpPr/>
+          <p:nvPr/>
+        </p:nvCxnSpPr>
+        <p:spPr>
+          <a:xfrm>
+            <a:off x="2936950" y="2683595"/>
+            <a:ext cx="0" cy="1695374"/>
+          </a:xfrm>
+          <a:prstGeom prst="line">
+            <a:avLst/>
+          </a:prstGeom>
+          <a:ln w="19050">
+            <a:solidFill>
+              <a:srgbClr val="0070C0"/>
+            </a:solidFill>
+            <a:prstDash val="sysDash"/>
+          </a:ln>
+          <a:effectLst/>
+        </p:spPr>
+        <p:style>
+          <a:lnRef idx="1">
+            <a:schemeClr val="accent1"/>
+          </a:lnRef>
+          <a:fillRef idx="2">
+            <a:schemeClr val="accent1"/>
+          </a:fillRef>
+          <a:effectRef idx="1">
+            <a:schemeClr val="accent1"/>
+          </a:effectRef>
+          <a:fontRef idx="minor">
+            <a:schemeClr val="dk1"/>
+          </a:fontRef>
+        </p:style>
+      </p:cxnSp>
+      <p:sp>
+        <p:nvSpPr>
+          <p:cNvPr id="18" name="Rectangle 17"/>
+          <p:cNvSpPr/>
+          <p:nvPr/>
+        </p:nvSpPr>
+        <p:spPr>
+          <a:xfrm>
+            <a:off x="2854623" y="3075653"/>
+            <a:ext cx="174929" cy="1129459"/>
+          </a:xfrm>
+          <a:prstGeom prst="rect">
+            <a:avLst/>
+          </a:prstGeom>
+          <a:solidFill>
+            <a:srgbClr val="0070C0"/>
+          </a:solidFill>
+          <a:ln>
+            <a:solidFill>
+              <a:srgbClr val="0070C0"/>
+            </a:solidFill>
+          </a:ln>
+          <a:effectLst/>
+        </p:spPr>
+        <p:style>
+          <a:lnRef idx="1">
+            <a:schemeClr val="accent3"/>
+          </a:lnRef>
+          <a:fillRef idx="2">
+            <a:schemeClr val="accent3"/>
+          </a:fillRef>
+          <a:effectRef idx="1">
+            <a:schemeClr val="accent3"/>
+          </a:effectRef>
+          <a:fontRef idx="minor">
+            <a:schemeClr val="dk1"/>
+          </a:fontRef>
+        </p:style>
+        <p:txBody>
+          <a:bodyPr rtlCol="0" anchor="ctr"/>
+          <a:lstStyle/>
+          <a:p>
+            <a:pPr algn="ctr"/>
+            <a:endParaRPr lang="en-SG" sz="1100">
+              <a:solidFill>
+                <a:schemeClr val="dk1"/>
+              </a:solidFill>
+            </a:endParaRPr>
+          </a:p>
+        </p:txBody>
+      </p:sp>
+      <p:sp>
+        <p:nvSpPr>
+          <p:cNvPr id="19" name="Rectangle 62"/>
+          <p:cNvSpPr/>
+          <p:nvPr/>
+        </p:nvSpPr>
+        <p:spPr>
+          <a:xfrm>
+            <a:off x="5080882" y="3409197"/>
+            <a:ext cx="912205" cy="338000"/>
+          </a:xfrm>
+          <a:prstGeom prst="rect">
+            <a:avLst/>
+          </a:prstGeom>
+          <a:solidFill>
+            <a:srgbClr val="0070C0"/>
+          </a:solidFill>
+          <a:ln w="19050">
+            <a:solidFill>
+              <a:srgbClr val="0070C0"/>
+            </a:solidFill>
+          </a:ln>
+          <a:effectLst/>
+        </p:spPr>
+        <p:style>
+          <a:lnRef idx="1">
+            <a:schemeClr val="accent2"/>
+          </a:lnRef>
+          <a:fillRef idx="2">
+            <a:schemeClr val="accent2"/>
+          </a:fillRef>
+          <a:effectRef idx="1">
+            <a:schemeClr val="accent2"/>
+          </a:effectRef>
+          <a:fontRef idx="minor">
+            <a:schemeClr val="dk1"/>
+          </a:fontRef>
+        </p:style>
+        <p:txBody>
+          <a:bodyPr rtlCol="0" anchor="ctr"/>
+          <a:lstStyle/>
+          <a:p>
+            <a:pPr algn="ctr"/>
+            <a:r>
+              <a:rPr lang="en-US" sz="1200" dirty="0" err="1" smtClean="0">
+                <a:solidFill>
+                  <a:schemeClr val="bg1"/>
+                </a:solidFill>
+              </a:rPr>
+              <a:t>ac</a:t>
+            </a:r>
+            <a:r>
+              <a:rPr lang="en-US" sz="1200" dirty="0" err="1" smtClean="0">
+                <a:solidFill>
+                  <a:schemeClr val="bg1"/>
+                </a:solidFill>
+              </a:rPr>
+              <a:t>:AddCell</a:t>
+            </a:r>
+            <a:r>
+              <a:rPr lang="en-US" sz="1200" dirty="0">
+                <a:solidFill>
+                  <a:schemeClr val="bg1"/>
+                </a:solidFill>
+              </a:rPr>
+              <a:t/>
+            </a:r>
+            <a:br>
+              <a:rPr lang="en-US" sz="1200" dirty="0">
+                <a:solidFill>
+                  <a:schemeClr val="bg1"/>
+                </a:solidFill>
+              </a:rPr>
+            </a:br>
+            <a:r>
+              <a:rPr lang="en-US" sz="1200" dirty="0">
+                <a:solidFill>
+                  <a:schemeClr val="bg1"/>
+                </a:solidFill>
+              </a:rPr>
+              <a:t>Command</a:t>
+            </a:r>
+            <a:endParaRPr lang="en-SG" sz="1200" dirty="0">
+              <a:solidFill>
+                <a:schemeClr val="bg1"/>
+              </a:solidFill>
+            </a:endParaRPr>
+          </a:p>
+        </p:txBody>
+      </p:sp>
+      <p:cxnSp>
+        <p:nvCxnSpPr>
+          <p:cNvPr id="20" name="Straight Connector 19"/>
+          <p:cNvCxnSpPr>
+            <a:stCxn id="21" idx="0"/>
+          </p:cNvCxnSpPr>
+          <p:nvPr/>
+        </p:nvCxnSpPr>
+        <p:spPr>
+          <a:xfrm>
+            <a:off x="5518110" y="3752077"/>
+            <a:ext cx="0" cy="1940722"/>
+          </a:xfrm>
+          <a:prstGeom prst="line">
+            <a:avLst/>
+          </a:prstGeom>
+          <a:ln w="19050">
+            <a:solidFill>
+              <a:srgbClr val="0070C0"/>
+            </a:solidFill>
+            <a:prstDash val="sysDash"/>
+          </a:ln>
+          <a:effectLst/>
+        </p:spPr>
+        <p:style>
+          <a:lnRef idx="1">
+            <a:schemeClr val="accent1"/>
+          </a:lnRef>
+          <a:fillRef idx="2">
+            <a:schemeClr val="accent1"/>
+          </a:fillRef>
+          <a:effectRef idx="1">
+            <a:schemeClr val="accent1"/>
+          </a:effectRef>
+          <a:fontRef idx="minor">
+            <a:schemeClr val="dk1"/>
+          </a:fontRef>
+        </p:style>
+      </p:cxnSp>
+      <p:sp>
+        <p:nvSpPr>
+          <p:cNvPr id="21" name="Rectangle 20"/>
+          <p:cNvSpPr/>
+          <p:nvPr/>
+        </p:nvSpPr>
+        <p:spPr>
+          <a:xfrm>
+            <a:off x="5441910" y="3752077"/>
+            <a:ext cx="152400" cy="276003"/>
+          </a:xfrm>
+          <a:prstGeom prst="rect">
+            <a:avLst/>
+          </a:prstGeom>
+          <a:solidFill>
+            <a:srgbClr val="0070C0"/>
+          </a:solidFill>
+          <a:ln>
+            <a:solidFill>
+              <a:srgbClr val="0070C0"/>
+            </a:solidFill>
+          </a:ln>
+          <a:effectLst/>
+        </p:spPr>
+        <p:style>
+          <a:lnRef idx="1">
+            <a:schemeClr val="accent3"/>
+          </a:lnRef>
+          <a:fillRef idx="2">
+            <a:schemeClr val="accent3"/>
+          </a:fillRef>
+          <a:effectRef idx="1">
+            <a:schemeClr val="accent3"/>
+          </a:effectRef>
+          <a:fontRef idx="minor">
+            <a:schemeClr val="dk1"/>
+          </a:fontRef>
+        </p:style>
+        <p:txBody>
+          <a:bodyPr rtlCol="0" anchor="ctr"/>
+          <a:lstStyle/>
+          <a:p>
+            <a:pPr algn="ctr"/>
+            <a:endParaRPr lang="en-SG" sz="1100"/>
+          </a:p>
+        </p:txBody>
+      </p:sp>
+      <p:cxnSp>
+        <p:nvCxnSpPr>
+          <p:cNvPr id="23" name="Straight Arrow Connector 22"/>
+          <p:cNvCxnSpPr/>
+          <p:nvPr/>
+        </p:nvCxnSpPr>
+        <p:spPr>
+          <a:xfrm>
+            <a:off x="76200" y="2968155"/>
+            <a:ext cx="1119851" cy="0"/>
+          </a:xfrm>
+          <a:prstGeom prst="straightConnector1">
+            <a:avLst/>
+          </a:prstGeom>
+          <a:ln w="19050">
+            <a:solidFill>
+              <a:srgbClr val="00B050"/>
+            </a:solidFill>
+            <a:tailEnd type="arrow"/>
+          </a:ln>
+        </p:spPr>
+        <p:style>
+          <a:lnRef idx="1">
+            <a:schemeClr val="accent1"/>
+          </a:lnRef>
+          <a:fillRef idx="0">
+            <a:schemeClr val="accent1"/>
+          </a:fillRef>
+          <a:effectRef idx="0">
+            <a:schemeClr val="accent1"/>
+          </a:effectRef>
+          <a:fontRef idx="minor">
+            <a:schemeClr val="tx1"/>
+          </a:fontRef>
+        </p:style>
+      </p:cxnSp>
+      <p:cxnSp>
+        <p:nvCxnSpPr>
+          <p:cNvPr id="25" name="Straight Arrow Connector 24"/>
+          <p:cNvCxnSpPr/>
+          <p:nvPr/>
+        </p:nvCxnSpPr>
+        <p:spPr>
+          <a:xfrm>
+            <a:off x="1348451" y="3075434"/>
+            <a:ext cx="1507503" cy="5803"/>
+          </a:xfrm>
+          <a:prstGeom prst="straightConnector1">
+            <a:avLst/>
+          </a:prstGeom>
+          <a:ln w="19050">
+            <a:solidFill>
+              <a:srgbClr val="0070C0"/>
+            </a:solidFill>
+            <a:tailEnd type="arrow"/>
+          </a:ln>
+        </p:spPr>
+        <p:style>
+          <a:lnRef idx="1">
+            <a:schemeClr val="accent1"/>
+          </a:lnRef>
+          <a:fillRef idx="0">
+            <a:schemeClr val="accent1"/>
+          </a:fillRef>
+          <a:effectRef idx="0">
+            <a:schemeClr val="accent1"/>
+          </a:effectRef>
+          <a:fontRef idx="minor">
+            <a:schemeClr val="tx1"/>
+          </a:fontRef>
+        </p:style>
+      </p:cxnSp>
+      <p:sp>
+        <p:nvSpPr>
+          <p:cNvPr id="26" name="TextBox 25"/>
+          <p:cNvSpPr txBox="1"/>
+          <p:nvPr/>
+        </p:nvSpPr>
+        <p:spPr>
+          <a:xfrm>
+            <a:off x="-250076" y="2587884"/>
+            <a:ext cx="1424846" cy="338554"/>
+          </a:xfrm>
+          <a:prstGeom prst="rect">
+            <a:avLst/>
+          </a:prstGeom>
+          <a:noFill/>
+        </p:spPr>
+        <p:txBody>
+          <a:bodyPr wrap="square" lIns="0" tIns="0" rIns="0" bIns="0" rtlCol="0">
+            <a:spAutoFit/>
+          </a:bodyPr>
+          <a:lstStyle/>
+          <a:p>
+            <a:pPr algn="r"/>
+            <a:r>
+              <a:rPr lang="en-US" sz="1100" dirty="0" smtClean="0">
+                <a:solidFill>
+                  <a:srgbClr val="0070C0"/>
+                </a:solidFill>
+              </a:rPr>
+              <a:t>Execute</a:t>
+            </a:r>
+          </a:p>
+          <a:p>
+            <a:pPr algn="r"/>
+            <a:r>
+              <a:rPr lang="en-US" sz="1100" dirty="0" smtClean="0">
+                <a:solidFill>
+                  <a:srgbClr val="0070C0"/>
+                </a:solidFill>
+              </a:rPr>
+              <a:t>(“</a:t>
+            </a:r>
+            <a:r>
+              <a:rPr lang="en-US" sz="1100" dirty="0" err="1" smtClean="0">
+                <a:solidFill>
+                  <a:srgbClr val="0070C0"/>
+                </a:solidFill>
+              </a:rPr>
+              <a:t>addcell</a:t>
+            </a:r>
+            <a:r>
+              <a:rPr lang="en-US" sz="1100" dirty="0" smtClean="0">
+                <a:solidFill>
+                  <a:srgbClr val="0070C0"/>
+                </a:solidFill>
+              </a:rPr>
+              <a:t> 1 1-1”)</a:t>
+            </a:r>
+            <a:endParaRPr lang="en-US" sz="1100" dirty="0">
+              <a:solidFill>
+                <a:srgbClr val="0070C0"/>
+              </a:solidFill>
+            </a:endParaRPr>
+          </a:p>
+        </p:txBody>
+      </p:sp>
+      <p:cxnSp>
+        <p:nvCxnSpPr>
+          <p:cNvPr id="28" name="Straight Arrow Connector 27"/>
+          <p:cNvCxnSpPr/>
+          <p:nvPr/>
+        </p:nvCxnSpPr>
+        <p:spPr>
+          <a:xfrm flipV="1">
+            <a:off x="4622447" y="3656770"/>
+            <a:ext cx="465032" cy="1"/>
+          </a:xfrm>
+          <a:prstGeom prst="straightConnector1">
+            <a:avLst/>
+          </a:prstGeom>
+          <a:ln w="19050">
+            <a:solidFill>
+              <a:srgbClr val="0070C0"/>
+            </a:solidFill>
+            <a:tailEnd type="arrow"/>
+          </a:ln>
+        </p:spPr>
+        <p:style>
+          <a:lnRef idx="1">
+            <a:schemeClr val="accent1"/>
+          </a:lnRef>
+          <a:fillRef idx="0">
+            <a:schemeClr val="accent1"/>
+          </a:fillRef>
+          <a:effectRef idx="0">
+            <a:schemeClr val="accent1"/>
+          </a:effectRef>
+          <a:fontRef idx="minor">
+            <a:schemeClr val="tx1"/>
+          </a:fontRef>
+        </p:style>
+      </p:cxnSp>
+      <p:sp>
+        <p:nvSpPr>
+          <p:cNvPr id="29" name="TextBox 28"/>
+          <p:cNvSpPr txBox="1"/>
+          <p:nvPr/>
+        </p:nvSpPr>
+        <p:spPr>
+          <a:xfrm>
+            <a:off x="3308296" y="4157716"/>
+            <a:ext cx="855809" cy="169277"/>
+          </a:xfrm>
+          <a:prstGeom prst="rect">
+            <a:avLst/>
+          </a:prstGeom>
+          <a:noFill/>
+        </p:spPr>
+        <p:txBody>
+          <a:bodyPr wrap="square" lIns="0" tIns="0" rIns="0" bIns="0" rtlCol="0">
+            <a:spAutoFit/>
+          </a:bodyPr>
+          <a:lstStyle>
+            <a:defPPr>
+              <a:defRPr lang="en-US"/>
+            </a:defPPr>
+            <a:lvl1pPr algn="r">
+              <a:defRPr sz="1400">
+                <a:solidFill>
+                  <a:srgbClr val="0070C0"/>
+                </a:solidFill>
+              </a:defRPr>
+            </a:lvl1pPr>
+          </a:lstStyle>
+          <a:p>
+            <a:r>
+              <a:rPr lang="en-US" sz="1100" dirty="0"/>
+              <a:t>execute()</a:t>
+            </a:r>
+          </a:p>
+        </p:txBody>
+      </p:sp>
+      <p:cxnSp>
+        <p:nvCxnSpPr>
+          <p:cNvPr id="34" name="Straight Arrow Connector 33"/>
+          <p:cNvCxnSpPr>
+            <a:endCxn id="21" idx="2"/>
+          </p:cNvCxnSpPr>
+          <p:nvPr/>
+        </p:nvCxnSpPr>
+        <p:spPr>
+          <a:xfrm flipV="1">
+            <a:off x="4679739" y="4028080"/>
+            <a:ext cx="838371" cy="4393"/>
+          </a:xfrm>
+          <a:prstGeom prst="straightConnector1">
+            <a:avLst/>
+          </a:prstGeom>
+          <a:ln w="19050">
+            <a:solidFill>
+              <a:srgbClr val="0070C0"/>
+            </a:solidFill>
+            <a:prstDash val="sysDash"/>
+            <a:headEnd type="arrow" w="med" len="med"/>
+            <a:tailEnd type="none" w="med" len="med"/>
+          </a:ln>
+        </p:spPr>
+        <p:style>
+          <a:lnRef idx="1">
+            <a:schemeClr val="accent1"/>
+          </a:lnRef>
+          <a:fillRef idx="0">
+            <a:schemeClr val="accent1"/>
+          </a:fillRef>
+          <a:effectRef idx="0">
+            <a:schemeClr val="accent1"/>
+          </a:effectRef>
+          <a:fontRef idx="minor">
+            <a:schemeClr val="tx1"/>
+          </a:fontRef>
+        </p:style>
+      </p:cxnSp>
+      <p:cxnSp>
+        <p:nvCxnSpPr>
+          <p:cNvPr id="35" name="Straight Arrow Connector 34"/>
+          <p:cNvCxnSpPr/>
+          <p:nvPr/>
+        </p:nvCxnSpPr>
+        <p:spPr>
+          <a:xfrm flipV="1">
+            <a:off x="1365386" y="4196787"/>
+            <a:ext cx="1596514" cy="5378"/>
+          </a:xfrm>
+          <a:prstGeom prst="straightConnector1">
+            <a:avLst/>
+          </a:prstGeom>
+          <a:ln w="19050">
+            <a:solidFill>
+              <a:srgbClr val="0070C0"/>
+            </a:solidFill>
+            <a:prstDash val="sysDash"/>
+            <a:headEnd type="arrow" w="med" len="med"/>
+            <a:tailEnd type="none" w="med" len="med"/>
+          </a:ln>
+        </p:spPr>
+        <p:style>
+          <a:lnRef idx="1">
+            <a:schemeClr val="accent1"/>
+          </a:lnRef>
+          <a:fillRef idx="0">
+            <a:schemeClr val="accent1"/>
+          </a:fillRef>
+          <a:effectRef idx="0">
+            <a:schemeClr val="accent1"/>
+          </a:effectRef>
+          <a:fontRef idx="minor">
+            <a:schemeClr val="tx1"/>
+          </a:fontRef>
+        </p:style>
+      </p:cxnSp>
+      <p:cxnSp>
+        <p:nvCxnSpPr>
+          <p:cNvPr id="37" name="Straight Arrow Connector 36"/>
+          <p:cNvCxnSpPr/>
+          <p:nvPr/>
+        </p:nvCxnSpPr>
+        <p:spPr>
+          <a:xfrm>
+            <a:off x="98659" y="5744756"/>
+            <a:ext cx="1196051" cy="0"/>
+          </a:xfrm>
+          <a:prstGeom prst="straightConnector1">
+            <a:avLst/>
+          </a:prstGeom>
+          <a:ln w="19050">
+            <a:solidFill>
+              <a:schemeClr val="accent1"/>
+            </a:solidFill>
+            <a:prstDash val="sysDash"/>
+            <a:headEnd type="arrow" w="med" len="med"/>
+            <a:tailEnd type="none" w="med" len="med"/>
+          </a:ln>
+        </p:spPr>
+        <p:style>
+          <a:lnRef idx="1">
+            <a:schemeClr val="accent1"/>
+          </a:lnRef>
+          <a:fillRef idx="0">
+            <a:schemeClr val="accent1"/>
+          </a:fillRef>
+          <a:effectRef idx="0">
+            <a:schemeClr val="accent1"/>
+          </a:effectRef>
+          <a:fontRef idx="minor">
+            <a:schemeClr val="tx1"/>
+          </a:fontRef>
+        </p:style>
+      </p:cxnSp>
+      <p:sp>
+        <p:nvSpPr>
+          <p:cNvPr id="39" name="Rectangle 62"/>
+          <p:cNvSpPr/>
+          <p:nvPr/>
+        </p:nvSpPr>
+        <p:spPr>
+          <a:xfrm>
+            <a:off x="6925705" y="2302845"/>
+            <a:ext cx="1183026" cy="287955"/>
+          </a:xfrm>
+          <a:prstGeom prst="rect">
+            <a:avLst/>
+          </a:prstGeom>
+          <a:solidFill>
+            <a:schemeClr val="accent4">
+              <a:lumMod val="60000"/>
+              <a:lumOff val="40000"/>
+            </a:schemeClr>
+          </a:solidFill>
+          <a:ln w="19050">
+            <a:solidFill>
+              <a:schemeClr val="accent4">
+                <a:lumMod val="60000"/>
+                <a:lumOff val="40000"/>
+              </a:schemeClr>
+            </a:solidFill>
+          </a:ln>
+          <a:effectLst/>
+        </p:spPr>
+        <p:style>
+          <a:lnRef idx="1">
+            <a:schemeClr val="accent2"/>
+          </a:lnRef>
+          <a:fillRef idx="2">
+            <a:schemeClr val="accent2"/>
+          </a:fillRef>
+          <a:effectRef idx="1">
+            <a:schemeClr val="accent2"/>
+          </a:effectRef>
+          <a:fontRef idx="minor">
+            <a:schemeClr val="dk1"/>
+          </a:fontRef>
+        </p:style>
+        <p:txBody>
+          <a:bodyPr rtlCol="0" anchor="ctr"/>
+          <a:lstStyle/>
+          <a:p>
+            <a:pPr algn="ctr"/>
+            <a:r>
+              <a:rPr lang="en-US" sz="1200" dirty="0">
+                <a:solidFill>
+                  <a:schemeClr val="bg1"/>
+                </a:solidFill>
+              </a:rPr>
+              <a:t>:</a:t>
+            </a:r>
+            <a:r>
+              <a:rPr lang="en-US" sz="1200" dirty="0" err="1" smtClean="0">
+                <a:solidFill>
+                  <a:schemeClr val="bg1"/>
+                </a:solidFill>
+              </a:rPr>
+              <a:t>ModelManager</a:t>
+            </a:r>
+            <a:endParaRPr lang="en-SG" sz="1200" dirty="0">
+              <a:solidFill>
+                <a:schemeClr val="bg1"/>
+              </a:solidFill>
+            </a:endParaRPr>
+          </a:p>
+        </p:txBody>
+      </p:sp>
+      <p:cxnSp>
+        <p:nvCxnSpPr>
+          <p:cNvPr id="64" name="Straight Arrow Connector 63"/>
+          <p:cNvCxnSpPr>
+            <a:endCxn id="65" idx="0"/>
+          </p:cNvCxnSpPr>
+          <p:nvPr/>
+        </p:nvCxnSpPr>
+        <p:spPr>
+          <a:xfrm>
+            <a:off x="1348451" y="4448873"/>
+            <a:ext cx="4160227" cy="4393"/>
+          </a:xfrm>
+          <a:prstGeom prst="straightConnector1">
+            <a:avLst/>
+          </a:prstGeom>
+          <a:ln w="19050">
+            <a:solidFill>
+              <a:srgbClr val="0070C0"/>
+            </a:solidFill>
+            <a:tailEnd type="arrow"/>
+          </a:ln>
+        </p:spPr>
+        <p:style>
+          <a:lnRef idx="1">
+            <a:schemeClr val="accent1"/>
+          </a:lnRef>
+          <a:fillRef idx="0">
+            <a:schemeClr val="accent1"/>
+          </a:fillRef>
+          <a:effectRef idx="0">
+            <a:schemeClr val="accent1"/>
+          </a:effectRef>
+          <a:fontRef idx="minor">
+            <a:schemeClr val="tx1"/>
+          </a:fontRef>
+        </p:style>
+      </p:cxnSp>
+      <p:sp>
+        <p:nvSpPr>
+          <p:cNvPr id="65" name="Rectangle 64"/>
+          <p:cNvSpPr/>
+          <p:nvPr/>
+        </p:nvSpPr>
+        <p:spPr>
+          <a:xfrm>
+            <a:off x="5428017" y="4453266"/>
+            <a:ext cx="161322" cy="1019400"/>
+          </a:xfrm>
+          <a:prstGeom prst="rect">
+            <a:avLst/>
+          </a:prstGeom>
+          <a:solidFill>
+            <a:srgbClr val="0070C0"/>
+          </a:solidFill>
+          <a:ln>
+            <a:solidFill>
+              <a:srgbClr val="0070C0"/>
+            </a:solidFill>
+          </a:ln>
+          <a:effectLst/>
+        </p:spPr>
+        <p:style>
+          <a:lnRef idx="1">
+            <a:schemeClr val="accent3"/>
+          </a:lnRef>
+          <a:fillRef idx="2">
+            <a:schemeClr val="accent3"/>
+          </a:fillRef>
+          <a:effectRef idx="1">
+            <a:schemeClr val="accent3"/>
+          </a:effectRef>
+          <a:fontRef idx="minor">
+            <a:schemeClr val="dk1"/>
+          </a:fontRef>
+        </p:style>
+        <p:txBody>
+          <a:bodyPr rtlCol="0" anchor="ctr"/>
+          <a:lstStyle/>
+          <a:p>
+            <a:pPr algn="ctr"/>
+            <a:endParaRPr lang="en-SG" sz="1100"/>
+          </a:p>
+        </p:txBody>
+      </p:sp>
+      <p:cxnSp>
+        <p:nvCxnSpPr>
+          <p:cNvPr id="71" name="Straight Connector 70"/>
+          <p:cNvCxnSpPr/>
+          <p:nvPr/>
+        </p:nvCxnSpPr>
+        <p:spPr>
+          <a:xfrm>
+            <a:off x="7516186" y="2625835"/>
+            <a:ext cx="0" cy="2830598"/>
+          </a:xfrm>
+          <a:prstGeom prst="line">
+            <a:avLst/>
+          </a:prstGeom>
+          <a:ln w="19050">
+            <a:solidFill>
+              <a:schemeClr val="accent4">
+                <a:lumMod val="60000"/>
+                <a:lumOff val="40000"/>
+              </a:schemeClr>
+            </a:solidFill>
+            <a:prstDash val="sysDash"/>
+          </a:ln>
+          <a:effectLst/>
+        </p:spPr>
+        <p:style>
+          <a:lnRef idx="1">
+            <a:schemeClr val="accent1"/>
+          </a:lnRef>
+          <a:fillRef idx="2">
+            <a:schemeClr val="accent1"/>
+          </a:fillRef>
+          <a:effectRef idx="1">
+            <a:schemeClr val="accent1"/>
+          </a:effectRef>
+          <a:fontRef idx="minor">
+            <a:schemeClr val="dk1"/>
+          </a:fontRef>
+        </p:style>
+      </p:cxnSp>
+      <p:sp>
+        <p:nvSpPr>
+          <p:cNvPr id="73" name="Rectangle 72"/>
+          <p:cNvSpPr/>
+          <p:nvPr/>
+        </p:nvSpPr>
+        <p:spPr>
+          <a:xfrm>
+            <a:off x="7439986" y="4525643"/>
+            <a:ext cx="152400" cy="199803"/>
+          </a:xfrm>
+          <a:prstGeom prst="rect">
+            <a:avLst/>
+          </a:prstGeom>
+          <a:solidFill>
+            <a:schemeClr val="accent4">
+              <a:lumMod val="60000"/>
+              <a:lumOff val="40000"/>
+            </a:schemeClr>
+          </a:solidFill>
+          <a:ln>
+            <a:solidFill>
+              <a:schemeClr val="accent4">
+                <a:lumMod val="60000"/>
+                <a:lumOff val="40000"/>
+              </a:schemeClr>
+            </a:solidFill>
+          </a:ln>
+          <a:effectLst/>
+        </p:spPr>
+        <p:style>
+          <a:lnRef idx="1">
+            <a:schemeClr val="accent3"/>
+          </a:lnRef>
+          <a:fillRef idx="2">
+            <a:schemeClr val="accent3"/>
+          </a:fillRef>
+          <a:effectRef idx="1">
+            <a:schemeClr val="accent3"/>
+          </a:effectRef>
+          <a:fontRef idx="minor">
+            <a:schemeClr val="dk1"/>
+          </a:fontRef>
+        </p:style>
+        <p:txBody>
+          <a:bodyPr rtlCol="0" anchor="ctr"/>
+          <a:lstStyle/>
+          <a:p>
+            <a:pPr algn="ctr"/>
+            <a:endParaRPr lang="en-SG" sz="1100">
+              <a:solidFill>
+                <a:schemeClr val="dk1"/>
+              </a:solidFill>
+            </a:endParaRPr>
+          </a:p>
+        </p:txBody>
+      </p:sp>
+      <p:cxnSp>
+        <p:nvCxnSpPr>
+          <p:cNvPr id="75" name="Straight Arrow Connector 74"/>
+          <p:cNvCxnSpPr/>
+          <p:nvPr/>
+        </p:nvCxnSpPr>
+        <p:spPr>
+          <a:xfrm>
+            <a:off x="5603849" y="4525643"/>
+            <a:ext cx="1836137" cy="0"/>
+          </a:xfrm>
+          <a:prstGeom prst="straightConnector1">
+            <a:avLst/>
+          </a:prstGeom>
+          <a:ln w="19050">
+            <a:solidFill>
+              <a:srgbClr val="0070C0"/>
+            </a:solidFill>
+            <a:tailEnd type="arrow"/>
+          </a:ln>
+        </p:spPr>
+        <p:style>
+          <a:lnRef idx="1">
+            <a:schemeClr val="accent1"/>
+          </a:lnRef>
+          <a:fillRef idx="0">
+            <a:schemeClr val="accent1"/>
+          </a:fillRef>
+          <a:effectRef idx="0">
+            <a:schemeClr val="accent1"/>
+          </a:effectRef>
+          <a:fontRef idx="minor">
+            <a:schemeClr val="tx1"/>
+          </a:fontRef>
+        </p:style>
+      </p:cxnSp>
+      <p:cxnSp>
+        <p:nvCxnSpPr>
+          <p:cNvPr id="76" name="Straight Arrow Connector 75"/>
+          <p:cNvCxnSpPr/>
+          <p:nvPr/>
+        </p:nvCxnSpPr>
+        <p:spPr>
+          <a:xfrm flipV="1">
+            <a:off x="5601960" y="4715696"/>
+            <a:ext cx="1838026" cy="9750"/>
+          </a:xfrm>
+          <a:prstGeom prst="straightConnector1">
+            <a:avLst/>
+          </a:prstGeom>
+          <a:ln w="19050">
+            <a:solidFill>
+              <a:schemeClr val="accent4">
+                <a:lumMod val="60000"/>
+                <a:lumOff val="40000"/>
+              </a:schemeClr>
+            </a:solidFill>
+            <a:prstDash val="sysDash"/>
+            <a:headEnd type="arrow" w="med" len="med"/>
+            <a:tailEnd type="none" w="med" len="med"/>
+          </a:ln>
+        </p:spPr>
+        <p:style>
+          <a:lnRef idx="1">
+            <a:schemeClr val="accent1"/>
+          </a:lnRef>
+          <a:fillRef idx="0">
+            <a:schemeClr val="accent1"/>
+          </a:fillRef>
+          <a:effectRef idx="0">
+            <a:schemeClr val="accent1"/>
+          </a:effectRef>
+          <a:fontRef idx="minor">
+            <a:schemeClr val="tx1"/>
+          </a:fontRef>
+        </p:style>
+      </p:cxnSp>
+      <p:cxnSp>
+        <p:nvCxnSpPr>
+          <p:cNvPr id="77" name="Straight Arrow Connector 76"/>
+          <p:cNvCxnSpPr>
+            <a:endCxn id="65" idx="2"/>
+          </p:cNvCxnSpPr>
+          <p:nvPr/>
+        </p:nvCxnSpPr>
+        <p:spPr>
+          <a:xfrm flipV="1">
+            <a:off x="1313588" y="5472666"/>
+            <a:ext cx="4195090" cy="19378"/>
+          </a:xfrm>
+          <a:prstGeom prst="straightConnector1">
+            <a:avLst/>
+          </a:prstGeom>
+          <a:ln w="19050">
+            <a:solidFill>
+              <a:srgbClr val="0070C0"/>
+            </a:solidFill>
+            <a:prstDash val="sysDash"/>
+            <a:headEnd type="arrow" w="med" len="med"/>
+            <a:tailEnd type="none" w="med" len="med"/>
+          </a:ln>
+        </p:spPr>
+        <p:style>
+          <a:lnRef idx="1">
+            <a:schemeClr val="accent1"/>
+          </a:lnRef>
+          <a:fillRef idx="0">
+            <a:schemeClr val="accent1"/>
+          </a:fillRef>
+          <a:effectRef idx="0">
+            <a:schemeClr val="accent1"/>
+          </a:effectRef>
+          <a:fontRef idx="minor">
+            <a:schemeClr val="tx1"/>
+          </a:fontRef>
+        </p:style>
+      </p:cxnSp>
+      <p:sp>
+        <p:nvSpPr>
+          <p:cNvPr id="78" name="TextBox 77"/>
+          <p:cNvSpPr txBox="1"/>
+          <p:nvPr/>
+        </p:nvSpPr>
+        <p:spPr>
+          <a:xfrm>
+            <a:off x="5485550" y="4288382"/>
+            <a:ext cx="2013560" cy="169277"/>
+          </a:xfrm>
+          <a:prstGeom prst="rect">
+            <a:avLst/>
+          </a:prstGeom>
+          <a:noFill/>
+        </p:spPr>
+        <p:txBody>
+          <a:bodyPr wrap="square" lIns="0" tIns="0" rIns="0" bIns="0" rtlCol="0">
+            <a:spAutoFit/>
+          </a:bodyPr>
+          <a:lstStyle>
+            <a:defPPr>
+              <a:defRPr lang="en-US"/>
+            </a:defPPr>
+            <a:lvl1pPr algn="r">
+              <a:defRPr sz="1400">
+                <a:solidFill>
+                  <a:srgbClr val="0070C0"/>
+                </a:solidFill>
+              </a:defRPr>
+            </a:lvl1pPr>
+          </a:lstStyle>
+          <a:p>
+            <a:r>
+              <a:rPr lang="en-US" sz="1100" dirty="0" err="1" smtClean="0">
+                <a:solidFill>
+                  <a:srgbClr val="7030A0"/>
+                </a:solidFill>
+              </a:rPr>
+              <a:t>addPrisonerToCell</a:t>
+            </a:r>
+            <a:r>
+              <a:rPr lang="en-US" sz="1100" dirty="0" smtClean="0">
+                <a:solidFill>
+                  <a:srgbClr val="7030A0"/>
+                </a:solidFill>
+              </a:rPr>
+              <a:t>(p, </a:t>
+            </a:r>
+            <a:r>
+              <a:rPr lang="en-US" sz="1100" dirty="0" err="1" smtClean="0">
+                <a:solidFill>
+                  <a:srgbClr val="7030A0"/>
+                </a:solidFill>
+              </a:rPr>
+              <a:t>cellAddress</a:t>
+            </a:r>
+            <a:r>
+              <a:rPr lang="en-US" sz="1100" dirty="0" smtClean="0">
+                <a:solidFill>
+                  <a:srgbClr val="7030A0"/>
+                </a:solidFill>
+              </a:rPr>
+              <a:t>)</a:t>
+            </a:r>
+            <a:endParaRPr lang="en-US" sz="1100" dirty="0">
+              <a:solidFill>
+                <a:srgbClr val="7030A0"/>
+              </a:solidFill>
+            </a:endParaRPr>
+          </a:p>
+        </p:txBody>
+      </p:sp>
+      <p:sp>
+        <p:nvSpPr>
+          <p:cNvPr id="79" name="TextBox 78"/>
+          <p:cNvSpPr txBox="1"/>
+          <p:nvPr/>
+        </p:nvSpPr>
+        <p:spPr>
+          <a:xfrm>
+            <a:off x="3332591" y="3657600"/>
+            <a:ext cx="767033" cy="161583"/>
+          </a:xfrm>
+          <a:prstGeom prst="rect">
+            <a:avLst/>
+          </a:prstGeom>
+          <a:noFill/>
+        </p:spPr>
+        <p:txBody>
+          <a:bodyPr wrap="square" lIns="0" tIns="0" rIns="0" bIns="0" rtlCol="0">
+            <a:spAutoFit/>
+          </a:bodyPr>
+          <a:lstStyle>
+            <a:defPPr>
+              <a:defRPr lang="en-US"/>
+            </a:defPPr>
+            <a:lvl1pPr algn="r">
+              <a:defRPr sz="1400">
+                <a:solidFill>
+                  <a:srgbClr val="0070C0"/>
+                </a:solidFill>
+              </a:defRPr>
+            </a:lvl1pPr>
+          </a:lstStyle>
+          <a:p>
+            <a:r>
+              <a:rPr lang="en-US" sz="1050" dirty="0"/>
+              <a:t>parse(“</a:t>
+            </a:r>
+            <a:r>
+              <a:rPr lang="en-US" sz="1050" dirty="0" smtClean="0"/>
+              <a:t>1 1-1”)</a:t>
+            </a:r>
+            <a:endParaRPr lang="en-US" sz="1050" dirty="0"/>
+          </a:p>
+        </p:txBody>
+      </p:sp>
+      <p:sp>
+        <p:nvSpPr>
+          <p:cNvPr id="80" name="TextBox 79"/>
+          <p:cNvSpPr txBox="1"/>
+          <p:nvPr/>
+        </p:nvSpPr>
+        <p:spPr>
+          <a:xfrm>
+            <a:off x="1302969" y="2862454"/>
+            <a:ext cx="1424846" cy="169277"/>
+          </a:xfrm>
+          <a:prstGeom prst="rect">
+            <a:avLst/>
+          </a:prstGeom>
+          <a:noFill/>
+        </p:spPr>
+        <p:txBody>
+          <a:bodyPr wrap="square" lIns="0" tIns="0" rIns="0" bIns="0" rtlCol="0">
+            <a:spAutoFit/>
+          </a:bodyPr>
+          <a:lstStyle>
+            <a:defPPr>
+              <a:defRPr lang="en-US"/>
+            </a:defPPr>
+            <a:lvl1pPr algn="r">
+              <a:defRPr sz="1400">
+                <a:solidFill>
+                  <a:srgbClr val="0070C0"/>
+                </a:solidFill>
+              </a:defRPr>
+            </a:lvl1pPr>
+          </a:lstStyle>
+          <a:p>
+            <a:r>
+              <a:rPr lang="en-US" sz="1100" dirty="0"/>
+              <a:t>parse</a:t>
+            </a:r>
+            <a:r>
+              <a:rPr lang="en-US" sz="1100" dirty="0" smtClean="0"/>
+              <a:t>(“</a:t>
+            </a:r>
+            <a:r>
+              <a:rPr lang="en-US" sz="1100" dirty="0" err="1" smtClean="0"/>
+              <a:t>addcell</a:t>
+            </a:r>
+            <a:r>
+              <a:rPr lang="en-US" sz="1100" dirty="0" smtClean="0"/>
+              <a:t> 1 1-1”)</a:t>
+            </a:r>
+            <a:endParaRPr lang="en-US" sz="1100" dirty="0"/>
+          </a:p>
+        </p:txBody>
+      </p:sp>
+      <p:sp>
+        <p:nvSpPr>
+          <p:cNvPr id="82" name="TextBox 81"/>
+          <p:cNvSpPr txBox="1"/>
+          <p:nvPr/>
+        </p:nvSpPr>
+        <p:spPr>
+          <a:xfrm>
+            <a:off x="4035337" y="5208879"/>
+            <a:ext cx="621216" cy="169277"/>
+          </a:xfrm>
+          <a:prstGeom prst="rect">
+            <a:avLst/>
+          </a:prstGeom>
+          <a:noFill/>
+        </p:spPr>
+        <p:txBody>
+          <a:bodyPr wrap="square" lIns="0" tIns="0" rIns="0" bIns="0" rtlCol="0">
+            <a:spAutoFit/>
+          </a:bodyPr>
+          <a:lstStyle>
+            <a:defPPr>
+              <a:defRPr lang="en-US"/>
+            </a:defPPr>
+            <a:lvl1pPr algn="r">
+              <a:defRPr sz="1400">
+                <a:solidFill>
+                  <a:srgbClr val="0070C0"/>
+                </a:solidFill>
+              </a:defRPr>
+            </a:lvl1pPr>
+          </a:lstStyle>
+          <a:p>
+            <a:r>
+              <a:rPr lang="en-US" sz="1100" dirty="0"/>
+              <a:t>result</a:t>
+            </a:r>
+          </a:p>
+        </p:txBody>
+      </p:sp>
+      <p:sp>
+        <p:nvSpPr>
+          <p:cNvPr id="83" name="TextBox 82"/>
+          <p:cNvSpPr txBox="1"/>
+          <p:nvPr/>
+        </p:nvSpPr>
+        <p:spPr>
+          <a:xfrm>
+            <a:off x="295183" y="5492044"/>
+            <a:ext cx="762000" cy="169277"/>
+          </a:xfrm>
+          <a:prstGeom prst="rect">
+            <a:avLst/>
+          </a:prstGeom>
+          <a:noFill/>
+        </p:spPr>
+        <p:txBody>
+          <a:bodyPr wrap="square" lIns="0" tIns="0" rIns="0" bIns="0" rtlCol="0">
+            <a:spAutoFit/>
+          </a:bodyPr>
+          <a:lstStyle>
+            <a:defPPr>
+              <a:defRPr lang="en-US"/>
+            </a:defPPr>
+            <a:lvl1pPr algn="r">
+              <a:defRPr sz="1400">
+                <a:solidFill>
+                  <a:srgbClr val="0070C0"/>
+                </a:solidFill>
+              </a:defRPr>
+            </a:lvl1pPr>
+          </a:lstStyle>
+          <a:p>
+            <a:r>
+              <a:rPr lang="en-US" sz="1100" dirty="0"/>
+              <a:t>result</a:t>
+            </a:r>
+          </a:p>
+        </p:txBody>
+      </p:sp>
+      <p:sp>
+        <p:nvSpPr>
+          <p:cNvPr id="84" name="Rectangle 62"/>
+          <p:cNvSpPr/>
+          <p:nvPr/>
+        </p:nvSpPr>
+        <p:spPr>
+          <a:xfrm>
+            <a:off x="5773310" y="4782414"/>
+            <a:ext cx="1590354" cy="461538"/>
+          </a:xfrm>
+          <a:prstGeom prst="rect">
+            <a:avLst/>
+          </a:prstGeom>
+          <a:solidFill>
+            <a:srgbClr val="0070C0"/>
+          </a:solidFill>
+          <a:ln w="19050">
+            <a:solidFill>
+              <a:srgbClr val="0070C0"/>
+            </a:solidFill>
+          </a:ln>
+          <a:effectLst/>
+        </p:spPr>
+        <p:style>
+          <a:lnRef idx="1">
+            <a:schemeClr val="accent2"/>
+          </a:lnRef>
+          <a:fillRef idx="2">
+            <a:schemeClr val="accent2"/>
+          </a:fillRef>
+          <a:effectRef idx="1">
+            <a:schemeClr val="accent2"/>
+          </a:effectRef>
+          <a:fontRef idx="minor">
+            <a:schemeClr val="dk1"/>
+          </a:fontRef>
+        </p:style>
+        <p:txBody>
+          <a:bodyPr rtlCol="0" anchor="ctr"/>
+          <a:lstStyle/>
+          <a:p>
+            <a:pPr algn="ctr"/>
+            <a:r>
+              <a:rPr lang="en-US" sz="1200" dirty="0" err="1">
+                <a:solidFill>
+                  <a:schemeClr val="bg1"/>
+                </a:solidFill>
+              </a:rPr>
+              <a:t>result:Command</a:t>
+            </a:r>
+            <a:r>
+              <a:rPr lang="en-US" sz="1200" dirty="0">
+                <a:solidFill>
+                  <a:schemeClr val="bg1"/>
+                </a:solidFill>
+              </a:rPr>
+              <a:t> Result</a:t>
+            </a:r>
+            <a:endParaRPr lang="en-SG" sz="1200" dirty="0">
+              <a:solidFill>
+                <a:schemeClr val="bg1"/>
+              </a:solidFill>
+            </a:endParaRPr>
+          </a:p>
+        </p:txBody>
+      </p:sp>
+      <p:sp>
+        <p:nvSpPr>
+          <p:cNvPr id="86" name="Rectangle 85"/>
+          <p:cNvSpPr/>
+          <p:nvPr/>
+        </p:nvSpPr>
+        <p:spPr>
+          <a:xfrm>
+            <a:off x="6530509" y="5239870"/>
+            <a:ext cx="152400" cy="171376"/>
+          </a:xfrm>
+          <a:prstGeom prst="rect">
+            <a:avLst/>
+          </a:prstGeom>
+          <a:solidFill>
+            <a:srgbClr val="0070C0"/>
+          </a:solidFill>
+          <a:ln>
+            <a:solidFill>
+              <a:srgbClr val="0070C0"/>
+            </a:solidFill>
+          </a:ln>
+          <a:effectLst/>
+        </p:spPr>
+        <p:style>
+          <a:lnRef idx="1">
+            <a:schemeClr val="accent3"/>
+          </a:lnRef>
+          <a:fillRef idx="2">
+            <a:schemeClr val="accent3"/>
+          </a:fillRef>
+          <a:effectRef idx="1">
+            <a:schemeClr val="accent3"/>
+          </a:effectRef>
+          <a:fontRef idx="minor">
+            <a:schemeClr val="dk1"/>
+          </a:fontRef>
+        </p:style>
+        <p:txBody>
+          <a:bodyPr rtlCol="0" anchor="ctr"/>
+          <a:lstStyle/>
+          <a:p>
+            <a:pPr algn="ctr"/>
+            <a:endParaRPr lang="en-SG" sz="1100"/>
+          </a:p>
+        </p:txBody>
+      </p:sp>
+      <p:cxnSp>
+        <p:nvCxnSpPr>
+          <p:cNvPr id="90" name="Straight Arrow Connector 89"/>
+          <p:cNvCxnSpPr/>
+          <p:nvPr/>
+        </p:nvCxnSpPr>
+        <p:spPr>
+          <a:xfrm>
+            <a:off x="5611186" y="5411246"/>
+            <a:ext cx="966624" cy="0"/>
+          </a:xfrm>
+          <a:prstGeom prst="straightConnector1">
+            <a:avLst/>
+          </a:prstGeom>
+          <a:ln w="19050">
+            <a:solidFill>
+              <a:srgbClr val="0070C0"/>
+            </a:solidFill>
+            <a:prstDash val="sysDash"/>
+            <a:headEnd type="arrow" w="med" len="med"/>
+            <a:tailEnd type="none" w="med" len="med"/>
+          </a:ln>
+        </p:spPr>
+        <p:style>
+          <a:lnRef idx="1">
+            <a:schemeClr val="accent1"/>
+          </a:lnRef>
+          <a:fillRef idx="0">
+            <a:schemeClr val="accent1"/>
+          </a:fillRef>
+          <a:effectRef idx="0">
+            <a:schemeClr val="accent1"/>
+          </a:effectRef>
+          <a:fontRef idx="minor">
+            <a:schemeClr val="tx1"/>
+          </a:fontRef>
+        </p:style>
+      </p:cxnSp>
+      <p:sp>
+        <p:nvSpPr>
+          <p:cNvPr id="93" name="TextBox 92"/>
+          <p:cNvSpPr txBox="1"/>
+          <p:nvPr/>
+        </p:nvSpPr>
+        <p:spPr>
+          <a:xfrm>
+            <a:off x="2369045" y="3981343"/>
+            <a:ext cx="220343" cy="169277"/>
+          </a:xfrm>
+          <a:prstGeom prst="rect">
+            <a:avLst/>
+          </a:prstGeom>
+          <a:noFill/>
+        </p:spPr>
+        <p:txBody>
+          <a:bodyPr wrap="square" lIns="0" tIns="0" rIns="0" bIns="0" rtlCol="0">
+            <a:spAutoFit/>
+          </a:bodyPr>
+          <a:lstStyle>
+            <a:defPPr>
+              <a:defRPr lang="en-US"/>
+            </a:defPPr>
+            <a:lvl1pPr algn="r">
+              <a:defRPr sz="1400">
+                <a:solidFill>
+                  <a:srgbClr val="0070C0"/>
+                </a:solidFill>
+              </a:defRPr>
+            </a:lvl1pPr>
+          </a:lstStyle>
+          <a:p>
+            <a:r>
+              <a:rPr lang="en-US" sz="1100" dirty="0" smtClean="0"/>
+              <a:t>ac</a:t>
+            </a:r>
+            <a:endParaRPr lang="en-US" sz="1100" dirty="0"/>
+          </a:p>
+        </p:txBody>
+      </p:sp>
+      <p:sp>
+        <p:nvSpPr>
+          <p:cNvPr id="40" name="Rectangle 62"/>
+          <p:cNvSpPr/>
+          <p:nvPr/>
+        </p:nvSpPr>
+        <p:spPr>
+          <a:xfrm>
+            <a:off x="3839764" y="2959290"/>
+            <a:ext cx="1468091" cy="356368"/>
+          </a:xfrm>
+          <a:prstGeom prst="rect">
+            <a:avLst/>
+          </a:prstGeom>
+          <a:solidFill>
+            <a:srgbClr val="0070C0"/>
+          </a:solidFill>
+          <a:ln w="19050">
+            <a:solidFill>
+              <a:srgbClr val="0070C0"/>
+            </a:solidFill>
+          </a:ln>
+          <a:effectLst/>
+        </p:spPr>
+        <p:style>
+          <a:lnRef idx="1">
+            <a:schemeClr val="accent2"/>
+          </a:lnRef>
+          <a:fillRef idx="2">
+            <a:schemeClr val="accent2"/>
+          </a:fillRef>
+          <a:effectRef idx="1">
+            <a:schemeClr val="accent2"/>
+          </a:effectRef>
+          <a:fontRef idx="minor">
+            <a:schemeClr val="dk1"/>
+          </a:fontRef>
+        </p:style>
+        <p:txBody>
+          <a:bodyPr rtlCol="0" anchor="ctr"/>
+          <a:lstStyle/>
+          <a:p>
+            <a:pPr algn="ctr"/>
+            <a:r>
+              <a:rPr lang="en-US" sz="1200" dirty="0" smtClean="0">
+                <a:solidFill>
+                  <a:schemeClr val="bg1"/>
+                </a:solidFill>
+              </a:rPr>
+              <a:t>:</a:t>
+            </a:r>
+            <a:r>
+              <a:rPr lang="en-US" sz="1200" dirty="0" err="1" smtClean="0">
+                <a:solidFill>
+                  <a:schemeClr val="bg1"/>
+                </a:solidFill>
+              </a:rPr>
+              <a:t>AddCellCommand</a:t>
+            </a:r>
+            <a:endParaRPr lang="en-US" sz="1200" dirty="0">
+              <a:solidFill>
+                <a:schemeClr val="bg1"/>
+              </a:solidFill>
+            </a:endParaRPr>
+          </a:p>
+          <a:p>
+            <a:pPr algn="ctr"/>
+            <a:r>
+              <a:rPr lang="en-US" sz="1200" dirty="0">
+                <a:solidFill>
+                  <a:schemeClr val="bg1"/>
+                </a:solidFill>
+              </a:rPr>
+              <a:t>Parser</a:t>
+            </a:r>
+            <a:endParaRPr lang="en-SG" sz="1200" dirty="0">
+              <a:solidFill>
+                <a:schemeClr val="bg1"/>
+              </a:solidFill>
+            </a:endParaRPr>
+          </a:p>
+        </p:txBody>
+      </p:sp>
+      <p:cxnSp>
+        <p:nvCxnSpPr>
+          <p:cNvPr id="8" name="Straight Arrow Connector 7"/>
+          <p:cNvCxnSpPr/>
+          <p:nvPr/>
+        </p:nvCxnSpPr>
+        <p:spPr>
+          <a:xfrm>
+            <a:off x="3047163" y="3656770"/>
+            <a:ext cx="1434045" cy="22263"/>
+          </a:xfrm>
+          <a:prstGeom prst="straightConnector1">
+            <a:avLst/>
+          </a:prstGeom>
+          <a:ln w="19050">
+            <a:headEnd type="none" w="med" len="med"/>
+            <a:tailEnd type="arrow" w="med" len="med"/>
+          </a:ln>
+        </p:spPr>
+        <p:style>
+          <a:lnRef idx="1">
+            <a:schemeClr val="accent1"/>
+          </a:lnRef>
+          <a:fillRef idx="0">
+            <a:schemeClr val="accent1"/>
+          </a:fillRef>
+          <a:effectRef idx="0">
+            <a:schemeClr val="accent1"/>
+          </a:effectRef>
+          <a:fontRef idx="minor">
+            <a:schemeClr val="tx1"/>
+          </a:fontRef>
+        </p:style>
+      </p:cxnSp>
+      <p:sp>
+        <p:nvSpPr>
+          <p:cNvPr id="45" name="Rectangle 44"/>
+          <p:cNvSpPr/>
+          <p:nvPr/>
+        </p:nvSpPr>
+        <p:spPr>
+          <a:xfrm>
+            <a:off x="4495500" y="3286032"/>
+            <a:ext cx="205843" cy="123165"/>
+          </a:xfrm>
+          <a:prstGeom prst="rect">
+            <a:avLst/>
+          </a:prstGeom>
+          <a:solidFill>
+            <a:srgbClr val="0070C0"/>
+          </a:solidFill>
+          <a:ln>
+            <a:solidFill>
+              <a:srgbClr val="0070C0"/>
+            </a:solidFill>
+          </a:ln>
+          <a:effectLst/>
+        </p:spPr>
+        <p:style>
+          <a:lnRef idx="1">
+            <a:schemeClr val="accent3"/>
+          </a:lnRef>
+          <a:fillRef idx="2">
+            <a:schemeClr val="accent3"/>
+          </a:fillRef>
+          <a:effectRef idx="1">
+            <a:schemeClr val="accent3"/>
+          </a:effectRef>
+          <a:fontRef idx="minor">
+            <a:schemeClr val="dk1"/>
+          </a:fontRef>
+        </p:style>
+        <p:txBody>
+          <a:bodyPr rtlCol="0" anchor="ctr"/>
+          <a:lstStyle/>
+          <a:p>
+            <a:pPr algn="ctr"/>
+            <a:endParaRPr lang="en-SG" sz="1100"/>
+          </a:p>
+        </p:txBody>
+      </p:sp>
+      <p:cxnSp>
+        <p:nvCxnSpPr>
+          <p:cNvPr id="46" name="Straight Connector 45"/>
+          <p:cNvCxnSpPr/>
+          <p:nvPr/>
+        </p:nvCxnSpPr>
+        <p:spPr>
+          <a:xfrm>
+            <a:off x="4598421" y="3383789"/>
+            <a:ext cx="0" cy="990600"/>
+          </a:xfrm>
+          <a:prstGeom prst="line">
+            <a:avLst/>
+          </a:prstGeom>
+          <a:ln w="19050">
+            <a:solidFill>
+              <a:srgbClr val="0070C0"/>
+            </a:solidFill>
+            <a:prstDash val="sysDash"/>
+          </a:ln>
+          <a:effectLst/>
+        </p:spPr>
+        <p:style>
+          <a:lnRef idx="1">
+            <a:schemeClr val="accent1"/>
+          </a:lnRef>
+          <a:fillRef idx="2">
+            <a:schemeClr val="accent1"/>
+          </a:fillRef>
+          <a:effectRef idx="1">
+            <a:schemeClr val="accent1"/>
+          </a:effectRef>
+          <a:fontRef idx="minor">
+            <a:schemeClr val="dk1"/>
+          </a:fontRef>
+        </p:style>
+      </p:cxnSp>
+      <p:sp>
+        <p:nvSpPr>
+          <p:cNvPr id="49" name="Rectangle 48"/>
+          <p:cNvSpPr/>
+          <p:nvPr/>
+        </p:nvSpPr>
+        <p:spPr>
+          <a:xfrm>
+            <a:off x="4473896" y="3580918"/>
+            <a:ext cx="205843" cy="533400"/>
+          </a:xfrm>
+          <a:prstGeom prst="rect">
+            <a:avLst/>
+          </a:prstGeom>
+          <a:solidFill>
+            <a:srgbClr val="0070C0"/>
+          </a:solidFill>
+          <a:ln>
+            <a:solidFill>
+              <a:srgbClr val="0070C0"/>
+            </a:solidFill>
+          </a:ln>
+          <a:effectLst/>
+        </p:spPr>
+        <p:style>
+          <a:lnRef idx="1">
+            <a:schemeClr val="accent3"/>
+          </a:lnRef>
+          <a:fillRef idx="2">
+            <a:schemeClr val="accent3"/>
+          </a:fillRef>
+          <a:effectRef idx="1">
+            <a:schemeClr val="accent3"/>
+          </a:effectRef>
+          <a:fontRef idx="minor">
+            <a:schemeClr val="dk1"/>
+          </a:fontRef>
+        </p:style>
+        <p:txBody>
+          <a:bodyPr rtlCol="0" anchor="ctr"/>
+          <a:lstStyle/>
+          <a:p>
+            <a:pPr algn="ctr"/>
+            <a:endParaRPr lang="en-SG" sz="1100"/>
+          </a:p>
+        </p:txBody>
+      </p:sp>
+      <p:cxnSp>
+        <p:nvCxnSpPr>
+          <p:cNvPr id="51" name="Straight Arrow Connector 50"/>
+          <p:cNvCxnSpPr/>
+          <p:nvPr/>
+        </p:nvCxnSpPr>
+        <p:spPr>
+          <a:xfrm>
+            <a:off x="3006154" y="4104459"/>
+            <a:ext cx="1667219" cy="0"/>
+          </a:xfrm>
+          <a:prstGeom prst="straightConnector1">
+            <a:avLst/>
+          </a:prstGeom>
+          <a:ln w="19050">
+            <a:solidFill>
+              <a:srgbClr val="0070C0"/>
+            </a:solidFill>
+            <a:prstDash val="sysDash"/>
+            <a:headEnd type="arrow" w="med" len="med"/>
+            <a:tailEnd type="none" w="med" len="med"/>
+          </a:ln>
+        </p:spPr>
+        <p:style>
+          <a:lnRef idx="1">
+            <a:schemeClr val="accent1"/>
+          </a:lnRef>
+          <a:fillRef idx="0">
+            <a:schemeClr val="accent1"/>
+          </a:fillRef>
+          <a:effectRef idx="0">
+            <a:schemeClr val="accent1"/>
+          </a:effectRef>
+          <a:fontRef idx="minor">
+            <a:schemeClr val="tx1"/>
+          </a:fontRef>
+        </p:style>
+      </p:cxnSp>
+      <p:cxnSp>
+        <p:nvCxnSpPr>
+          <p:cNvPr id="13" name="Straight Arrow Connector 12"/>
+          <p:cNvCxnSpPr/>
+          <p:nvPr/>
+        </p:nvCxnSpPr>
+        <p:spPr>
+          <a:xfrm>
+            <a:off x="5611186" y="5030246"/>
+            <a:ext cx="162246" cy="0"/>
+          </a:xfrm>
+          <a:prstGeom prst="straightConnector1">
+            <a:avLst/>
+          </a:prstGeom>
+          <a:ln w="19050">
+            <a:headEnd type="none" w="med" len="med"/>
+            <a:tailEnd type="arrow" w="med" len="med"/>
+          </a:ln>
+        </p:spPr>
+        <p:style>
+          <a:lnRef idx="1">
+            <a:schemeClr val="accent1"/>
+          </a:lnRef>
+          <a:fillRef idx="0">
+            <a:schemeClr val="accent1"/>
+          </a:fillRef>
+          <a:effectRef idx="0">
+            <a:schemeClr val="accent1"/>
+          </a:effectRef>
+          <a:fontRef idx="minor">
+            <a:schemeClr val="tx1"/>
+          </a:fontRef>
+        </p:style>
+      </p:cxnSp>
+      <p:cxnSp>
+        <p:nvCxnSpPr>
+          <p:cNvPr id="50" name="Straight Arrow Connector 49"/>
+          <p:cNvCxnSpPr/>
+          <p:nvPr/>
+        </p:nvCxnSpPr>
+        <p:spPr>
+          <a:xfrm>
+            <a:off x="3022351" y="3115614"/>
+            <a:ext cx="819556" cy="1"/>
+          </a:xfrm>
+          <a:prstGeom prst="straightConnector1">
+            <a:avLst/>
+          </a:prstGeom>
+          <a:ln w="19050">
+            <a:solidFill>
+              <a:srgbClr val="0070C0"/>
+            </a:solidFill>
+            <a:tailEnd type="arrow"/>
+          </a:ln>
+        </p:spPr>
+        <p:style>
+          <a:lnRef idx="1">
+            <a:schemeClr val="accent1"/>
+          </a:lnRef>
+          <a:fillRef idx="0">
+            <a:schemeClr val="accent1"/>
+          </a:fillRef>
+          <a:effectRef idx="0">
+            <a:schemeClr val="accent1"/>
+          </a:effectRef>
+          <a:fontRef idx="minor">
+            <a:schemeClr val="tx1"/>
+          </a:fontRef>
+        </p:style>
+      </p:cxnSp>
+      <p:cxnSp>
+        <p:nvCxnSpPr>
+          <p:cNvPr id="52" name="Straight Arrow Connector 51"/>
+          <p:cNvCxnSpPr/>
+          <p:nvPr/>
+        </p:nvCxnSpPr>
+        <p:spPr>
+          <a:xfrm>
+            <a:off x="3029552" y="3409551"/>
+            <a:ext cx="1568869" cy="7714"/>
+          </a:xfrm>
+          <a:prstGeom prst="straightConnector1">
+            <a:avLst/>
+          </a:prstGeom>
+          <a:ln w="19050">
+            <a:solidFill>
+              <a:srgbClr val="0070C0"/>
+            </a:solidFill>
+            <a:prstDash val="sysDash"/>
+            <a:headEnd type="arrow" w="med" len="med"/>
+            <a:tailEnd type="none" w="med" len="med"/>
+          </a:ln>
+        </p:spPr>
+        <p:style>
+          <a:lnRef idx="1">
+            <a:schemeClr val="accent1"/>
+          </a:lnRef>
+          <a:fillRef idx="0">
+            <a:schemeClr val="accent1"/>
+          </a:fillRef>
+          <a:effectRef idx="0">
+            <a:schemeClr val="accent1"/>
+          </a:effectRef>
+          <a:fontRef idx="minor">
+            <a:schemeClr val="tx1"/>
+          </a:fontRef>
+        </p:style>
+      </p:cxnSp>
+      <p:sp>
+        <p:nvSpPr>
+          <p:cNvPr id="4" name="TextBox 3"/>
+          <p:cNvSpPr txBox="1"/>
+          <p:nvPr/>
+        </p:nvSpPr>
+        <p:spPr>
+          <a:xfrm>
+            <a:off x="4472408" y="4251278"/>
+            <a:ext cx="251992" cy="246221"/>
+          </a:xfrm>
+          <a:prstGeom prst="rect">
+            <a:avLst/>
+          </a:prstGeom>
+          <a:noFill/>
+        </p:spPr>
+        <p:txBody>
+          <a:bodyPr wrap="none" rtlCol="0">
+            <a:spAutoFit/>
+          </a:bodyPr>
+          <a:lstStyle/>
+          <a:p>
+            <a:r>
+              <a:rPr lang="en-SG" sz="1000" dirty="0">
+                <a:solidFill>
+                  <a:srgbClr val="002060"/>
+                </a:solidFill>
+              </a:rPr>
+              <a:t>X</a:t>
+            </a:r>
+          </a:p>
+        </p:txBody>
+      </p:sp>
+    </p:spTree>
+    <p:extLst>
+      <p:ext uri="{BB962C8B-B14F-4D97-AF65-F5344CB8AC3E}">
+        <p14:creationId xmlns:p14="http://schemas.microsoft.com/office/powerpoint/2010/main" val="2535266439"/>
       </p:ext>
     </p:extLst>
   </p:cSld>

--- a/docs/diagrams/LogicComponentSequenceDiagram.pptx
+++ b/docs/diagrams/LogicComponentSequenceDiagram.pptx
@@ -5,11 +5,12 @@
     <p:sldMasterId id="2147483648" r:id="rId1"/>
   </p:sldMasterIdLst>
   <p:notesMasterIdLst>
-    <p:notesMasterId r:id="rId4"/>
+    <p:notesMasterId r:id="rId5"/>
   </p:notesMasterIdLst>
   <p:sldIdLst>
     <p:sldId id="267" r:id="rId2"/>
     <p:sldId id="268" r:id="rId3"/>
+    <p:sldId id="269" r:id="rId4"/>
   </p:sldIdLst>
   <p:sldSz cx="9144000" cy="6858000" type="screen4x3"/>
   <p:notesSz cx="6858000" cy="9144000"/>
@@ -213,7 +214,7 @@
           <a:p>
             <a:fld id="{F5CC4B3F-88C1-4FFA-B1B6-F41C21DC6924}" type="datetimeFigureOut">
               <a:rPr lang="en-US" smtClean="0"/>
-              <a:t>3/28/2018</a:t>
+              <a:t>4/4/2018</a:t>
             </a:fld>
             <a:endParaRPr lang="en-US"/>
           </a:p>
@@ -659,7 +660,7 @@
           <a:p>
             <a:fld id="{78C97017-6FC3-485B-9764-EAC9E56C1D49}" type="datetimeFigureOut">
               <a:rPr lang="en-US" smtClean="0"/>
-              <a:t>3/28/2018</a:t>
+              <a:t>4/4/2018</a:t>
             </a:fld>
             <a:endParaRPr lang="en-US"/>
           </a:p>
@@ -827,7 +828,7 @@
           <a:p>
             <a:fld id="{78C97017-6FC3-485B-9764-EAC9E56C1D49}" type="datetimeFigureOut">
               <a:rPr lang="en-US" smtClean="0"/>
-              <a:t>3/28/2018</a:t>
+              <a:t>4/4/2018</a:t>
             </a:fld>
             <a:endParaRPr lang="en-US"/>
           </a:p>
@@ -1005,7 +1006,7 @@
           <a:p>
             <a:fld id="{78C97017-6FC3-485B-9764-EAC9E56C1D49}" type="datetimeFigureOut">
               <a:rPr lang="en-US" smtClean="0"/>
-              <a:t>3/28/2018</a:t>
+              <a:t>4/4/2018</a:t>
             </a:fld>
             <a:endParaRPr lang="en-US"/>
           </a:p>
@@ -1173,7 +1174,7 @@
           <a:p>
             <a:fld id="{78C97017-6FC3-485B-9764-EAC9E56C1D49}" type="datetimeFigureOut">
               <a:rPr lang="en-US" smtClean="0"/>
-              <a:t>3/28/2018</a:t>
+              <a:t>4/4/2018</a:t>
             </a:fld>
             <a:endParaRPr lang="en-US"/>
           </a:p>
@@ -1418,7 +1419,7 @@
           <a:p>
             <a:fld id="{78C97017-6FC3-485B-9764-EAC9E56C1D49}" type="datetimeFigureOut">
               <a:rPr lang="en-US" smtClean="0"/>
-              <a:t>3/28/2018</a:t>
+              <a:t>4/4/2018</a:t>
             </a:fld>
             <a:endParaRPr lang="en-US"/>
           </a:p>
@@ -1703,7 +1704,7 @@
           <a:p>
             <a:fld id="{78C97017-6FC3-485B-9764-EAC9E56C1D49}" type="datetimeFigureOut">
               <a:rPr lang="en-US" smtClean="0"/>
-              <a:t>3/28/2018</a:t>
+              <a:t>4/4/2018</a:t>
             </a:fld>
             <a:endParaRPr lang="en-US"/>
           </a:p>
@@ -2122,7 +2123,7 @@
           <a:p>
             <a:fld id="{78C97017-6FC3-485B-9764-EAC9E56C1D49}" type="datetimeFigureOut">
               <a:rPr lang="en-US" smtClean="0"/>
-              <a:t>3/28/2018</a:t>
+              <a:t>4/4/2018</a:t>
             </a:fld>
             <a:endParaRPr lang="en-US"/>
           </a:p>
@@ -2239,7 +2240,7 @@
           <a:p>
             <a:fld id="{78C97017-6FC3-485B-9764-EAC9E56C1D49}" type="datetimeFigureOut">
               <a:rPr lang="en-US" smtClean="0"/>
-              <a:t>3/28/2018</a:t>
+              <a:t>4/4/2018</a:t>
             </a:fld>
             <a:endParaRPr lang="en-US"/>
           </a:p>
@@ -2334,7 +2335,7 @@
           <a:p>
             <a:fld id="{78C97017-6FC3-485B-9764-EAC9E56C1D49}" type="datetimeFigureOut">
               <a:rPr lang="en-US" smtClean="0"/>
-              <a:t>3/28/2018</a:t>
+              <a:t>4/4/2018</a:t>
             </a:fld>
             <a:endParaRPr lang="en-US"/>
           </a:p>
@@ -2609,7 +2610,7 @@
           <a:p>
             <a:fld id="{78C97017-6FC3-485B-9764-EAC9E56C1D49}" type="datetimeFigureOut">
               <a:rPr lang="en-US" smtClean="0"/>
-              <a:t>3/28/2018</a:t>
+              <a:t>4/4/2018</a:t>
             </a:fld>
             <a:endParaRPr lang="en-US"/>
           </a:p>
@@ -2861,7 +2862,7 @@
           <a:p>
             <a:fld id="{78C97017-6FC3-485B-9764-EAC9E56C1D49}" type="datetimeFigureOut">
               <a:rPr lang="en-US" smtClean="0"/>
-              <a:t>3/28/2018</a:t>
+              <a:t>4/4/2018</a:t>
             </a:fld>
             <a:endParaRPr lang="en-US"/>
           </a:p>
@@ -3072,7 +3073,7 @@
           <a:p>
             <a:fld id="{78C97017-6FC3-485B-9764-EAC9E56C1D49}" type="datetimeFigureOut">
               <a:rPr lang="en-US" smtClean="0"/>
-              <a:t>3/28/2018</a:t>
+              <a:t>4/4/2018</a:t>
             </a:fld>
             <a:endParaRPr lang="en-US"/>
           </a:p>
@@ -5917,15 +5918,7 @@
                   <a:schemeClr val="bg1"/>
                 </a:solidFill>
               </a:rPr>
-              <a:t>ac</a:t>
-            </a:r>
-            <a:r>
-              <a:rPr lang="en-US" sz="1200" dirty="0" err="1" smtClean="0">
-                <a:solidFill>
-                  <a:schemeClr val="bg1"/>
-                </a:solidFill>
-              </a:rPr>
-              <a:t>:AddCell</a:t>
+              <a:t>ac:AddCell</a:t>
             </a:r>
             <a:r>
               <a:rPr lang="en-US" sz="1200" dirty="0">
@@ -7627,6 +7620,2417 @@
   <p:clrMapOvr>
     <a:masterClrMapping/>
   </p:clrMapOvr>
+  <p:timing>
+    <p:tnLst>
+      <p:par>
+        <p:cTn id="1" dur="indefinite" restart="never" nodeType="tmRoot"/>
+      </p:par>
+    </p:tnLst>
+  </p:timing>
+</p:sld>
+</file>
+
+<file path=ppt/slides/slide3.xml><?xml version="1.0" encoding="utf-8"?>
+<p:sld xmlns:a="http://schemas.openxmlformats.org/drawingml/2006/main" xmlns:r="http://schemas.openxmlformats.org/officeDocument/2006/relationships" xmlns:p="http://schemas.openxmlformats.org/presentationml/2006/main">
+  <p:cSld>
+    <p:spTree>
+      <p:nvGrpSpPr>
+        <p:cNvPr id="1" name=""/>
+        <p:cNvGrpSpPr/>
+        <p:nvPr/>
+      </p:nvGrpSpPr>
+      <p:grpSpPr>
+        <a:xfrm>
+          <a:off x="0" y="0"/>
+          <a:ext cx="0" cy="0"/>
+          <a:chOff x="0" y="0"/>
+          <a:chExt cx="0" cy="0"/>
+        </a:xfrm>
+      </p:grpSpPr>
+      <p:sp>
+        <p:nvSpPr>
+          <p:cNvPr id="127" name="Rectangle 65"/>
+          <p:cNvSpPr/>
+          <p:nvPr/>
+        </p:nvSpPr>
+        <p:spPr>
+          <a:xfrm>
+            <a:off x="255972" y="1530804"/>
+            <a:ext cx="8735628" cy="4869995"/>
+          </a:xfrm>
+          <a:prstGeom prst="roundRect">
+            <a:avLst>
+              <a:gd name="adj" fmla="val 3484"/>
+            </a:avLst>
+          </a:prstGeom>
+          <a:solidFill>
+            <a:schemeClr val="accent4">
+              <a:lumMod val="20000"/>
+              <a:lumOff val="80000"/>
+            </a:schemeClr>
+          </a:solidFill>
+          <a:ln w="19050">
+            <a:noFill/>
+          </a:ln>
+          <a:effectLst/>
+        </p:spPr>
+        <p:style>
+          <a:lnRef idx="1">
+            <a:schemeClr val="accent2"/>
+          </a:lnRef>
+          <a:fillRef idx="2">
+            <a:schemeClr val="accent2"/>
+          </a:fillRef>
+          <a:effectRef idx="1">
+            <a:schemeClr val="accent2"/>
+          </a:effectRef>
+          <a:fontRef idx="minor">
+            <a:schemeClr val="dk1"/>
+          </a:fontRef>
+        </p:style>
+        <p:txBody>
+          <a:bodyPr rtlCol="0" anchor="t"/>
+          <a:lstStyle/>
+          <a:p>
+            <a:r>
+              <a:rPr lang="en-US" sz="1200" b="1" dirty="0" smtClean="0">
+                <a:solidFill>
+                  <a:srgbClr val="7030A0"/>
+                </a:solidFill>
+              </a:rPr>
+              <a:t>Model</a:t>
+            </a:r>
+            <a:endParaRPr lang="en-SG" sz="1200" b="1" dirty="0">
+              <a:solidFill>
+                <a:srgbClr val="7030A0"/>
+              </a:solidFill>
+            </a:endParaRPr>
+          </a:p>
+        </p:txBody>
+      </p:sp>
+      <p:sp>
+        <p:nvSpPr>
+          <p:cNvPr id="72" name="TextBox 71"/>
+          <p:cNvSpPr txBox="1"/>
+          <p:nvPr/>
+        </p:nvSpPr>
+        <p:spPr>
+          <a:xfrm>
+            <a:off x="1828800" y="2713681"/>
+            <a:ext cx="6553200" cy="3477875"/>
+          </a:xfrm>
+          <a:prstGeom prst="rect">
+            <a:avLst/>
+          </a:prstGeom>
+          <a:solidFill>
+            <a:schemeClr val="accent2">
+              <a:lumMod val="20000"/>
+              <a:lumOff val="80000"/>
+            </a:schemeClr>
+          </a:solidFill>
+          <a:ln>
+            <a:solidFill>
+              <a:srgbClr val="FF0000"/>
+            </a:solidFill>
+          </a:ln>
+        </p:spPr>
+        <p:txBody>
+          <a:bodyPr wrap="square" rtlCol="0">
+            <a:spAutoFit/>
+          </a:bodyPr>
+          <a:lstStyle/>
+          <a:p>
+            <a:r>
+              <a:rPr lang="en-SG" sz="1100" dirty="0">
+                <a:solidFill>
+                  <a:srgbClr val="FF0000"/>
+                </a:solidFill>
+              </a:rPr>
+              <a:t>o</a:t>
+            </a:r>
+            <a:r>
+              <a:rPr lang="en-SG" sz="1100" dirty="0" smtClean="0">
+                <a:solidFill>
+                  <a:srgbClr val="FF0000"/>
+                </a:solidFill>
+              </a:rPr>
+              <a:t>pt                [no exceptions thrown]</a:t>
+            </a:r>
+          </a:p>
+          <a:p>
+            <a:endParaRPr lang="en-SG" sz="1100" dirty="0">
+              <a:solidFill>
+                <a:srgbClr val="FF0000"/>
+              </a:solidFill>
+            </a:endParaRPr>
+          </a:p>
+          <a:p>
+            <a:endParaRPr lang="en-SG" sz="1100" dirty="0" smtClean="0">
+              <a:solidFill>
+                <a:srgbClr val="FF0000"/>
+              </a:solidFill>
+            </a:endParaRPr>
+          </a:p>
+          <a:p>
+            <a:endParaRPr lang="en-SG" sz="1100" dirty="0">
+              <a:solidFill>
+                <a:srgbClr val="FF0000"/>
+              </a:solidFill>
+            </a:endParaRPr>
+          </a:p>
+          <a:p>
+            <a:endParaRPr lang="en-SG" sz="1100" dirty="0" smtClean="0">
+              <a:solidFill>
+                <a:srgbClr val="FF0000"/>
+              </a:solidFill>
+            </a:endParaRPr>
+          </a:p>
+          <a:p>
+            <a:endParaRPr lang="en-SG" sz="1100" dirty="0">
+              <a:solidFill>
+                <a:srgbClr val="FF0000"/>
+              </a:solidFill>
+            </a:endParaRPr>
+          </a:p>
+          <a:p>
+            <a:endParaRPr lang="en-SG" sz="1100" dirty="0" smtClean="0">
+              <a:solidFill>
+                <a:srgbClr val="FF0000"/>
+              </a:solidFill>
+            </a:endParaRPr>
+          </a:p>
+          <a:p>
+            <a:endParaRPr lang="en-SG" sz="1100" dirty="0">
+              <a:solidFill>
+                <a:srgbClr val="FF0000"/>
+              </a:solidFill>
+            </a:endParaRPr>
+          </a:p>
+          <a:p>
+            <a:endParaRPr lang="en-SG" sz="1100" dirty="0" smtClean="0">
+              <a:solidFill>
+                <a:srgbClr val="FF0000"/>
+              </a:solidFill>
+            </a:endParaRPr>
+          </a:p>
+          <a:p>
+            <a:endParaRPr lang="en-SG" sz="1100" dirty="0">
+              <a:solidFill>
+                <a:srgbClr val="FF0000"/>
+              </a:solidFill>
+            </a:endParaRPr>
+          </a:p>
+          <a:p>
+            <a:endParaRPr lang="en-SG" sz="1100" dirty="0" smtClean="0">
+              <a:solidFill>
+                <a:srgbClr val="FF0000"/>
+              </a:solidFill>
+            </a:endParaRPr>
+          </a:p>
+          <a:p>
+            <a:endParaRPr lang="en-SG" sz="1100" dirty="0">
+              <a:solidFill>
+                <a:srgbClr val="FF0000"/>
+              </a:solidFill>
+            </a:endParaRPr>
+          </a:p>
+          <a:p>
+            <a:endParaRPr lang="en-SG" sz="1100" dirty="0" smtClean="0">
+              <a:solidFill>
+                <a:srgbClr val="FF0000"/>
+              </a:solidFill>
+            </a:endParaRPr>
+          </a:p>
+          <a:p>
+            <a:endParaRPr lang="en-SG" sz="1100" dirty="0" smtClean="0">
+              <a:solidFill>
+                <a:srgbClr val="FF0000"/>
+              </a:solidFill>
+            </a:endParaRPr>
+          </a:p>
+          <a:p>
+            <a:endParaRPr lang="en-SG" sz="1100" dirty="0">
+              <a:solidFill>
+                <a:srgbClr val="FF0000"/>
+              </a:solidFill>
+            </a:endParaRPr>
+          </a:p>
+          <a:p>
+            <a:endParaRPr lang="en-SG" sz="1100" dirty="0" smtClean="0">
+              <a:solidFill>
+                <a:srgbClr val="FF0000"/>
+              </a:solidFill>
+            </a:endParaRPr>
+          </a:p>
+          <a:p>
+            <a:endParaRPr lang="en-SG" sz="1100" dirty="0" smtClean="0">
+              <a:solidFill>
+                <a:srgbClr val="FF0000"/>
+              </a:solidFill>
+            </a:endParaRPr>
+          </a:p>
+          <a:p>
+            <a:endParaRPr lang="en-SG" sz="1100" dirty="0">
+              <a:solidFill>
+                <a:srgbClr val="FF0000"/>
+              </a:solidFill>
+            </a:endParaRPr>
+          </a:p>
+          <a:p>
+            <a:endParaRPr lang="en-SG" sz="1100" dirty="0">
+              <a:solidFill>
+                <a:srgbClr val="FF0000"/>
+              </a:solidFill>
+            </a:endParaRPr>
+          </a:p>
+          <a:p>
+            <a:endParaRPr lang="en-SG" sz="1100" dirty="0">
+              <a:solidFill>
+                <a:srgbClr val="FF0000"/>
+              </a:solidFill>
+            </a:endParaRPr>
+          </a:p>
+        </p:txBody>
+      </p:sp>
+      <p:cxnSp>
+        <p:nvCxnSpPr>
+          <p:cNvPr id="76" name="Straight Connector 75"/>
+          <p:cNvCxnSpPr/>
+          <p:nvPr/>
+        </p:nvCxnSpPr>
+        <p:spPr>
+          <a:xfrm>
+            <a:off x="2282117" y="2713681"/>
+            <a:ext cx="3883" cy="149863"/>
+          </a:xfrm>
+          <a:prstGeom prst="line">
+            <a:avLst/>
+          </a:prstGeom>
+          <a:solidFill>
+            <a:schemeClr val="bg1"/>
+          </a:solidFill>
+          <a:ln>
+            <a:solidFill>
+              <a:srgbClr val="FF0000"/>
+            </a:solidFill>
+          </a:ln>
+        </p:spPr>
+        <p:style>
+          <a:lnRef idx="1">
+            <a:schemeClr val="accent1"/>
+          </a:lnRef>
+          <a:fillRef idx="0">
+            <a:schemeClr val="accent1"/>
+          </a:fillRef>
+          <a:effectRef idx="0">
+            <a:schemeClr val="accent1"/>
+          </a:effectRef>
+          <a:fontRef idx="minor">
+            <a:schemeClr val="tx1"/>
+          </a:fontRef>
+        </p:style>
+      </p:cxnSp>
+      <p:cxnSp>
+        <p:nvCxnSpPr>
+          <p:cNvPr id="80" name="Straight Connector 79"/>
+          <p:cNvCxnSpPr/>
+          <p:nvPr/>
+        </p:nvCxnSpPr>
+        <p:spPr>
+          <a:xfrm flipH="1">
+            <a:off x="1826796" y="2952070"/>
+            <a:ext cx="374336" cy="0"/>
+          </a:xfrm>
+          <a:prstGeom prst="line">
+            <a:avLst/>
+          </a:prstGeom>
+          <a:solidFill>
+            <a:schemeClr val="bg1"/>
+          </a:solidFill>
+          <a:ln>
+            <a:solidFill>
+              <a:srgbClr val="FF0000"/>
+            </a:solidFill>
+          </a:ln>
+        </p:spPr>
+        <p:style>
+          <a:lnRef idx="1">
+            <a:schemeClr val="accent1"/>
+          </a:lnRef>
+          <a:fillRef idx="0">
+            <a:schemeClr val="accent1"/>
+          </a:fillRef>
+          <a:effectRef idx="0">
+            <a:schemeClr val="accent1"/>
+          </a:effectRef>
+          <a:fontRef idx="minor">
+            <a:schemeClr val="tx1"/>
+          </a:fontRef>
+        </p:style>
+      </p:cxnSp>
+      <p:cxnSp>
+        <p:nvCxnSpPr>
+          <p:cNvPr id="84" name="Straight Connector 83"/>
+          <p:cNvCxnSpPr/>
+          <p:nvPr/>
+        </p:nvCxnSpPr>
+        <p:spPr>
+          <a:xfrm flipH="1">
+            <a:off x="2201131" y="2863544"/>
+            <a:ext cx="80987" cy="88526"/>
+          </a:xfrm>
+          <a:prstGeom prst="line">
+            <a:avLst/>
+          </a:prstGeom>
+          <a:solidFill>
+            <a:schemeClr val="bg1"/>
+          </a:solidFill>
+          <a:ln>
+            <a:solidFill>
+              <a:srgbClr val="FF0000"/>
+            </a:solidFill>
+          </a:ln>
+        </p:spPr>
+        <p:style>
+          <a:lnRef idx="1">
+            <a:schemeClr val="accent1"/>
+          </a:lnRef>
+          <a:fillRef idx="0">
+            <a:schemeClr val="accent1"/>
+          </a:fillRef>
+          <a:effectRef idx="0">
+            <a:schemeClr val="accent1"/>
+          </a:effectRef>
+          <a:fontRef idx="minor">
+            <a:schemeClr val="tx1"/>
+          </a:fontRef>
+        </p:style>
+      </p:cxnSp>
+      <p:cxnSp>
+        <p:nvCxnSpPr>
+          <p:cNvPr id="3" name="Straight Connector 2"/>
+          <p:cNvCxnSpPr>
+            <a:stCxn id="5" idx="2"/>
+          </p:cNvCxnSpPr>
+          <p:nvPr/>
+        </p:nvCxnSpPr>
+        <p:spPr>
+          <a:xfrm flipH="1">
+            <a:off x="1232843" y="2118981"/>
+            <a:ext cx="2440" cy="3824619"/>
+          </a:xfrm>
+          <a:prstGeom prst="line">
+            <a:avLst/>
+          </a:prstGeom>
+          <a:ln w="19050">
+            <a:solidFill>
+              <a:schemeClr val="accent4">
+                <a:lumMod val="60000"/>
+                <a:lumOff val="40000"/>
+              </a:schemeClr>
+            </a:solidFill>
+            <a:prstDash val="sysDash"/>
+          </a:ln>
+          <a:effectLst/>
+        </p:spPr>
+        <p:style>
+          <a:lnRef idx="1">
+            <a:schemeClr val="accent1"/>
+          </a:lnRef>
+          <a:fillRef idx="2">
+            <a:schemeClr val="accent1"/>
+          </a:fillRef>
+          <a:effectRef idx="1">
+            <a:schemeClr val="accent1"/>
+          </a:effectRef>
+          <a:fontRef idx="minor">
+            <a:schemeClr val="dk1"/>
+          </a:fontRef>
+        </p:style>
+      </p:cxnSp>
+      <p:sp>
+        <p:nvSpPr>
+          <p:cNvPr id="4" name="Rectangle 3"/>
+          <p:cNvSpPr/>
+          <p:nvPr/>
+        </p:nvSpPr>
+        <p:spPr>
+          <a:xfrm>
+            <a:off x="1154848" y="2478600"/>
+            <a:ext cx="180941" cy="3312600"/>
+          </a:xfrm>
+          <a:prstGeom prst="rect">
+            <a:avLst/>
+          </a:prstGeom>
+          <a:solidFill>
+            <a:srgbClr val="7030A0"/>
+          </a:solidFill>
+          <a:ln>
+            <a:solidFill>
+              <a:schemeClr val="accent4">
+                <a:lumMod val="60000"/>
+                <a:lumOff val="40000"/>
+              </a:schemeClr>
+            </a:solidFill>
+          </a:ln>
+          <a:effectLst/>
+        </p:spPr>
+        <p:style>
+          <a:lnRef idx="1">
+            <a:schemeClr val="accent3"/>
+          </a:lnRef>
+          <a:fillRef idx="2">
+            <a:schemeClr val="accent3"/>
+          </a:fillRef>
+          <a:effectRef idx="1">
+            <a:schemeClr val="accent3"/>
+          </a:effectRef>
+          <a:fontRef idx="minor">
+            <a:schemeClr val="dk1"/>
+          </a:fontRef>
+        </p:style>
+        <p:txBody>
+          <a:bodyPr rtlCol="0" anchor="ctr"/>
+          <a:lstStyle/>
+          <a:p>
+            <a:pPr algn="ctr"/>
+            <a:endParaRPr lang="en-SG" sz="1100">
+              <a:solidFill>
+                <a:schemeClr val="dk1"/>
+              </a:solidFill>
+            </a:endParaRPr>
+          </a:p>
+        </p:txBody>
+      </p:sp>
+      <p:sp>
+        <p:nvSpPr>
+          <p:cNvPr id="5" name="Rectangle 62"/>
+          <p:cNvSpPr/>
+          <p:nvPr/>
+        </p:nvSpPr>
+        <p:spPr>
+          <a:xfrm>
+            <a:off x="643770" y="1831026"/>
+            <a:ext cx="1183026" cy="287955"/>
+          </a:xfrm>
+          <a:prstGeom prst="rect">
+            <a:avLst/>
+          </a:prstGeom>
+          <a:solidFill>
+            <a:srgbClr val="7030A0"/>
+          </a:solidFill>
+          <a:ln w="19050">
+            <a:solidFill>
+              <a:schemeClr val="accent4">
+                <a:lumMod val="60000"/>
+                <a:lumOff val="40000"/>
+              </a:schemeClr>
+            </a:solidFill>
+          </a:ln>
+          <a:effectLst/>
+        </p:spPr>
+        <p:style>
+          <a:lnRef idx="1">
+            <a:schemeClr val="accent2"/>
+          </a:lnRef>
+          <a:fillRef idx="2">
+            <a:schemeClr val="accent2"/>
+          </a:fillRef>
+          <a:effectRef idx="1">
+            <a:schemeClr val="accent2"/>
+          </a:effectRef>
+          <a:fontRef idx="minor">
+            <a:schemeClr val="dk1"/>
+          </a:fontRef>
+        </p:style>
+        <p:txBody>
+          <a:bodyPr rtlCol="0" anchor="ctr"/>
+          <a:lstStyle/>
+          <a:p>
+            <a:pPr algn="ctr"/>
+            <a:r>
+              <a:rPr lang="en-US" sz="1200" dirty="0">
+                <a:solidFill>
+                  <a:schemeClr val="bg1"/>
+                </a:solidFill>
+              </a:rPr>
+              <a:t>:</a:t>
+            </a:r>
+            <a:r>
+              <a:rPr lang="en-US" sz="1200" dirty="0" err="1" smtClean="0">
+                <a:solidFill>
+                  <a:schemeClr val="bg1"/>
+                </a:solidFill>
+              </a:rPr>
+              <a:t>ModelManager</a:t>
+            </a:r>
+            <a:endParaRPr lang="en-SG" sz="1200" dirty="0">
+              <a:solidFill>
+                <a:schemeClr val="bg1"/>
+              </a:solidFill>
+            </a:endParaRPr>
+          </a:p>
+        </p:txBody>
+      </p:sp>
+      <p:cxnSp>
+        <p:nvCxnSpPr>
+          <p:cNvPr id="6" name="Straight Arrow Connector 5"/>
+          <p:cNvCxnSpPr/>
+          <p:nvPr/>
+        </p:nvCxnSpPr>
+        <p:spPr>
+          <a:xfrm flipV="1">
+            <a:off x="68679" y="2472154"/>
+            <a:ext cx="1110495" cy="16661"/>
+          </a:xfrm>
+          <a:prstGeom prst="straightConnector1">
+            <a:avLst/>
+          </a:prstGeom>
+          <a:ln w="19050">
+            <a:solidFill>
+              <a:srgbClr val="0070C0"/>
+            </a:solidFill>
+            <a:tailEnd type="arrow"/>
+          </a:ln>
+        </p:spPr>
+        <p:style>
+          <a:lnRef idx="1">
+            <a:schemeClr val="accent1"/>
+          </a:lnRef>
+          <a:fillRef idx="0">
+            <a:schemeClr val="accent1"/>
+          </a:fillRef>
+          <a:effectRef idx="0">
+            <a:schemeClr val="accent1"/>
+          </a:effectRef>
+          <a:fontRef idx="minor">
+            <a:schemeClr val="tx1"/>
+          </a:fontRef>
+        </p:style>
+      </p:cxnSp>
+      <p:sp>
+        <p:nvSpPr>
+          <p:cNvPr id="7" name="TextBox 6"/>
+          <p:cNvSpPr txBox="1"/>
+          <p:nvPr/>
+        </p:nvSpPr>
+        <p:spPr>
+          <a:xfrm>
+            <a:off x="-66395" y="2133600"/>
+            <a:ext cx="1145231" cy="338554"/>
+          </a:xfrm>
+          <a:prstGeom prst="rect">
+            <a:avLst/>
+          </a:prstGeom>
+          <a:noFill/>
+        </p:spPr>
+        <p:txBody>
+          <a:bodyPr wrap="square" lIns="0" tIns="0" rIns="0" bIns="0" rtlCol="0">
+            <a:spAutoFit/>
+          </a:bodyPr>
+          <a:lstStyle>
+            <a:defPPr>
+              <a:defRPr lang="en-US"/>
+            </a:defPPr>
+            <a:lvl1pPr algn="r">
+              <a:defRPr sz="1400">
+                <a:solidFill>
+                  <a:srgbClr val="0070C0"/>
+                </a:solidFill>
+              </a:defRPr>
+            </a:lvl1pPr>
+          </a:lstStyle>
+          <a:p>
+            <a:r>
+              <a:rPr lang="en-US" sz="1100" dirty="0" err="1" smtClean="0">
+                <a:solidFill>
+                  <a:srgbClr val="7030A0"/>
+                </a:solidFill>
+              </a:rPr>
+              <a:t>addPrisonerToCell</a:t>
+            </a:r>
+            <a:endParaRPr lang="en-US" sz="1100" dirty="0" smtClean="0">
+              <a:solidFill>
+                <a:srgbClr val="7030A0"/>
+              </a:solidFill>
+            </a:endParaRPr>
+          </a:p>
+          <a:p>
+            <a:r>
+              <a:rPr lang="en-US" sz="1100" dirty="0" smtClean="0">
+                <a:solidFill>
+                  <a:srgbClr val="7030A0"/>
+                </a:solidFill>
+              </a:rPr>
+              <a:t>(</a:t>
+            </a:r>
+            <a:r>
+              <a:rPr lang="en-US" sz="1100" dirty="0" smtClean="0">
+                <a:solidFill>
+                  <a:srgbClr val="7030A0"/>
+                </a:solidFill>
+              </a:rPr>
+              <a:t>p, </a:t>
+            </a:r>
+            <a:r>
+              <a:rPr lang="en-US" sz="1100" dirty="0" err="1" smtClean="0">
+                <a:solidFill>
+                  <a:srgbClr val="7030A0"/>
+                </a:solidFill>
+              </a:rPr>
+              <a:t>cellAddress</a:t>
+            </a:r>
+            <a:r>
+              <a:rPr lang="en-US" sz="1100" dirty="0" smtClean="0">
+                <a:solidFill>
+                  <a:srgbClr val="7030A0"/>
+                </a:solidFill>
+              </a:rPr>
+              <a:t>)</a:t>
+            </a:r>
+            <a:endParaRPr lang="en-US" sz="1100" dirty="0">
+              <a:solidFill>
+                <a:srgbClr val="7030A0"/>
+              </a:solidFill>
+            </a:endParaRPr>
+          </a:p>
+        </p:txBody>
+      </p:sp>
+      <p:cxnSp>
+        <p:nvCxnSpPr>
+          <p:cNvPr id="8" name="Straight Arrow Connector 7"/>
+          <p:cNvCxnSpPr/>
+          <p:nvPr/>
+        </p:nvCxnSpPr>
+        <p:spPr>
+          <a:xfrm>
+            <a:off x="42464" y="5780568"/>
+            <a:ext cx="1112384" cy="0"/>
+          </a:xfrm>
+          <a:prstGeom prst="straightConnector1">
+            <a:avLst/>
+          </a:prstGeom>
+          <a:ln w="19050">
+            <a:solidFill>
+              <a:schemeClr val="accent4">
+                <a:lumMod val="60000"/>
+                <a:lumOff val="40000"/>
+              </a:schemeClr>
+            </a:solidFill>
+            <a:prstDash val="sysDash"/>
+            <a:headEnd type="arrow" w="med" len="med"/>
+            <a:tailEnd type="none" w="med" len="med"/>
+          </a:ln>
+        </p:spPr>
+        <p:style>
+          <a:lnRef idx="1">
+            <a:schemeClr val="accent1"/>
+          </a:lnRef>
+          <a:fillRef idx="0">
+            <a:schemeClr val="accent1"/>
+          </a:fillRef>
+          <a:effectRef idx="0">
+            <a:schemeClr val="accent1"/>
+          </a:effectRef>
+          <a:fontRef idx="minor">
+            <a:schemeClr val="tx1"/>
+          </a:fontRef>
+        </p:style>
+      </p:cxnSp>
+      <p:cxnSp>
+        <p:nvCxnSpPr>
+          <p:cNvPr id="9" name="Straight Connector 8"/>
+          <p:cNvCxnSpPr/>
+          <p:nvPr/>
+        </p:nvCxnSpPr>
+        <p:spPr>
+          <a:xfrm flipH="1">
+            <a:off x="2507432" y="2133600"/>
+            <a:ext cx="25256" cy="3657600"/>
+          </a:xfrm>
+          <a:prstGeom prst="line">
+            <a:avLst/>
+          </a:prstGeom>
+          <a:ln w="19050">
+            <a:solidFill>
+              <a:schemeClr val="accent4">
+                <a:lumMod val="60000"/>
+                <a:lumOff val="40000"/>
+              </a:schemeClr>
+            </a:solidFill>
+            <a:prstDash val="sysDash"/>
+          </a:ln>
+          <a:effectLst/>
+        </p:spPr>
+        <p:style>
+          <a:lnRef idx="1">
+            <a:schemeClr val="accent1"/>
+          </a:lnRef>
+          <a:fillRef idx="2">
+            <a:schemeClr val="accent1"/>
+          </a:fillRef>
+          <a:effectRef idx="1">
+            <a:schemeClr val="accent1"/>
+          </a:effectRef>
+          <a:fontRef idx="minor">
+            <a:schemeClr val="dk1"/>
+          </a:fontRef>
+        </p:style>
+      </p:cxnSp>
+      <p:sp>
+        <p:nvSpPr>
+          <p:cNvPr id="10" name="Rectangle 9"/>
+          <p:cNvSpPr/>
+          <p:nvPr/>
+        </p:nvSpPr>
+        <p:spPr>
+          <a:xfrm>
+            <a:off x="2438734" y="2569550"/>
+            <a:ext cx="159456" cy="2916850"/>
+          </a:xfrm>
+          <a:prstGeom prst="rect">
+            <a:avLst/>
+          </a:prstGeom>
+          <a:solidFill>
+            <a:srgbClr val="7030A0"/>
+          </a:solidFill>
+          <a:ln>
+            <a:solidFill>
+              <a:schemeClr val="accent4">
+                <a:lumMod val="60000"/>
+                <a:lumOff val="40000"/>
+              </a:schemeClr>
+            </a:solidFill>
+          </a:ln>
+          <a:effectLst/>
+        </p:spPr>
+        <p:style>
+          <a:lnRef idx="1">
+            <a:schemeClr val="accent3"/>
+          </a:lnRef>
+          <a:fillRef idx="2">
+            <a:schemeClr val="accent3"/>
+          </a:fillRef>
+          <a:effectRef idx="1">
+            <a:schemeClr val="accent3"/>
+          </a:effectRef>
+          <a:fontRef idx="minor">
+            <a:schemeClr val="dk1"/>
+          </a:fontRef>
+        </p:style>
+        <p:txBody>
+          <a:bodyPr rtlCol="0" anchor="ctr"/>
+          <a:lstStyle/>
+          <a:p>
+            <a:pPr algn="ctr"/>
+            <a:endParaRPr lang="en-SG" sz="1100">
+              <a:solidFill>
+                <a:schemeClr val="dk1"/>
+              </a:solidFill>
+            </a:endParaRPr>
+          </a:p>
+        </p:txBody>
+      </p:sp>
+      <p:sp>
+        <p:nvSpPr>
+          <p:cNvPr id="11" name="Rectangle 62"/>
+          <p:cNvSpPr/>
+          <p:nvPr/>
+        </p:nvSpPr>
+        <p:spPr>
+          <a:xfrm>
+            <a:off x="1941174" y="1908207"/>
+            <a:ext cx="1183026" cy="287955"/>
+          </a:xfrm>
+          <a:prstGeom prst="rect">
+            <a:avLst/>
+          </a:prstGeom>
+          <a:solidFill>
+            <a:srgbClr val="7030A0"/>
+          </a:solidFill>
+          <a:ln w="19050">
+            <a:solidFill>
+              <a:schemeClr val="accent4">
+                <a:lumMod val="60000"/>
+                <a:lumOff val="40000"/>
+              </a:schemeClr>
+            </a:solidFill>
+          </a:ln>
+          <a:effectLst/>
+        </p:spPr>
+        <p:style>
+          <a:lnRef idx="1">
+            <a:schemeClr val="accent2"/>
+          </a:lnRef>
+          <a:fillRef idx="2">
+            <a:schemeClr val="accent2"/>
+          </a:fillRef>
+          <a:effectRef idx="1">
+            <a:schemeClr val="accent2"/>
+          </a:effectRef>
+          <a:fontRef idx="minor">
+            <a:schemeClr val="dk1"/>
+          </a:fontRef>
+        </p:style>
+        <p:txBody>
+          <a:bodyPr rtlCol="0" anchor="ctr"/>
+          <a:lstStyle/>
+          <a:p>
+            <a:pPr algn="ctr"/>
+            <a:r>
+              <a:rPr lang="en-US" sz="1200" dirty="0" smtClean="0">
+                <a:solidFill>
+                  <a:schemeClr val="bg1"/>
+                </a:solidFill>
+              </a:rPr>
+              <a:t>:</a:t>
+            </a:r>
+            <a:r>
+              <a:rPr lang="en-US" sz="1200" dirty="0" err="1" smtClean="0">
+                <a:solidFill>
+                  <a:schemeClr val="bg1"/>
+                </a:solidFill>
+              </a:rPr>
+              <a:t>AddressBook</a:t>
+            </a:r>
+            <a:endParaRPr lang="en-SG" sz="1200" dirty="0">
+              <a:solidFill>
+                <a:schemeClr val="bg1"/>
+              </a:solidFill>
+            </a:endParaRPr>
+          </a:p>
+        </p:txBody>
+      </p:sp>
+      <p:cxnSp>
+        <p:nvCxnSpPr>
+          <p:cNvPr id="12" name="Straight Arrow Connector 11"/>
+          <p:cNvCxnSpPr>
+            <a:endCxn id="10" idx="0"/>
+          </p:cNvCxnSpPr>
+          <p:nvPr/>
+        </p:nvCxnSpPr>
+        <p:spPr>
+          <a:xfrm flipV="1">
+            <a:off x="1291629" y="2569550"/>
+            <a:ext cx="1226833" cy="9132"/>
+          </a:xfrm>
+          <a:prstGeom prst="straightConnector1">
+            <a:avLst/>
+          </a:prstGeom>
+          <a:ln w="19050">
+            <a:solidFill>
+              <a:srgbClr val="7030A0"/>
+            </a:solidFill>
+            <a:tailEnd type="arrow"/>
+          </a:ln>
+        </p:spPr>
+        <p:style>
+          <a:lnRef idx="1">
+            <a:schemeClr val="accent1"/>
+          </a:lnRef>
+          <a:fillRef idx="0">
+            <a:schemeClr val="accent1"/>
+          </a:fillRef>
+          <a:effectRef idx="0">
+            <a:schemeClr val="accent1"/>
+          </a:effectRef>
+          <a:fontRef idx="minor">
+            <a:schemeClr val="tx1"/>
+          </a:fontRef>
+        </p:style>
+      </p:cxnSp>
+      <p:sp>
+        <p:nvSpPr>
+          <p:cNvPr id="14" name="TextBox 13"/>
+          <p:cNvSpPr txBox="1"/>
+          <p:nvPr/>
+        </p:nvSpPr>
+        <p:spPr>
+          <a:xfrm>
+            <a:off x="1342847" y="2196162"/>
+            <a:ext cx="1067200" cy="338554"/>
+          </a:xfrm>
+          <a:prstGeom prst="rect">
+            <a:avLst/>
+          </a:prstGeom>
+          <a:noFill/>
+        </p:spPr>
+        <p:txBody>
+          <a:bodyPr wrap="square" lIns="0" tIns="0" rIns="0" bIns="0" rtlCol="0">
+            <a:spAutoFit/>
+          </a:bodyPr>
+          <a:lstStyle>
+            <a:defPPr>
+              <a:defRPr lang="en-US"/>
+            </a:defPPr>
+            <a:lvl1pPr algn="r">
+              <a:defRPr sz="1400">
+                <a:solidFill>
+                  <a:srgbClr val="0070C0"/>
+                </a:solidFill>
+              </a:defRPr>
+            </a:lvl1pPr>
+          </a:lstStyle>
+          <a:p>
+            <a:r>
+              <a:rPr lang="en-US" sz="1100" dirty="0" err="1" smtClean="0">
+                <a:solidFill>
+                  <a:srgbClr val="7030A0"/>
+                </a:solidFill>
+              </a:rPr>
+              <a:t>addPrisonerToCell</a:t>
+            </a:r>
+            <a:r>
+              <a:rPr lang="en-US" sz="1100" dirty="0" smtClean="0">
+                <a:solidFill>
+                  <a:srgbClr val="7030A0"/>
+                </a:solidFill>
+              </a:rPr>
+              <a:t>(p, </a:t>
+            </a:r>
+            <a:r>
+              <a:rPr lang="en-US" sz="1100" dirty="0" err="1" smtClean="0">
+                <a:solidFill>
+                  <a:srgbClr val="7030A0"/>
+                </a:solidFill>
+              </a:rPr>
+              <a:t>cellAddress</a:t>
+            </a:r>
+            <a:r>
+              <a:rPr lang="en-US" sz="1100" dirty="0" smtClean="0">
+                <a:solidFill>
+                  <a:srgbClr val="7030A0"/>
+                </a:solidFill>
+              </a:rPr>
+              <a:t>)</a:t>
+            </a:r>
+            <a:endParaRPr lang="en-US" sz="1100" dirty="0">
+              <a:solidFill>
+                <a:srgbClr val="7030A0"/>
+              </a:solidFill>
+            </a:endParaRPr>
+          </a:p>
+        </p:txBody>
+      </p:sp>
+      <p:cxnSp>
+        <p:nvCxnSpPr>
+          <p:cNvPr id="18" name="Straight Connector 17"/>
+          <p:cNvCxnSpPr/>
+          <p:nvPr/>
+        </p:nvCxnSpPr>
+        <p:spPr>
+          <a:xfrm flipH="1">
+            <a:off x="4107230" y="3550105"/>
+            <a:ext cx="1147" cy="398224"/>
+          </a:xfrm>
+          <a:prstGeom prst="line">
+            <a:avLst/>
+          </a:prstGeom>
+          <a:ln w="19050">
+            <a:solidFill>
+              <a:schemeClr val="accent4">
+                <a:lumMod val="60000"/>
+                <a:lumOff val="40000"/>
+              </a:schemeClr>
+            </a:solidFill>
+            <a:prstDash val="sysDash"/>
+          </a:ln>
+          <a:effectLst/>
+        </p:spPr>
+        <p:style>
+          <a:lnRef idx="1">
+            <a:schemeClr val="accent1"/>
+          </a:lnRef>
+          <a:fillRef idx="2">
+            <a:schemeClr val="accent1"/>
+          </a:fillRef>
+          <a:effectRef idx="1">
+            <a:schemeClr val="accent1"/>
+          </a:effectRef>
+          <a:fontRef idx="minor">
+            <a:schemeClr val="dk1"/>
+          </a:fontRef>
+        </p:style>
+      </p:cxnSp>
+      <p:sp>
+        <p:nvSpPr>
+          <p:cNvPr id="20" name="Rectangle 62"/>
+          <p:cNvSpPr/>
+          <p:nvPr/>
+        </p:nvSpPr>
+        <p:spPr>
+          <a:xfrm>
+            <a:off x="3718180" y="3165878"/>
+            <a:ext cx="802026" cy="287955"/>
+          </a:xfrm>
+          <a:prstGeom prst="rect">
+            <a:avLst/>
+          </a:prstGeom>
+          <a:solidFill>
+            <a:srgbClr val="7030A0"/>
+          </a:solidFill>
+          <a:ln w="19050">
+            <a:solidFill>
+              <a:schemeClr val="accent4">
+                <a:lumMod val="60000"/>
+                <a:lumOff val="40000"/>
+              </a:schemeClr>
+            </a:solidFill>
+          </a:ln>
+          <a:effectLst/>
+        </p:spPr>
+        <p:style>
+          <a:lnRef idx="1">
+            <a:schemeClr val="accent2"/>
+          </a:lnRef>
+          <a:fillRef idx="2">
+            <a:schemeClr val="accent2"/>
+          </a:fillRef>
+          <a:effectRef idx="1">
+            <a:schemeClr val="accent2"/>
+          </a:effectRef>
+          <a:fontRef idx="minor">
+            <a:schemeClr val="dk1"/>
+          </a:fontRef>
+        </p:style>
+        <p:txBody>
+          <a:bodyPr rtlCol="0" anchor="ctr"/>
+          <a:lstStyle/>
+          <a:p>
+            <a:pPr algn="ctr"/>
+            <a:r>
+              <a:rPr lang="en-US" sz="1200" dirty="0" smtClean="0">
+                <a:solidFill>
+                  <a:schemeClr val="bg1"/>
+                </a:solidFill>
+              </a:rPr>
+              <a:t>:Person</a:t>
+            </a:r>
+            <a:endParaRPr lang="en-SG" sz="1200" dirty="0">
+              <a:solidFill>
+                <a:schemeClr val="bg1"/>
+              </a:solidFill>
+            </a:endParaRPr>
+          </a:p>
+        </p:txBody>
+      </p:sp>
+      <p:cxnSp>
+        <p:nvCxnSpPr>
+          <p:cNvPr id="21" name="Straight Arrow Connector 20"/>
+          <p:cNvCxnSpPr>
+            <a:endCxn id="20" idx="1"/>
+          </p:cNvCxnSpPr>
+          <p:nvPr/>
+        </p:nvCxnSpPr>
+        <p:spPr>
+          <a:xfrm flipV="1">
+            <a:off x="2553471" y="3309856"/>
+            <a:ext cx="1164709" cy="11905"/>
+          </a:xfrm>
+          <a:prstGeom prst="straightConnector1">
+            <a:avLst/>
+          </a:prstGeom>
+          <a:ln w="19050">
+            <a:solidFill>
+              <a:srgbClr val="7030A0"/>
+            </a:solidFill>
+            <a:tailEnd type="arrow"/>
+          </a:ln>
+        </p:spPr>
+        <p:style>
+          <a:lnRef idx="1">
+            <a:schemeClr val="accent1"/>
+          </a:lnRef>
+          <a:fillRef idx="0">
+            <a:schemeClr val="accent1"/>
+          </a:fillRef>
+          <a:effectRef idx="0">
+            <a:schemeClr val="accent1"/>
+          </a:effectRef>
+          <a:fontRef idx="minor">
+            <a:schemeClr val="tx1"/>
+          </a:fontRef>
+        </p:style>
+      </p:cxnSp>
+      <p:sp>
+        <p:nvSpPr>
+          <p:cNvPr id="22" name="TextBox 21"/>
+          <p:cNvSpPr txBox="1"/>
+          <p:nvPr/>
+        </p:nvSpPr>
+        <p:spPr>
+          <a:xfrm>
+            <a:off x="2581040" y="2936667"/>
+            <a:ext cx="1000360" cy="338554"/>
+          </a:xfrm>
+          <a:prstGeom prst="rect">
+            <a:avLst/>
+          </a:prstGeom>
+          <a:noFill/>
+        </p:spPr>
+        <p:txBody>
+          <a:bodyPr wrap="square" lIns="0" tIns="0" rIns="0" bIns="0" rtlCol="0">
+            <a:spAutoFit/>
+          </a:bodyPr>
+          <a:lstStyle>
+            <a:defPPr>
+              <a:defRPr lang="en-US"/>
+            </a:defPPr>
+            <a:lvl1pPr algn="r">
+              <a:defRPr sz="1400">
+                <a:solidFill>
+                  <a:srgbClr val="0070C0"/>
+                </a:solidFill>
+              </a:defRPr>
+            </a:lvl1pPr>
+          </a:lstStyle>
+          <a:p>
+            <a:r>
+              <a:rPr lang="en-US" sz="1100" dirty="0" smtClean="0">
+                <a:solidFill>
+                  <a:srgbClr val="7030A0"/>
+                </a:solidFill>
+              </a:rPr>
+              <a:t>Person (p, true,</a:t>
+            </a:r>
+          </a:p>
+          <a:p>
+            <a:r>
+              <a:rPr lang="en-US" sz="1100" dirty="0" err="1" smtClean="0">
+                <a:solidFill>
+                  <a:srgbClr val="7030A0"/>
+                </a:solidFill>
+              </a:rPr>
+              <a:t>cellAddress</a:t>
+            </a:r>
+            <a:r>
+              <a:rPr lang="en-US" sz="1100" dirty="0" smtClean="0">
+                <a:solidFill>
+                  <a:srgbClr val="7030A0"/>
+                </a:solidFill>
+              </a:rPr>
+              <a:t>)</a:t>
+            </a:r>
+            <a:endParaRPr lang="en-US" sz="1100" dirty="0">
+              <a:solidFill>
+                <a:srgbClr val="7030A0"/>
+              </a:solidFill>
+            </a:endParaRPr>
+          </a:p>
+        </p:txBody>
+      </p:sp>
+      <p:cxnSp>
+        <p:nvCxnSpPr>
+          <p:cNvPr id="36" name="Straight Arrow Connector 35"/>
+          <p:cNvCxnSpPr/>
+          <p:nvPr/>
+        </p:nvCxnSpPr>
+        <p:spPr>
+          <a:xfrm flipV="1">
+            <a:off x="2618547" y="4014849"/>
+            <a:ext cx="2050677" cy="3482"/>
+          </a:xfrm>
+          <a:prstGeom prst="straightConnector1">
+            <a:avLst/>
+          </a:prstGeom>
+          <a:ln w="19050">
+            <a:solidFill>
+              <a:srgbClr val="7030A0"/>
+            </a:solidFill>
+            <a:tailEnd type="arrow"/>
+          </a:ln>
+        </p:spPr>
+        <p:style>
+          <a:lnRef idx="1">
+            <a:schemeClr val="accent1"/>
+          </a:lnRef>
+          <a:fillRef idx="0">
+            <a:schemeClr val="accent1"/>
+          </a:fillRef>
+          <a:effectRef idx="0">
+            <a:schemeClr val="accent1"/>
+          </a:effectRef>
+          <a:fontRef idx="minor">
+            <a:schemeClr val="tx1"/>
+          </a:fontRef>
+        </p:style>
+      </p:cxnSp>
+      <p:cxnSp>
+        <p:nvCxnSpPr>
+          <p:cNvPr id="37" name="Straight Connector 36"/>
+          <p:cNvCxnSpPr/>
+          <p:nvPr/>
+        </p:nvCxnSpPr>
+        <p:spPr>
+          <a:xfrm>
+            <a:off x="7843818" y="4467130"/>
+            <a:ext cx="8493" cy="826006"/>
+          </a:xfrm>
+          <a:prstGeom prst="line">
+            <a:avLst/>
+          </a:prstGeom>
+          <a:ln w="19050">
+            <a:solidFill>
+              <a:schemeClr val="accent4">
+                <a:lumMod val="60000"/>
+                <a:lumOff val="40000"/>
+              </a:schemeClr>
+            </a:solidFill>
+            <a:prstDash val="sysDash"/>
+          </a:ln>
+          <a:effectLst/>
+        </p:spPr>
+        <p:style>
+          <a:lnRef idx="1">
+            <a:schemeClr val="accent1"/>
+          </a:lnRef>
+          <a:fillRef idx="2">
+            <a:schemeClr val="accent1"/>
+          </a:fillRef>
+          <a:effectRef idx="1">
+            <a:schemeClr val="accent1"/>
+          </a:effectRef>
+          <a:fontRef idx="minor">
+            <a:schemeClr val="dk1"/>
+          </a:fontRef>
+        </p:style>
+      </p:cxnSp>
+      <p:sp>
+        <p:nvSpPr>
+          <p:cNvPr id="38" name="Rectangle 37"/>
+          <p:cNvSpPr/>
+          <p:nvPr/>
+        </p:nvSpPr>
+        <p:spPr>
+          <a:xfrm>
+            <a:off x="7771593" y="4673945"/>
+            <a:ext cx="171599" cy="355256"/>
+          </a:xfrm>
+          <a:prstGeom prst="rect">
+            <a:avLst/>
+          </a:prstGeom>
+          <a:solidFill>
+            <a:srgbClr val="7030A0"/>
+          </a:solidFill>
+          <a:ln>
+            <a:solidFill>
+              <a:schemeClr val="accent4">
+                <a:lumMod val="60000"/>
+                <a:lumOff val="40000"/>
+              </a:schemeClr>
+            </a:solidFill>
+          </a:ln>
+          <a:effectLst/>
+        </p:spPr>
+        <p:style>
+          <a:lnRef idx="1">
+            <a:schemeClr val="accent3"/>
+          </a:lnRef>
+          <a:fillRef idx="2">
+            <a:schemeClr val="accent3"/>
+          </a:fillRef>
+          <a:effectRef idx="1">
+            <a:schemeClr val="accent3"/>
+          </a:effectRef>
+          <a:fontRef idx="minor">
+            <a:schemeClr val="dk1"/>
+          </a:fontRef>
+        </p:style>
+        <p:txBody>
+          <a:bodyPr rtlCol="0" anchor="ctr"/>
+          <a:lstStyle/>
+          <a:p>
+            <a:pPr algn="ctr"/>
+            <a:endParaRPr lang="en-SG" sz="1100">
+              <a:solidFill>
+                <a:schemeClr val="dk1"/>
+              </a:solidFill>
+            </a:endParaRPr>
+          </a:p>
+        </p:txBody>
+      </p:sp>
+      <p:sp>
+        <p:nvSpPr>
+          <p:cNvPr id="39" name="Rectangle 62"/>
+          <p:cNvSpPr/>
+          <p:nvPr/>
+        </p:nvSpPr>
+        <p:spPr>
+          <a:xfrm>
+            <a:off x="7538885" y="4164404"/>
+            <a:ext cx="650656" cy="288369"/>
+          </a:xfrm>
+          <a:prstGeom prst="rect">
+            <a:avLst/>
+          </a:prstGeom>
+          <a:solidFill>
+            <a:srgbClr val="7030A0"/>
+          </a:solidFill>
+          <a:ln w="19050">
+            <a:solidFill>
+              <a:schemeClr val="accent4">
+                <a:lumMod val="60000"/>
+                <a:lumOff val="40000"/>
+              </a:schemeClr>
+            </a:solidFill>
+          </a:ln>
+          <a:effectLst/>
+        </p:spPr>
+        <p:style>
+          <a:lnRef idx="1">
+            <a:schemeClr val="accent2"/>
+          </a:lnRef>
+          <a:fillRef idx="2">
+            <a:schemeClr val="accent2"/>
+          </a:fillRef>
+          <a:effectRef idx="1">
+            <a:schemeClr val="accent2"/>
+          </a:effectRef>
+          <a:fontRef idx="minor">
+            <a:schemeClr val="dk1"/>
+          </a:fontRef>
+        </p:style>
+        <p:txBody>
+          <a:bodyPr rtlCol="0" anchor="ctr"/>
+          <a:lstStyle/>
+          <a:p>
+            <a:pPr algn="ctr"/>
+            <a:r>
+              <a:rPr lang="en-US" sz="1200" dirty="0" smtClean="0">
+                <a:solidFill>
+                  <a:schemeClr val="bg1"/>
+                </a:solidFill>
+              </a:rPr>
+              <a:t>:Cell</a:t>
+            </a:r>
+            <a:endParaRPr lang="en-SG" sz="1200" dirty="0">
+              <a:solidFill>
+                <a:schemeClr val="bg1"/>
+              </a:solidFill>
+            </a:endParaRPr>
+          </a:p>
+        </p:txBody>
+      </p:sp>
+      <p:sp>
+        <p:nvSpPr>
+          <p:cNvPr id="41" name="Rectangle 40"/>
+          <p:cNvSpPr/>
+          <p:nvPr/>
+        </p:nvSpPr>
+        <p:spPr>
+          <a:xfrm>
+            <a:off x="4047592" y="3429000"/>
+            <a:ext cx="143408" cy="138732"/>
+          </a:xfrm>
+          <a:prstGeom prst="rect">
+            <a:avLst/>
+          </a:prstGeom>
+          <a:solidFill>
+            <a:srgbClr val="7030A0"/>
+          </a:solidFill>
+          <a:ln>
+            <a:solidFill>
+              <a:schemeClr val="accent4">
+                <a:lumMod val="60000"/>
+                <a:lumOff val="40000"/>
+              </a:schemeClr>
+            </a:solidFill>
+          </a:ln>
+          <a:effectLst/>
+        </p:spPr>
+        <p:style>
+          <a:lnRef idx="1">
+            <a:schemeClr val="accent3"/>
+          </a:lnRef>
+          <a:fillRef idx="2">
+            <a:schemeClr val="accent3"/>
+          </a:fillRef>
+          <a:effectRef idx="1">
+            <a:schemeClr val="accent3"/>
+          </a:effectRef>
+          <a:fontRef idx="minor">
+            <a:schemeClr val="dk1"/>
+          </a:fontRef>
+        </p:style>
+        <p:txBody>
+          <a:bodyPr rtlCol="0" anchor="ctr"/>
+          <a:lstStyle/>
+          <a:p>
+            <a:pPr algn="ctr"/>
+            <a:endParaRPr lang="en-SG" sz="1100">
+              <a:solidFill>
+                <a:schemeClr val="dk1"/>
+              </a:solidFill>
+            </a:endParaRPr>
+          </a:p>
+        </p:txBody>
+      </p:sp>
+      <p:cxnSp>
+        <p:nvCxnSpPr>
+          <p:cNvPr id="48" name="Straight Arrow Connector 47"/>
+          <p:cNvCxnSpPr>
+            <a:endCxn id="41" idx="2"/>
+          </p:cNvCxnSpPr>
+          <p:nvPr/>
+        </p:nvCxnSpPr>
+        <p:spPr>
+          <a:xfrm>
+            <a:off x="2581040" y="3550105"/>
+            <a:ext cx="1538256" cy="17627"/>
+          </a:xfrm>
+          <a:prstGeom prst="straightConnector1">
+            <a:avLst/>
+          </a:prstGeom>
+          <a:ln w="19050">
+            <a:solidFill>
+              <a:schemeClr val="accent4">
+                <a:lumMod val="60000"/>
+                <a:lumOff val="40000"/>
+              </a:schemeClr>
+            </a:solidFill>
+            <a:prstDash val="sysDash"/>
+            <a:headEnd type="arrow" w="med" len="med"/>
+            <a:tailEnd type="none" w="med" len="med"/>
+          </a:ln>
+        </p:spPr>
+        <p:style>
+          <a:lnRef idx="1">
+            <a:schemeClr val="accent1"/>
+          </a:lnRef>
+          <a:fillRef idx="0">
+            <a:schemeClr val="accent1"/>
+          </a:fillRef>
+          <a:effectRef idx="0">
+            <a:schemeClr val="accent1"/>
+          </a:effectRef>
+          <a:fontRef idx="minor">
+            <a:schemeClr val="tx1"/>
+          </a:fontRef>
+        </p:style>
+      </p:cxnSp>
+      <p:cxnSp>
+        <p:nvCxnSpPr>
+          <p:cNvPr id="51" name="Straight Connector 50"/>
+          <p:cNvCxnSpPr/>
+          <p:nvPr/>
+        </p:nvCxnSpPr>
+        <p:spPr>
+          <a:xfrm flipH="1">
+            <a:off x="4759057" y="2863544"/>
+            <a:ext cx="13707" cy="1916198"/>
+          </a:xfrm>
+          <a:prstGeom prst="line">
+            <a:avLst/>
+          </a:prstGeom>
+          <a:ln w="19050">
+            <a:solidFill>
+              <a:schemeClr val="accent4">
+                <a:lumMod val="60000"/>
+                <a:lumOff val="40000"/>
+              </a:schemeClr>
+            </a:solidFill>
+            <a:prstDash val="sysDash"/>
+          </a:ln>
+          <a:effectLst/>
+        </p:spPr>
+        <p:style>
+          <a:lnRef idx="1">
+            <a:schemeClr val="accent1"/>
+          </a:lnRef>
+          <a:fillRef idx="2">
+            <a:schemeClr val="accent1"/>
+          </a:fillRef>
+          <a:effectRef idx="1">
+            <a:schemeClr val="accent1"/>
+          </a:effectRef>
+          <a:fontRef idx="minor">
+            <a:schemeClr val="dk1"/>
+          </a:fontRef>
+        </p:style>
+      </p:cxnSp>
+      <p:sp>
+        <p:nvSpPr>
+          <p:cNvPr id="52" name="Rectangle 51"/>
+          <p:cNvSpPr/>
+          <p:nvPr/>
+        </p:nvSpPr>
+        <p:spPr>
+          <a:xfrm>
+            <a:off x="4669150" y="3998403"/>
+            <a:ext cx="207650" cy="192598"/>
+          </a:xfrm>
+          <a:prstGeom prst="rect">
+            <a:avLst/>
+          </a:prstGeom>
+          <a:solidFill>
+            <a:srgbClr val="7030A0"/>
+          </a:solidFill>
+          <a:ln>
+            <a:solidFill>
+              <a:schemeClr val="accent4">
+                <a:lumMod val="60000"/>
+                <a:lumOff val="40000"/>
+              </a:schemeClr>
+            </a:solidFill>
+          </a:ln>
+          <a:effectLst/>
+        </p:spPr>
+        <p:style>
+          <a:lnRef idx="1">
+            <a:schemeClr val="accent3"/>
+          </a:lnRef>
+          <a:fillRef idx="2">
+            <a:schemeClr val="accent3"/>
+          </a:fillRef>
+          <a:effectRef idx="1">
+            <a:schemeClr val="accent3"/>
+          </a:effectRef>
+          <a:fontRef idx="minor">
+            <a:schemeClr val="dk1"/>
+          </a:fontRef>
+        </p:style>
+        <p:txBody>
+          <a:bodyPr rtlCol="0" anchor="ctr"/>
+          <a:lstStyle/>
+          <a:p>
+            <a:pPr algn="ctr"/>
+            <a:endParaRPr lang="en-SG" sz="1100">
+              <a:solidFill>
+                <a:schemeClr val="dk1"/>
+              </a:solidFill>
+            </a:endParaRPr>
+          </a:p>
+        </p:txBody>
+      </p:sp>
+      <p:sp>
+        <p:nvSpPr>
+          <p:cNvPr id="53" name="Rectangle 62"/>
+          <p:cNvSpPr/>
+          <p:nvPr/>
+        </p:nvSpPr>
+        <p:spPr>
+          <a:xfrm>
+            <a:off x="4209509" y="2753476"/>
+            <a:ext cx="1183026" cy="366381"/>
+          </a:xfrm>
+          <a:prstGeom prst="rect">
+            <a:avLst/>
+          </a:prstGeom>
+          <a:solidFill>
+            <a:srgbClr val="7030A0"/>
+          </a:solidFill>
+          <a:ln w="19050">
+            <a:solidFill>
+              <a:schemeClr val="accent4">
+                <a:lumMod val="60000"/>
+                <a:lumOff val="40000"/>
+              </a:schemeClr>
+            </a:solidFill>
+          </a:ln>
+          <a:effectLst/>
+        </p:spPr>
+        <p:style>
+          <a:lnRef idx="1">
+            <a:schemeClr val="accent2"/>
+          </a:lnRef>
+          <a:fillRef idx="2">
+            <a:schemeClr val="accent2"/>
+          </a:fillRef>
+          <a:effectRef idx="1">
+            <a:schemeClr val="accent2"/>
+          </a:effectRef>
+          <a:fontRef idx="minor">
+            <a:schemeClr val="dk1"/>
+          </a:fontRef>
+        </p:style>
+        <p:txBody>
+          <a:bodyPr rtlCol="0" anchor="ctr"/>
+          <a:lstStyle/>
+          <a:p>
+            <a:pPr algn="ctr"/>
+            <a:r>
+              <a:rPr lang="en-US" sz="1200" dirty="0" smtClean="0">
+                <a:solidFill>
+                  <a:schemeClr val="bg1"/>
+                </a:solidFill>
+              </a:rPr>
+              <a:t>:</a:t>
+            </a:r>
+            <a:r>
+              <a:rPr lang="en-US" sz="1200" dirty="0" err="1" smtClean="0">
+                <a:solidFill>
+                  <a:schemeClr val="bg1"/>
+                </a:solidFill>
+              </a:rPr>
+              <a:t>UniquePerson</a:t>
+            </a:r>
+            <a:endParaRPr lang="en-US" sz="1200" dirty="0" smtClean="0">
+              <a:solidFill>
+                <a:schemeClr val="bg1"/>
+              </a:solidFill>
+            </a:endParaRPr>
+          </a:p>
+          <a:p>
+            <a:pPr algn="ctr"/>
+            <a:r>
+              <a:rPr lang="en-US" sz="1200" dirty="0" smtClean="0">
+                <a:solidFill>
+                  <a:schemeClr val="bg1"/>
+                </a:solidFill>
+              </a:rPr>
+              <a:t>List</a:t>
+            </a:r>
+            <a:endParaRPr lang="en-SG" sz="1200" dirty="0">
+              <a:solidFill>
+                <a:schemeClr val="bg1"/>
+              </a:solidFill>
+            </a:endParaRPr>
+          </a:p>
+        </p:txBody>
+      </p:sp>
+      <p:sp>
+        <p:nvSpPr>
+          <p:cNvPr id="60" name="TextBox 59"/>
+          <p:cNvSpPr txBox="1"/>
+          <p:nvPr/>
+        </p:nvSpPr>
+        <p:spPr>
+          <a:xfrm>
+            <a:off x="2611851" y="3372645"/>
+            <a:ext cx="1000360" cy="169277"/>
+          </a:xfrm>
+          <a:prstGeom prst="rect">
+            <a:avLst/>
+          </a:prstGeom>
+          <a:noFill/>
+        </p:spPr>
+        <p:txBody>
+          <a:bodyPr wrap="square" lIns="0" tIns="0" rIns="0" bIns="0" rtlCol="0">
+            <a:spAutoFit/>
+          </a:bodyPr>
+          <a:lstStyle>
+            <a:defPPr>
+              <a:defRPr lang="en-US"/>
+            </a:defPPr>
+            <a:lvl1pPr algn="r">
+              <a:defRPr sz="1400">
+                <a:solidFill>
+                  <a:srgbClr val="0070C0"/>
+                </a:solidFill>
+              </a:defRPr>
+            </a:lvl1pPr>
+          </a:lstStyle>
+          <a:p>
+            <a:r>
+              <a:rPr lang="en-US" sz="1100" dirty="0" err="1" smtClean="0">
+                <a:solidFill>
+                  <a:srgbClr val="7030A0"/>
+                </a:solidFill>
+              </a:rPr>
+              <a:t>updatedP</a:t>
+            </a:r>
+            <a:endParaRPr lang="en-US" sz="1100" dirty="0">
+              <a:solidFill>
+                <a:srgbClr val="7030A0"/>
+              </a:solidFill>
+            </a:endParaRPr>
+          </a:p>
+        </p:txBody>
+      </p:sp>
+      <p:sp>
+        <p:nvSpPr>
+          <p:cNvPr id="62" name="TextBox 61"/>
+          <p:cNvSpPr txBox="1"/>
+          <p:nvPr/>
+        </p:nvSpPr>
+        <p:spPr>
+          <a:xfrm>
+            <a:off x="2727396" y="3659849"/>
+            <a:ext cx="1140983" cy="338554"/>
+          </a:xfrm>
+          <a:prstGeom prst="rect">
+            <a:avLst/>
+          </a:prstGeom>
+          <a:noFill/>
+        </p:spPr>
+        <p:txBody>
+          <a:bodyPr wrap="square" lIns="0" tIns="0" rIns="0" bIns="0" rtlCol="0">
+            <a:spAutoFit/>
+          </a:bodyPr>
+          <a:lstStyle>
+            <a:defPPr>
+              <a:defRPr lang="en-US"/>
+            </a:defPPr>
+            <a:lvl1pPr algn="r">
+              <a:defRPr sz="1400">
+                <a:solidFill>
+                  <a:srgbClr val="0070C0"/>
+                </a:solidFill>
+              </a:defRPr>
+            </a:lvl1pPr>
+          </a:lstStyle>
+          <a:p>
+            <a:r>
+              <a:rPr lang="en-US" sz="1100" dirty="0" err="1" smtClean="0">
+                <a:solidFill>
+                  <a:srgbClr val="7030A0"/>
+                </a:solidFill>
+              </a:rPr>
+              <a:t>setPrisoner</a:t>
+            </a:r>
+            <a:endParaRPr lang="en-US" sz="1100" dirty="0" smtClean="0">
+              <a:solidFill>
+                <a:srgbClr val="7030A0"/>
+              </a:solidFill>
+            </a:endParaRPr>
+          </a:p>
+          <a:p>
+            <a:r>
+              <a:rPr lang="en-US" sz="1100" dirty="0" smtClean="0">
+                <a:solidFill>
+                  <a:srgbClr val="7030A0"/>
+                </a:solidFill>
+              </a:rPr>
+              <a:t>(p, </a:t>
+            </a:r>
+            <a:r>
+              <a:rPr lang="en-US" sz="1100" dirty="0" err="1" smtClean="0">
+                <a:solidFill>
+                  <a:srgbClr val="7030A0"/>
+                </a:solidFill>
+              </a:rPr>
+              <a:t>updatedP</a:t>
+            </a:r>
+            <a:r>
+              <a:rPr lang="en-US" sz="1100" dirty="0" smtClean="0">
+                <a:solidFill>
+                  <a:srgbClr val="7030A0"/>
+                </a:solidFill>
+              </a:rPr>
+              <a:t>)</a:t>
+            </a:r>
+            <a:endParaRPr lang="en-US" sz="1100" dirty="0">
+              <a:solidFill>
+                <a:srgbClr val="7030A0"/>
+              </a:solidFill>
+            </a:endParaRPr>
+          </a:p>
+        </p:txBody>
+      </p:sp>
+      <p:cxnSp>
+        <p:nvCxnSpPr>
+          <p:cNvPr id="68" name="Straight Connector 67"/>
+          <p:cNvCxnSpPr/>
+          <p:nvPr/>
+        </p:nvCxnSpPr>
+        <p:spPr>
+          <a:xfrm flipH="1">
+            <a:off x="5771361" y="4290284"/>
+            <a:ext cx="1496" cy="1500916"/>
+          </a:xfrm>
+          <a:prstGeom prst="line">
+            <a:avLst/>
+          </a:prstGeom>
+          <a:ln w="19050">
+            <a:solidFill>
+              <a:schemeClr val="accent4">
+                <a:lumMod val="60000"/>
+                <a:lumOff val="40000"/>
+              </a:schemeClr>
+            </a:solidFill>
+            <a:prstDash val="sysDash"/>
+          </a:ln>
+          <a:effectLst/>
+        </p:spPr>
+        <p:style>
+          <a:lnRef idx="1">
+            <a:schemeClr val="accent1"/>
+          </a:lnRef>
+          <a:fillRef idx="2">
+            <a:schemeClr val="accent1"/>
+          </a:fillRef>
+          <a:effectRef idx="1">
+            <a:schemeClr val="accent1"/>
+          </a:effectRef>
+          <a:fontRef idx="minor">
+            <a:schemeClr val="dk1"/>
+          </a:fontRef>
+        </p:style>
+      </p:cxnSp>
+      <p:sp>
+        <p:nvSpPr>
+          <p:cNvPr id="69" name="Rectangle 68"/>
+          <p:cNvSpPr/>
+          <p:nvPr/>
+        </p:nvSpPr>
+        <p:spPr>
+          <a:xfrm>
+            <a:off x="5680479" y="4489200"/>
+            <a:ext cx="180371" cy="803936"/>
+          </a:xfrm>
+          <a:prstGeom prst="rect">
+            <a:avLst/>
+          </a:prstGeom>
+          <a:solidFill>
+            <a:srgbClr val="7030A0"/>
+          </a:solidFill>
+          <a:ln>
+            <a:solidFill>
+              <a:schemeClr val="accent4">
+                <a:lumMod val="60000"/>
+                <a:lumOff val="40000"/>
+              </a:schemeClr>
+            </a:solidFill>
+          </a:ln>
+          <a:effectLst/>
+        </p:spPr>
+        <p:style>
+          <a:lnRef idx="1">
+            <a:schemeClr val="accent3"/>
+          </a:lnRef>
+          <a:fillRef idx="2">
+            <a:schemeClr val="accent3"/>
+          </a:fillRef>
+          <a:effectRef idx="1">
+            <a:schemeClr val="accent3"/>
+          </a:effectRef>
+          <a:fontRef idx="minor">
+            <a:schemeClr val="dk1"/>
+          </a:fontRef>
+        </p:style>
+        <p:txBody>
+          <a:bodyPr rtlCol="0" anchor="ctr"/>
+          <a:lstStyle/>
+          <a:p>
+            <a:pPr algn="ctr"/>
+            <a:endParaRPr lang="en-SG" sz="1100">
+              <a:solidFill>
+                <a:schemeClr val="dk1"/>
+              </a:solidFill>
+            </a:endParaRPr>
+          </a:p>
+        </p:txBody>
+      </p:sp>
+      <p:sp>
+        <p:nvSpPr>
+          <p:cNvPr id="70" name="Rectangle 62"/>
+          <p:cNvSpPr/>
+          <p:nvPr/>
+        </p:nvSpPr>
+        <p:spPr>
+          <a:xfrm>
+            <a:off x="5380651" y="4004702"/>
+            <a:ext cx="805185" cy="273177"/>
+          </a:xfrm>
+          <a:prstGeom prst="rect">
+            <a:avLst/>
+          </a:prstGeom>
+          <a:solidFill>
+            <a:srgbClr val="7030A0"/>
+          </a:solidFill>
+          <a:ln w="19050">
+            <a:solidFill>
+              <a:schemeClr val="accent4">
+                <a:lumMod val="60000"/>
+                <a:lumOff val="40000"/>
+              </a:schemeClr>
+            </a:solidFill>
+          </a:ln>
+          <a:effectLst/>
+        </p:spPr>
+        <p:style>
+          <a:lnRef idx="1">
+            <a:schemeClr val="accent2"/>
+          </a:lnRef>
+          <a:fillRef idx="2">
+            <a:schemeClr val="accent2"/>
+          </a:fillRef>
+          <a:effectRef idx="1">
+            <a:schemeClr val="accent2"/>
+          </a:effectRef>
+          <a:fontRef idx="minor">
+            <a:schemeClr val="dk1"/>
+          </a:fontRef>
+        </p:style>
+        <p:txBody>
+          <a:bodyPr rtlCol="0" anchor="ctr"/>
+          <a:lstStyle/>
+          <a:p>
+            <a:pPr algn="ctr"/>
+            <a:r>
+              <a:rPr lang="en-US" sz="1200" dirty="0" smtClean="0">
+                <a:solidFill>
+                  <a:schemeClr val="bg1"/>
+                </a:solidFill>
+              </a:rPr>
+              <a:t>:</a:t>
+            </a:r>
+            <a:r>
+              <a:rPr lang="en-US" sz="1200" dirty="0" err="1" smtClean="0">
+                <a:solidFill>
+                  <a:schemeClr val="bg1"/>
+                </a:solidFill>
+              </a:rPr>
+              <a:t>cellMap</a:t>
+            </a:r>
+            <a:endParaRPr lang="en-SG" sz="1200" dirty="0">
+              <a:solidFill>
+                <a:schemeClr val="bg1"/>
+              </a:solidFill>
+            </a:endParaRPr>
+          </a:p>
+        </p:txBody>
+      </p:sp>
+      <p:cxnSp>
+        <p:nvCxnSpPr>
+          <p:cNvPr id="92" name="Straight Arrow Connector 91"/>
+          <p:cNvCxnSpPr/>
+          <p:nvPr/>
+        </p:nvCxnSpPr>
+        <p:spPr>
+          <a:xfrm flipV="1">
+            <a:off x="2581040" y="4178598"/>
+            <a:ext cx="2112744" cy="12403"/>
+          </a:xfrm>
+          <a:prstGeom prst="straightConnector1">
+            <a:avLst/>
+          </a:prstGeom>
+          <a:ln w="19050">
+            <a:solidFill>
+              <a:schemeClr val="accent4">
+                <a:lumMod val="60000"/>
+                <a:lumOff val="40000"/>
+              </a:schemeClr>
+            </a:solidFill>
+            <a:prstDash val="sysDash"/>
+            <a:headEnd type="arrow" w="med" len="med"/>
+            <a:tailEnd type="none" w="med" len="med"/>
+          </a:ln>
+        </p:spPr>
+        <p:style>
+          <a:lnRef idx="1">
+            <a:schemeClr val="accent1"/>
+          </a:lnRef>
+          <a:fillRef idx="0">
+            <a:schemeClr val="accent1"/>
+          </a:fillRef>
+          <a:effectRef idx="0">
+            <a:schemeClr val="accent1"/>
+          </a:effectRef>
+          <a:fontRef idx="minor">
+            <a:schemeClr val="tx1"/>
+          </a:fontRef>
+        </p:style>
+      </p:cxnSp>
+      <p:cxnSp>
+        <p:nvCxnSpPr>
+          <p:cNvPr id="93" name="Straight Connector 92"/>
+          <p:cNvCxnSpPr/>
+          <p:nvPr/>
+        </p:nvCxnSpPr>
+        <p:spPr>
+          <a:xfrm>
+            <a:off x="8155478" y="145546"/>
+            <a:ext cx="0" cy="204572"/>
+          </a:xfrm>
+          <a:prstGeom prst="line">
+            <a:avLst/>
+          </a:prstGeom>
+          <a:ln>
+            <a:solidFill>
+              <a:srgbClr val="7030A0"/>
+            </a:solidFill>
+          </a:ln>
+        </p:spPr>
+        <p:style>
+          <a:lnRef idx="1">
+            <a:schemeClr val="accent1"/>
+          </a:lnRef>
+          <a:fillRef idx="0">
+            <a:schemeClr val="accent1"/>
+          </a:fillRef>
+          <a:effectRef idx="0">
+            <a:schemeClr val="accent1"/>
+          </a:effectRef>
+          <a:fontRef idx="minor">
+            <a:schemeClr val="tx1"/>
+          </a:fontRef>
+        </p:style>
+      </p:cxnSp>
+      <p:cxnSp>
+        <p:nvCxnSpPr>
+          <p:cNvPr id="96" name="Straight Arrow Connector 95"/>
+          <p:cNvCxnSpPr/>
+          <p:nvPr/>
+        </p:nvCxnSpPr>
+        <p:spPr>
+          <a:xfrm flipV="1">
+            <a:off x="2590800" y="4479783"/>
+            <a:ext cx="3090728" cy="16018"/>
+          </a:xfrm>
+          <a:prstGeom prst="straightConnector1">
+            <a:avLst/>
+          </a:prstGeom>
+          <a:ln w="19050">
+            <a:solidFill>
+              <a:srgbClr val="7030A0"/>
+            </a:solidFill>
+            <a:tailEnd type="arrow"/>
+          </a:ln>
+        </p:spPr>
+        <p:style>
+          <a:lnRef idx="1">
+            <a:schemeClr val="accent1"/>
+          </a:lnRef>
+          <a:fillRef idx="0">
+            <a:schemeClr val="accent1"/>
+          </a:fillRef>
+          <a:effectRef idx="0">
+            <a:schemeClr val="accent1"/>
+          </a:effectRef>
+          <a:fontRef idx="minor">
+            <a:schemeClr val="tx1"/>
+          </a:fontRef>
+        </p:style>
+      </p:cxnSp>
+      <p:sp>
+        <p:nvSpPr>
+          <p:cNvPr id="97" name="TextBox 96"/>
+          <p:cNvSpPr txBox="1"/>
+          <p:nvPr/>
+        </p:nvSpPr>
+        <p:spPr>
+          <a:xfrm>
+            <a:off x="2368717" y="4277879"/>
+            <a:ext cx="3114801" cy="169277"/>
+          </a:xfrm>
+          <a:prstGeom prst="rect">
+            <a:avLst/>
+          </a:prstGeom>
+          <a:noFill/>
+        </p:spPr>
+        <p:txBody>
+          <a:bodyPr wrap="square" lIns="0" tIns="0" rIns="0" bIns="0" rtlCol="0">
+            <a:spAutoFit/>
+          </a:bodyPr>
+          <a:lstStyle>
+            <a:defPPr>
+              <a:defRPr lang="en-US"/>
+            </a:defPPr>
+            <a:lvl1pPr algn="r">
+              <a:defRPr sz="1400">
+                <a:solidFill>
+                  <a:srgbClr val="0070C0"/>
+                </a:solidFill>
+              </a:defRPr>
+            </a:lvl1pPr>
+          </a:lstStyle>
+          <a:p>
+            <a:r>
+              <a:rPr lang="en-US" sz="1100" dirty="0" err="1" smtClean="0">
+                <a:solidFill>
+                  <a:srgbClr val="7030A0"/>
+                </a:solidFill>
+              </a:rPr>
+              <a:t>addPrisonerToCell</a:t>
+            </a:r>
+            <a:r>
+              <a:rPr lang="en-US" sz="1100" dirty="0" smtClean="0">
+                <a:solidFill>
+                  <a:srgbClr val="7030A0"/>
+                </a:solidFill>
+              </a:rPr>
+              <a:t>(</a:t>
+            </a:r>
+            <a:r>
+              <a:rPr lang="en-US" sz="1100" dirty="0" err="1" smtClean="0">
+                <a:solidFill>
+                  <a:srgbClr val="7030A0"/>
+                </a:solidFill>
+              </a:rPr>
+              <a:t>updatedP</a:t>
+            </a:r>
+            <a:r>
+              <a:rPr lang="en-US" sz="1100" dirty="0" smtClean="0">
+                <a:solidFill>
+                  <a:srgbClr val="7030A0"/>
+                </a:solidFill>
+              </a:rPr>
+              <a:t>,   </a:t>
+            </a:r>
+            <a:r>
+              <a:rPr lang="en-US" sz="1100" dirty="0" err="1" smtClean="0">
+                <a:solidFill>
+                  <a:srgbClr val="7030A0"/>
+                </a:solidFill>
+              </a:rPr>
+              <a:t>cellAddress</a:t>
+            </a:r>
+            <a:r>
+              <a:rPr lang="en-US" sz="1100" dirty="0" smtClean="0">
+                <a:solidFill>
+                  <a:srgbClr val="7030A0"/>
+                </a:solidFill>
+              </a:rPr>
+              <a:t>)</a:t>
+            </a:r>
+            <a:endParaRPr lang="en-US" sz="1100" dirty="0">
+              <a:solidFill>
+                <a:srgbClr val="7030A0"/>
+              </a:solidFill>
+            </a:endParaRPr>
+          </a:p>
+        </p:txBody>
+      </p:sp>
+      <p:cxnSp>
+        <p:nvCxnSpPr>
+          <p:cNvPr id="102" name="Straight Arrow Connector 101"/>
+          <p:cNvCxnSpPr/>
+          <p:nvPr/>
+        </p:nvCxnSpPr>
+        <p:spPr>
+          <a:xfrm flipV="1">
+            <a:off x="5862905" y="4673944"/>
+            <a:ext cx="1909495" cy="4337"/>
+          </a:xfrm>
+          <a:prstGeom prst="straightConnector1">
+            <a:avLst/>
+          </a:prstGeom>
+          <a:ln w="19050">
+            <a:solidFill>
+              <a:srgbClr val="7030A0"/>
+            </a:solidFill>
+            <a:tailEnd type="arrow"/>
+          </a:ln>
+        </p:spPr>
+        <p:style>
+          <a:lnRef idx="1">
+            <a:schemeClr val="accent1"/>
+          </a:lnRef>
+          <a:fillRef idx="0">
+            <a:schemeClr val="accent1"/>
+          </a:fillRef>
+          <a:effectRef idx="0">
+            <a:schemeClr val="accent1"/>
+          </a:effectRef>
+          <a:fontRef idx="minor">
+            <a:schemeClr val="tx1"/>
+          </a:fontRef>
+        </p:style>
+      </p:cxnSp>
+      <p:sp>
+        <p:nvSpPr>
+          <p:cNvPr id="103" name="TextBox 102"/>
+          <p:cNvSpPr txBox="1"/>
+          <p:nvPr/>
+        </p:nvSpPr>
+        <p:spPr>
+          <a:xfrm>
+            <a:off x="5770387" y="4470071"/>
+            <a:ext cx="1783190" cy="169277"/>
+          </a:xfrm>
+          <a:prstGeom prst="rect">
+            <a:avLst/>
+          </a:prstGeom>
+          <a:noFill/>
+        </p:spPr>
+        <p:txBody>
+          <a:bodyPr wrap="square" lIns="0" tIns="0" rIns="0" bIns="0" rtlCol="0">
+            <a:spAutoFit/>
+          </a:bodyPr>
+          <a:lstStyle>
+            <a:defPPr>
+              <a:defRPr lang="en-US"/>
+            </a:defPPr>
+            <a:lvl1pPr algn="r">
+              <a:defRPr sz="1400">
+                <a:solidFill>
+                  <a:srgbClr val="0070C0"/>
+                </a:solidFill>
+              </a:defRPr>
+            </a:lvl1pPr>
+          </a:lstStyle>
+          <a:p>
+            <a:r>
+              <a:rPr lang="en-US" sz="1100" dirty="0" err="1" smtClean="0">
+                <a:solidFill>
+                  <a:srgbClr val="7030A0"/>
+                </a:solidFill>
+              </a:rPr>
+              <a:t>addPrisonerToCell</a:t>
+            </a:r>
+            <a:r>
+              <a:rPr lang="en-US" sz="1100" dirty="0" smtClean="0">
+                <a:solidFill>
+                  <a:srgbClr val="7030A0"/>
+                </a:solidFill>
+              </a:rPr>
+              <a:t>(</a:t>
+            </a:r>
+            <a:r>
+              <a:rPr lang="en-US" sz="1100" dirty="0" err="1" smtClean="0">
+                <a:solidFill>
+                  <a:srgbClr val="7030A0"/>
+                </a:solidFill>
+              </a:rPr>
+              <a:t>updatedP</a:t>
+            </a:r>
+            <a:r>
+              <a:rPr lang="en-US" sz="1100" dirty="0" smtClean="0">
+                <a:solidFill>
+                  <a:srgbClr val="7030A0"/>
+                </a:solidFill>
+              </a:rPr>
+              <a:t>)</a:t>
+            </a:r>
+            <a:endParaRPr lang="en-US" sz="1100" dirty="0">
+              <a:solidFill>
+                <a:srgbClr val="7030A0"/>
+              </a:solidFill>
+            </a:endParaRPr>
+          </a:p>
+        </p:txBody>
+      </p:sp>
+      <p:cxnSp>
+        <p:nvCxnSpPr>
+          <p:cNvPr id="118" name="Straight Arrow Connector 117"/>
+          <p:cNvCxnSpPr/>
+          <p:nvPr/>
+        </p:nvCxnSpPr>
+        <p:spPr>
+          <a:xfrm flipV="1">
+            <a:off x="5860850" y="5022113"/>
+            <a:ext cx="1910743" cy="7088"/>
+          </a:xfrm>
+          <a:prstGeom prst="straightConnector1">
+            <a:avLst/>
+          </a:prstGeom>
+          <a:ln w="19050">
+            <a:solidFill>
+              <a:schemeClr val="accent4">
+                <a:lumMod val="60000"/>
+                <a:lumOff val="40000"/>
+              </a:schemeClr>
+            </a:solidFill>
+            <a:prstDash val="sysDash"/>
+            <a:headEnd type="arrow" w="med" len="med"/>
+            <a:tailEnd type="none" w="med" len="med"/>
+          </a:ln>
+        </p:spPr>
+        <p:style>
+          <a:lnRef idx="1">
+            <a:schemeClr val="accent1"/>
+          </a:lnRef>
+          <a:fillRef idx="0">
+            <a:schemeClr val="accent1"/>
+          </a:fillRef>
+          <a:effectRef idx="0">
+            <a:schemeClr val="accent1"/>
+          </a:effectRef>
+          <a:fontRef idx="minor">
+            <a:schemeClr val="tx1"/>
+          </a:fontRef>
+        </p:style>
+      </p:cxnSp>
+      <p:cxnSp>
+        <p:nvCxnSpPr>
+          <p:cNvPr id="120" name="Straight Arrow Connector 119"/>
+          <p:cNvCxnSpPr/>
+          <p:nvPr/>
+        </p:nvCxnSpPr>
+        <p:spPr>
+          <a:xfrm>
+            <a:off x="2618547" y="5293136"/>
+            <a:ext cx="3061932" cy="0"/>
+          </a:xfrm>
+          <a:prstGeom prst="straightConnector1">
+            <a:avLst/>
+          </a:prstGeom>
+          <a:ln w="19050">
+            <a:solidFill>
+              <a:schemeClr val="accent4">
+                <a:lumMod val="60000"/>
+                <a:lumOff val="40000"/>
+              </a:schemeClr>
+            </a:solidFill>
+            <a:prstDash val="sysDash"/>
+            <a:headEnd type="arrow" w="med" len="med"/>
+            <a:tailEnd type="none" w="med" len="med"/>
+          </a:ln>
+        </p:spPr>
+        <p:style>
+          <a:lnRef idx="1">
+            <a:schemeClr val="accent1"/>
+          </a:lnRef>
+          <a:fillRef idx="0">
+            <a:schemeClr val="accent1"/>
+          </a:fillRef>
+          <a:effectRef idx="0">
+            <a:schemeClr val="accent1"/>
+          </a:effectRef>
+          <a:fontRef idx="minor">
+            <a:schemeClr val="tx1"/>
+          </a:fontRef>
+        </p:style>
+      </p:cxnSp>
+      <p:cxnSp>
+        <p:nvCxnSpPr>
+          <p:cNvPr id="126" name="Straight Arrow Connector 125"/>
+          <p:cNvCxnSpPr/>
+          <p:nvPr/>
+        </p:nvCxnSpPr>
+        <p:spPr>
+          <a:xfrm>
+            <a:off x="1320255" y="5468679"/>
+            <a:ext cx="1112384" cy="0"/>
+          </a:xfrm>
+          <a:prstGeom prst="straightConnector1">
+            <a:avLst/>
+          </a:prstGeom>
+          <a:ln w="19050">
+            <a:solidFill>
+              <a:schemeClr val="accent4">
+                <a:lumMod val="60000"/>
+                <a:lumOff val="40000"/>
+              </a:schemeClr>
+            </a:solidFill>
+            <a:prstDash val="sysDash"/>
+            <a:headEnd type="arrow" w="med" len="med"/>
+            <a:tailEnd type="none" w="med" len="med"/>
+          </a:ln>
+        </p:spPr>
+        <p:style>
+          <a:lnRef idx="1">
+            <a:schemeClr val="accent1"/>
+          </a:lnRef>
+          <a:fillRef idx="0">
+            <a:schemeClr val="accent1"/>
+          </a:fillRef>
+          <a:effectRef idx="0">
+            <a:schemeClr val="accent1"/>
+          </a:effectRef>
+          <a:fontRef idx="minor">
+            <a:schemeClr val="tx1"/>
+          </a:fontRef>
+        </p:style>
+      </p:cxnSp>
+    </p:spTree>
+    <p:extLst>
+      <p:ext uri="{BB962C8B-B14F-4D97-AF65-F5344CB8AC3E}">
+        <p14:creationId xmlns:p14="http://schemas.microsoft.com/office/powerpoint/2010/main" val="562795213"/>
+      </p:ext>
+    </p:extLst>
+  </p:cSld>
+  <p:clrMapOvr>
+    <a:masterClrMapping/>
+  </p:clrMapOvr>
+  <p:timing>
+    <p:tnLst>
+      <p:par>
+        <p:cTn id="1" dur="indefinite" restart="never" nodeType="tmRoot"/>
+      </p:par>
+    </p:tnLst>
+  </p:timing>
 </p:sld>
 </file>
 

--- a/docs/diagrams/LogicComponentSequenceDiagram.pptx
+++ b/docs/diagrams/LogicComponentSequenceDiagram.pptx
@@ -5,12 +5,13 @@
     <p:sldMasterId id="2147483648" r:id="rId1"/>
   </p:sldMasterIdLst>
   <p:notesMasterIdLst>
-    <p:notesMasterId r:id="rId5"/>
+    <p:notesMasterId r:id="rId6"/>
   </p:notesMasterIdLst>
   <p:sldIdLst>
     <p:sldId id="267" r:id="rId2"/>
-    <p:sldId id="268" r:id="rId3"/>
-    <p:sldId id="269" r:id="rId4"/>
+    <p:sldId id="270" r:id="rId3"/>
+    <p:sldId id="268" r:id="rId4"/>
+    <p:sldId id="269" r:id="rId5"/>
   </p:sldIdLst>
   <p:sldSz cx="9144000" cy="6858000" type="screen4x3"/>
   <p:notesSz cx="6858000" cy="9144000"/>
@@ -128,8 +129,625 @@
 </p:presentation>
 </file>
 
-<file path=ppt/revisionInfo.xml><?xml version="1.0" encoding="utf-8"?>
-<p1510:revInfo xmlns:a="http://schemas.openxmlformats.org/drawingml/2006/main" xmlns:r="http://schemas.openxmlformats.org/officeDocument/2006/relationships" xmlns:p1510="http://schemas.microsoft.com/office/powerpoint/2015/10/main"/>
+<file path=ppt/changesInfos/changesInfo1.xml><?xml version="1.0" encoding="utf-8"?>
+<pc:chgInfo xmlns:a="http://schemas.openxmlformats.org/drawingml/2006/main" xmlns:r="http://schemas.openxmlformats.org/officeDocument/2006/relationships" xmlns:ac="http://schemas.microsoft.com/office/drawing/2013/main/command" xmlns:pc="http://schemas.microsoft.com/office/powerpoint/2013/main/command">
+  <pc:docChgLst>
+    <pc:chgData userId="5ef20b631d4f0458" providerId="LiveId" clId="{A38BB1F3-725B-4BAA-9F85-825F78A913F0}"/>
+    <pc:docChg chg="undo custSel addSld modSld">
+      <pc:chgData name="" userId="5ef20b631d4f0458" providerId="LiveId" clId="{A38BB1F3-725B-4BAA-9F85-825F78A913F0}" dt="2018-04-15T13:37:11.969" v="429" actId="14100"/>
+      <pc:docMkLst>
+        <pc:docMk/>
+      </pc:docMkLst>
+      <pc:sldChg chg="addSp delSp modSp add">
+        <pc:chgData name="" userId="5ef20b631d4f0458" providerId="LiveId" clId="{A38BB1F3-725B-4BAA-9F85-825F78A913F0}" dt="2018-04-15T13:37:11.969" v="429" actId="14100"/>
+        <pc:sldMkLst>
+          <pc:docMk/>
+          <pc:sldMk cId="3348437031" sldId="270"/>
+        </pc:sldMkLst>
+        <pc:spChg chg="mod">
+          <ac:chgData name="" userId="5ef20b631d4f0458" providerId="LiveId" clId="{A38BB1F3-725B-4BAA-9F85-825F78A913F0}" dt="2018-04-15T13:30:21.773" v="331" actId="1076"/>
+          <ac:spMkLst>
+            <pc:docMk/>
+            <pc:sldMk cId="3348437031" sldId="270"/>
+            <ac:spMk id="2" creationId="{00000000-0000-0000-0000-000000000000}"/>
+          </ac:spMkLst>
+        </pc:spChg>
+        <pc:spChg chg="mod">
+          <ac:chgData name="" userId="5ef20b631d4f0458" providerId="LiveId" clId="{A38BB1F3-725B-4BAA-9F85-825F78A913F0}" dt="2018-04-15T13:30:21.773" v="331" actId="1076"/>
+          <ac:spMkLst>
+            <pc:docMk/>
+            <pc:sldMk cId="3348437031" sldId="270"/>
+            <ac:spMk id="4" creationId="{00000000-0000-0000-0000-000000000000}"/>
+          </ac:spMkLst>
+        </pc:spChg>
+        <pc:spChg chg="mod">
+          <ac:chgData name="" userId="5ef20b631d4f0458" providerId="LiveId" clId="{A38BB1F3-725B-4BAA-9F85-825F78A913F0}" dt="2018-04-15T13:32:57.796" v="365" actId="1076"/>
+          <ac:spMkLst>
+            <pc:docMk/>
+            <pc:sldMk cId="3348437031" sldId="270"/>
+            <ac:spMk id="6" creationId="{00000000-0000-0000-0000-000000000000}"/>
+          </ac:spMkLst>
+        </pc:spChg>
+        <pc:spChg chg="mod">
+          <ac:chgData name="" userId="5ef20b631d4f0458" providerId="LiveId" clId="{A38BB1F3-725B-4BAA-9F85-825F78A913F0}" dt="2018-04-15T13:30:21.773" v="331" actId="1076"/>
+          <ac:spMkLst>
+            <pc:docMk/>
+            <pc:sldMk cId="3348437031" sldId="270"/>
+            <ac:spMk id="16" creationId="{00000000-0000-0000-0000-000000000000}"/>
+          </ac:spMkLst>
+        </pc:spChg>
+        <pc:spChg chg="mod">
+          <ac:chgData name="" userId="5ef20b631d4f0458" providerId="LiveId" clId="{A38BB1F3-725B-4BAA-9F85-825F78A913F0}" dt="2018-04-15T13:30:21.773" v="331" actId="1076"/>
+          <ac:spMkLst>
+            <pc:docMk/>
+            <pc:sldMk cId="3348437031" sldId="270"/>
+            <ac:spMk id="18" creationId="{00000000-0000-0000-0000-000000000000}"/>
+          </ac:spMkLst>
+        </pc:spChg>
+        <pc:spChg chg="mod">
+          <ac:chgData name="" userId="5ef20b631d4f0458" providerId="LiveId" clId="{A38BB1F3-725B-4BAA-9F85-825F78A913F0}" dt="2018-04-15T13:30:21.773" v="331" actId="1076"/>
+          <ac:spMkLst>
+            <pc:docMk/>
+            <pc:sldMk cId="3348437031" sldId="270"/>
+            <ac:spMk id="19" creationId="{00000000-0000-0000-0000-000000000000}"/>
+          </ac:spMkLst>
+        </pc:spChg>
+        <pc:spChg chg="mod">
+          <ac:chgData name="" userId="5ef20b631d4f0458" providerId="LiveId" clId="{A38BB1F3-725B-4BAA-9F85-825F78A913F0}" dt="2018-04-15T13:30:21.773" v="331" actId="1076"/>
+          <ac:spMkLst>
+            <pc:docMk/>
+            <pc:sldMk cId="3348437031" sldId="270"/>
+            <ac:spMk id="21" creationId="{00000000-0000-0000-0000-000000000000}"/>
+          </ac:spMkLst>
+        </pc:spChg>
+        <pc:spChg chg="mod">
+          <ac:chgData name="" userId="5ef20b631d4f0458" providerId="LiveId" clId="{A38BB1F3-725B-4BAA-9F85-825F78A913F0}" dt="2018-04-15T13:30:21.773" v="331" actId="1076"/>
+          <ac:spMkLst>
+            <pc:docMk/>
+            <pc:sldMk cId="3348437031" sldId="270"/>
+            <ac:spMk id="26" creationId="{00000000-0000-0000-0000-000000000000}"/>
+          </ac:spMkLst>
+        </pc:spChg>
+        <pc:spChg chg="mod">
+          <ac:chgData name="" userId="5ef20b631d4f0458" providerId="LiveId" clId="{A38BB1F3-725B-4BAA-9F85-825F78A913F0}" dt="2018-04-15T13:30:21.773" v="331" actId="1076"/>
+          <ac:spMkLst>
+            <pc:docMk/>
+            <pc:sldMk cId="3348437031" sldId="270"/>
+            <ac:spMk id="29" creationId="{00000000-0000-0000-0000-000000000000}"/>
+          </ac:spMkLst>
+        </pc:spChg>
+        <pc:spChg chg="mod">
+          <ac:chgData name="" userId="5ef20b631d4f0458" providerId="LiveId" clId="{A38BB1F3-725B-4BAA-9F85-825F78A913F0}" dt="2018-04-15T13:30:21.773" v="331" actId="1076"/>
+          <ac:spMkLst>
+            <pc:docMk/>
+            <pc:sldMk cId="3348437031" sldId="270"/>
+            <ac:spMk id="39" creationId="{00000000-0000-0000-0000-000000000000}"/>
+          </ac:spMkLst>
+        </pc:spChg>
+        <pc:spChg chg="mod">
+          <ac:chgData name="" userId="5ef20b631d4f0458" providerId="LiveId" clId="{A38BB1F3-725B-4BAA-9F85-825F78A913F0}" dt="2018-04-15T13:30:21.773" v="331" actId="1076"/>
+          <ac:spMkLst>
+            <pc:docMk/>
+            <pc:sldMk cId="3348437031" sldId="270"/>
+            <ac:spMk id="40" creationId="{00000000-0000-0000-0000-000000000000}"/>
+          </ac:spMkLst>
+        </pc:spChg>
+        <pc:spChg chg="mod">
+          <ac:chgData name="" userId="5ef20b631d4f0458" providerId="LiveId" clId="{A38BB1F3-725B-4BAA-9F85-825F78A913F0}" dt="2018-04-15T13:30:21.773" v="331" actId="1076"/>
+          <ac:spMkLst>
+            <pc:docMk/>
+            <pc:sldMk cId="3348437031" sldId="270"/>
+            <ac:spMk id="45" creationId="{00000000-0000-0000-0000-000000000000}"/>
+          </ac:spMkLst>
+        </pc:spChg>
+        <pc:spChg chg="mod">
+          <ac:chgData name="" userId="5ef20b631d4f0458" providerId="LiveId" clId="{A38BB1F3-725B-4BAA-9F85-825F78A913F0}" dt="2018-04-15T13:30:21.773" v="331" actId="1076"/>
+          <ac:spMkLst>
+            <pc:docMk/>
+            <pc:sldMk cId="3348437031" sldId="270"/>
+            <ac:spMk id="49" creationId="{00000000-0000-0000-0000-000000000000}"/>
+          </ac:spMkLst>
+        </pc:spChg>
+        <pc:spChg chg="add mod">
+          <ac:chgData name="" userId="5ef20b631d4f0458" providerId="LiveId" clId="{A38BB1F3-725B-4BAA-9F85-825F78A913F0}" dt="2018-04-15T13:30:21.773" v="331" actId="1076"/>
+          <ac:spMkLst>
+            <pc:docMk/>
+            <pc:sldMk cId="3348437031" sldId="270"/>
+            <ac:spMk id="54" creationId="{E6AF0985-A0BF-422B-9090-8A529BA866FB}"/>
+          </ac:spMkLst>
+        </pc:spChg>
+        <pc:spChg chg="add mod">
+          <ac:chgData name="" userId="5ef20b631d4f0458" providerId="LiveId" clId="{A38BB1F3-725B-4BAA-9F85-825F78A913F0}" dt="2018-04-15T13:30:21.773" v="331" actId="1076"/>
+          <ac:spMkLst>
+            <pc:docMk/>
+            <pc:sldMk cId="3348437031" sldId="270"/>
+            <ac:spMk id="56" creationId="{EF901970-63B8-4150-98CC-C0B5F9C3601D}"/>
+          </ac:spMkLst>
+        </pc:spChg>
+        <pc:spChg chg="add mod topLvl">
+          <ac:chgData name="" userId="5ef20b631d4f0458" providerId="LiveId" clId="{A38BB1F3-725B-4BAA-9F85-825F78A913F0}" dt="2018-04-15T13:29:57.834" v="330" actId="20577"/>
+          <ac:spMkLst>
+            <pc:docMk/>
+            <pc:sldMk cId="3348437031" sldId="270"/>
+            <ac:spMk id="57" creationId="{40551140-4962-437F-A146-EDFE61772A59}"/>
+          </ac:spMkLst>
+        </pc:spChg>
+        <pc:spChg chg="mod">
+          <ac:chgData name="" userId="5ef20b631d4f0458" providerId="LiveId" clId="{A38BB1F3-725B-4BAA-9F85-825F78A913F0}" dt="2018-04-15T13:30:21.773" v="331" actId="1076"/>
+          <ac:spMkLst>
+            <pc:docMk/>
+            <pc:sldMk cId="3348437031" sldId="270"/>
+            <ac:spMk id="65" creationId="{00000000-0000-0000-0000-000000000000}"/>
+          </ac:spMkLst>
+        </pc:spChg>
+        <pc:spChg chg="add mod">
+          <ac:chgData name="" userId="5ef20b631d4f0458" providerId="LiveId" clId="{A38BB1F3-725B-4BAA-9F85-825F78A913F0}" dt="2018-04-15T13:30:21.773" v="331" actId="1076"/>
+          <ac:spMkLst>
+            <pc:docMk/>
+            <pc:sldMk cId="3348437031" sldId="270"/>
+            <ac:spMk id="66" creationId="{58E788B9-4E46-47E6-AF82-86EDD89C7B51}"/>
+          </ac:spMkLst>
+        </pc:spChg>
+        <pc:spChg chg="add mod">
+          <ac:chgData name="" userId="5ef20b631d4f0458" providerId="LiveId" clId="{A38BB1F3-725B-4BAA-9F85-825F78A913F0}" dt="2018-04-15T13:30:21.773" v="331" actId="1076"/>
+          <ac:spMkLst>
+            <pc:docMk/>
+            <pc:sldMk cId="3348437031" sldId="270"/>
+            <ac:spMk id="68" creationId="{75287E7C-40D3-41FE-9407-E0AAAD96E183}"/>
+          </ac:spMkLst>
+        </pc:spChg>
+        <pc:spChg chg="add mod">
+          <ac:chgData name="" userId="5ef20b631d4f0458" providerId="LiveId" clId="{A38BB1F3-725B-4BAA-9F85-825F78A913F0}" dt="2018-04-15T13:30:21.773" v="331" actId="1076"/>
+          <ac:spMkLst>
+            <pc:docMk/>
+            <pc:sldMk cId="3348437031" sldId="270"/>
+            <ac:spMk id="72" creationId="{C455E125-FFDE-4524-B47C-A95535DB1C39}"/>
+          </ac:spMkLst>
+        </pc:spChg>
+        <pc:spChg chg="mod">
+          <ac:chgData name="" userId="5ef20b631d4f0458" providerId="LiveId" clId="{A38BB1F3-725B-4BAA-9F85-825F78A913F0}" dt="2018-04-15T13:30:21.773" v="331" actId="1076"/>
+          <ac:spMkLst>
+            <pc:docMk/>
+            <pc:sldMk cId="3348437031" sldId="270"/>
+            <ac:spMk id="73" creationId="{00000000-0000-0000-0000-000000000000}"/>
+          </ac:spMkLst>
+        </pc:spChg>
+        <pc:spChg chg="add mod">
+          <ac:chgData name="" userId="5ef20b631d4f0458" providerId="LiveId" clId="{A38BB1F3-725B-4BAA-9F85-825F78A913F0}" dt="2018-04-15T13:30:21.773" v="331" actId="1076"/>
+          <ac:spMkLst>
+            <pc:docMk/>
+            <pc:sldMk cId="3348437031" sldId="270"/>
+            <ac:spMk id="74" creationId="{5EFA2CB6-C635-4A9D-8CDA-96B6744BD20A}"/>
+          </ac:spMkLst>
+        </pc:spChg>
+        <pc:spChg chg="mod">
+          <ac:chgData name="" userId="5ef20b631d4f0458" providerId="LiveId" clId="{A38BB1F3-725B-4BAA-9F85-825F78A913F0}" dt="2018-04-15T13:30:21.773" v="331" actId="1076"/>
+          <ac:spMkLst>
+            <pc:docMk/>
+            <pc:sldMk cId="3348437031" sldId="270"/>
+            <ac:spMk id="78" creationId="{00000000-0000-0000-0000-000000000000}"/>
+          </ac:spMkLst>
+        </pc:spChg>
+        <pc:spChg chg="mod">
+          <ac:chgData name="" userId="5ef20b631d4f0458" providerId="LiveId" clId="{A38BB1F3-725B-4BAA-9F85-825F78A913F0}" dt="2018-04-15T13:30:21.773" v="331" actId="1076"/>
+          <ac:spMkLst>
+            <pc:docMk/>
+            <pc:sldMk cId="3348437031" sldId="270"/>
+            <ac:spMk id="79" creationId="{00000000-0000-0000-0000-000000000000}"/>
+          </ac:spMkLst>
+        </pc:spChg>
+        <pc:spChg chg="mod">
+          <ac:chgData name="" userId="5ef20b631d4f0458" providerId="LiveId" clId="{A38BB1F3-725B-4BAA-9F85-825F78A913F0}" dt="2018-04-15T13:30:21.773" v="331" actId="1076"/>
+          <ac:spMkLst>
+            <pc:docMk/>
+            <pc:sldMk cId="3348437031" sldId="270"/>
+            <ac:spMk id="80" creationId="{00000000-0000-0000-0000-000000000000}"/>
+          </ac:spMkLst>
+        </pc:spChg>
+        <pc:spChg chg="mod">
+          <ac:chgData name="" userId="5ef20b631d4f0458" providerId="LiveId" clId="{A38BB1F3-725B-4BAA-9F85-825F78A913F0}" dt="2018-04-15T13:32:08.110" v="347" actId="14100"/>
+          <ac:spMkLst>
+            <pc:docMk/>
+            <pc:sldMk cId="3348437031" sldId="270"/>
+            <ac:spMk id="81" creationId="{00000000-0000-0000-0000-000000000000}"/>
+          </ac:spMkLst>
+        </pc:spChg>
+        <pc:spChg chg="mod">
+          <ac:chgData name="" userId="5ef20b631d4f0458" providerId="LiveId" clId="{A38BB1F3-725B-4BAA-9F85-825F78A913F0}" dt="2018-04-15T13:30:21.773" v="331" actId="1076"/>
+          <ac:spMkLst>
+            <pc:docMk/>
+            <pc:sldMk cId="3348437031" sldId="270"/>
+            <ac:spMk id="82" creationId="{00000000-0000-0000-0000-000000000000}"/>
+          </ac:spMkLst>
+        </pc:spChg>
+        <pc:spChg chg="mod">
+          <ac:chgData name="" userId="5ef20b631d4f0458" providerId="LiveId" clId="{A38BB1F3-725B-4BAA-9F85-825F78A913F0}" dt="2018-04-15T13:30:21.773" v="331" actId="1076"/>
+          <ac:spMkLst>
+            <pc:docMk/>
+            <pc:sldMk cId="3348437031" sldId="270"/>
+            <ac:spMk id="83" creationId="{00000000-0000-0000-0000-000000000000}"/>
+          </ac:spMkLst>
+        </pc:spChg>
+        <pc:spChg chg="mod">
+          <ac:chgData name="" userId="5ef20b631d4f0458" providerId="LiveId" clId="{A38BB1F3-725B-4BAA-9F85-825F78A913F0}" dt="2018-04-15T13:30:21.773" v="331" actId="1076"/>
+          <ac:spMkLst>
+            <pc:docMk/>
+            <pc:sldMk cId="3348437031" sldId="270"/>
+            <ac:spMk id="84" creationId="{00000000-0000-0000-0000-000000000000}"/>
+          </ac:spMkLst>
+        </pc:spChg>
+        <pc:spChg chg="mod">
+          <ac:chgData name="" userId="5ef20b631d4f0458" providerId="LiveId" clId="{A38BB1F3-725B-4BAA-9F85-825F78A913F0}" dt="2018-04-15T13:30:21.773" v="331" actId="1076"/>
+          <ac:spMkLst>
+            <pc:docMk/>
+            <pc:sldMk cId="3348437031" sldId="270"/>
+            <ac:spMk id="86" creationId="{00000000-0000-0000-0000-000000000000}"/>
+          </ac:spMkLst>
+        </pc:spChg>
+        <pc:spChg chg="mod ord topLvl">
+          <ac:chgData name="" userId="5ef20b631d4f0458" providerId="LiveId" clId="{A38BB1F3-725B-4BAA-9F85-825F78A913F0}" dt="2018-04-15T13:36:50.839" v="422" actId="1076"/>
+          <ac:spMkLst>
+            <pc:docMk/>
+            <pc:sldMk cId="3348437031" sldId="270"/>
+            <ac:spMk id="87" creationId="{57A40089-4ADB-4D2D-B0A6-DFAE4BD11F12}"/>
+          </ac:spMkLst>
+        </pc:spChg>
+        <pc:spChg chg="add mod">
+          <ac:chgData name="" userId="5ef20b631d4f0458" providerId="LiveId" clId="{A38BB1F3-725B-4BAA-9F85-825F78A913F0}" dt="2018-04-15T13:36:29.316" v="404" actId="1036"/>
+          <ac:spMkLst>
+            <pc:docMk/>
+            <pc:sldMk cId="3348437031" sldId="270"/>
+            <ac:spMk id="92" creationId="{207BBB59-C7BC-46DA-B4B8-BD10FAF33252}"/>
+          </ac:spMkLst>
+        </pc:spChg>
+        <pc:spChg chg="mod">
+          <ac:chgData name="" userId="5ef20b631d4f0458" providerId="LiveId" clId="{A38BB1F3-725B-4BAA-9F85-825F78A913F0}" dt="2018-04-15T13:30:21.773" v="331" actId="1076"/>
+          <ac:spMkLst>
+            <pc:docMk/>
+            <pc:sldMk cId="3348437031" sldId="270"/>
+            <ac:spMk id="93" creationId="{00000000-0000-0000-0000-000000000000}"/>
+          </ac:spMkLst>
+        </pc:spChg>
+        <pc:spChg chg="add mod">
+          <ac:chgData name="" userId="5ef20b631d4f0458" providerId="LiveId" clId="{A38BB1F3-725B-4BAA-9F85-825F78A913F0}" dt="2018-04-15T13:36:40.455" v="416" actId="1035"/>
+          <ac:spMkLst>
+            <pc:docMk/>
+            <pc:sldMk cId="3348437031" sldId="270"/>
+            <ac:spMk id="94" creationId="{BF39895A-AFA4-4A6C-9124-A3748BCCD664}"/>
+          </ac:spMkLst>
+        </pc:spChg>
+        <pc:spChg chg="add mod">
+          <ac:chgData name="" userId="5ef20b631d4f0458" providerId="LiveId" clId="{A38BB1F3-725B-4BAA-9F85-825F78A913F0}" dt="2018-04-15T13:37:06.339" v="427" actId="571"/>
+          <ac:spMkLst>
+            <pc:docMk/>
+            <pc:sldMk cId="3348437031" sldId="270"/>
+            <ac:spMk id="99" creationId="{9C0EA8A2-4060-4C0C-A686-94B7CD411054}"/>
+          </ac:spMkLst>
+        </pc:spChg>
+        <pc:spChg chg="add mod">
+          <ac:chgData name="" userId="5ef20b631d4f0458" providerId="LiveId" clId="{A38BB1F3-725B-4BAA-9F85-825F78A913F0}" dt="2018-04-15T13:37:09.366" v="428" actId="571"/>
+          <ac:spMkLst>
+            <pc:docMk/>
+            <pc:sldMk cId="3348437031" sldId="270"/>
+            <ac:spMk id="100" creationId="{C1EFF7B0-F6D3-4EBE-9071-BCB9E57E6EAA}"/>
+          </ac:spMkLst>
+        </pc:spChg>
+        <pc:grpChg chg="add del mod ord">
+          <ac:chgData name="" userId="5ef20b631d4f0458" providerId="LiveId" clId="{A38BB1F3-725B-4BAA-9F85-825F78A913F0}" dt="2018-04-15T13:25:04.705" v="108" actId="165"/>
+          <ac:grpSpMkLst>
+            <pc:docMk/>
+            <pc:sldMk cId="3348437031" sldId="270"/>
+            <ac:grpSpMk id="12" creationId="{35752700-92F6-4C1C-92B2-5AE1A2A36275}"/>
+          </ac:grpSpMkLst>
+        </pc:grpChg>
+        <pc:grpChg chg="add mod ord">
+          <ac:chgData name="" userId="5ef20b631d4f0458" providerId="LiveId" clId="{A38BB1F3-725B-4BAA-9F85-825F78A913F0}" dt="2018-04-15T13:31:10.683" v="335" actId="1076"/>
+          <ac:grpSpMkLst>
+            <pc:docMk/>
+            <pc:sldMk cId="3348437031" sldId="270"/>
+            <ac:grpSpMk id="14" creationId="{91B744E4-799C-439F-AA1C-240F0EBA94EE}"/>
+          </ac:grpSpMkLst>
+        </pc:grpChg>
+        <pc:grpChg chg="add del mod">
+          <ac:chgData name="" userId="5ef20b631d4f0458" providerId="LiveId" clId="{A38BB1F3-725B-4BAA-9F85-825F78A913F0}" dt="2018-04-15T13:31:34.034" v="342" actId="478"/>
+          <ac:grpSpMkLst>
+            <pc:docMk/>
+            <pc:sldMk cId="3348437031" sldId="270"/>
+            <ac:grpSpMk id="85" creationId="{C8F98CBE-7AF6-43CA-8EC2-5ACAA4E83F17}"/>
+          </ac:grpSpMkLst>
+        </pc:grpChg>
+        <pc:cxnChg chg="mod">
+          <ac:chgData name="" userId="5ef20b631d4f0458" providerId="LiveId" clId="{A38BB1F3-725B-4BAA-9F85-825F78A913F0}" dt="2018-04-15T13:30:21.773" v="331" actId="1076"/>
+          <ac:cxnSpMkLst>
+            <pc:docMk/>
+            <pc:sldMk cId="3348437031" sldId="270"/>
+            <ac:cxnSpMk id="5" creationId="{00000000-0000-0000-0000-000000000000}"/>
+          </ac:cxnSpMkLst>
+        </pc:cxnChg>
+        <pc:cxnChg chg="mod">
+          <ac:chgData name="" userId="5ef20b631d4f0458" providerId="LiveId" clId="{A38BB1F3-725B-4BAA-9F85-825F78A913F0}" dt="2018-04-15T13:30:21.773" v="331" actId="1076"/>
+          <ac:cxnSpMkLst>
+            <pc:docMk/>
+            <pc:sldMk cId="3348437031" sldId="270"/>
+            <ac:cxnSpMk id="8" creationId="{00000000-0000-0000-0000-000000000000}"/>
+          </ac:cxnSpMkLst>
+        </pc:cxnChg>
+        <pc:cxnChg chg="mod">
+          <ac:chgData name="" userId="5ef20b631d4f0458" providerId="LiveId" clId="{A38BB1F3-725B-4BAA-9F85-825F78A913F0}" dt="2018-04-15T13:30:21.773" v="331" actId="1076"/>
+          <ac:cxnSpMkLst>
+            <pc:docMk/>
+            <pc:sldMk cId="3348437031" sldId="270"/>
+            <ac:cxnSpMk id="13" creationId="{00000000-0000-0000-0000-000000000000}"/>
+          </ac:cxnSpMkLst>
+        </pc:cxnChg>
+        <pc:cxnChg chg="mod">
+          <ac:chgData name="" userId="5ef20b631d4f0458" providerId="LiveId" clId="{A38BB1F3-725B-4BAA-9F85-825F78A913F0}" dt="2018-04-15T13:30:21.773" v="331" actId="1076"/>
+          <ac:cxnSpMkLst>
+            <pc:docMk/>
+            <pc:sldMk cId="3348437031" sldId="270"/>
+            <ac:cxnSpMk id="17" creationId="{00000000-0000-0000-0000-000000000000}"/>
+          </ac:cxnSpMkLst>
+        </pc:cxnChg>
+        <pc:cxnChg chg="mod">
+          <ac:chgData name="" userId="5ef20b631d4f0458" providerId="LiveId" clId="{A38BB1F3-725B-4BAA-9F85-825F78A913F0}" dt="2018-04-15T13:30:21.773" v="331" actId="1076"/>
+          <ac:cxnSpMkLst>
+            <pc:docMk/>
+            <pc:sldMk cId="3348437031" sldId="270"/>
+            <ac:cxnSpMk id="20" creationId="{00000000-0000-0000-0000-000000000000}"/>
+          </ac:cxnSpMkLst>
+        </pc:cxnChg>
+        <pc:cxnChg chg="mod">
+          <ac:chgData name="" userId="5ef20b631d4f0458" providerId="LiveId" clId="{A38BB1F3-725B-4BAA-9F85-825F78A913F0}" dt="2018-04-15T13:30:21.773" v="331" actId="1076"/>
+          <ac:cxnSpMkLst>
+            <pc:docMk/>
+            <pc:sldMk cId="3348437031" sldId="270"/>
+            <ac:cxnSpMk id="23" creationId="{00000000-0000-0000-0000-000000000000}"/>
+          </ac:cxnSpMkLst>
+        </pc:cxnChg>
+        <pc:cxnChg chg="mod">
+          <ac:chgData name="" userId="5ef20b631d4f0458" providerId="LiveId" clId="{A38BB1F3-725B-4BAA-9F85-825F78A913F0}" dt="2018-04-15T13:30:21.773" v="331" actId="1076"/>
+          <ac:cxnSpMkLst>
+            <pc:docMk/>
+            <pc:sldMk cId="3348437031" sldId="270"/>
+            <ac:cxnSpMk id="25" creationId="{00000000-0000-0000-0000-000000000000}"/>
+          </ac:cxnSpMkLst>
+        </pc:cxnChg>
+        <pc:cxnChg chg="mod">
+          <ac:chgData name="" userId="5ef20b631d4f0458" providerId="LiveId" clId="{A38BB1F3-725B-4BAA-9F85-825F78A913F0}" dt="2018-04-15T13:30:21.773" v="331" actId="1076"/>
+          <ac:cxnSpMkLst>
+            <pc:docMk/>
+            <pc:sldMk cId="3348437031" sldId="270"/>
+            <ac:cxnSpMk id="28" creationId="{00000000-0000-0000-0000-000000000000}"/>
+          </ac:cxnSpMkLst>
+        </pc:cxnChg>
+        <pc:cxnChg chg="mod">
+          <ac:chgData name="" userId="5ef20b631d4f0458" providerId="LiveId" clId="{A38BB1F3-725B-4BAA-9F85-825F78A913F0}" dt="2018-04-15T13:30:21.773" v="331" actId="1076"/>
+          <ac:cxnSpMkLst>
+            <pc:docMk/>
+            <pc:sldMk cId="3348437031" sldId="270"/>
+            <ac:cxnSpMk id="34" creationId="{00000000-0000-0000-0000-000000000000}"/>
+          </ac:cxnSpMkLst>
+        </pc:cxnChg>
+        <pc:cxnChg chg="mod">
+          <ac:chgData name="" userId="5ef20b631d4f0458" providerId="LiveId" clId="{A38BB1F3-725B-4BAA-9F85-825F78A913F0}" dt="2018-04-15T13:30:21.773" v="331" actId="1076"/>
+          <ac:cxnSpMkLst>
+            <pc:docMk/>
+            <pc:sldMk cId="3348437031" sldId="270"/>
+            <ac:cxnSpMk id="35" creationId="{00000000-0000-0000-0000-000000000000}"/>
+          </ac:cxnSpMkLst>
+        </pc:cxnChg>
+        <pc:cxnChg chg="mod">
+          <ac:chgData name="" userId="5ef20b631d4f0458" providerId="LiveId" clId="{A38BB1F3-725B-4BAA-9F85-825F78A913F0}" dt="2018-04-15T13:30:21.773" v="331" actId="1076"/>
+          <ac:cxnSpMkLst>
+            <pc:docMk/>
+            <pc:sldMk cId="3348437031" sldId="270"/>
+            <ac:cxnSpMk id="37" creationId="{00000000-0000-0000-0000-000000000000}"/>
+          </ac:cxnSpMkLst>
+        </pc:cxnChg>
+        <pc:cxnChg chg="mod">
+          <ac:chgData name="" userId="5ef20b631d4f0458" providerId="LiveId" clId="{A38BB1F3-725B-4BAA-9F85-825F78A913F0}" dt="2018-04-15T13:30:21.773" v="331" actId="1076"/>
+          <ac:cxnSpMkLst>
+            <pc:docMk/>
+            <pc:sldMk cId="3348437031" sldId="270"/>
+            <ac:cxnSpMk id="46" creationId="{00000000-0000-0000-0000-000000000000}"/>
+          </ac:cxnSpMkLst>
+        </pc:cxnChg>
+        <pc:cxnChg chg="mod">
+          <ac:chgData name="" userId="5ef20b631d4f0458" providerId="LiveId" clId="{A38BB1F3-725B-4BAA-9F85-825F78A913F0}" dt="2018-04-15T13:30:21.773" v="331" actId="1076"/>
+          <ac:cxnSpMkLst>
+            <pc:docMk/>
+            <pc:sldMk cId="3348437031" sldId="270"/>
+            <ac:cxnSpMk id="50" creationId="{00000000-0000-0000-0000-000000000000}"/>
+          </ac:cxnSpMkLst>
+        </pc:cxnChg>
+        <pc:cxnChg chg="mod">
+          <ac:chgData name="" userId="5ef20b631d4f0458" providerId="LiveId" clId="{A38BB1F3-725B-4BAA-9F85-825F78A913F0}" dt="2018-04-15T13:30:21.773" v="331" actId="1076"/>
+          <ac:cxnSpMkLst>
+            <pc:docMk/>
+            <pc:sldMk cId="3348437031" sldId="270"/>
+            <ac:cxnSpMk id="51" creationId="{00000000-0000-0000-0000-000000000000}"/>
+          </ac:cxnSpMkLst>
+        </pc:cxnChg>
+        <pc:cxnChg chg="mod">
+          <ac:chgData name="" userId="5ef20b631d4f0458" providerId="LiveId" clId="{A38BB1F3-725B-4BAA-9F85-825F78A913F0}" dt="2018-04-15T13:30:21.773" v="331" actId="1076"/>
+          <ac:cxnSpMkLst>
+            <pc:docMk/>
+            <pc:sldMk cId="3348437031" sldId="270"/>
+            <ac:cxnSpMk id="52" creationId="{00000000-0000-0000-0000-000000000000}"/>
+          </ac:cxnSpMkLst>
+        </pc:cxnChg>
+        <pc:cxnChg chg="add mod">
+          <ac:chgData name="" userId="5ef20b631d4f0458" providerId="LiveId" clId="{A38BB1F3-725B-4BAA-9F85-825F78A913F0}" dt="2018-04-15T13:30:21.773" v="331" actId="1076"/>
+          <ac:cxnSpMkLst>
+            <pc:docMk/>
+            <pc:sldMk cId="3348437031" sldId="270"/>
+            <ac:cxnSpMk id="53" creationId="{A603FCB3-E511-469E-80D2-81156119B89A}"/>
+          </ac:cxnSpMkLst>
+        </pc:cxnChg>
+        <pc:cxnChg chg="add mod">
+          <ac:chgData name="" userId="5ef20b631d4f0458" providerId="LiveId" clId="{A38BB1F3-725B-4BAA-9F85-825F78A913F0}" dt="2018-04-15T13:30:21.773" v="331" actId="1076"/>
+          <ac:cxnSpMkLst>
+            <pc:docMk/>
+            <pc:sldMk cId="3348437031" sldId="270"/>
+            <ac:cxnSpMk id="55" creationId="{384B0F46-FB3D-4D16-A5D4-470EE01B8919}"/>
+          </ac:cxnSpMkLst>
+        </pc:cxnChg>
+        <pc:cxnChg chg="add mod topLvl">
+          <ac:chgData name="" userId="5ef20b631d4f0458" providerId="LiveId" clId="{A38BB1F3-725B-4BAA-9F85-825F78A913F0}" dt="2018-04-15T13:26:33.597" v="149" actId="1076"/>
+          <ac:cxnSpMkLst>
+            <pc:docMk/>
+            <pc:sldMk cId="3348437031" sldId="270"/>
+            <ac:cxnSpMk id="58" creationId="{56D6B350-D3B6-4F72-A500-175F028BCAD9}"/>
+          </ac:cxnSpMkLst>
+        </pc:cxnChg>
+        <pc:cxnChg chg="add mod topLvl">
+          <ac:chgData name="" userId="5ef20b631d4f0458" providerId="LiveId" clId="{A38BB1F3-725B-4BAA-9F85-825F78A913F0}" dt="2018-04-15T13:26:37.952" v="151" actId="14100"/>
+          <ac:cxnSpMkLst>
+            <pc:docMk/>
+            <pc:sldMk cId="3348437031" sldId="270"/>
+            <ac:cxnSpMk id="59" creationId="{3B29D78E-241A-4D10-AF7F-833648670FDB}"/>
+          </ac:cxnSpMkLst>
+        </pc:cxnChg>
+        <pc:cxnChg chg="add mod topLvl">
+          <ac:chgData name="" userId="5ef20b631d4f0458" providerId="LiveId" clId="{A38BB1F3-725B-4BAA-9F85-825F78A913F0}" dt="2018-04-15T13:26:35.651" v="150" actId="1076"/>
+          <ac:cxnSpMkLst>
+            <pc:docMk/>
+            <pc:sldMk cId="3348437031" sldId="270"/>
+            <ac:cxnSpMk id="60" creationId="{DB0BB0A6-E450-44F1-B732-1D5155676AED}"/>
+          </ac:cxnSpMkLst>
+        </pc:cxnChg>
+        <pc:cxnChg chg="mod">
+          <ac:chgData name="" userId="5ef20b631d4f0458" providerId="LiveId" clId="{A38BB1F3-725B-4BAA-9F85-825F78A913F0}" dt="2018-04-15T13:30:21.773" v="331" actId="1076"/>
+          <ac:cxnSpMkLst>
+            <pc:docMk/>
+            <pc:sldMk cId="3348437031" sldId="270"/>
+            <ac:cxnSpMk id="64" creationId="{00000000-0000-0000-0000-000000000000}"/>
+          </ac:cxnSpMkLst>
+        </pc:cxnChg>
+        <pc:cxnChg chg="add mod">
+          <ac:chgData name="" userId="5ef20b631d4f0458" providerId="LiveId" clId="{A38BB1F3-725B-4BAA-9F85-825F78A913F0}" dt="2018-04-15T13:30:21.773" v="331" actId="1076"/>
+          <ac:cxnSpMkLst>
+            <pc:docMk/>
+            <pc:sldMk cId="3348437031" sldId="270"/>
+            <ac:cxnSpMk id="67" creationId="{587E97EE-01E0-4E9A-B0C7-56AB9F785B2A}"/>
+          </ac:cxnSpMkLst>
+        </pc:cxnChg>
+        <pc:cxnChg chg="add mod">
+          <ac:chgData name="" userId="5ef20b631d4f0458" providerId="LiveId" clId="{A38BB1F3-725B-4BAA-9F85-825F78A913F0}" dt="2018-04-15T13:30:21.773" v="331" actId="1076"/>
+          <ac:cxnSpMkLst>
+            <pc:docMk/>
+            <pc:sldMk cId="3348437031" sldId="270"/>
+            <ac:cxnSpMk id="69" creationId="{CAC4BCA9-E4E6-4802-8FD2-A139217892BF}"/>
+          </ac:cxnSpMkLst>
+        </pc:cxnChg>
+        <pc:cxnChg chg="add del mod">
+          <ac:chgData name="" userId="5ef20b631d4f0458" providerId="LiveId" clId="{A38BB1F3-725B-4BAA-9F85-825F78A913F0}" dt="2018-04-15T13:28:00.416" v="189" actId="478"/>
+          <ac:cxnSpMkLst>
+            <pc:docMk/>
+            <pc:sldMk cId="3348437031" sldId="270"/>
+            <ac:cxnSpMk id="70" creationId="{1E335BC7-E60A-4D4F-9ADA-36C3A0826494}"/>
+          </ac:cxnSpMkLst>
+        </pc:cxnChg>
+        <pc:cxnChg chg="mod">
+          <ac:chgData name="" userId="5ef20b631d4f0458" providerId="LiveId" clId="{A38BB1F3-725B-4BAA-9F85-825F78A913F0}" dt="2018-04-15T13:31:14.378" v="336" actId="14100"/>
+          <ac:cxnSpMkLst>
+            <pc:docMk/>
+            <pc:sldMk cId="3348437031" sldId="270"/>
+            <ac:cxnSpMk id="71" creationId="{00000000-0000-0000-0000-000000000000}"/>
+          </ac:cxnSpMkLst>
+        </pc:cxnChg>
+        <pc:cxnChg chg="mod">
+          <ac:chgData name="" userId="5ef20b631d4f0458" providerId="LiveId" clId="{A38BB1F3-725B-4BAA-9F85-825F78A913F0}" dt="2018-04-15T13:30:21.773" v="331" actId="1076"/>
+          <ac:cxnSpMkLst>
+            <pc:docMk/>
+            <pc:sldMk cId="3348437031" sldId="270"/>
+            <ac:cxnSpMk id="75" creationId="{00000000-0000-0000-0000-000000000000}"/>
+          </ac:cxnSpMkLst>
+        </pc:cxnChg>
+        <pc:cxnChg chg="mod">
+          <ac:chgData name="" userId="5ef20b631d4f0458" providerId="LiveId" clId="{A38BB1F3-725B-4BAA-9F85-825F78A913F0}" dt="2018-04-15T13:30:21.773" v="331" actId="1076"/>
+          <ac:cxnSpMkLst>
+            <pc:docMk/>
+            <pc:sldMk cId="3348437031" sldId="270"/>
+            <ac:cxnSpMk id="76" creationId="{00000000-0000-0000-0000-000000000000}"/>
+          </ac:cxnSpMkLst>
+        </pc:cxnChg>
+        <pc:cxnChg chg="mod">
+          <ac:chgData name="" userId="5ef20b631d4f0458" providerId="LiveId" clId="{A38BB1F3-725B-4BAA-9F85-825F78A913F0}" dt="2018-04-15T13:30:21.773" v="331" actId="1076"/>
+          <ac:cxnSpMkLst>
+            <pc:docMk/>
+            <pc:sldMk cId="3348437031" sldId="270"/>
+            <ac:cxnSpMk id="77" creationId="{00000000-0000-0000-0000-000000000000}"/>
+          </ac:cxnSpMkLst>
+        </pc:cxnChg>
+        <pc:cxnChg chg="del">
+          <ac:chgData name="" userId="5ef20b631d4f0458" providerId="LiveId" clId="{A38BB1F3-725B-4BAA-9F85-825F78A913F0}" dt="2018-04-15T13:31:24.239" v="339" actId="478"/>
+          <ac:cxnSpMkLst>
+            <pc:docMk/>
+            <pc:sldMk cId="3348437031" sldId="270"/>
+            <ac:cxnSpMk id="88" creationId="{B2ACAFA9-7416-41FA-883A-32B5B4EB406D}"/>
+          </ac:cxnSpMkLst>
+        </pc:cxnChg>
+        <pc:cxnChg chg="del topLvl">
+          <ac:chgData name="" userId="5ef20b631d4f0458" providerId="LiveId" clId="{A38BB1F3-725B-4BAA-9F85-825F78A913F0}" dt="2018-04-15T13:31:34.034" v="342" actId="478"/>
+          <ac:cxnSpMkLst>
+            <pc:docMk/>
+            <pc:sldMk cId="3348437031" sldId="270"/>
+            <ac:cxnSpMk id="89" creationId="{8407AC99-11EF-45DA-8CB7-158B037069C2}"/>
+          </ac:cxnSpMkLst>
+        </pc:cxnChg>
+        <pc:cxnChg chg="mod">
+          <ac:chgData name="" userId="5ef20b631d4f0458" providerId="LiveId" clId="{A38BB1F3-725B-4BAA-9F85-825F78A913F0}" dt="2018-04-15T13:30:21.773" v="331" actId="1076"/>
+          <ac:cxnSpMkLst>
+            <pc:docMk/>
+            <pc:sldMk cId="3348437031" sldId="270"/>
+            <ac:cxnSpMk id="90" creationId="{00000000-0000-0000-0000-000000000000}"/>
+          </ac:cxnSpMkLst>
+        </pc:cxnChg>
+        <pc:cxnChg chg="del">
+          <ac:chgData name="" userId="5ef20b631d4f0458" providerId="LiveId" clId="{A38BB1F3-725B-4BAA-9F85-825F78A913F0}" dt="2018-04-15T13:31:28.020" v="341" actId="478"/>
+          <ac:cxnSpMkLst>
+            <pc:docMk/>
+            <pc:sldMk cId="3348437031" sldId="270"/>
+            <ac:cxnSpMk id="91" creationId="{ADA3533F-570C-4F05-92D0-CCC16D06D63E}"/>
+          </ac:cxnSpMkLst>
+        </pc:cxnChg>
+        <pc:cxnChg chg="add mod">
+          <ac:chgData name="" userId="5ef20b631d4f0458" providerId="LiveId" clId="{A38BB1F3-725B-4BAA-9F85-825F78A913F0}" dt="2018-04-15T13:36:35.468" v="405" actId="14100"/>
+          <ac:cxnSpMkLst>
+            <pc:docMk/>
+            <pc:sldMk cId="3348437031" sldId="270"/>
+            <ac:cxnSpMk id="95" creationId="{6F665CF2-72BD-4141-84CA-B5CD4DCF455B}"/>
+          </ac:cxnSpMkLst>
+        </pc:cxnChg>
+        <pc:cxnChg chg="add mod">
+          <ac:chgData name="" userId="5ef20b631d4f0458" providerId="LiveId" clId="{A38BB1F3-725B-4BAA-9F85-825F78A913F0}" dt="2018-04-15T13:36:54.867" v="423" actId="14100"/>
+          <ac:cxnSpMkLst>
+            <pc:docMk/>
+            <pc:sldMk cId="3348437031" sldId="270"/>
+            <ac:cxnSpMk id="96" creationId="{69710032-1724-4C33-A5F7-AD7175E8C0EE}"/>
+          </ac:cxnSpMkLst>
+        </pc:cxnChg>
+        <pc:cxnChg chg="add mod">
+          <ac:chgData name="" userId="5ef20b631d4f0458" providerId="LiveId" clId="{A38BB1F3-725B-4BAA-9F85-825F78A913F0}" dt="2018-04-15T13:37:11.969" v="429" actId="14100"/>
+          <ac:cxnSpMkLst>
+            <pc:docMk/>
+            <pc:sldMk cId="3348437031" sldId="270"/>
+            <ac:cxnSpMk id="97" creationId="{883E2101-E132-4074-B055-8673EE948AAD}"/>
+          </ac:cxnSpMkLst>
+        </pc:cxnChg>
+        <pc:cxnChg chg="add del mod">
+          <ac:chgData name="" userId="5ef20b631d4f0458" providerId="LiveId" clId="{A38BB1F3-725B-4BAA-9F85-825F78A913F0}" dt="2018-04-15T13:37:02.239" v="426" actId="478"/>
+          <ac:cxnSpMkLst>
+            <pc:docMk/>
+            <pc:sldMk cId="3348437031" sldId="270"/>
+            <ac:cxnSpMk id="98" creationId="{5BB2A911-2BCC-4330-BA81-271521300767}"/>
+          </ac:cxnSpMkLst>
+        </pc:cxnChg>
+      </pc:sldChg>
+    </pc:docChg>
+  </pc:docChgLst>
+</pc:chgInfo>
 </file>
 
 <file path=ppt/notesMasters/notesMaster1.xml><?xml version="1.0" encoding="utf-8"?>
@@ -214,7 +832,7 @@
           <a:p>
             <a:fld id="{F5CC4B3F-88C1-4FFA-B1B6-F41C21DC6924}" type="datetimeFigureOut">
               <a:rPr lang="en-US" smtClean="0"/>
-              <a:t>4/4/2018</a:t>
+              <a:t>4/15/2018</a:t>
             </a:fld>
             <a:endParaRPr lang="en-US"/>
           </a:p>
@@ -660,7 +1278,7 @@
           <a:p>
             <a:fld id="{78C97017-6FC3-485B-9764-EAC9E56C1D49}" type="datetimeFigureOut">
               <a:rPr lang="en-US" smtClean="0"/>
-              <a:t>4/4/2018</a:t>
+              <a:t>4/15/2018</a:t>
             </a:fld>
             <a:endParaRPr lang="en-US"/>
           </a:p>
@@ -828,7 +1446,7 @@
           <a:p>
             <a:fld id="{78C97017-6FC3-485B-9764-EAC9E56C1D49}" type="datetimeFigureOut">
               <a:rPr lang="en-US" smtClean="0"/>
-              <a:t>4/4/2018</a:t>
+              <a:t>4/15/2018</a:t>
             </a:fld>
             <a:endParaRPr lang="en-US"/>
           </a:p>
@@ -1006,7 +1624,7 @@
           <a:p>
             <a:fld id="{78C97017-6FC3-485B-9764-EAC9E56C1D49}" type="datetimeFigureOut">
               <a:rPr lang="en-US" smtClean="0"/>
-              <a:t>4/4/2018</a:t>
+              <a:t>4/15/2018</a:t>
             </a:fld>
             <a:endParaRPr lang="en-US"/>
           </a:p>
@@ -1174,7 +1792,7 @@
           <a:p>
             <a:fld id="{78C97017-6FC3-485B-9764-EAC9E56C1D49}" type="datetimeFigureOut">
               <a:rPr lang="en-US" smtClean="0"/>
-              <a:t>4/4/2018</a:t>
+              <a:t>4/15/2018</a:t>
             </a:fld>
             <a:endParaRPr lang="en-US"/>
           </a:p>
@@ -1419,7 +2037,7 @@
           <a:p>
             <a:fld id="{78C97017-6FC3-485B-9764-EAC9E56C1D49}" type="datetimeFigureOut">
               <a:rPr lang="en-US" smtClean="0"/>
-              <a:t>4/4/2018</a:t>
+              <a:t>4/15/2018</a:t>
             </a:fld>
             <a:endParaRPr lang="en-US"/>
           </a:p>
@@ -1704,7 +2322,7 @@
           <a:p>
             <a:fld id="{78C97017-6FC3-485B-9764-EAC9E56C1D49}" type="datetimeFigureOut">
               <a:rPr lang="en-US" smtClean="0"/>
-              <a:t>4/4/2018</a:t>
+              <a:t>4/15/2018</a:t>
             </a:fld>
             <a:endParaRPr lang="en-US"/>
           </a:p>
@@ -2123,7 +2741,7 @@
           <a:p>
             <a:fld id="{78C97017-6FC3-485B-9764-EAC9E56C1D49}" type="datetimeFigureOut">
               <a:rPr lang="en-US" smtClean="0"/>
-              <a:t>4/4/2018</a:t>
+              <a:t>4/15/2018</a:t>
             </a:fld>
             <a:endParaRPr lang="en-US"/>
           </a:p>
@@ -2240,7 +2858,7 @@
           <a:p>
             <a:fld id="{78C97017-6FC3-485B-9764-EAC9E56C1D49}" type="datetimeFigureOut">
               <a:rPr lang="en-US" smtClean="0"/>
-              <a:t>4/4/2018</a:t>
+              <a:t>4/15/2018</a:t>
             </a:fld>
             <a:endParaRPr lang="en-US"/>
           </a:p>
@@ -2335,7 +2953,7 @@
           <a:p>
             <a:fld id="{78C97017-6FC3-485B-9764-EAC9E56C1D49}" type="datetimeFigureOut">
               <a:rPr lang="en-US" smtClean="0"/>
-              <a:t>4/4/2018</a:t>
+              <a:t>4/15/2018</a:t>
             </a:fld>
             <a:endParaRPr lang="en-US"/>
           </a:p>
@@ -2610,7 +3228,7 @@
           <a:p>
             <a:fld id="{78C97017-6FC3-485B-9764-EAC9E56C1D49}" type="datetimeFigureOut">
               <a:rPr lang="en-US" smtClean="0"/>
-              <a:t>4/4/2018</a:t>
+              <a:t>4/15/2018</a:t>
             </a:fld>
             <a:endParaRPr lang="en-US"/>
           </a:p>
@@ -2862,7 +3480,7 @@
           <a:p>
             <a:fld id="{78C97017-6FC3-485B-9764-EAC9E56C1D49}" type="datetimeFigureOut">
               <a:rPr lang="en-US" smtClean="0"/>
-              <a:t>4/4/2018</a:t>
+              <a:t>4/15/2018</a:t>
             </a:fld>
             <a:endParaRPr lang="en-US"/>
           </a:p>
@@ -3073,7 +3691,7 @@
           <a:p>
             <a:fld id="{78C97017-6FC3-485B-9764-EAC9E56C1D49}" type="datetimeFigureOut">
               <a:rPr lang="en-US" smtClean="0"/>
-              <a:t>4/4/2018</a:t>
+              <a:t>4/15/2018</a:t>
             </a:fld>
             <a:endParaRPr lang="en-US"/>
           </a:p>
@@ -5505,8 +6123,8 @@
         </p:nvSpPr>
         <p:spPr>
           <a:xfrm>
-            <a:off x="176603" y="1981200"/>
-            <a:ext cx="6671809" cy="4000286"/>
+            <a:off x="685800" y="152400"/>
+            <a:ext cx="7252956" cy="6400799"/>
           </a:xfrm>
           <a:prstGeom prst="roundRect">
             <a:avLst>
@@ -5543,14 +6161,14 @@
           <a:lstStyle/>
           <a:p>
             <a:r>
-              <a:rPr lang="en-US" sz="1050" b="1" dirty="0">
+              <a:rPr lang="en-US" sz="1200" b="1" dirty="0">
                 <a:solidFill>
                   <a:srgbClr val="0070C0"/>
                 </a:solidFill>
               </a:rPr>
               <a:t>Logic</a:t>
             </a:r>
-            <a:endParaRPr lang="en-SG" sz="1050" b="1" dirty="0">
+            <a:endParaRPr lang="en-SG" sz="1200" b="1" dirty="0">
               <a:solidFill>
                 <a:srgbClr val="0070C0"/>
               </a:solidFill>
@@ -5560,14 +6178,364 @@
       </p:sp>
       <p:sp>
         <p:nvSpPr>
+          <p:cNvPr id="87" name="TextBox 86">
+            <a:extLst>
+              <a:ext uri="{FF2B5EF4-FFF2-40B4-BE49-F238E27FC236}">
+                <a16:creationId xmlns:a16="http://schemas.microsoft.com/office/drawing/2014/main" id="{57A40089-4ADB-4D2D-B0A6-DFAE4BD11F12}"/>
+              </a:ext>
+            </a:extLst>
+          </p:cNvPr>
+          <p:cNvSpPr txBox="1"/>
+          <p:nvPr/>
+        </p:nvSpPr>
+        <p:spPr>
+          <a:xfrm>
+            <a:off x="931124" y="5562600"/>
+            <a:ext cx="8136671" cy="769441"/>
+          </a:xfrm>
+          <a:prstGeom prst="rect">
+            <a:avLst/>
+          </a:prstGeom>
+          <a:solidFill>
+            <a:schemeClr val="accent2">
+              <a:lumMod val="20000"/>
+              <a:lumOff val="80000"/>
+            </a:schemeClr>
+          </a:solidFill>
+          <a:ln>
+            <a:solidFill>
+              <a:srgbClr val="FF0000"/>
+            </a:solidFill>
+          </a:ln>
+        </p:spPr>
+        <p:txBody>
+          <a:bodyPr wrap="square" rtlCol="0">
+            <a:spAutoFit/>
+          </a:bodyPr>
+          <a:lstStyle/>
+          <a:p>
+            <a:r>
+              <a:rPr lang="en-SG" sz="1100" dirty="0">
+                <a:solidFill>
+                  <a:srgbClr val="FF0000"/>
+                </a:solidFill>
+              </a:rPr>
+              <a:t>                      [else]</a:t>
+            </a:r>
+          </a:p>
+          <a:p>
+            <a:endParaRPr lang="en-SG" sz="1100" dirty="0">
+              <a:solidFill>
+                <a:srgbClr val="FF0000"/>
+              </a:solidFill>
+            </a:endParaRPr>
+          </a:p>
+          <a:p>
+            <a:endParaRPr lang="en-SG" sz="1100" dirty="0">
+              <a:solidFill>
+                <a:srgbClr val="FF0000"/>
+              </a:solidFill>
+            </a:endParaRPr>
+          </a:p>
+          <a:p>
+            <a:endParaRPr lang="en-SG" sz="1100" dirty="0">
+              <a:solidFill>
+                <a:srgbClr val="FF0000"/>
+              </a:solidFill>
+            </a:endParaRPr>
+          </a:p>
+        </p:txBody>
+      </p:sp>
+      <p:grpSp>
+        <p:nvGrpSpPr>
+          <p:cNvPr id="14" name="Group 13">
+            <a:extLst>
+              <a:ext uri="{FF2B5EF4-FFF2-40B4-BE49-F238E27FC236}">
+                <a16:creationId xmlns:a16="http://schemas.microsoft.com/office/drawing/2014/main" id="{91B744E4-799C-439F-AA1C-240F0EBA94EE}"/>
+              </a:ext>
+            </a:extLst>
+          </p:cNvPr>
+          <p:cNvGrpSpPr/>
+          <p:nvPr/>
+        </p:nvGrpSpPr>
+        <p:grpSpPr>
+          <a:xfrm>
+            <a:off x="928636" y="3400202"/>
+            <a:ext cx="8139159" cy="2157446"/>
+            <a:chOff x="2064808" y="2900971"/>
+            <a:chExt cx="6555204" cy="2450607"/>
+          </a:xfrm>
+        </p:grpSpPr>
+        <p:sp>
+          <p:nvSpPr>
+            <p:cNvPr id="57" name="TextBox 56">
+              <a:extLst>
+                <a:ext uri="{FF2B5EF4-FFF2-40B4-BE49-F238E27FC236}">
+                  <a16:creationId xmlns:a16="http://schemas.microsoft.com/office/drawing/2014/main" id="{40551140-4962-437F-A146-EDFE61772A59}"/>
+                </a:ext>
+              </a:extLst>
+            </p:cNvPr>
+            <p:cNvSpPr txBox="1"/>
+            <p:nvPr/>
+          </p:nvSpPr>
+          <p:spPr>
+            <a:xfrm>
+              <a:off x="2066812" y="2900971"/>
+              <a:ext cx="6553200" cy="2450607"/>
+            </a:xfrm>
+            <a:prstGeom prst="rect">
+              <a:avLst/>
+            </a:prstGeom>
+            <a:solidFill>
+              <a:schemeClr val="accent2">
+                <a:lumMod val="20000"/>
+                <a:lumOff val="80000"/>
+              </a:schemeClr>
+            </a:solidFill>
+            <a:ln>
+              <a:solidFill>
+                <a:srgbClr val="FF0000"/>
+              </a:solidFill>
+            </a:ln>
+          </p:spPr>
+          <p:txBody>
+            <a:bodyPr wrap="square" rtlCol="0">
+              <a:spAutoFit/>
+            </a:bodyPr>
+            <a:lstStyle/>
+            <a:p>
+              <a:r>
+                <a:rPr lang="en-SG" sz="1100" dirty="0">
+                  <a:solidFill>
+                    <a:srgbClr val="FF0000"/>
+                  </a:solidFill>
+                </a:rPr>
+                <a:t>alt                 [</a:t>
+              </a:r>
+              <a:r>
+                <a:rPr lang="en-SG" sz="1100" dirty="0" err="1">
+                  <a:solidFill>
+                    <a:srgbClr val="FF0000"/>
+                  </a:solidFill>
+                </a:rPr>
+                <a:t>securityLevel</a:t>
+              </a:r>
+              <a:r>
+                <a:rPr lang="en-SG" sz="1100" dirty="0">
+                  <a:solidFill>
+                    <a:srgbClr val="FF0000"/>
+                  </a:solidFill>
+                </a:rPr>
+                <a:t> &gt;= </a:t>
+              </a:r>
+              <a:r>
+                <a:rPr lang="en-SG" sz="1100" dirty="0" err="1">
+                  <a:solidFill>
+                    <a:srgbClr val="FF0000"/>
+                  </a:solidFill>
+                </a:rPr>
+                <a:t>minSecurityLevel</a:t>
+              </a:r>
+              <a:r>
+                <a:rPr lang="en-SG" sz="1100" dirty="0">
+                  <a:solidFill>
+                    <a:srgbClr val="FF0000"/>
+                  </a:solidFill>
+                </a:rPr>
+                <a:t>]</a:t>
+              </a:r>
+            </a:p>
+            <a:p>
+              <a:endParaRPr lang="en-SG" sz="1100" dirty="0">
+                <a:solidFill>
+                  <a:srgbClr val="FF0000"/>
+                </a:solidFill>
+              </a:endParaRPr>
+            </a:p>
+            <a:p>
+              <a:endParaRPr lang="en-SG" sz="1100" dirty="0">
+                <a:solidFill>
+                  <a:srgbClr val="FF0000"/>
+                </a:solidFill>
+              </a:endParaRPr>
+            </a:p>
+            <a:p>
+              <a:endParaRPr lang="en-SG" sz="1100" dirty="0">
+                <a:solidFill>
+                  <a:srgbClr val="FF0000"/>
+                </a:solidFill>
+              </a:endParaRPr>
+            </a:p>
+            <a:p>
+              <a:endParaRPr lang="en-SG" sz="1100" dirty="0">
+                <a:solidFill>
+                  <a:srgbClr val="FF0000"/>
+                </a:solidFill>
+              </a:endParaRPr>
+            </a:p>
+            <a:p>
+              <a:endParaRPr lang="en-SG" sz="1100" dirty="0">
+                <a:solidFill>
+                  <a:srgbClr val="FF0000"/>
+                </a:solidFill>
+              </a:endParaRPr>
+            </a:p>
+            <a:p>
+              <a:endParaRPr lang="en-SG" sz="1100" dirty="0">
+                <a:solidFill>
+                  <a:srgbClr val="FF0000"/>
+                </a:solidFill>
+              </a:endParaRPr>
+            </a:p>
+          </p:txBody>
+        </p:sp>
+        <p:cxnSp>
+          <p:nvCxnSpPr>
+            <p:cNvPr id="58" name="Straight Connector 57">
+              <a:extLst>
+                <a:ext uri="{FF2B5EF4-FFF2-40B4-BE49-F238E27FC236}">
+                  <a16:creationId xmlns:a16="http://schemas.microsoft.com/office/drawing/2014/main" id="{56D6B350-D3B6-4F72-A500-175F028BCAD9}"/>
+                </a:ext>
+              </a:extLst>
+            </p:cNvPr>
+            <p:cNvCxnSpPr>
+              <a:cxnSpLocks/>
+            </p:cNvCxnSpPr>
+            <p:nvPr/>
+          </p:nvCxnSpPr>
+          <p:spPr>
+            <a:xfrm>
+              <a:off x="2413822" y="2900971"/>
+              <a:ext cx="0" cy="405325"/>
+            </a:xfrm>
+            <a:prstGeom prst="line">
+              <a:avLst/>
+            </a:prstGeom>
+            <a:solidFill>
+              <a:schemeClr val="bg1"/>
+            </a:solidFill>
+            <a:ln>
+              <a:solidFill>
+                <a:srgbClr val="FF0000"/>
+              </a:solidFill>
+            </a:ln>
+          </p:spPr>
+          <p:style>
+            <a:lnRef idx="1">
+              <a:schemeClr val="accent1"/>
+            </a:lnRef>
+            <a:fillRef idx="0">
+              <a:schemeClr val="accent1"/>
+            </a:fillRef>
+            <a:effectRef idx="0">
+              <a:schemeClr val="accent1"/>
+            </a:effectRef>
+            <a:fontRef idx="minor">
+              <a:schemeClr val="tx1"/>
+            </a:fontRef>
+          </p:style>
+        </p:cxnSp>
+        <p:cxnSp>
+          <p:nvCxnSpPr>
+            <p:cNvPr id="59" name="Straight Connector 58">
+              <a:extLst>
+                <a:ext uri="{FF2B5EF4-FFF2-40B4-BE49-F238E27FC236}">
+                  <a16:creationId xmlns:a16="http://schemas.microsoft.com/office/drawing/2014/main" id="{3B29D78E-241A-4D10-AF7F-833648670FDB}"/>
+                </a:ext>
+              </a:extLst>
+            </p:cNvPr>
+            <p:cNvCxnSpPr>
+              <a:cxnSpLocks/>
+            </p:cNvCxnSpPr>
+            <p:nvPr/>
+          </p:nvCxnSpPr>
+          <p:spPr>
+            <a:xfrm flipH="1">
+              <a:off x="2064808" y="3394823"/>
+              <a:ext cx="269520" cy="0"/>
+            </a:xfrm>
+            <a:prstGeom prst="line">
+              <a:avLst/>
+            </a:prstGeom>
+            <a:solidFill>
+              <a:schemeClr val="bg1"/>
+            </a:solidFill>
+            <a:ln>
+              <a:solidFill>
+                <a:srgbClr val="FF0000"/>
+              </a:solidFill>
+            </a:ln>
+          </p:spPr>
+          <p:style>
+            <a:lnRef idx="1">
+              <a:schemeClr val="accent1"/>
+            </a:lnRef>
+            <a:fillRef idx="0">
+              <a:schemeClr val="accent1"/>
+            </a:fillRef>
+            <a:effectRef idx="0">
+              <a:schemeClr val="accent1"/>
+            </a:effectRef>
+            <a:fontRef idx="minor">
+              <a:schemeClr val="tx1"/>
+            </a:fontRef>
+          </p:style>
+        </p:cxnSp>
+        <p:cxnSp>
+          <p:nvCxnSpPr>
+            <p:cNvPr id="60" name="Straight Connector 59">
+              <a:extLst>
+                <a:ext uri="{FF2B5EF4-FFF2-40B4-BE49-F238E27FC236}">
+                  <a16:creationId xmlns:a16="http://schemas.microsoft.com/office/drawing/2014/main" id="{DB0BB0A6-E450-44F1-B732-1D5155676AED}"/>
+                </a:ext>
+              </a:extLst>
+            </p:cNvPr>
+            <p:cNvCxnSpPr/>
+            <p:nvPr/>
+          </p:nvCxnSpPr>
+          <p:spPr>
+            <a:xfrm flipH="1">
+              <a:off x="2334328" y="3312531"/>
+              <a:ext cx="80987" cy="88525"/>
+            </a:xfrm>
+            <a:prstGeom prst="line">
+              <a:avLst/>
+            </a:prstGeom>
+            <a:solidFill>
+              <a:schemeClr val="bg1"/>
+            </a:solidFill>
+            <a:ln>
+              <a:solidFill>
+                <a:srgbClr val="FF0000"/>
+              </a:solidFill>
+            </a:ln>
+          </p:spPr>
+          <p:style>
+            <a:lnRef idx="1">
+              <a:schemeClr val="accent1"/>
+            </a:lnRef>
+            <a:fillRef idx="0">
+              <a:schemeClr val="accent1"/>
+            </a:fillRef>
+            <a:effectRef idx="0">
+              <a:schemeClr val="accent1"/>
+            </a:effectRef>
+            <a:fontRef idx="minor">
+              <a:schemeClr val="tx1"/>
+            </a:fontRef>
+          </p:style>
+        </p:cxnSp>
+      </p:grpSp>
+      <p:sp>
+        <p:nvSpPr>
           <p:cNvPr id="2" name="Rectangle 62"/>
           <p:cNvSpPr/>
           <p:nvPr/>
         </p:nvSpPr>
         <p:spPr>
           <a:xfrm>
-            <a:off x="587289" y="2212610"/>
-            <a:ext cx="1358424" cy="219350"/>
+            <a:off x="845045" y="467747"/>
+            <a:ext cx="1455629" cy="346760"/>
           </a:xfrm>
           <a:prstGeom prst="rect">
             <a:avLst/>
@@ -5602,7 +6570,7 @@
           <a:p>
             <a:pPr algn="ctr"/>
             <a:r>
-              <a:rPr lang="en-US" sz="1200" dirty="0">
+              <a:rPr lang="en-US" sz="1600" dirty="0">
                 <a:solidFill>
                   <a:schemeClr val="bg1"/>
                 </a:solidFill>
@@ -5610,14 +6578,14 @@
               <a:t>:</a:t>
             </a:r>
             <a:r>
-              <a:rPr lang="en-US" sz="1200" dirty="0" err="1">
+              <a:rPr lang="en-US" sz="1600" dirty="0" err="1">
                 <a:solidFill>
                   <a:schemeClr val="bg1"/>
                 </a:solidFill>
               </a:rPr>
               <a:t>LogicManager</a:t>
             </a:r>
-            <a:endParaRPr lang="en-SG" sz="1200" dirty="0">
+            <a:endParaRPr lang="en-SG" sz="1600" dirty="0">
               <a:solidFill>
                 <a:schemeClr val="bg1"/>
               </a:solidFill>
@@ -5628,15 +6596,13 @@
       <p:cxnSp>
         <p:nvCxnSpPr>
           <p:cNvPr id="5" name="Straight Connector 4"/>
-          <p:cNvCxnSpPr>
-            <a:stCxn id="2" idx="2"/>
-          </p:cNvCxnSpPr>
+          <p:cNvCxnSpPr/>
           <p:nvPr/>
         </p:nvCxnSpPr>
         <p:spPr>
           <a:xfrm>
-            <a:off x="1266501" y="2431960"/>
-            <a:ext cx="1558" cy="2779396"/>
+            <a:off x="1572859" y="831418"/>
+            <a:ext cx="0" cy="2597583"/>
           </a:xfrm>
           <a:prstGeom prst="line">
             <a:avLst/>
@@ -5672,8 +6638,8 @@
         </p:nvSpPr>
         <p:spPr>
           <a:xfrm>
-            <a:off x="1196051" y="2964467"/>
-            <a:ext cx="152400" cy="2780287"/>
+            <a:off x="1500849" y="1182112"/>
+            <a:ext cx="165606" cy="5007130"/>
           </a:xfrm>
           <a:prstGeom prst="rect">
             <a:avLst/>
@@ -5707,7 +6673,7 @@
           <a:lstStyle/>
           <a:p>
             <a:pPr algn="ctr"/>
-            <a:endParaRPr lang="en-SG" sz="1100"/>
+            <a:endParaRPr lang="en-SG" sz="1400"/>
           </a:p>
         </p:txBody>
       </p:sp>
@@ -5719,8 +6685,8 @@
         </p:nvSpPr>
         <p:spPr>
           <a:xfrm>
-            <a:off x="2478119" y="2344805"/>
-            <a:ext cx="930590" cy="331702"/>
+            <a:off x="2743200" y="350510"/>
+            <a:ext cx="1219200" cy="467684"/>
           </a:xfrm>
           <a:prstGeom prst="rect">
             <a:avLst/>
@@ -5755,7 +6721,7 @@
           <a:p>
             <a:pPr algn="ctr"/>
             <a:r>
-              <a:rPr lang="en-US" sz="1200" dirty="0">
+              <a:rPr lang="en-US" sz="1600" dirty="0">
                 <a:solidFill>
                   <a:schemeClr val="bg1"/>
                 </a:solidFill>
@@ -5766,14 +6732,14 @@
           <a:p>
             <a:pPr algn="ctr"/>
             <a:r>
-              <a:rPr lang="en-US" sz="1200" dirty="0" err="1">
+              <a:rPr lang="en-US" sz="1600" dirty="0" err="1">
                 <a:solidFill>
                   <a:schemeClr val="bg1"/>
                 </a:solidFill>
               </a:rPr>
               <a:t>BookParser</a:t>
             </a:r>
-            <a:endParaRPr lang="en-SG" sz="1200" dirty="0">
+            <a:endParaRPr lang="en-SG" sz="1600" dirty="0">
               <a:solidFill>
                 <a:schemeClr val="bg1"/>
               </a:solidFill>
@@ -5789,7 +6755,7 @@
         </p:nvCxnSpPr>
         <p:spPr>
           <a:xfrm>
-            <a:off x="2936950" y="2683595"/>
+            <a:off x="3356599" y="835105"/>
             <a:ext cx="0" cy="1695374"/>
           </a:xfrm>
           <a:prstGeom prst="line">
@@ -5826,7 +6792,7 @@
         </p:nvSpPr>
         <p:spPr>
           <a:xfrm>
-            <a:off x="2854623" y="3075653"/>
+            <a:off x="3284590" y="1293297"/>
             <a:ext cx="174929" cy="1129459"/>
           </a:xfrm>
           <a:prstGeom prst="rect">
@@ -5861,7 +6827,7 @@
           <a:lstStyle/>
           <a:p>
             <a:pPr algn="ctr"/>
-            <a:endParaRPr lang="en-SG" sz="1100">
+            <a:endParaRPr lang="en-SG" sz="1400">
               <a:solidFill>
                 <a:schemeClr val="dk1"/>
               </a:solidFill>
@@ -5877,8 +6843,8 @@
         </p:nvSpPr>
         <p:spPr>
           <a:xfrm>
-            <a:off x="5080882" y="3409197"/>
-            <a:ext cx="912205" cy="338000"/>
+            <a:off x="6221565" y="1483941"/>
+            <a:ext cx="1093635" cy="461538"/>
           </a:xfrm>
           <a:prstGeom prst="rect">
             <a:avLst/>
@@ -5913,37 +6879,29 @@
           <a:p>
             <a:pPr algn="ctr"/>
             <a:r>
-              <a:rPr lang="en-US" sz="1200" dirty="0" err="1" smtClean="0">
+              <a:rPr lang="en-US" sz="1600" dirty="0">
                 <a:solidFill>
                   <a:schemeClr val="bg1"/>
                 </a:solidFill>
               </a:rPr>
-              <a:t>ac:AddCell</a:t>
-            </a:r>
-            <a:r>
-              <a:rPr lang="en-US" sz="1200" dirty="0">
-                <a:solidFill>
-                  <a:schemeClr val="bg1"/>
-                </a:solidFill>
-              </a:rPr>
-              <a:t/>
+              <a:t>d:Delete</a:t>
             </a:r>
             <a:br>
-              <a:rPr lang="en-US" sz="1200" dirty="0">
+              <a:rPr lang="en-US" sz="1600" dirty="0">
                 <a:solidFill>
                   <a:schemeClr val="bg1"/>
                 </a:solidFill>
               </a:rPr>
             </a:br>
             <a:r>
-              <a:rPr lang="en-US" sz="1200" dirty="0">
+              <a:rPr lang="en-US" sz="1600" dirty="0">
                 <a:solidFill>
                   <a:schemeClr val="bg1"/>
                 </a:solidFill>
               </a:rPr>
               <a:t>Command</a:t>
             </a:r>
-            <a:endParaRPr lang="en-SG" sz="1200" dirty="0">
+            <a:endParaRPr lang="en-SG" sz="1600" dirty="0">
               <a:solidFill>
                 <a:schemeClr val="bg1"/>
               </a:solidFill>
@@ -5955,14 +6913,15 @@
         <p:nvCxnSpPr>
           <p:cNvPr id="20" name="Straight Connector 19"/>
           <p:cNvCxnSpPr>
+            <a:cxnSpLocks/>
             <a:stCxn id="21" idx="0"/>
           </p:cNvCxnSpPr>
           <p:nvPr/>
         </p:nvCxnSpPr>
         <p:spPr>
           <a:xfrm>
-            <a:off x="5518110" y="3752077"/>
-            <a:ext cx="0" cy="1940722"/>
+            <a:off x="6772574" y="1945479"/>
+            <a:ext cx="0" cy="2079966"/>
           </a:xfrm>
           <a:prstGeom prst="line">
             <a:avLst/>
@@ -5998,7 +6957,7 @@
         </p:nvSpPr>
         <p:spPr>
           <a:xfrm>
-            <a:off x="5441910" y="3752077"/>
+            <a:off x="6696374" y="1945479"/>
             <a:ext cx="152400" cy="276003"/>
           </a:xfrm>
           <a:prstGeom prst="rect">
@@ -6033,7 +6992,7 @@
           <a:lstStyle/>
           <a:p>
             <a:pPr algn="ctr"/>
-            <a:endParaRPr lang="en-SG" sz="1100"/>
+            <a:endParaRPr lang="en-SG" sz="1400"/>
           </a:p>
         </p:txBody>
       </p:sp>
@@ -6045,7 +7004,7 @@
         </p:nvCxnSpPr>
         <p:spPr>
           <a:xfrm>
-            <a:off x="76200" y="2968155"/>
+            <a:off x="381000" y="1185800"/>
             <a:ext cx="1119851" cy="0"/>
           </a:xfrm>
           <a:prstGeom prst="straightConnector1">
@@ -6080,9 +7039,9 @@
           <p:nvPr/>
         </p:nvCxnSpPr>
         <p:spPr>
-          <a:xfrm>
-            <a:off x="1348451" y="3075434"/>
-            <a:ext cx="1507503" cy="5803"/>
+          <a:xfrm flipV="1">
+            <a:off x="1653251" y="1293298"/>
+            <a:ext cx="1596514" cy="1"/>
           </a:xfrm>
           <a:prstGeom prst="straightConnector1">
             <a:avLst/>
@@ -6117,8 +7076,8 @@
         </p:nvSpPr>
         <p:spPr>
           <a:xfrm>
-            <a:off x="-250076" y="2587884"/>
-            <a:ext cx="1424846" cy="338554"/>
+            <a:off x="0" y="914401"/>
+            <a:ext cx="1424846" cy="215444"/>
           </a:xfrm>
           <a:prstGeom prst="rect">
             <a:avLst/>
@@ -6133,45 +7092,13 @@
           <a:p>
             <a:pPr algn="r"/>
             <a:r>
-              <a:rPr lang="en-US" sz="1100" dirty="0" smtClean="0">
+              <a:rPr lang="en-US" sz="1400" dirty="0">
                 <a:solidFill>
                   <a:srgbClr val="0070C0"/>
                 </a:solidFill>
               </a:rPr>
-              <a:t>Execute</a:t>
-            </a:r>
-          </a:p>
-          <a:p>
-            <a:pPr algn="r"/>
-            <a:r>
-              <a:rPr lang="en-US" sz="1100" dirty="0" smtClean="0">
-                <a:solidFill>
-                  <a:srgbClr val="0070C0"/>
-                </a:solidFill>
-              </a:rPr>
-              <a:t>(“</a:t>
-            </a:r>
-            <a:r>
-              <a:rPr lang="en-US" sz="1100" dirty="0" err="1" smtClean="0">
-                <a:solidFill>
-                  <a:srgbClr val="0070C0"/>
-                </a:solidFill>
-              </a:rPr>
-              <a:t>addcell</a:t>
-            </a:r>
-            <a:r>
-              <a:rPr lang="en-US" sz="1100" dirty="0" smtClean="0">
-                <a:solidFill>
-                  <a:srgbClr val="0070C0"/>
-                </a:solidFill>
-              </a:rPr>
-              <a:t> 1 1-1”)</a:t>
-            </a:r>
-            <a:endParaRPr lang="en-US" sz="1100" dirty="0">
-              <a:solidFill>
-                <a:srgbClr val="0070C0"/>
-              </a:solidFill>
-            </a:endParaRPr>
+              <a:t>execute(“delete 1”)</a:t>
+            </a:r>
           </a:p>
         </p:txBody>
       </p:sp>
@@ -6183,8 +7110,8 @@
         </p:nvCxnSpPr>
         <p:spPr>
           <a:xfrm flipV="1">
-            <a:off x="4622447" y="3656770"/>
-            <a:ext cx="465032" cy="1"/>
+            <a:off x="5257218" y="1874415"/>
+            <a:ext cx="922392" cy="1"/>
           </a:xfrm>
           <a:prstGeom prst="straightConnector1">
             <a:avLst/>
@@ -6219,8 +7146,8 @@
         </p:nvSpPr>
         <p:spPr>
           <a:xfrm>
-            <a:off x="3308296" y="4157716"/>
-            <a:ext cx="855809" cy="169277"/>
+            <a:off x="4257582" y="3810001"/>
+            <a:ext cx="855809" cy="215444"/>
           </a:xfrm>
           <a:prstGeom prst="rect">
             <a:avLst/>
@@ -6245,7 +7172,7 @@
           </a:lstStyle>
           <a:p>
             <a:r>
-              <a:rPr lang="en-US" sz="1100" dirty="0"/>
+              <a:rPr lang="en-US" dirty="0"/>
               <a:t>execute()</a:t>
             </a:r>
           </a:p>
@@ -6254,15 +7181,13 @@
       <p:cxnSp>
         <p:nvCxnSpPr>
           <p:cNvPr id="34" name="Straight Arrow Connector 33"/>
-          <p:cNvCxnSpPr>
-            <a:endCxn id="21" idx="2"/>
-          </p:cNvCxnSpPr>
+          <p:cNvCxnSpPr/>
           <p:nvPr/>
         </p:nvCxnSpPr>
         <p:spPr>
-          <a:xfrm flipV="1">
-            <a:off x="4679739" y="4028080"/>
-            <a:ext cx="838371" cy="4393"/>
+          <a:xfrm>
+            <a:off x="5257800" y="2221482"/>
+            <a:ext cx="1492974" cy="0"/>
           </a:xfrm>
           <a:prstGeom prst="straightConnector1">
             <a:avLst/>
@@ -6299,7 +7224,7 @@
         </p:nvCxnSpPr>
         <p:spPr>
           <a:xfrm flipV="1">
-            <a:off x="1365386" y="4196787"/>
+            <a:off x="1670186" y="2414432"/>
             <a:ext cx="1596514" cy="5378"/>
           </a:xfrm>
           <a:prstGeom prst="straightConnector1">
@@ -6337,7 +7262,7 @@
         </p:nvCxnSpPr>
         <p:spPr>
           <a:xfrm>
-            <a:off x="98659" y="5744756"/>
+            <a:off x="304800" y="5349645"/>
             <a:ext cx="1196051" cy="0"/>
           </a:xfrm>
           <a:prstGeom prst="straightConnector1">
@@ -6375,8 +7300,8 @@
         </p:nvSpPr>
         <p:spPr>
           <a:xfrm>
-            <a:off x="6925705" y="2302845"/>
-            <a:ext cx="1183026" cy="287955"/>
+            <a:off x="8265896" y="533401"/>
+            <a:ext cx="1030504" cy="346760"/>
           </a:xfrm>
           <a:prstGeom prst="rect">
             <a:avLst/>
@@ -6417,22 +7342,14 @@
           <a:p>
             <a:pPr algn="ctr"/>
             <a:r>
-              <a:rPr lang="en-US" sz="1200" dirty="0">
+              <a:rPr lang="en-US" sz="1600" dirty="0">
                 <a:solidFill>
                   <a:schemeClr val="bg1"/>
                 </a:solidFill>
               </a:rPr>
-              <a:t>:</a:t>
-            </a:r>
-            <a:r>
-              <a:rPr lang="en-US" sz="1200" dirty="0" err="1" smtClean="0">
-                <a:solidFill>
-                  <a:schemeClr val="bg1"/>
-                </a:solidFill>
-              </a:rPr>
-              <a:t>ModelManager</a:t>
-            </a:r>
-            <a:endParaRPr lang="en-SG" sz="1200" dirty="0">
+              <a:t>:Model</a:t>
+            </a:r>
+            <a:endParaRPr lang="en-SG" sz="1600" dirty="0">
               <a:solidFill>
                 <a:schemeClr val="bg1"/>
               </a:solidFill>
@@ -6443,15 +7360,13 @@
       <p:cxnSp>
         <p:nvCxnSpPr>
           <p:cNvPr id="64" name="Straight Arrow Connector 63"/>
-          <p:cNvCxnSpPr>
-            <a:endCxn id="65" idx="0"/>
-          </p:cNvCxnSpPr>
+          <p:cNvCxnSpPr/>
           <p:nvPr/>
         </p:nvCxnSpPr>
         <p:spPr>
           <a:xfrm>
-            <a:off x="1348451" y="4448873"/>
-            <a:ext cx="4160227" cy="4393"/>
+            <a:off x="1653251" y="4053762"/>
+            <a:ext cx="5043123" cy="0"/>
           </a:xfrm>
           <a:prstGeom prst="straightConnector1">
             <a:avLst/>
@@ -6486,7 +7401,7 @@
         </p:nvSpPr>
         <p:spPr>
           <a:xfrm>
-            <a:off x="5428017" y="4453266"/>
+            <a:off x="6687452" y="4025445"/>
             <a:ext cx="161322" cy="1019400"/>
           </a:xfrm>
           <a:prstGeom prst="rect">
@@ -6521,20 +7436,22 @@
           <a:lstStyle/>
           <a:p>
             <a:pPr algn="ctr"/>
-            <a:endParaRPr lang="en-SG" sz="1100"/>
+            <a:endParaRPr lang="en-SG" sz="1400"/>
           </a:p>
         </p:txBody>
       </p:sp>
       <p:cxnSp>
         <p:nvCxnSpPr>
           <p:cNvPr id="71" name="Straight Connector 70"/>
-          <p:cNvCxnSpPr/>
+          <p:cNvCxnSpPr>
+            <a:cxnSpLocks/>
+          </p:cNvCxnSpPr>
           <p:nvPr/>
         </p:nvCxnSpPr>
         <p:spPr>
           <a:xfrm>
-            <a:off x="7516186" y="2625835"/>
-            <a:ext cx="0" cy="2830598"/>
+            <a:off x="8781148" y="872059"/>
+            <a:ext cx="0" cy="5376341"/>
           </a:xfrm>
           <a:prstGeom prst="line">
             <a:avLst/>
@@ -6573,7 +7490,7 @@
         </p:nvSpPr>
         <p:spPr>
           <a:xfrm>
-            <a:off x="7439986" y="4525643"/>
+            <a:off x="8686800" y="4083042"/>
             <a:ext cx="152400" cy="199803"/>
           </a:xfrm>
           <a:prstGeom prst="rect">
@@ -6614,7 +7531,7 @@
           <a:lstStyle/>
           <a:p>
             <a:pPr algn="ctr"/>
-            <a:endParaRPr lang="en-SG" sz="1100">
+            <a:endParaRPr lang="en-SG" sz="1400">
               <a:solidFill>
                 <a:schemeClr val="dk1"/>
               </a:solidFill>
@@ -6630,7 +7547,7 @@
         </p:nvCxnSpPr>
         <p:spPr>
           <a:xfrm>
-            <a:off x="5603849" y="4525643"/>
+            <a:off x="6850663" y="4083042"/>
             <a:ext cx="1836137" cy="0"/>
           </a:xfrm>
           <a:prstGeom prst="straightConnector1">
@@ -6666,7 +7583,7 @@
         </p:nvCxnSpPr>
         <p:spPr>
           <a:xfrm flipV="1">
-            <a:off x="5601960" y="4715696"/>
+            <a:off x="6848774" y="4273095"/>
             <a:ext cx="1838026" cy="9750"/>
           </a:xfrm>
           <a:prstGeom prst="straightConnector1">
@@ -6702,15 +7619,13 @@
       <p:cxnSp>
         <p:nvCxnSpPr>
           <p:cNvPr id="77" name="Straight Arrow Connector 76"/>
-          <p:cNvCxnSpPr>
-            <a:endCxn id="65" idx="2"/>
-          </p:cNvCxnSpPr>
+          <p:cNvCxnSpPr/>
           <p:nvPr/>
         </p:nvCxnSpPr>
         <p:spPr>
-          <a:xfrm flipV="1">
-            <a:off x="1313588" y="5472666"/>
-            <a:ext cx="4195090" cy="19378"/>
+          <a:xfrm>
+            <a:off x="1653251" y="5044845"/>
+            <a:ext cx="5052349" cy="0"/>
           </a:xfrm>
           <a:prstGeom prst="straightConnector1">
             <a:avLst/>
@@ -6747,8 +7662,8 @@
         </p:nvSpPr>
         <p:spPr>
           <a:xfrm>
-            <a:off x="5485550" y="4288382"/>
-            <a:ext cx="2013560" cy="169277"/>
+            <a:off x="6984957" y="3860573"/>
+            <a:ext cx="1424846" cy="215444"/>
           </a:xfrm>
           <a:prstGeom prst="rect">
             <a:avLst/>
@@ -6773,42 +7688,21 @@
           </a:lstStyle>
           <a:p>
             <a:r>
-              <a:rPr lang="en-US" sz="1100" dirty="0" err="1" smtClean="0">
+              <a:rPr lang="en-US" dirty="0" err="1">
                 <a:solidFill>
                   <a:srgbClr val="7030A0"/>
                 </a:solidFill>
               </a:rPr>
-              <a:t>addPrisonerToCell</a:t>
-            </a:r>
-            <a:r>
-              <a:rPr lang="en-US" sz="1100" dirty="0" smtClean="0">
+              <a:t>deletePerson</a:t>
+            </a:r>
+            <a:r>
+              <a:rPr lang="en-US" dirty="0">
                 <a:solidFill>
                   <a:srgbClr val="7030A0"/>
                 </a:solidFill>
               </a:rPr>
-              <a:t>(p, </a:t>
-            </a:r>
-            <a:r>
-              <a:rPr lang="en-US" sz="1100" dirty="0" err="1" smtClean="0">
-                <a:solidFill>
-                  <a:srgbClr val="7030A0"/>
-                </a:solidFill>
-              </a:rPr>
-              <a:t>cellAddress</a:t>
-            </a:r>
-            <a:r>
-              <a:rPr lang="en-US" sz="1100" dirty="0" smtClean="0">
-                <a:solidFill>
-                  <a:srgbClr val="7030A0"/>
-                </a:solidFill>
-              </a:rPr>
-              <a:t>)</a:t>
-            </a:r>
-            <a:endParaRPr lang="en-US" sz="1100" dirty="0">
-              <a:solidFill>
-                <a:srgbClr val="7030A0"/>
-              </a:solidFill>
-            </a:endParaRPr>
+              <a:t>(p)</a:t>
+            </a:r>
           </a:p>
         </p:txBody>
       </p:sp>
@@ -6820,8 +7714,8 @@
         </p:nvSpPr>
         <p:spPr>
           <a:xfrm>
-            <a:off x="3332591" y="3657600"/>
-            <a:ext cx="767033" cy="161583"/>
+            <a:off x="3847551" y="1828801"/>
+            <a:ext cx="767033" cy="184666"/>
           </a:xfrm>
           <a:prstGeom prst="rect">
             <a:avLst/>
@@ -6846,14 +7740,9 @@
           </a:lstStyle>
           <a:p>
             <a:r>
-              <a:rPr lang="en-US" sz="1050" dirty="0"/>
-              <a:t>parse(“</a:t>
-            </a:r>
-            <a:r>
-              <a:rPr lang="en-US" sz="1050" dirty="0" smtClean="0"/>
-              <a:t>1 1-1”)</a:t>
-            </a:r>
-            <a:endParaRPr lang="en-US" sz="1050" dirty="0"/>
+              <a:rPr lang="en-US" sz="1200" dirty="0"/>
+              <a:t>parse(“1”)</a:t>
+            </a:r>
           </a:p>
         </p:txBody>
       </p:sp>
@@ -6865,8 +7754,8 @@
         </p:nvSpPr>
         <p:spPr>
           <a:xfrm>
-            <a:off x="1302969" y="2862454"/>
-            <a:ext cx="1424846" cy="169277"/>
+            <a:off x="1742982" y="1022123"/>
+            <a:ext cx="1424846" cy="215444"/>
           </a:xfrm>
           <a:prstGeom prst="rect">
             <a:avLst/>
@@ -6891,22 +7780,9 @@
           </a:lstStyle>
           <a:p>
             <a:r>
-              <a:rPr lang="en-US" sz="1100" dirty="0"/>
-              <a:t>parse</a:t>
-            </a:r>
-            <a:r>
-              <a:rPr lang="en-US" sz="1100" dirty="0" smtClean="0"/>
-              <a:t>(“</a:t>
-            </a:r>
-            <a:r>
-              <a:rPr lang="en-US" sz="1100" dirty="0" err="1" smtClean="0"/>
-              <a:t>addcell</a:t>
-            </a:r>
-            <a:r>
-              <a:rPr lang="en-US" sz="1100" dirty="0" smtClean="0"/>
-              <a:t> 1 1-1”)</a:t>
-            </a:r>
-            <a:endParaRPr lang="en-US" sz="1100" dirty="0"/>
+              <a:rPr lang="en-US" dirty="0"/>
+              <a:t>parse(“delete 1”)</a:t>
+            </a:r>
           </a:p>
         </p:txBody>
       </p:sp>
@@ -6918,8 +7794,8 @@
         </p:nvSpPr>
         <p:spPr>
           <a:xfrm>
-            <a:off x="4035337" y="5208879"/>
-            <a:ext cx="621216" cy="169277"/>
+            <a:off x="4340137" y="4813768"/>
+            <a:ext cx="621216" cy="215444"/>
           </a:xfrm>
           <a:prstGeom prst="rect">
             <a:avLst/>
@@ -6944,7 +7820,7 @@
           </a:lstStyle>
           <a:p>
             <a:r>
-              <a:rPr lang="en-US" sz="1100" dirty="0"/>
+              <a:rPr lang="en-US" dirty="0"/>
               <a:t>result</a:t>
             </a:r>
           </a:p>
@@ -6958,8 +7834,8 @@
         </p:nvSpPr>
         <p:spPr>
           <a:xfrm>
-            <a:off x="295183" y="5492044"/>
-            <a:ext cx="762000" cy="169277"/>
+            <a:off x="599983" y="5096933"/>
+            <a:ext cx="762000" cy="215444"/>
           </a:xfrm>
           <a:prstGeom prst="rect">
             <a:avLst/>
@@ -6984,7 +7860,7 @@
           </a:lstStyle>
           <a:p>
             <a:r>
-              <a:rPr lang="en-US" sz="1100" dirty="0"/>
+              <a:rPr lang="en-US" dirty="0"/>
               <a:t>result</a:t>
             </a:r>
           </a:p>
@@ -6998,7 +7874,7 @@
         </p:nvSpPr>
         <p:spPr>
           <a:xfrm>
-            <a:off x="5773310" y="4782414"/>
+            <a:off x="7020246" y="4335731"/>
             <a:ext cx="1590354" cy="461538"/>
           </a:xfrm>
           <a:prstGeom prst="rect">
@@ -7034,7 +7910,7 @@
           <a:p>
             <a:pPr algn="ctr"/>
             <a:r>
-              <a:rPr lang="en-US" sz="1200" dirty="0" err="1">
+              <a:rPr lang="en-US" sz="1600" dirty="0" err="1">
                 <a:solidFill>
                   <a:schemeClr val="bg1"/>
                 </a:solidFill>
@@ -7042,14 +7918,14 @@
               <a:t>result:Command</a:t>
             </a:r>
             <a:r>
-              <a:rPr lang="en-US" sz="1200" dirty="0">
+              <a:rPr lang="en-US" sz="1600" dirty="0">
                 <a:solidFill>
                   <a:schemeClr val="bg1"/>
                 </a:solidFill>
               </a:rPr>
               <a:t> Result</a:t>
             </a:r>
-            <a:endParaRPr lang="en-SG" sz="1200" dirty="0">
+            <a:endParaRPr lang="en-SG" sz="1600" dirty="0">
               <a:solidFill>
                 <a:schemeClr val="bg1"/>
               </a:solidFill>
@@ -7065,7 +7941,7 @@
         </p:nvSpPr>
         <p:spPr>
           <a:xfrm>
-            <a:off x="6530509" y="5239870"/>
+            <a:off x="7777323" y="4797269"/>
             <a:ext cx="152400" cy="171376"/>
           </a:xfrm>
           <a:prstGeom prst="rect">
@@ -7100,7 +7976,7 @@
           <a:lstStyle/>
           <a:p>
             <a:pPr algn="ctr"/>
-            <a:endParaRPr lang="en-SG" sz="1100"/>
+            <a:endParaRPr lang="en-SG" sz="1400"/>
           </a:p>
         </p:txBody>
       </p:sp>
@@ -7112,7 +7988,7 @@
         </p:nvCxnSpPr>
         <p:spPr>
           <a:xfrm>
-            <a:off x="5611186" y="5411246"/>
+            <a:off x="6858000" y="4968645"/>
             <a:ext cx="966624" cy="0"/>
           </a:xfrm>
           <a:prstGeom prst="straightConnector1">
@@ -7150,8 +8026,8 @@
         </p:nvSpPr>
         <p:spPr>
           <a:xfrm>
-            <a:off x="2369045" y="3981343"/>
-            <a:ext cx="220343" cy="169277"/>
+            <a:off x="2673845" y="2198988"/>
+            <a:ext cx="220343" cy="215444"/>
           </a:xfrm>
           <a:prstGeom prst="rect">
             <a:avLst/>
@@ -7176,10 +8052,9 @@
           </a:lstStyle>
           <a:p>
             <a:r>
-              <a:rPr lang="en-US" sz="1100" dirty="0" smtClean="0"/>
-              <a:t>ac</a:t>
-            </a:r>
-            <a:endParaRPr lang="en-US" sz="1100" dirty="0"/>
+              <a:rPr lang="en-US" dirty="0"/>
+              <a:t>d</a:t>
+            </a:r>
           </a:p>
         </p:txBody>
       </p:sp>
@@ -7191,8 +8066,8 @@
         </p:nvSpPr>
         <p:spPr>
           <a:xfrm>
-            <a:off x="3839764" y="2959290"/>
-            <a:ext cx="1468091" cy="356368"/>
+            <a:off x="4231981" y="1101040"/>
+            <a:ext cx="1778201" cy="432035"/>
           </a:xfrm>
           <a:prstGeom prst="rect">
             <a:avLst/>
@@ -7227,7 +8102,7 @@
           <a:p>
             <a:pPr algn="ctr"/>
             <a:r>
-              <a:rPr lang="en-US" sz="1200" dirty="0" smtClean="0">
+              <a:rPr lang="en-US" sz="1600" dirty="0">
                 <a:solidFill>
                   <a:schemeClr val="bg1"/>
                 </a:solidFill>
@@ -7235,14 +8110,14 @@
               <a:t>:</a:t>
             </a:r>
             <a:r>
-              <a:rPr lang="en-US" sz="1200" dirty="0" err="1" smtClean="0">
+              <a:rPr lang="en-US" sz="1600" dirty="0" err="1">
                 <a:solidFill>
                   <a:schemeClr val="bg1"/>
                 </a:solidFill>
               </a:rPr>
-              <a:t>AddCellCommand</a:t>
-            </a:r>
-            <a:endParaRPr lang="en-US" sz="1200" dirty="0">
+              <a:t>DeleteCommand</a:t>
+            </a:r>
+            <a:endParaRPr lang="en-US" sz="1600" dirty="0">
               <a:solidFill>
                 <a:schemeClr val="bg1"/>
               </a:solidFill>
@@ -7251,14 +8126,14 @@
           <a:p>
             <a:pPr algn="ctr"/>
             <a:r>
-              <a:rPr lang="en-US" sz="1200" dirty="0">
+              <a:rPr lang="en-US" sz="1600" dirty="0">
                 <a:solidFill>
                   <a:schemeClr val="bg1"/>
                 </a:solidFill>
               </a:rPr>
               <a:t>Parser</a:t>
             </a:r>
-            <a:endParaRPr lang="en-SG" sz="1200" dirty="0">
+            <a:endParaRPr lang="en-SG" sz="1600" dirty="0">
               <a:solidFill>
                 <a:schemeClr val="bg1"/>
               </a:solidFill>
@@ -7274,8 +8149,8 @@
         </p:nvCxnSpPr>
         <p:spPr>
           <a:xfrm>
-            <a:off x="3047163" y="3656770"/>
-            <a:ext cx="1434045" cy="22263"/>
+            <a:off x="3462591" y="1828801"/>
+            <a:ext cx="1597356" cy="1"/>
           </a:xfrm>
           <a:prstGeom prst="straightConnector1">
             <a:avLst/>
@@ -7308,7 +8183,7 @@
         </p:nvSpPr>
         <p:spPr>
           <a:xfrm>
-            <a:off x="4495500" y="3286032"/>
+            <a:off x="5059947" y="1524001"/>
             <a:ext cx="205843" cy="123165"/>
           </a:xfrm>
           <a:prstGeom prst="rect">
@@ -7343,19 +8218,21 @@
           <a:lstStyle/>
           <a:p>
             <a:pPr algn="ctr"/>
-            <a:endParaRPr lang="en-SG" sz="1100"/>
+            <a:endParaRPr lang="en-SG" sz="1400"/>
           </a:p>
         </p:txBody>
       </p:sp>
       <p:cxnSp>
         <p:nvCxnSpPr>
           <p:cNvPr id="46" name="Straight Connector 45"/>
-          <p:cNvCxnSpPr/>
+          <p:cNvCxnSpPr>
+            <a:stCxn id="45" idx="0"/>
+          </p:cNvCxnSpPr>
           <p:nvPr/>
         </p:nvCxnSpPr>
         <p:spPr>
           <a:xfrm>
-            <a:off x="4598421" y="3383789"/>
+            <a:off x="5162869" y="1524001"/>
             <a:ext cx="0" cy="990600"/>
           </a:xfrm>
           <a:prstGeom prst="line">
@@ -7392,7 +8269,7 @@
         </p:nvSpPr>
         <p:spPr>
           <a:xfrm>
-            <a:off x="4473896" y="3580918"/>
+            <a:off x="5059947" y="1828802"/>
             <a:ext cx="205843" cy="533400"/>
           </a:xfrm>
           <a:prstGeom prst="rect">
@@ -7427,7 +8304,7 @@
           <a:lstStyle/>
           <a:p>
             <a:pPr algn="ctr"/>
-            <a:endParaRPr lang="en-SG" sz="1100"/>
+            <a:endParaRPr lang="en-SG" sz="1400"/>
           </a:p>
         </p:txBody>
       </p:sp>
@@ -7439,7 +8316,7 @@
         </p:nvCxnSpPr>
         <p:spPr>
           <a:xfrm>
-            <a:off x="3006154" y="4104459"/>
+            <a:off x="3499382" y="2356274"/>
             <a:ext cx="1667219" cy="0"/>
           </a:xfrm>
           <a:prstGeom prst="straightConnector1">
@@ -7477,7 +8354,7 @@
         </p:nvCxnSpPr>
         <p:spPr>
           <a:xfrm>
-            <a:off x="5611186" y="5030246"/>
+            <a:off x="6858000" y="4587645"/>
             <a:ext cx="162246" cy="0"/>
           </a:xfrm>
           <a:prstGeom prst="straightConnector1">
@@ -7511,7 +8388,7 @@
         </p:nvCxnSpPr>
         <p:spPr>
           <a:xfrm>
-            <a:off x="3022351" y="3115614"/>
+            <a:off x="3412425" y="1344205"/>
             <a:ext cx="819556" cy="1"/>
           </a:xfrm>
           <a:prstGeom prst="straightConnector1">
@@ -7547,8 +8424,8 @@
         </p:nvCxnSpPr>
         <p:spPr>
           <a:xfrm>
-            <a:off x="3029552" y="3409551"/>
-            <a:ext cx="1568869" cy="7714"/>
+            <a:off x="3459519" y="1647166"/>
+            <a:ext cx="1600428" cy="0"/>
           </a:xfrm>
           <a:prstGeom prst="straightConnector1">
             <a:avLst/>
@@ -7585,8 +8462,8 @@
         </p:nvSpPr>
         <p:spPr>
           <a:xfrm>
-            <a:off x="4472408" y="4251278"/>
-            <a:ext cx="251992" cy="246221"/>
+            <a:off x="5033665" y="2370791"/>
+            <a:ext cx="258404" cy="261610"/>
           </a:xfrm>
           <a:prstGeom prst="rect">
             <a:avLst/>
@@ -7600,12 +8477,872 @@
           <a:lstStyle/>
           <a:p>
             <a:r>
-              <a:rPr lang="en-SG" sz="1000" dirty="0">
+              <a:rPr lang="en-SG" sz="1100" dirty="0">
                 <a:solidFill>
                   <a:srgbClr val="002060"/>
                 </a:solidFill>
               </a:rPr>
               <a:t>X</a:t>
+            </a:r>
+          </a:p>
+        </p:txBody>
+      </p:sp>
+      <p:cxnSp>
+        <p:nvCxnSpPr>
+          <p:cNvPr id="53" name="Straight Arrow Connector 52">
+            <a:extLst>
+              <a:ext uri="{FF2B5EF4-FFF2-40B4-BE49-F238E27FC236}">
+                <a16:creationId xmlns:a16="http://schemas.microsoft.com/office/drawing/2014/main" id="{A603FCB3-E511-469E-80D2-81156119B89A}"/>
+              </a:ext>
+            </a:extLst>
+          </p:cNvPr>
+          <p:cNvCxnSpPr>
+            <a:cxnSpLocks/>
+          </p:cNvCxnSpPr>
+          <p:nvPr/>
+        </p:nvCxnSpPr>
+        <p:spPr>
+          <a:xfrm>
+            <a:off x="1614605" y="3036274"/>
+            <a:ext cx="7099755" cy="5579"/>
+          </a:xfrm>
+          <a:prstGeom prst="straightConnector1">
+            <a:avLst/>
+          </a:prstGeom>
+          <a:ln w="19050">
+            <a:solidFill>
+              <a:srgbClr val="0070C0"/>
+            </a:solidFill>
+            <a:tailEnd type="arrow"/>
+          </a:ln>
+        </p:spPr>
+        <p:style>
+          <a:lnRef idx="1">
+            <a:schemeClr val="accent1"/>
+          </a:lnRef>
+          <a:fillRef idx="0">
+            <a:schemeClr val="accent1"/>
+          </a:fillRef>
+          <a:effectRef idx="0">
+            <a:schemeClr val="accent1"/>
+          </a:effectRef>
+          <a:fontRef idx="minor">
+            <a:schemeClr val="tx1"/>
+          </a:fontRef>
+        </p:style>
+      </p:cxnSp>
+      <p:sp>
+        <p:nvSpPr>
+          <p:cNvPr id="54" name="TextBox 53">
+            <a:extLst>
+              <a:ext uri="{FF2B5EF4-FFF2-40B4-BE49-F238E27FC236}">
+                <a16:creationId xmlns:a16="http://schemas.microsoft.com/office/drawing/2014/main" id="{E6AF0985-A0BF-422B-9090-8A529BA866FB}"/>
+              </a:ext>
+            </a:extLst>
+          </p:cNvPr>
+          <p:cNvSpPr txBox="1"/>
+          <p:nvPr/>
+        </p:nvSpPr>
+        <p:spPr>
+          <a:xfrm>
+            <a:off x="6984957" y="2867026"/>
+            <a:ext cx="1424846" cy="169277"/>
+          </a:xfrm>
+          <a:prstGeom prst="rect">
+            <a:avLst/>
+          </a:prstGeom>
+          <a:noFill/>
+        </p:spPr>
+        <p:txBody>
+          <a:bodyPr wrap="square" lIns="0" tIns="0" rIns="0" bIns="0" rtlCol="0">
+            <a:spAutoFit/>
+          </a:bodyPr>
+          <a:lstStyle>
+            <a:defPPr>
+              <a:defRPr lang="en-US"/>
+            </a:defPPr>
+            <a:lvl1pPr algn="r">
+              <a:defRPr sz="1400">
+                <a:solidFill>
+                  <a:srgbClr val="0070C0"/>
+                </a:solidFill>
+              </a:defRPr>
+            </a:lvl1pPr>
+          </a:lstStyle>
+          <a:p>
+            <a:r>
+              <a:rPr lang="en-US" sz="1100" dirty="0" err="1">
+                <a:solidFill>
+                  <a:srgbClr val="7030A0"/>
+                </a:solidFill>
+              </a:rPr>
+              <a:t>getSecurityLevel</a:t>
+            </a:r>
+            <a:r>
+              <a:rPr lang="en-US" sz="1100" dirty="0">
+                <a:solidFill>
+                  <a:srgbClr val="7030A0"/>
+                </a:solidFill>
+              </a:rPr>
+              <a:t>()</a:t>
+            </a:r>
+          </a:p>
+        </p:txBody>
+      </p:sp>
+      <p:cxnSp>
+        <p:nvCxnSpPr>
+          <p:cNvPr id="55" name="Straight Arrow Connector 54">
+            <a:extLst>
+              <a:ext uri="{FF2B5EF4-FFF2-40B4-BE49-F238E27FC236}">
+                <a16:creationId xmlns:a16="http://schemas.microsoft.com/office/drawing/2014/main" id="{384B0F46-FB3D-4D16-A5D4-470EE01B8919}"/>
+              </a:ext>
+            </a:extLst>
+          </p:cNvPr>
+          <p:cNvCxnSpPr>
+            <a:cxnSpLocks/>
+          </p:cNvCxnSpPr>
+          <p:nvPr/>
+        </p:nvCxnSpPr>
+        <p:spPr>
+          <a:xfrm flipV="1">
+            <a:off x="1644868" y="3239246"/>
+            <a:ext cx="7041932" cy="37355"/>
+          </a:xfrm>
+          <a:prstGeom prst="straightConnector1">
+            <a:avLst/>
+          </a:prstGeom>
+          <a:ln w="19050">
+            <a:solidFill>
+              <a:schemeClr val="accent4">
+                <a:lumMod val="60000"/>
+                <a:lumOff val="40000"/>
+              </a:schemeClr>
+            </a:solidFill>
+            <a:prstDash val="sysDash"/>
+            <a:headEnd type="arrow" w="med" len="med"/>
+            <a:tailEnd type="none" w="med" len="med"/>
+          </a:ln>
+        </p:spPr>
+        <p:style>
+          <a:lnRef idx="1">
+            <a:schemeClr val="accent1"/>
+          </a:lnRef>
+          <a:fillRef idx="0">
+            <a:schemeClr val="accent1"/>
+          </a:fillRef>
+          <a:effectRef idx="0">
+            <a:schemeClr val="accent1"/>
+          </a:effectRef>
+          <a:fontRef idx="minor">
+            <a:schemeClr val="tx1"/>
+          </a:fontRef>
+        </p:style>
+      </p:cxnSp>
+      <p:sp>
+        <p:nvSpPr>
+          <p:cNvPr id="56" name="Rectangle 55">
+            <a:extLst>
+              <a:ext uri="{FF2B5EF4-FFF2-40B4-BE49-F238E27FC236}">
+                <a16:creationId xmlns:a16="http://schemas.microsoft.com/office/drawing/2014/main" id="{EF901970-63B8-4150-98CC-C0B5F9C3601D}"/>
+              </a:ext>
+            </a:extLst>
+          </p:cNvPr>
+          <p:cNvSpPr/>
+          <p:nvPr/>
+        </p:nvSpPr>
+        <p:spPr>
+          <a:xfrm>
+            <a:off x="8686800" y="3041853"/>
+            <a:ext cx="152400" cy="199803"/>
+          </a:xfrm>
+          <a:prstGeom prst="rect">
+            <a:avLst/>
+          </a:prstGeom>
+          <a:solidFill>
+            <a:schemeClr val="accent4">
+              <a:lumMod val="60000"/>
+              <a:lumOff val="40000"/>
+            </a:schemeClr>
+          </a:solidFill>
+          <a:ln>
+            <a:solidFill>
+              <a:schemeClr val="accent4">
+                <a:lumMod val="60000"/>
+                <a:lumOff val="40000"/>
+              </a:schemeClr>
+            </a:solidFill>
+          </a:ln>
+          <a:effectLst/>
+        </p:spPr>
+        <p:style>
+          <a:lnRef idx="1">
+            <a:schemeClr val="accent3"/>
+          </a:lnRef>
+          <a:fillRef idx="2">
+            <a:schemeClr val="accent3"/>
+          </a:fillRef>
+          <a:effectRef idx="1">
+            <a:schemeClr val="accent3"/>
+          </a:effectRef>
+          <a:fontRef idx="minor">
+            <a:schemeClr val="dk1"/>
+          </a:fontRef>
+        </p:style>
+        <p:txBody>
+          <a:bodyPr rtlCol="0" anchor="ctr"/>
+          <a:lstStyle/>
+          <a:p>
+            <a:pPr algn="ctr"/>
+            <a:endParaRPr lang="en-SG" sz="1400">
+              <a:solidFill>
+                <a:schemeClr val="dk1"/>
+              </a:solidFill>
+            </a:endParaRPr>
+          </a:p>
+        </p:txBody>
+      </p:sp>
+      <p:sp>
+        <p:nvSpPr>
+          <p:cNvPr id="66" name="TextBox 65">
+            <a:extLst>
+              <a:ext uri="{FF2B5EF4-FFF2-40B4-BE49-F238E27FC236}">
+                <a16:creationId xmlns:a16="http://schemas.microsoft.com/office/drawing/2014/main" id="{58E788B9-4E46-47E6-AF82-86EDD89C7B51}"/>
+              </a:ext>
+            </a:extLst>
+          </p:cNvPr>
+          <p:cNvSpPr txBox="1"/>
+          <p:nvPr/>
+        </p:nvSpPr>
+        <p:spPr>
+          <a:xfrm>
+            <a:off x="4337050" y="3084167"/>
+            <a:ext cx="1424846" cy="184666"/>
+          </a:xfrm>
+          <a:prstGeom prst="rect">
+            <a:avLst/>
+          </a:prstGeom>
+          <a:noFill/>
+        </p:spPr>
+        <p:txBody>
+          <a:bodyPr wrap="square" lIns="0" tIns="0" rIns="0" bIns="0" rtlCol="0">
+            <a:spAutoFit/>
+          </a:bodyPr>
+          <a:lstStyle>
+            <a:defPPr>
+              <a:defRPr lang="en-US"/>
+            </a:defPPr>
+            <a:lvl1pPr algn="r">
+              <a:defRPr sz="1400">
+                <a:solidFill>
+                  <a:srgbClr val="0070C0"/>
+                </a:solidFill>
+              </a:defRPr>
+            </a:lvl1pPr>
+          </a:lstStyle>
+          <a:p>
+            <a:r>
+              <a:rPr lang="en-US" sz="1200" dirty="0" err="1">
+                <a:solidFill>
+                  <a:srgbClr val="7030A0"/>
+                </a:solidFill>
+              </a:rPr>
+              <a:t>securityLevel</a:t>
+            </a:r>
+            <a:endParaRPr lang="en-US" sz="1200" dirty="0">
+              <a:solidFill>
+                <a:srgbClr val="7030A0"/>
+              </a:solidFill>
+            </a:endParaRPr>
+          </a:p>
+        </p:txBody>
+      </p:sp>
+      <p:cxnSp>
+        <p:nvCxnSpPr>
+          <p:cNvPr id="67" name="Straight Arrow Connector 66">
+            <a:extLst>
+              <a:ext uri="{FF2B5EF4-FFF2-40B4-BE49-F238E27FC236}">
+                <a16:creationId xmlns:a16="http://schemas.microsoft.com/office/drawing/2014/main" id="{587E97EE-01E0-4E9A-B0C7-56AB9F785B2A}"/>
+              </a:ext>
+            </a:extLst>
+          </p:cNvPr>
+          <p:cNvCxnSpPr>
+            <a:cxnSpLocks/>
+          </p:cNvCxnSpPr>
+          <p:nvPr/>
+        </p:nvCxnSpPr>
+        <p:spPr>
+          <a:xfrm>
+            <a:off x="1634687" y="2695235"/>
+            <a:ext cx="5061687" cy="0"/>
+          </a:xfrm>
+          <a:prstGeom prst="straightConnector1">
+            <a:avLst/>
+          </a:prstGeom>
+          <a:ln w="19050">
+            <a:headEnd type="none" w="med" len="med"/>
+            <a:tailEnd type="arrow" w="med" len="med"/>
+          </a:ln>
+        </p:spPr>
+        <p:style>
+          <a:lnRef idx="1">
+            <a:schemeClr val="accent1"/>
+          </a:lnRef>
+          <a:fillRef idx="0">
+            <a:schemeClr val="accent1"/>
+          </a:fillRef>
+          <a:effectRef idx="0">
+            <a:schemeClr val="accent1"/>
+          </a:effectRef>
+          <a:fontRef idx="minor">
+            <a:schemeClr val="tx1"/>
+          </a:fontRef>
+        </p:style>
+      </p:cxnSp>
+      <p:sp>
+        <p:nvSpPr>
+          <p:cNvPr id="68" name="Rectangle 67">
+            <a:extLst>
+              <a:ext uri="{FF2B5EF4-FFF2-40B4-BE49-F238E27FC236}">
+                <a16:creationId xmlns:a16="http://schemas.microsoft.com/office/drawing/2014/main" id="{75287E7C-40D3-41FE-9407-E0AAAD96E183}"/>
+              </a:ext>
+            </a:extLst>
+          </p:cNvPr>
+          <p:cNvSpPr/>
+          <p:nvPr/>
+        </p:nvSpPr>
+        <p:spPr>
+          <a:xfrm>
+            <a:off x="6696374" y="2664556"/>
+            <a:ext cx="152400" cy="224270"/>
+          </a:xfrm>
+          <a:prstGeom prst="rect">
+            <a:avLst/>
+          </a:prstGeom>
+          <a:solidFill>
+            <a:srgbClr val="0070C0"/>
+          </a:solidFill>
+          <a:ln>
+            <a:solidFill>
+              <a:srgbClr val="0070C0"/>
+            </a:solidFill>
+          </a:ln>
+          <a:effectLst/>
+        </p:spPr>
+        <p:style>
+          <a:lnRef idx="1">
+            <a:schemeClr val="accent3"/>
+          </a:lnRef>
+          <a:fillRef idx="2">
+            <a:schemeClr val="accent3"/>
+          </a:fillRef>
+          <a:effectRef idx="1">
+            <a:schemeClr val="accent3"/>
+          </a:effectRef>
+          <a:fontRef idx="minor">
+            <a:schemeClr val="dk1"/>
+          </a:fontRef>
+        </p:style>
+        <p:txBody>
+          <a:bodyPr rtlCol="0" anchor="ctr"/>
+          <a:lstStyle/>
+          <a:p>
+            <a:pPr algn="ctr"/>
+            <a:endParaRPr lang="en-SG" sz="1400"/>
+          </a:p>
+        </p:txBody>
+      </p:sp>
+      <p:cxnSp>
+        <p:nvCxnSpPr>
+          <p:cNvPr id="69" name="Straight Arrow Connector 68">
+            <a:extLst>
+              <a:ext uri="{FF2B5EF4-FFF2-40B4-BE49-F238E27FC236}">
+                <a16:creationId xmlns:a16="http://schemas.microsoft.com/office/drawing/2014/main" id="{CAC4BCA9-E4E6-4802-8FD2-A139217892BF}"/>
+              </a:ext>
+            </a:extLst>
+          </p:cNvPr>
+          <p:cNvCxnSpPr>
+            <a:cxnSpLocks/>
+          </p:cNvCxnSpPr>
+          <p:nvPr/>
+        </p:nvCxnSpPr>
+        <p:spPr>
+          <a:xfrm>
+            <a:off x="1634687" y="2886075"/>
+            <a:ext cx="5111324" cy="0"/>
+          </a:xfrm>
+          <a:prstGeom prst="straightConnector1">
+            <a:avLst/>
+          </a:prstGeom>
+          <a:ln w="19050">
+            <a:solidFill>
+              <a:srgbClr val="0070C0"/>
+            </a:solidFill>
+            <a:prstDash val="sysDash"/>
+            <a:headEnd type="arrow" w="med" len="med"/>
+            <a:tailEnd type="none" w="med" len="med"/>
+          </a:ln>
+        </p:spPr>
+        <p:style>
+          <a:lnRef idx="1">
+            <a:schemeClr val="accent1"/>
+          </a:lnRef>
+          <a:fillRef idx="0">
+            <a:schemeClr val="accent1"/>
+          </a:fillRef>
+          <a:effectRef idx="0">
+            <a:schemeClr val="accent1"/>
+          </a:effectRef>
+          <a:fontRef idx="minor">
+            <a:schemeClr val="tx1"/>
+          </a:fontRef>
+        </p:style>
+      </p:cxnSp>
+      <p:sp>
+        <p:nvSpPr>
+          <p:cNvPr id="72" name="TextBox 71">
+            <a:extLst>
+              <a:ext uri="{FF2B5EF4-FFF2-40B4-BE49-F238E27FC236}">
+                <a16:creationId xmlns:a16="http://schemas.microsoft.com/office/drawing/2014/main" id="{C455E125-FFDE-4524-B47C-A95535DB1C39}"/>
+              </a:ext>
+            </a:extLst>
+          </p:cNvPr>
+          <p:cNvSpPr txBox="1"/>
+          <p:nvPr/>
+        </p:nvSpPr>
+        <p:spPr>
+          <a:xfrm>
+            <a:off x="3588250" y="2524483"/>
+            <a:ext cx="1424846" cy="169277"/>
+          </a:xfrm>
+          <a:prstGeom prst="rect">
+            <a:avLst/>
+          </a:prstGeom>
+          <a:noFill/>
+        </p:spPr>
+        <p:txBody>
+          <a:bodyPr wrap="square" lIns="0" tIns="0" rIns="0" bIns="0" rtlCol="0">
+            <a:spAutoFit/>
+          </a:bodyPr>
+          <a:lstStyle>
+            <a:defPPr>
+              <a:defRPr lang="en-US"/>
+            </a:defPPr>
+            <a:lvl1pPr algn="r">
+              <a:defRPr sz="1400">
+                <a:solidFill>
+                  <a:srgbClr val="0070C0"/>
+                </a:solidFill>
+              </a:defRPr>
+            </a:lvl1pPr>
+          </a:lstStyle>
+          <a:p>
+            <a:r>
+              <a:rPr lang="en-US" sz="1100" dirty="0" err="1"/>
+              <a:t>getMinSecurityLevel</a:t>
+            </a:r>
+            <a:r>
+              <a:rPr lang="en-US" sz="1100" dirty="0"/>
+              <a:t>()</a:t>
+            </a:r>
+          </a:p>
+        </p:txBody>
+      </p:sp>
+      <p:sp>
+        <p:nvSpPr>
+          <p:cNvPr id="74" name="TextBox 73">
+            <a:extLst>
+              <a:ext uri="{FF2B5EF4-FFF2-40B4-BE49-F238E27FC236}">
+                <a16:creationId xmlns:a16="http://schemas.microsoft.com/office/drawing/2014/main" id="{5EFA2CB6-C635-4A9D-8CDA-96B6744BD20A}"/>
+              </a:ext>
+            </a:extLst>
+          </p:cNvPr>
+          <p:cNvSpPr txBox="1"/>
+          <p:nvPr/>
+        </p:nvSpPr>
+        <p:spPr>
+          <a:xfrm>
+            <a:off x="3528154" y="2726324"/>
+            <a:ext cx="1424846" cy="169277"/>
+          </a:xfrm>
+          <a:prstGeom prst="rect">
+            <a:avLst/>
+          </a:prstGeom>
+          <a:noFill/>
+        </p:spPr>
+        <p:txBody>
+          <a:bodyPr wrap="square" lIns="0" tIns="0" rIns="0" bIns="0" rtlCol="0">
+            <a:spAutoFit/>
+          </a:bodyPr>
+          <a:lstStyle>
+            <a:defPPr>
+              <a:defRPr lang="en-US"/>
+            </a:defPPr>
+            <a:lvl1pPr algn="r">
+              <a:defRPr sz="1400">
+                <a:solidFill>
+                  <a:srgbClr val="0070C0"/>
+                </a:solidFill>
+              </a:defRPr>
+            </a:lvl1pPr>
+          </a:lstStyle>
+          <a:p>
+            <a:r>
+              <a:rPr lang="en-US" sz="1100" dirty="0" err="1"/>
+              <a:t>minSecurityLevel</a:t>
+            </a:r>
+            <a:endParaRPr lang="en-US" sz="1100" dirty="0"/>
+          </a:p>
+        </p:txBody>
+      </p:sp>
+      <p:sp>
+        <p:nvSpPr>
+          <p:cNvPr id="92" name="Rectangle 62">
+            <a:extLst>
+              <a:ext uri="{FF2B5EF4-FFF2-40B4-BE49-F238E27FC236}">
+                <a16:creationId xmlns:a16="http://schemas.microsoft.com/office/drawing/2014/main" id="{207BBB59-C7BC-46DA-B4B8-BD10FAF33252}"/>
+              </a:ext>
+            </a:extLst>
+          </p:cNvPr>
+          <p:cNvSpPr/>
+          <p:nvPr/>
+        </p:nvSpPr>
+        <p:spPr>
+          <a:xfrm>
+            <a:off x="2513225" y="5736741"/>
+            <a:ext cx="1590354" cy="206859"/>
+          </a:xfrm>
+          <a:prstGeom prst="rect">
+            <a:avLst/>
+          </a:prstGeom>
+          <a:solidFill>
+            <a:srgbClr val="0070C0"/>
+          </a:solidFill>
+          <a:ln w="19050">
+            <a:solidFill>
+              <a:srgbClr val="0070C0"/>
+            </a:solidFill>
+          </a:ln>
+          <a:effectLst/>
+        </p:spPr>
+        <p:style>
+          <a:lnRef idx="1">
+            <a:schemeClr val="accent2"/>
+          </a:lnRef>
+          <a:fillRef idx="2">
+            <a:schemeClr val="accent2"/>
+          </a:fillRef>
+          <a:effectRef idx="1">
+            <a:schemeClr val="accent2"/>
+          </a:effectRef>
+          <a:fontRef idx="minor">
+            <a:schemeClr val="dk1"/>
+          </a:fontRef>
+        </p:style>
+        <p:txBody>
+          <a:bodyPr rtlCol="0" anchor="ctr"/>
+          <a:lstStyle/>
+          <a:p>
+            <a:pPr algn="ctr"/>
+            <a:r>
+              <a:rPr lang="en-US" sz="1100" dirty="0" err="1">
+                <a:solidFill>
+                  <a:schemeClr val="bg1"/>
+                </a:solidFill>
+              </a:rPr>
+              <a:t>result:Command</a:t>
+            </a:r>
+            <a:r>
+              <a:rPr lang="en-US" sz="1100" dirty="0">
+                <a:solidFill>
+                  <a:schemeClr val="bg1"/>
+                </a:solidFill>
+              </a:rPr>
+              <a:t> Result</a:t>
+            </a:r>
+            <a:endParaRPr lang="en-SG" sz="1100" dirty="0">
+              <a:solidFill>
+                <a:schemeClr val="bg1"/>
+              </a:solidFill>
+            </a:endParaRPr>
+          </a:p>
+        </p:txBody>
+      </p:sp>
+      <p:sp>
+        <p:nvSpPr>
+          <p:cNvPr id="94" name="Rectangle 93">
+            <a:extLst>
+              <a:ext uri="{FF2B5EF4-FFF2-40B4-BE49-F238E27FC236}">
+                <a16:creationId xmlns:a16="http://schemas.microsoft.com/office/drawing/2014/main" id="{BF39895A-AFA4-4A6C-9124-A3748BCCD664}"/>
+              </a:ext>
+            </a:extLst>
+          </p:cNvPr>
+          <p:cNvSpPr/>
+          <p:nvPr/>
+        </p:nvSpPr>
+        <p:spPr>
+          <a:xfrm>
+            <a:off x="3200400" y="5957957"/>
+            <a:ext cx="152400" cy="171376"/>
+          </a:xfrm>
+          <a:prstGeom prst="rect">
+            <a:avLst/>
+          </a:prstGeom>
+          <a:solidFill>
+            <a:srgbClr val="0070C0"/>
+          </a:solidFill>
+          <a:ln>
+            <a:solidFill>
+              <a:srgbClr val="0070C0"/>
+            </a:solidFill>
+          </a:ln>
+          <a:effectLst/>
+        </p:spPr>
+        <p:style>
+          <a:lnRef idx="1">
+            <a:schemeClr val="accent3"/>
+          </a:lnRef>
+          <a:fillRef idx="2">
+            <a:schemeClr val="accent3"/>
+          </a:fillRef>
+          <a:effectRef idx="1">
+            <a:schemeClr val="accent3"/>
+          </a:effectRef>
+          <a:fontRef idx="minor">
+            <a:schemeClr val="dk1"/>
+          </a:fontRef>
+        </p:style>
+        <p:txBody>
+          <a:bodyPr rtlCol="0" anchor="ctr"/>
+          <a:lstStyle/>
+          <a:p>
+            <a:pPr algn="ctr"/>
+            <a:endParaRPr lang="en-SG" sz="1400"/>
+          </a:p>
+        </p:txBody>
+      </p:sp>
+      <p:cxnSp>
+        <p:nvCxnSpPr>
+          <p:cNvPr id="95" name="Straight Arrow Connector 94">
+            <a:extLst>
+              <a:ext uri="{FF2B5EF4-FFF2-40B4-BE49-F238E27FC236}">
+                <a16:creationId xmlns:a16="http://schemas.microsoft.com/office/drawing/2014/main" id="{6F665CF2-72BD-4141-84CA-B5CD4DCF455B}"/>
+              </a:ext>
+            </a:extLst>
+          </p:cNvPr>
+          <p:cNvCxnSpPr>
+            <a:cxnSpLocks/>
+            <a:endCxn id="92" idx="1"/>
+          </p:cNvCxnSpPr>
+          <p:nvPr/>
+        </p:nvCxnSpPr>
+        <p:spPr>
+          <a:xfrm>
+            <a:off x="1664266" y="5835877"/>
+            <a:ext cx="848959" cy="4294"/>
+          </a:xfrm>
+          <a:prstGeom prst="straightConnector1">
+            <a:avLst/>
+          </a:prstGeom>
+          <a:ln w="19050">
+            <a:headEnd type="none" w="med" len="med"/>
+            <a:tailEnd type="arrow" w="med" len="med"/>
+          </a:ln>
+        </p:spPr>
+        <p:style>
+          <a:lnRef idx="1">
+            <a:schemeClr val="accent1"/>
+          </a:lnRef>
+          <a:fillRef idx="0">
+            <a:schemeClr val="accent1"/>
+          </a:fillRef>
+          <a:effectRef idx="0">
+            <a:schemeClr val="accent1"/>
+          </a:effectRef>
+          <a:fontRef idx="minor">
+            <a:schemeClr val="tx1"/>
+          </a:fontRef>
+        </p:style>
+      </p:cxnSp>
+      <p:cxnSp>
+        <p:nvCxnSpPr>
+          <p:cNvPr id="96" name="Straight Arrow Connector 95">
+            <a:extLst>
+              <a:ext uri="{FF2B5EF4-FFF2-40B4-BE49-F238E27FC236}">
+                <a16:creationId xmlns:a16="http://schemas.microsoft.com/office/drawing/2014/main" id="{69710032-1724-4C33-A5F7-AD7175E8C0EE}"/>
+              </a:ext>
+            </a:extLst>
+          </p:cNvPr>
+          <p:cNvCxnSpPr>
+            <a:cxnSpLocks/>
+          </p:cNvCxnSpPr>
+          <p:nvPr/>
+        </p:nvCxnSpPr>
+        <p:spPr>
+          <a:xfrm>
+            <a:off x="1653251" y="6129333"/>
+            <a:ext cx="1699549" cy="0"/>
+          </a:xfrm>
+          <a:prstGeom prst="straightConnector1">
+            <a:avLst/>
+          </a:prstGeom>
+          <a:ln w="19050">
+            <a:solidFill>
+              <a:srgbClr val="0070C0"/>
+            </a:solidFill>
+            <a:prstDash val="sysDash"/>
+            <a:headEnd type="arrow" w="med" len="med"/>
+            <a:tailEnd type="none" w="med" len="med"/>
+          </a:ln>
+        </p:spPr>
+        <p:style>
+          <a:lnRef idx="1">
+            <a:schemeClr val="accent1"/>
+          </a:lnRef>
+          <a:fillRef idx="0">
+            <a:schemeClr val="accent1"/>
+          </a:fillRef>
+          <a:effectRef idx="0">
+            <a:schemeClr val="accent1"/>
+          </a:effectRef>
+          <a:fontRef idx="minor">
+            <a:schemeClr val="tx1"/>
+          </a:fontRef>
+        </p:style>
+      </p:cxnSp>
+      <p:cxnSp>
+        <p:nvCxnSpPr>
+          <p:cNvPr id="97" name="Straight Arrow Connector 96">
+            <a:extLst>
+              <a:ext uri="{FF2B5EF4-FFF2-40B4-BE49-F238E27FC236}">
+                <a16:creationId xmlns:a16="http://schemas.microsoft.com/office/drawing/2014/main" id="{883E2101-E132-4074-B055-8673EE948AAD}"/>
+              </a:ext>
+            </a:extLst>
+          </p:cNvPr>
+          <p:cNvCxnSpPr>
+            <a:cxnSpLocks/>
+          </p:cNvCxnSpPr>
+          <p:nvPr/>
+        </p:nvCxnSpPr>
+        <p:spPr>
+          <a:xfrm>
+            <a:off x="304800" y="6129333"/>
+            <a:ext cx="1473610" cy="0"/>
+          </a:xfrm>
+          <a:prstGeom prst="straightConnector1">
+            <a:avLst/>
+          </a:prstGeom>
+          <a:ln w="19050">
+            <a:solidFill>
+              <a:srgbClr val="0070C0"/>
+            </a:solidFill>
+            <a:prstDash val="sysDash"/>
+            <a:headEnd type="arrow" w="med" len="med"/>
+            <a:tailEnd type="none" w="med" len="med"/>
+          </a:ln>
+        </p:spPr>
+        <p:style>
+          <a:lnRef idx="1">
+            <a:schemeClr val="accent1"/>
+          </a:lnRef>
+          <a:fillRef idx="0">
+            <a:schemeClr val="accent1"/>
+          </a:fillRef>
+          <a:effectRef idx="0">
+            <a:schemeClr val="accent1"/>
+          </a:effectRef>
+          <a:fontRef idx="minor">
+            <a:schemeClr val="tx1"/>
+          </a:fontRef>
+        </p:style>
+      </p:cxnSp>
+      <p:sp>
+        <p:nvSpPr>
+          <p:cNvPr id="99" name="TextBox 98">
+            <a:extLst>
+              <a:ext uri="{FF2B5EF4-FFF2-40B4-BE49-F238E27FC236}">
+                <a16:creationId xmlns:a16="http://schemas.microsoft.com/office/drawing/2014/main" id="{9C0EA8A2-4060-4C0C-A686-94B7CD411054}"/>
+              </a:ext>
+            </a:extLst>
+          </p:cNvPr>
+          <p:cNvSpPr txBox="1"/>
+          <p:nvPr/>
+        </p:nvSpPr>
+        <p:spPr>
+          <a:xfrm>
+            <a:off x="1705053" y="5903825"/>
+            <a:ext cx="621216" cy="215444"/>
+          </a:xfrm>
+          <a:prstGeom prst="rect">
+            <a:avLst/>
+          </a:prstGeom>
+          <a:noFill/>
+        </p:spPr>
+        <p:txBody>
+          <a:bodyPr wrap="square" lIns="0" tIns="0" rIns="0" bIns="0" rtlCol="0">
+            <a:spAutoFit/>
+          </a:bodyPr>
+          <a:lstStyle>
+            <a:defPPr>
+              <a:defRPr lang="en-US"/>
+            </a:defPPr>
+            <a:lvl1pPr algn="r">
+              <a:defRPr sz="1400">
+                <a:solidFill>
+                  <a:srgbClr val="0070C0"/>
+                </a:solidFill>
+              </a:defRPr>
+            </a:lvl1pPr>
+          </a:lstStyle>
+          <a:p>
+            <a:r>
+              <a:rPr lang="en-US" dirty="0"/>
+              <a:t>result</a:t>
+            </a:r>
+          </a:p>
+        </p:txBody>
+      </p:sp>
+      <p:sp>
+        <p:nvSpPr>
+          <p:cNvPr id="100" name="TextBox 99">
+            <a:extLst>
+              <a:ext uri="{FF2B5EF4-FFF2-40B4-BE49-F238E27FC236}">
+                <a16:creationId xmlns:a16="http://schemas.microsoft.com/office/drawing/2014/main" id="{C1EFF7B0-F6D3-4EBE-9071-BCB9E57E6EAA}"/>
+              </a:ext>
+            </a:extLst>
+          </p:cNvPr>
+          <p:cNvSpPr txBox="1"/>
+          <p:nvPr/>
+        </p:nvSpPr>
+        <p:spPr>
+          <a:xfrm>
+            <a:off x="752805" y="5913889"/>
+            <a:ext cx="621216" cy="215444"/>
+          </a:xfrm>
+          <a:prstGeom prst="rect">
+            <a:avLst/>
+          </a:prstGeom>
+          <a:noFill/>
+        </p:spPr>
+        <p:txBody>
+          <a:bodyPr wrap="square" lIns="0" tIns="0" rIns="0" bIns="0" rtlCol="0">
+            <a:spAutoFit/>
+          </a:bodyPr>
+          <a:lstStyle>
+            <a:defPPr>
+              <a:defRPr lang="en-US"/>
+            </a:defPPr>
+            <a:lvl1pPr algn="r">
+              <a:defRPr sz="1400">
+                <a:solidFill>
+                  <a:srgbClr val="0070C0"/>
+                </a:solidFill>
+              </a:defRPr>
+            </a:lvl1pPr>
+          </a:lstStyle>
+          <a:p>
+            <a:r>
+              <a:rPr lang="en-US" dirty="0"/>
+              <a:t>result</a:t>
             </a:r>
           </a:p>
         </p:txBody>
@@ -7613,20 +9350,13 @@
     </p:spTree>
     <p:extLst>
       <p:ext uri="{BB962C8B-B14F-4D97-AF65-F5344CB8AC3E}">
-        <p14:creationId xmlns:p14="http://schemas.microsoft.com/office/powerpoint/2010/main" val="2535266439"/>
+        <p14:creationId xmlns:p14="http://schemas.microsoft.com/office/powerpoint/2010/main" val="3348437031"/>
       </p:ext>
     </p:extLst>
   </p:cSld>
   <p:clrMapOvr>
     <a:masterClrMapping/>
   </p:clrMapOvr>
-  <p:timing>
-    <p:tnLst>
-      <p:par>
-        <p:cTn id="1" dur="indefinite" restart="never" nodeType="tmRoot"/>
-      </p:par>
-    </p:tnLst>
-  </p:timing>
 </p:sld>
 </file>
 
@@ -7649,14 +9379,14 @@
       </p:grpSpPr>
       <p:sp>
         <p:nvSpPr>
-          <p:cNvPr id="127" name="Rectangle 65"/>
+          <p:cNvPr id="81" name="Rectangle 65"/>
           <p:cNvSpPr/>
           <p:nvPr/>
         </p:nvSpPr>
         <p:spPr>
           <a:xfrm>
-            <a:off x="255972" y="1530804"/>
-            <a:ext cx="8735628" cy="4869995"/>
+            <a:off x="176603" y="1981200"/>
+            <a:ext cx="6671809" cy="4000286"/>
           </a:xfrm>
           <a:prstGeom prst="roundRect">
             <a:avLst>
@@ -7664,7 +9394,7 @@
             </a:avLst>
           </a:prstGeom>
           <a:solidFill>
-            <a:schemeClr val="accent4">
+            <a:schemeClr val="accent1">
               <a:lumMod val="20000"/>
               <a:lumOff val="80000"/>
             </a:schemeClr>
@@ -7693,16 +9423,16 @@
           <a:lstStyle/>
           <a:p>
             <a:r>
-              <a:rPr lang="en-US" sz="1200" b="1" dirty="0" smtClean="0">
-                <a:solidFill>
-                  <a:srgbClr val="7030A0"/>
+              <a:rPr lang="en-US" sz="1050" b="1" dirty="0">
+                <a:solidFill>
+                  <a:srgbClr val="0070C0"/>
                 </a:solidFill>
               </a:rPr>
-              <a:t>Model</a:t>
-            </a:r>
-            <a:endParaRPr lang="en-SG" sz="1200" b="1" dirty="0">
+              <a:t>Logic</a:t>
+            </a:r>
+            <a:endParaRPr lang="en-SG" sz="1050" b="1" dirty="0">
               <a:solidFill>
-                <a:srgbClr val="7030A0"/>
+                <a:srgbClr val="0070C0"/>
               </a:solidFill>
             </a:endParaRPr>
           </a:p>
@@ -7710,367 +9440,284 @@
       </p:sp>
       <p:sp>
         <p:nvSpPr>
-          <p:cNvPr id="72" name="TextBox 71"/>
-          <p:cNvSpPr txBox="1"/>
-          <p:nvPr/>
-        </p:nvSpPr>
-        <p:spPr>
-          <a:xfrm>
-            <a:off x="1828800" y="2713681"/>
-            <a:ext cx="6553200" cy="3477875"/>
+          <p:cNvPr id="2" name="Rectangle 62"/>
+          <p:cNvSpPr/>
+          <p:nvPr/>
+        </p:nvSpPr>
+        <p:spPr>
+          <a:xfrm>
+            <a:off x="587289" y="2212610"/>
+            <a:ext cx="1358424" cy="219350"/>
           </a:xfrm>
           <a:prstGeom prst="rect">
             <a:avLst/>
           </a:prstGeom>
           <a:solidFill>
-            <a:schemeClr val="accent2">
-              <a:lumMod val="20000"/>
-              <a:lumOff val="80000"/>
-            </a:schemeClr>
+            <a:srgbClr val="0070C0"/>
+          </a:solidFill>
+          <a:ln w="19050">
+            <a:solidFill>
+              <a:srgbClr val="0070C0"/>
+            </a:solidFill>
+          </a:ln>
+          <a:effectLst/>
+        </p:spPr>
+        <p:style>
+          <a:lnRef idx="1">
+            <a:schemeClr val="accent2"/>
+          </a:lnRef>
+          <a:fillRef idx="2">
+            <a:schemeClr val="accent2"/>
+          </a:fillRef>
+          <a:effectRef idx="1">
+            <a:schemeClr val="accent2"/>
+          </a:effectRef>
+          <a:fontRef idx="minor">
+            <a:schemeClr val="dk1"/>
+          </a:fontRef>
+        </p:style>
+        <p:txBody>
+          <a:bodyPr rtlCol="0" anchor="ctr"/>
+          <a:lstStyle/>
+          <a:p>
+            <a:pPr algn="ctr"/>
+            <a:r>
+              <a:rPr lang="en-US" sz="1200" dirty="0">
+                <a:solidFill>
+                  <a:schemeClr val="bg1"/>
+                </a:solidFill>
+              </a:rPr>
+              <a:t>:</a:t>
+            </a:r>
+            <a:r>
+              <a:rPr lang="en-US" sz="1200" dirty="0" err="1">
+                <a:solidFill>
+                  <a:schemeClr val="bg1"/>
+                </a:solidFill>
+              </a:rPr>
+              <a:t>LogicManager</a:t>
+            </a:r>
+            <a:endParaRPr lang="en-SG" sz="1200" dirty="0">
+              <a:solidFill>
+                <a:schemeClr val="bg1"/>
+              </a:solidFill>
+            </a:endParaRPr>
+          </a:p>
+        </p:txBody>
+      </p:sp>
+      <p:cxnSp>
+        <p:nvCxnSpPr>
+          <p:cNvPr id="5" name="Straight Connector 4"/>
+          <p:cNvCxnSpPr>
+            <a:stCxn id="2" idx="2"/>
+          </p:cNvCxnSpPr>
+          <p:nvPr/>
+        </p:nvCxnSpPr>
+        <p:spPr>
+          <a:xfrm>
+            <a:off x="1266501" y="2431960"/>
+            <a:ext cx="1558" cy="2779396"/>
+          </a:xfrm>
+          <a:prstGeom prst="line">
+            <a:avLst/>
+          </a:prstGeom>
+          <a:ln w="19050">
+            <a:solidFill>
+              <a:srgbClr val="0070C0"/>
+            </a:solidFill>
+            <a:prstDash val="sysDash"/>
+          </a:ln>
+          <a:effectLst/>
+        </p:spPr>
+        <p:style>
+          <a:lnRef idx="1">
+            <a:schemeClr val="accent1"/>
+          </a:lnRef>
+          <a:fillRef idx="2">
+            <a:schemeClr val="accent1"/>
+          </a:fillRef>
+          <a:effectRef idx="1">
+            <a:schemeClr val="accent1"/>
+          </a:effectRef>
+          <a:fontRef idx="minor">
+            <a:schemeClr val="dk1"/>
+          </a:fontRef>
+        </p:style>
+      </p:cxnSp>
+      <p:sp>
+        <p:nvSpPr>
+          <p:cNvPr id="6" name="Rectangle 5"/>
+          <p:cNvSpPr/>
+          <p:nvPr/>
+        </p:nvSpPr>
+        <p:spPr>
+          <a:xfrm>
+            <a:off x="1196051" y="2964467"/>
+            <a:ext cx="152400" cy="2780287"/>
+          </a:xfrm>
+          <a:prstGeom prst="rect">
+            <a:avLst/>
+          </a:prstGeom>
+          <a:solidFill>
+            <a:srgbClr val="0070C0"/>
           </a:solidFill>
           <a:ln>
             <a:solidFill>
-              <a:srgbClr val="FF0000"/>
-            </a:solidFill>
-          </a:ln>
-        </p:spPr>
-        <p:txBody>
-          <a:bodyPr wrap="square" rtlCol="0">
-            <a:spAutoFit/>
-          </a:bodyPr>
+              <a:srgbClr val="0070C0"/>
+            </a:solidFill>
+          </a:ln>
+          <a:effectLst/>
+        </p:spPr>
+        <p:style>
+          <a:lnRef idx="1">
+            <a:schemeClr val="accent3"/>
+          </a:lnRef>
+          <a:fillRef idx="2">
+            <a:schemeClr val="accent3"/>
+          </a:fillRef>
+          <a:effectRef idx="1">
+            <a:schemeClr val="accent3"/>
+          </a:effectRef>
+          <a:fontRef idx="minor">
+            <a:schemeClr val="dk1"/>
+          </a:fontRef>
+        </p:style>
+        <p:txBody>
+          <a:bodyPr rtlCol="0" anchor="ctr"/>
           <a:lstStyle/>
           <a:p>
-            <a:r>
-              <a:rPr lang="en-SG" sz="1100" dirty="0">
-                <a:solidFill>
-                  <a:srgbClr val="FF0000"/>
+            <a:pPr algn="ctr"/>
+            <a:endParaRPr lang="en-SG" sz="1100"/>
+          </a:p>
+        </p:txBody>
+      </p:sp>
+      <p:sp>
+        <p:nvSpPr>
+          <p:cNvPr id="16" name="Rectangle 62"/>
+          <p:cNvSpPr/>
+          <p:nvPr/>
+        </p:nvSpPr>
+        <p:spPr>
+          <a:xfrm>
+            <a:off x="2478119" y="2344805"/>
+            <a:ext cx="930590" cy="331702"/>
+          </a:xfrm>
+          <a:prstGeom prst="rect">
+            <a:avLst/>
+          </a:prstGeom>
+          <a:solidFill>
+            <a:srgbClr val="0070C0"/>
+          </a:solidFill>
+          <a:ln w="19050">
+            <a:solidFill>
+              <a:srgbClr val="0070C0"/>
+            </a:solidFill>
+          </a:ln>
+          <a:effectLst/>
+        </p:spPr>
+        <p:style>
+          <a:lnRef idx="1">
+            <a:schemeClr val="accent2"/>
+          </a:lnRef>
+          <a:fillRef idx="2">
+            <a:schemeClr val="accent2"/>
+          </a:fillRef>
+          <a:effectRef idx="1">
+            <a:schemeClr val="accent2"/>
+          </a:effectRef>
+          <a:fontRef idx="minor">
+            <a:schemeClr val="dk1"/>
+          </a:fontRef>
+        </p:style>
+        <p:txBody>
+          <a:bodyPr rtlCol="0" anchor="ctr"/>
+          <a:lstStyle/>
+          <a:p>
+            <a:pPr algn="ctr"/>
+            <a:r>
+              <a:rPr lang="en-US" sz="1200" dirty="0">
+                <a:solidFill>
+                  <a:schemeClr val="bg1"/>
                 </a:solidFill>
               </a:rPr>
-              <a:t>o</a:t>
-            </a:r>
-            <a:r>
-              <a:rPr lang="en-SG" sz="1100" dirty="0" smtClean="0">
-                <a:solidFill>
-                  <a:srgbClr val="FF0000"/>
+              <a:t>:Address</a:t>
+            </a:r>
+          </a:p>
+          <a:p>
+            <a:pPr algn="ctr"/>
+            <a:r>
+              <a:rPr lang="en-US" sz="1200" dirty="0" err="1">
+                <a:solidFill>
+                  <a:schemeClr val="bg1"/>
                 </a:solidFill>
               </a:rPr>
-              <a:t>pt                [no exceptions thrown]</a:t>
-            </a:r>
-          </a:p>
-          <a:p>
-            <a:endParaRPr lang="en-SG" sz="1100" dirty="0">
+              <a:t>BookParser</a:t>
+            </a:r>
+            <a:endParaRPr lang="en-SG" sz="1200" dirty="0">
               <a:solidFill>
-                <a:srgbClr val="FF0000"/>
+                <a:schemeClr val="bg1"/>
               </a:solidFill>
             </a:endParaRPr>
           </a:p>
-          <a:p>
-            <a:endParaRPr lang="en-SG" sz="1100" dirty="0" smtClean="0">
-              <a:solidFill>
-                <a:srgbClr val="FF0000"/>
-              </a:solidFill>
-            </a:endParaRPr>
-          </a:p>
-          <a:p>
-            <a:endParaRPr lang="en-SG" sz="1100" dirty="0">
-              <a:solidFill>
-                <a:srgbClr val="FF0000"/>
-              </a:solidFill>
-            </a:endParaRPr>
-          </a:p>
-          <a:p>
-            <a:endParaRPr lang="en-SG" sz="1100" dirty="0" smtClean="0">
-              <a:solidFill>
-                <a:srgbClr val="FF0000"/>
-              </a:solidFill>
-            </a:endParaRPr>
-          </a:p>
-          <a:p>
-            <a:endParaRPr lang="en-SG" sz="1100" dirty="0">
-              <a:solidFill>
-                <a:srgbClr val="FF0000"/>
-              </a:solidFill>
-            </a:endParaRPr>
-          </a:p>
-          <a:p>
-            <a:endParaRPr lang="en-SG" sz="1100" dirty="0" smtClean="0">
-              <a:solidFill>
-                <a:srgbClr val="FF0000"/>
-              </a:solidFill>
-            </a:endParaRPr>
-          </a:p>
-          <a:p>
-            <a:endParaRPr lang="en-SG" sz="1100" dirty="0">
-              <a:solidFill>
-                <a:srgbClr val="FF0000"/>
-              </a:solidFill>
-            </a:endParaRPr>
-          </a:p>
-          <a:p>
-            <a:endParaRPr lang="en-SG" sz="1100" dirty="0" smtClean="0">
-              <a:solidFill>
-                <a:srgbClr val="FF0000"/>
-              </a:solidFill>
-            </a:endParaRPr>
-          </a:p>
-          <a:p>
-            <a:endParaRPr lang="en-SG" sz="1100" dirty="0">
-              <a:solidFill>
-                <a:srgbClr val="FF0000"/>
-              </a:solidFill>
-            </a:endParaRPr>
-          </a:p>
-          <a:p>
-            <a:endParaRPr lang="en-SG" sz="1100" dirty="0" smtClean="0">
-              <a:solidFill>
-                <a:srgbClr val="FF0000"/>
-              </a:solidFill>
-            </a:endParaRPr>
-          </a:p>
-          <a:p>
-            <a:endParaRPr lang="en-SG" sz="1100" dirty="0">
-              <a:solidFill>
-                <a:srgbClr val="FF0000"/>
-              </a:solidFill>
-            </a:endParaRPr>
-          </a:p>
-          <a:p>
-            <a:endParaRPr lang="en-SG" sz="1100" dirty="0" smtClean="0">
-              <a:solidFill>
-                <a:srgbClr val="FF0000"/>
-              </a:solidFill>
-            </a:endParaRPr>
-          </a:p>
-          <a:p>
-            <a:endParaRPr lang="en-SG" sz="1100" dirty="0" smtClean="0">
-              <a:solidFill>
-                <a:srgbClr val="FF0000"/>
-              </a:solidFill>
-            </a:endParaRPr>
-          </a:p>
-          <a:p>
-            <a:endParaRPr lang="en-SG" sz="1100" dirty="0">
-              <a:solidFill>
-                <a:srgbClr val="FF0000"/>
-              </a:solidFill>
-            </a:endParaRPr>
-          </a:p>
-          <a:p>
-            <a:endParaRPr lang="en-SG" sz="1100" dirty="0" smtClean="0">
-              <a:solidFill>
-                <a:srgbClr val="FF0000"/>
-              </a:solidFill>
-            </a:endParaRPr>
-          </a:p>
-          <a:p>
-            <a:endParaRPr lang="en-SG" sz="1100" dirty="0" smtClean="0">
-              <a:solidFill>
-                <a:srgbClr val="FF0000"/>
-              </a:solidFill>
-            </a:endParaRPr>
-          </a:p>
-          <a:p>
-            <a:endParaRPr lang="en-SG" sz="1100" dirty="0">
-              <a:solidFill>
-                <a:srgbClr val="FF0000"/>
-              </a:solidFill>
-            </a:endParaRPr>
-          </a:p>
-          <a:p>
-            <a:endParaRPr lang="en-SG" sz="1100" dirty="0">
-              <a:solidFill>
-                <a:srgbClr val="FF0000"/>
-              </a:solidFill>
-            </a:endParaRPr>
-          </a:p>
-          <a:p>
-            <a:endParaRPr lang="en-SG" sz="1100" dirty="0">
-              <a:solidFill>
-                <a:srgbClr val="FF0000"/>
-              </a:solidFill>
-            </a:endParaRPr>
-          </a:p>
         </p:txBody>
       </p:sp>
       <p:cxnSp>
         <p:nvCxnSpPr>
-          <p:cNvPr id="76" name="Straight Connector 75"/>
+          <p:cNvPr id="17" name="Straight Connector 16"/>
           <p:cNvCxnSpPr/>
           <p:nvPr/>
         </p:nvCxnSpPr>
         <p:spPr>
           <a:xfrm>
-            <a:off x="2282117" y="2713681"/>
-            <a:ext cx="3883" cy="149863"/>
+            <a:off x="2936950" y="2683595"/>
+            <a:ext cx="0" cy="1695374"/>
           </a:xfrm>
           <a:prstGeom prst="line">
             <a:avLst/>
           </a:prstGeom>
+          <a:ln w="19050">
+            <a:solidFill>
+              <a:srgbClr val="0070C0"/>
+            </a:solidFill>
+            <a:prstDash val="sysDash"/>
+          </a:ln>
+          <a:effectLst/>
+        </p:spPr>
+        <p:style>
+          <a:lnRef idx="1">
+            <a:schemeClr val="accent1"/>
+          </a:lnRef>
+          <a:fillRef idx="2">
+            <a:schemeClr val="accent1"/>
+          </a:fillRef>
+          <a:effectRef idx="1">
+            <a:schemeClr val="accent1"/>
+          </a:effectRef>
+          <a:fontRef idx="minor">
+            <a:schemeClr val="dk1"/>
+          </a:fontRef>
+        </p:style>
+      </p:cxnSp>
+      <p:sp>
+        <p:nvSpPr>
+          <p:cNvPr id="18" name="Rectangle 17"/>
+          <p:cNvSpPr/>
+          <p:nvPr/>
+        </p:nvSpPr>
+        <p:spPr>
+          <a:xfrm>
+            <a:off x="2854623" y="3075653"/>
+            <a:ext cx="174929" cy="1129459"/>
+          </a:xfrm>
+          <a:prstGeom prst="rect">
+            <a:avLst/>
+          </a:prstGeom>
           <a:solidFill>
-            <a:schemeClr val="bg1"/>
+            <a:srgbClr val="0070C0"/>
           </a:solidFill>
           <a:ln>
             <a:solidFill>
-              <a:srgbClr val="FF0000"/>
-            </a:solidFill>
-          </a:ln>
-        </p:spPr>
-        <p:style>
-          <a:lnRef idx="1">
-            <a:schemeClr val="accent1"/>
-          </a:lnRef>
-          <a:fillRef idx="0">
-            <a:schemeClr val="accent1"/>
-          </a:fillRef>
-          <a:effectRef idx="0">
-            <a:schemeClr val="accent1"/>
-          </a:effectRef>
-          <a:fontRef idx="minor">
-            <a:schemeClr val="tx1"/>
-          </a:fontRef>
-        </p:style>
-      </p:cxnSp>
-      <p:cxnSp>
-        <p:nvCxnSpPr>
-          <p:cNvPr id="80" name="Straight Connector 79"/>
-          <p:cNvCxnSpPr/>
-          <p:nvPr/>
-        </p:nvCxnSpPr>
-        <p:spPr>
-          <a:xfrm flipH="1">
-            <a:off x="1826796" y="2952070"/>
-            <a:ext cx="374336" cy="0"/>
-          </a:xfrm>
-          <a:prstGeom prst="line">
-            <a:avLst/>
-          </a:prstGeom>
-          <a:solidFill>
-            <a:schemeClr val="bg1"/>
-          </a:solidFill>
-          <a:ln>
-            <a:solidFill>
-              <a:srgbClr val="FF0000"/>
-            </a:solidFill>
-          </a:ln>
-        </p:spPr>
-        <p:style>
-          <a:lnRef idx="1">
-            <a:schemeClr val="accent1"/>
-          </a:lnRef>
-          <a:fillRef idx="0">
-            <a:schemeClr val="accent1"/>
-          </a:fillRef>
-          <a:effectRef idx="0">
-            <a:schemeClr val="accent1"/>
-          </a:effectRef>
-          <a:fontRef idx="minor">
-            <a:schemeClr val="tx1"/>
-          </a:fontRef>
-        </p:style>
-      </p:cxnSp>
-      <p:cxnSp>
-        <p:nvCxnSpPr>
-          <p:cNvPr id="84" name="Straight Connector 83"/>
-          <p:cNvCxnSpPr/>
-          <p:nvPr/>
-        </p:nvCxnSpPr>
-        <p:spPr>
-          <a:xfrm flipH="1">
-            <a:off x="2201131" y="2863544"/>
-            <a:ext cx="80987" cy="88526"/>
-          </a:xfrm>
-          <a:prstGeom prst="line">
-            <a:avLst/>
-          </a:prstGeom>
-          <a:solidFill>
-            <a:schemeClr val="bg1"/>
-          </a:solidFill>
-          <a:ln>
-            <a:solidFill>
-              <a:srgbClr val="FF0000"/>
-            </a:solidFill>
-          </a:ln>
-        </p:spPr>
-        <p:style>
-          <a:lnRef idx="1">
-            <a:schemeClr val="accent1"/>
-          </a:lnRef>
-          <a:fillRef idx="0">
-            <a:schemeClr val="accent1"/>
-          </a:fillRef>
-          <a:effectRef idx="0">
-            <a:schemeClr val="accent1"/>
-          </a:effectRef>
-          <a:fontRef idx="minor">
-            <a:schemeClr val="tx1"/>
-          </a:fontRef>
-        </p:style>
-      </p:cxnSp>
-      <p:cxnSp>
-        <p:nvCxnSpPr>
-          <p:cNvPr id="3" name="Straight Connector 2"/>
-          <p:cNvCxnSpPr>
-            <a:stCxn id="5" idx="2"/>
-          </p:cNvCxnSpPr>
-          <p:nvPr/>
-        </p:nvCxnSpPr>
-        <p:spPr>
-          <a:xfrm flipH="1">
-            <a:off x="1232843" y="2118981"/>
-            <a:ext cx="2440" cy="3824619"/>
-          </a:xfrm>
-          <a:prstGeom prst="line">
-            <a:avLst/>
-          </a:prstGeom>
-          <a:ln w="19050">
-            <a:solidFill>
-              <a:schemeClr val="accent4">
-                <a:lumMod val="60000"/>
-                <a:lumOff val="40000"/>
-              </a:schemeClr>
-            </a:solidFill>
-            <a:prstDash val="sysDash"/>
-          </a:ln>
-          <a:effectLst/>
-        </p:spPr>
-        <p:style>
-          <a:lnRef idx="1">
-            <a:schemeClr val="accent1"/>
-          </a:lnRef>
-          <a:fillRef idx="2">
-            <a:schemeClr val="accent1"/>
-          </a:fillRef>
-          <a:effectRef idx="1">
-            <a:schemeClr val="accent1"/>
-          </a:effectRef>
-          <a:fontRef idx="minor">
-            <a:schemeClr val="dk1"/>
-          </a:fontRef>
-        </p:style>
-      </p:cxnSp>
-      <p:sp>
-        <p:nvSpPr>
-          <p:cNvPr id="4" name="Rectangle 3"/>
-          <p:cNvSpPr/>
-          <p:nvPr/>
-        </p:nvSpPr>
-        <p:spPr>
-          <a:xfrm>
-            <a:off x="1154848" y="2478600"/>
-            <a:ext cx="180941" cy="3312600"/>
-          </a:xfrm>
-          <a:prstGeom prst="rect">
-            <a:avLst/>
-          </a:prstGeom>
-          <a:solidFill>
-            <a:srgbClr val="7030A0"/>
-          </a:solidFill>
-          <a:ln>
-            <a:solidFill>
-              <a:schemeClr val="accent4">
-                <a:lumMod val="60000"/>
-                <a:lumOff val="40000"/>
-              </a:schemeClr>
+              <a:srgbClr val="0070C0"/>
             </a:solidFill>
           </a:ln>
           <a:effectLst/>
@@ -8104,27 +9751,24 @@
       </p:sp>
       <p:sp>
         <p:nvSpPr>
-          <p:cNvPr id="5" name="Rectangle 62"/>
+          <p:cNvPr id="19" name="Rectangle 62"/>
           <p:cNvSpPr/>
           <p:nvPr/>
         </p:nvSpPr>
         <p:spPr>
           <a:xfrm>
-            <a:off x="643770" y="1831026"/>
-            <a:ext cx="1183026" cy="287955"/>
+            <a:off x="5080882" y="3409197"/>
+            <a:ext cx="912205" cy="338000"/>
           </a:xfrm>
           <a:prstGeom prst="rect">
             <a:avLst/>
           </a:prstGeom>
           <a:solidFill>
-            <a:srgbClr val="7030A0"/>
+            <a:srgbClr val="0070C0"/>
           </a:solidFill>
           <a:ln w="19050">
             <a:solidFill>
-              <a:schemeClr val="accent4">
-                <a:lumMod val="60000"/>
-                <a:lumOff val="40000"/>
-              </a:schemeClr>
+              <a:srgbClr val="0070C0"/>
             </a:solidFill>
           </a:ln>
           <a:effectLst/>
@@ -8149,20 +9793,27 @@
           <a:p>
             <a:pPr algn="ctr"/>
             <a:r>
+              <a:rPr lang="en-US" sz="1200" dirty="0" err="1">
+                <a:solidFill>
+                  <a:schemeClr val="bg1"/>
+                </a:solidFill>
+              </a:rPr>
+              <a:t>ac:AddCell</a:t>
+            </a:r>
+            <a:br>
               <a:rPr lang="en-US" sz="1200" dirty="0">
                 <a:solidFill>
                   <a:schemeClr val="bg1"/>
                 </a:solidFill>
               </a:rPr>
-              <a:t>:</a:t>
-            </a:r>
-            <a:r>
-              <a:rPr lang="en-US" sz="1200" dirty="0" err="1" smtClean="0">
+            </a:br>
+            <a:r>
+              <a:rPr lang="en-US" sz="1200" dirty="0">
                 <a:solidFill>
                   <a:schemeClr val="bg1"/>
                 </a:solidFill>
               </a:rPr>
-              <a:t>ModelManager</a:t>
+              <a:t>Command</a:t>
             </a:r>
             <a:endParaRPr lang="en-SG" sz="1200" dirty="0">
               <a:solidFill>
@@ -8174,14 +9825,233 @@
       </p:sp>
       <p:cxnSp>
         <p:nvCxnSpPr>
-          <p:cNvPr id="6" name="Straight Arrow Connector 5"/>
+          <p:cNvPr id="20" name="Straight Connector 19"/>
+          <p:cNvCxnSpPr>
+            <a:stCxn id="21" idx="0"/>
+          </p:cNvCxnSpPr>
+          <p:nvPr/>
+        </p:nvCxnSpPr>
+        <p:spPr>
+          <a:xfrm>
+            <a:off x="5518110" y="3752077"/>
+            <a:ext cx="0" cy="1940722"/>
+          </a:xfrm>
+          <a:prstGeom prst="line">
+            <a:avLst/>
+          </a:prstGeom>
+          <a:ln w="19050">
+            <a:solidFill>
+              <a:srgbClr val="0070C0"/>
+            </a:solidFill>
+            <a:prstDash val="sysDash"/>
+          </a:ln>
+          <a:effectLst/>
+        </p:spPr>
+        <p:style>
+          <a:lnRef idx="1">
+            <a:schemeClr val="accent1"/>
+          </a:lnRef>
+          <a:fillRef idx="2">
+            <a:schemeClr val="accent1"/>
+          </a:fillRef>
+          <a:effectRef idx="1">
+            <a:schemeClr val="accent1"/>
+          </a:effectRef>
+          <a:fontRef idx="minor">
+            <a:schemeClr val="dk1"/>
+          </a:fontRef>
+        </p:style>
+      </p:cxnSp>
+      <p:sp>
+        <p:nvSpPr>
+          <p:cNvPr id="21" name="Rectangle 20"/>
+          <p:cNvSpPr/>
+          <p:nvPr/>
+        </p:nvSpPr>
+        <p:spPr>
+          <a:xfrm>
+            <a:off x="5441910" y="3752077"/>
+            <a:ext cx="152400" cy="276003"/>
+          </a:xfrm>
+          <a:prstGeom prst="rect">
+            <a:avLst/>
+          </a:prstGeom>
+          <a:solidFill>
+            <a:srgbClr val="0070C0"/>
+          </a:solidFill>
+          <a:ln>
+            <a:solidFill>
+              <a:srgbClr val="0070C0"/>
+            </a:solidFill>
+          </a:ln>
+          <a:effectLst/>
+        </p:spPr>
+        <p:style>
+          <a:lnRef idx="1">
+            <a:schemeClr val="accent3"/>
+          </a:lnRef>
+          <a:fillRef idx="2">
+            <a:schemeClr val="accent3"/>
+          </a:fillRef>
+          <a:effectRef idx="1">
+            <a:schemeClr val="accent3"/>
+          </a:effectRef>
+          <a:fontRef idx="minor">
+            <a:schemeClr val="dk1"/>
+          </a:fontRef>
+        </p:style>
+        <p:txBody>
+          <a:bodyPr rtlCol="0" anchor="ctr"/>
+          <a:lstStyle/>
+          <a:p>
+            <a:pPr algn="ctr"/>
+            <a:endParaRPr lang="en-SG" sz="1100"/>
+          </a:p>
+        </p:txBody>
+      </p:sp>
+      <p:cxnSp>
+        <p:nvCxnSpPr>
+          <p:cNvPr id="23" name="Straight Arrow Connector 22"/>
           <p:cNvCxnSpPr/>
           <p:nvPr/>
         </p:nvCxnSpPr>
         <p:spPr>
+          <a:xfrm>
+            <a:off x="76200" y="2968155"/>
+            <a:ext cx="1119851" cy="0"/>
+          </a:xfrm>
+          <a:prstGeom prst="straightConnector1">
+            <a:avLst/>
+          </a:prstGeom>
+          <a:ln w="19050">
+            <a:solidFill>
+              <a:srgbClr val="00B050"/>
+            </a:solidFill>
+            <a:tailEnd type="arrow"/>
+          </a:ln>
+        </p:spPr>
+        <p:style>
+          <a:lnRef idx="1">
+            <a:schemeClr val="accent1"/>
+          </a:lnRef>
+          <a:fillRef idx="0">
+            <a:schemeClr val="accent1"/>
+          </a:fillRef>
+          <a:effectRef idx="0">
+            <a:schemeClr val="accent1"/>
+          </a:effectRef>
+          <a:fontRef idx="minor">
+            <a:schemeClr val="tx1"/>
+          </a:fontRef>
+        </p:style>
+      </p:cxnSp>
+      <p:cxnSp>
+        <p:nvCxnSpPr>
+          <p:cNvPr id="25" name="Straight Arrow Connector 24"/>
+          <p:cNvCxnSpPr/>
+          <p:nvPr/>
+        </p:nvCxnSpPr>
+        <p:spPr>
+          <a:xfrm>
+            <a:off x="1348451" y="3075434"/>
+            <a:ext cx="1507503" cy="5803"/>
+          </a:xfrm>
+          <a:prstGeom prst="straightConnector1">
+            <a:avLst/>
+          </a:prstGeom>
+          <a:ln w="19050">
+            <a:solidFill>
+              <a:srgbClr val="0070C0"/>
+            </a:solidFill>
+            <a:tailEnd type="arrow"/>
+          </a:ln>
+        </p:spPr>
+        <p:style>
+          <a:lnRef idx="1">
+            <a:schemeClr val="accent1"/>
+          </a:lnRef>
+          <a:fillRef idx="0">
+            <a:schemeClr val="accent1"/>
+          </a:fillRef>
+          <a:effectRef idx="0">
+            <a:schemeClr val="accent1"/>
+          </a:effectRef>
+          <a:fontRef idx="minor">
+            <a:schemeClr val="tx1"/>
+          </a:fontRef>
+        </p:style>
+      </p:cxnSp>
+      <p:sp>
+        <p:nvSpPr>
+          <p:cNvPr id="26" name="TextBox 25"/>
+          <p:cNvSpPr txBox="1"/>
+          <p:nvPr/>
+        </p:nvSpPr>
+        <p:spPr>
+          <a:xfrm>
+            <a:off x="-250076" y="2587884"/>
+            <a:ext cx="1424846" cy="338554"/>
+          </a:xfrm>
+          <a:prstGeom prst="rect">
+            <a:avLst/>
+          </a:prstGeom>
+          <a:noFill/>
+        </p:spPr>
+        <p:txBody>
+          <a:bodyPr wrap="square" lIns="0" tIns="0" rIns="0" bIns="0" rtlCol="0">
+            <a:spAutoFit/>
+          </a:bodyPr>
+          <a:lstStyle/>
+          <a:p>
+            <a:pPr algn="r"/>
+            <a:r>
+              <a:rPr lang="en-US" sz="1100" dirty="0">
+                <a:solidFill>
+                  <a:srgbClr val="0070C0"/>
+                </a:solidFill>
+              </a:rPr>
+              <a:t>Execute</a:t>
+            </a:r>
+          </a:p>
+          <a:p>
+            <a:pPr algn="r"/>
+            <a:r>
+              <a:rPr lang="en-US" sz="1100" dirty="0">
+                <a:solidFill>
+                  <a:srgbClr val="0070C0"/>
+                </a:solidFill>
+              </a:rPr>
+              <a:t>(“</a:t>
+            </a:r>
+            <a:r>
+              <a:rPr lang="en-US" sz="1100" dirty="0" err="1">
+                <a:solidFill>
+                  <a:srgbClr val="0070C0"/>
+                </a:solidFill>
+              </a:rPr>
+              <a:t>addcell</a:t>
+            </a:r>
+            <a:r>
+              <a:rPr lang="en-US" sz="1100" dirty="0">
+                <a:solidFill>
+                  <a:srgbClr val="0070C0"/>
+                </a:solidFill>
+              </a:rPr>
+              <a:t> 1 1-1”)</a:t>
+            </a:r>
+          </a:p>
+        </p:txBody>
+      </p:sp>
+      <p:cxnSp>
+        <p:nvCxnSpPr>
+          <p:cNvPr id="28" name="Straight Arrow Connector 27"/>
+          <p:cNvCxnSpPr/>
+          <p:nvPr/>
+        </p:nvCxnSpPr>
+        <p:spPr>
           <a:xfrm flipV="1">
-            <a:off x="68679" y="2472154"/>
-            <a:ext cx="1110495" cy="16661"/>
+            <a:off x="4622447" y="3656770"/>
+            <a:ext cx="465032" cy="1"/>
           </a:xfrm>
           <a:prstGeom prst="straightConnector1">
             <a:avLst/>
@@ -8210,14 +10080,14 @@
       </p:cxnSp>
       <p:sp>
         <p:nvSpPr>
-          <p:cNvPr id="7" name="TextBox 6"/>
+          <p:cNvPr id="29" name="TextBox 28"/>
           <p:cNvSpPr txBox="1"/>
           <p:nvPr/>
         </p:nvSpPr>
         <p:spPr>
           <a:xfrm>
-            <a:off x="-66395" y="2133600"/>
-            <a:ext cx="1145231" cy="338554"/>
+            <a:off x="3308296" y="4157716"/>
+            <a:ext cx="855809" cy="169277"/>
           </a:xfrm>
           <a:prstGeom prst="rect">
             <a:avLst/>
@@ -8242,74 +10112,148 @@
           </a:lstStyle>
           <a:p>
             <a:r>
-              <a:rPr lang="en-US" sz="1100" dirty="0" err="1" smtClean="0">
-                <a:solidFill>
-                  <a:srgbClr val="7030A0"/>
-                </a:solidFill>
-              </a:rPr>
-              <a:t>addPrisonerToCell</a:t>
-            </a:r>
-            <a:endParaRPr lang="en-US" sz="1100" dirty="0" smtClean="0">
-              <a:solidFill>
-                <a:srgbClr val="7030A0"/>
-              </a:solidFill>
-            </a:endParaRPr>
-          </a:p>
-          <a:p>
-            <a:r>
-              <a:rPr lang="en-US" sz="1100" dirty="0" smtClean="0">
-                <a:solidFill>
-                  <a:srgbClr val="7030A0"/>
-                </a:solidFill>
-              </a:rPr>
-              <a:t>(</a:t>
-            </a:r>
-            <a:r>
-              <a:rPr lang="en-US" sz="1100" dirty="0" smtClean="0">
-                <a:solidFill>
-                  <a:srgbClr val="7030A0"/>
-                </a:solidFill>
-              </a:rPr>
-              <a:t>p, </a:t>
-            </a:r>
-            <a:r>
-              <a:rPr lang="en-US" sz="1100" dirty="0" err="1" smtClean="0">
-                <a:solidFill>
-                  <a:srgbClr val="7030A0"/>
-                </a:solidFill>
-              </a:rPr>
-              <a:t>cellAddress</a:t>
-            </a:r>
-            <a:r>
-              <a:rPr lang="en-US" sz="1100" dirty="0" smtClean="0">
-                <a:solidFill>
-                  <a:srgbClr val="7030A0"/>
-                </a:solidFill>
-              </a:rPr>
-              <a:t>)</a:t>
-            </a:r>
-            <a:endParaRPr lang="en-US" sz="1100" dirty="0">
-              <a:solidFill>
-                <a:srgbClr val="7030A0"/>
-              </a:solidFill>
-            </a:endParaRPr>
+              <a:rPr lang="en-US" sz="1100" dirty="0"/>
+              <a:t>execute()</a:t>
+            </a:r>
           </a:p>
         </p:txBody>
       </p:sp>
       <p:cxnSp>
         <p:nvCxnSpPr>
-          <p:cNvPr id="8" name="Straight Arrow Connector 7"/>
+          <p:cNvPr id="34" name="Straight Arrow Connector 33"/>
+          <p:cNvCxnSpPr>
+            <a:endCxn id="21" idx="2"/>
+          </p:cNvCxnSpPr>
+          <p:nvPr/>
+        </p:nvCxnSpPr>
+        <p:spPr>
+          <a:xfrm flipV="1">
+            <a:off x="4679739" y="4028080"/>
+            <a:ext cx="838371" cy="4393"/>
+          </a:xfrm>
+          <a:prstGeom prst="straightConnector1">
+            <a:avLst/>
+          </a:prstGeom>
+          <a:ln w="19050">
+            <a:solidFill>
+              <a:srgbClr val="0070C0"/>
+            </a:solidFill>
+            <a:prstDash val="sysDash"/>
+            <a:headEnd type="arrow" w="med" len="med"/>
+            <a:tailEnd type="none" w="med" len="med"/>
+          </a:ln>
+        </p:spPr>
+        <p:style>
+          <a:lnRef idx="1">
+            <a:schemeClr val="accent1"/>
+          </a:lnRef>
+          <a:fillRef idx="0">
+            <a:schemeClr val="accent1"/>
+          </a:fillRef>
+          <a:effectRef idx="0">
+            <a:schemeClr val="accent1"/>
+          </a:effectRef>
+          <a:fontRef idx="minor">
+            <a:schemeClr val="tx1"/>
+          </a:fontRef>
+        </p:style>
+      </p:cxnSp>
+      <p:cxnSp>
+        <p:nvCxnSpPr>
+          <p:cNvPr id="35" name="Straight Arrow Connector 34"/>
           <p:cNvCxnSpPr/>
           <p:nvPr/>
         </p:nvCxnSpPr>
         <p:spPr>
-          <a:xfrm>
-            <a:off x="42464" y="5780568"/>
-            <a:ext cx="1112384" cy="0"/>
+          <a:xfrm flipV="1">
+            <a:off x="1365386" y="4196787"/>
+            <a:ext cx="1596514" cy="5378"/>
           </a:xfrm>
           <a:prstGeom prst="straightConnector1">
             <a:avLst/>
           </a:prstGeom>
+          <a:ln w="19050">
+            <a:solidFill>
+              <a:srgbClr val="0070C0"/>
+            </a:solidFill>
+            <a:prstDash val="sysDash"/>
+            <a:headEnd type="arrow" w="med" len="med"/>
+            <a:tailEnd type="none" w="med" len="med"/>
+          </a:ln>
+        </p:spPr>
+        <p:style>
+          <a:lnRef idx="1">
+            <a:schemeClr val="accent1"/>
+          </a:lnRef>
+          <a:fillRef idx="0">
+            <a:schemeClr val="accent1"/>
+          </a:fillRef>
+          <a:effectRef idx="0">
+            <a:schemeClr val="accent1"/>
+          </a:effectRef>
+          <a:fontRef idx="minor">
+            <a:schemeClr val="tx1"/>
+          </a:fontRef>
+        </p:style>
+      </p:cxnSp>
+      <p:cxnSp>
+        <p:nvCxnSpPr>
+          <p:cNvPr id="37" name="Straight Arrow Connector 36"/>
+          <p:cNvCxnSpPr/>
+          <p:nvPr/>
+        </p:nvCxnSpPr>
+        <p:spPr>
+          <a:xfrm>
+            <a:off x="98659" y="5744756"/>
+            <a:ext cx="1196051" cy="0"/>
+          </a:xfrm>
+          <a:prstGeom prst="straightConnector1">
+            <a:avLst/>
+          </a:prstGeom>
+          <a:ln w="19050">
+            <a:solidFill>
+              <a:schemeClr val="accent1"/>
+            </a:solidFill>
+            <a:prstDash val="sysDash"/>
+            <a:headEnd type="arrow" w="med" len="med"/>
+            <a:tailEnd type="none" w="med" len="med"/>
+          </a:ln>
+        </p:spPr>
+        <p:style>
+          <a:lnRef idx="1">
+            <a:schemeClr val="accent1"/>
+          </a:lnRef>
+          <a:fillRef idx="0">
+            <a:schemeClr val="accent1"/>
+          </a:fillRef>
+          <a:effectRef idx="0">
+            <a:schemeClr val="accent1"/>
+          </a:effectRef>
+          <a:fontRef idx="minor">
+            <a:schemeClr val="tx1"/>
+          </a:fontRef>
+        </p:style>
+      </p:cxnSp>
+      <p:sp>
+        <p:nvSpPr>
+          <p:cNvPr id="39" name="Rectangle 62"/>
+          <p:cNvSpPr/>
+          <p:nvPr/>
+        </p:nvSpPr>
+        <p:spPr>
+          <a:xfrm>
+            <a:off x="6925705" y="2302845"/>
+            <a:ext cx="1183026" cy="287955"/>
+          </a:xfrm>
+          <a:prstGeom prst="rect">
+            <a:avLst/>
+          </a:prstGeom>
+          <a:solidFill>
+            <a:schemeClr val="accent4">
+              <a:lumMod val="60000"/>
+              <a:lumOff val="40000"/>
+            </a:schemeClr>
+          </a:solidFill>
           <a:ln w="19050">
             <a:solidFill>
               <a:schemeClr val="accent4">
@@ -8317,36 +10261,147 @@
                 <a:lumOff val="40000"/>
               </a:schemeClr>
             </a:solidFill>
-            <a:prstDash val="sysDash"/>
-            <a:headEnd type="arrow" w="med" len="med"/>
-            <a:tailEnd type="none" w="med" len="med"/>
-          </a:ln>
-        </p:spPr>
-        <p:style>
-          <a:lnRef idx="1">
-            <a:schemeClr val="accent1"/>
-          </a:lnRef>
-          <a:fillRef idx="0">
-            <a:schemeClr val="accent1"/>
-          </a:fillRef>
-          <a:effectRef idx="0">
-            <a:schemeClr val="accent1"/>
-          </a:effectRef>
-          <a:fontRef idx="minor">
-            <a:schemeClr val="tx1"/>
-          </a:fontRef>
-        </p:style>
-      </p:cxnSp>
+          </a:ln>
+          <a:effectLst/>
+        </p:spPr>
+        <p:style>
+          <a:lnRef idx="1">
+            <a:schemeClr val="accent2"/>
+          </a:lnRef>
+          <a:fillRef idx="2">
+            <a:schemeClr val="accent2"/>
+          </a:fillRef>
+          <a:effectRef idx="1">
+            <a:schemeClr val="accent2"/>
+          </a:effectRef>
+          <a:fontRef idx="minor">
+            <a:schemeClr val="dk1"/>
+          </a:fontRef>
+        </p:style>
+        <p:txBody>
+          <a:bodyPr rtlCol="0" anchor="ctr"/>
+          <a:lstStyle/>
+          <a:p>
+            <a:pPr algn="ctr"/>
+            <a:r>
+              <a:rPr lang="en-US" sz="1200" dirty="0">
+                <a:solidFill>
+                  <a:schemeClr val="bg1"/>
+                </a:solidFill>
+              </a:rPr>
+              <a:t>:</a:t>
+            </a:r>
+            <a:r>
+              <a:rPr lang="en-US" sz="1200" dirty="0" err="1">
+                <a:solidFill>
+                  <a:schemeClr val="bg1"/>
+                </a:solidFill>
+              </a:rPr>
+              <a:t>ModelManager</a:t>
+            </a:r>
+            <a:endParaRPr lang="en-SG" sz="1200" dirty="0">
+              <a:solidFill>
+                <a:schemeClr val="bg1"/>
+              </a:solidFill>
+            </a:endParaRPr>
+          </a:p>
+        </p:txBody>
+      </p:sp>
       <p:cxnSp>
         <p:nvCxnSpPr>
-          <p:cNvPr id="9" name="Straight Connector 8"/>
+          <p:cNvPr id="64" name="Straight Arrow Connector 63"/>
+          <p:cNvCxnSpPr>
+            <a:endCxn id="65" idx="0"/>
+          </p:cNvCxnSpPr>
+          <p:nvPr/>
+        </p:nvCxnSpPr>
+        <p:spPr>
+          <a:xfrm>
+            <a:off x="1348451" y="4448873"/>
+            <a:ext cx="4160227" cy="4393"/>
+          </a:xfrm>
+          <a:prstGeom prst="straightConnector1">
+            <a:avLst/>
+          </a:prstGeom>
+          <a:ln w="19050">
+            <a:solidFill>
+              <a:srgbClr val="0070C0"/>
+            </a:solidFill>
+            <a:tailEnd type="arrow"/>
+          </a:ln>
+        </p:spPr>
+        <p:style>
+          <a:lnRef idx="1">
+            <a:schemeClr val="accent1"/>
+          </a:lnRef>
+          <a:fillRef idx="0">
+            <a:schemeClr val="accent1"/>
+          </a:fillRef>
+          <a:effectRef idx="0">
+            <a:schemeClr val="accent1"/>
+          </a:effectRef>
+          <a:fontRef idx="minor">
+            <a:schemeClr val="tx1"/>
+          </a:fontRef>
+        </p:style>
+      </p:cxnSp>
+      <p:sp>
+        <p:nvSpPr>
+          <p:cNvPr id="65" name="Rectangle 64"/>
+          <p:cNvSpPr/>
+          <p:nvPr/>
+        </p:nvSpPr>
+        <p:spPr>
+          <a:xfrm>
+            <a:off x="5428017" y="4453266"/>
+            <a:ext cx="161322" cy="1019400"/>
+          </a:xfrm>
+          <a:prstGeom prst="rect">
+            <a:avLst/>
+          </a:prstGeom>
+          <a:solidFill>
+            <a:srgbClr val="0070C0"/>
+          </a:solidFill>
+          <a:ln>
+            <a:solidFill>
+              <a:srgbClr val="0070C0"/>
+            </a:solidFill>
+          </a:ln>
+          <a:effectLst/>
+        </p:spPr>
+        <p:style>
+          <a:lnRef idx="1">
+            <a:schemeClr val="accent3"/>
+          </a:lnRef>
+          <a:fillRef idx="2">
+            <a:schemeClr val="accent3"/>
+          </a:fillRef>
+          <a:effectRef idx="1">
+            <a:schemeClr val="accent3"/>
+          </a:effectRef>
+          <a:fontRef idx="minor">
+            <a:schemeClr val="dk1"/>
+          </a:fontRef>
+        </p:style>
+        <p:txBody>
+          <a:bodyPr rtlCol="0" anchor="ctr"/>
+          <a:lstStyle/>
+          <a:p>
+            <a:pPr algn="ctr"/>
+            <a:endParaRPr lang="en-SG" sz="1100"/>
+          </a:p>
+        </p:txBody>
+      </p:sp>
+      <p:cxnSp>
+        <p:nvCxnSpPr>
+          <p:cNvPr id="71" name="Straight Connector 70"/>
           <p:cNvCxnSpPr/>
           <p:nvPr/>
         </p:nvCxnSpPr>
         <p:spPr>
-          <a:xfrm flipH="1">
-            <a:off x="2507432" y="2133600"/>
-            <a:ext cx="25256" cy="3657600"/>
+          <a:xfrm>
+            <a:off x="7516186" y="2625835"/>
+            <a:ext cx="0" cy="2830598"/>
           </a:xfrm>
           <a:prstGeom prst="line">
             <a:avLst/>
@@ -8379,20 +10434,23 @@
       </p:cxnSp>
       <p:sp>
         <p:nvSpPr>
-          <p:cNvPr id="10" name="Rectangle 9"/>
+          <p:cNvPr id="73" name="Rectangle 72"/>
           <p:cNvSpPr/>
           <p:nvPr/>
         </p:nvSpPr>
         <p:spPr>
           <a:xfrm>
-            <a:off x="2438734" y="2569550"/>
-            <a:ext cx="159456" cy="2916850"/>
+            <a:off x="7439986" y="4525643"/>
+            <a:ext cx="152400" cy="199803"/>
           </a:xfrm>
           <a:prstGeom prst="rect">
             <a:avLst/>
           </a:prstGeom>
           <a:solidFill>
-            <a:srgbClr val="7030A0"/>
+            <a:schemeClr val="accent4">
+              <a:lumMod val="60000"/>
+              <a:lumOff val="40000"/>
+            </a:schemeClr>
           </a:solidFill>
           <a:ln>
             <a:solidFill>
@@ -8431,23 +10489,56 @@
           </a:p>
         </p:txBody>
       </p:sp>
-      <p:sp>
-        <p:nvSpPr>
-          <p:cNvPr id="11" name="Rectangle 62"/>
-          <p:cNvSpPr/>
-          <p:nvPr/>
-        </p:nvSpPr>
-        <p:spPr>
-          <a:xfrm>
-            <a:off x="1941174" y="1908207"/>
-            <a:ext cx="1183026" cy="287955"/>
-          </a:xfrm>
-          <a:prstGeom prst="rect">
-            <a:avLst/>
-          </a:prstGeom>
-          <a:solidFill>
-            <a:srgbClr val="7030A0"/>
-          </a:solidFill>
+      <p:cxnSp>
+        <p:nvCxnSpPr>
+          <p:cNvPr id="75" name="Straight Arrow Connector 74"/>
+          <p:cNvCxnSpPr/>
+          <p:nvPr/>
+        </p:nvCxnSpPr>
+        <p:spPr>
+          <a:xfrm>
+            <a:off x="5603849" y="4525643"/>
+            <a:ext cx="1836137" cy="0"/>
+          </a:xfrm>
+          <a:prstGeom prst="straightConnector1">
+            <a:avLst/>
+          </a:prstGeom>
+          <a:ln w="19050">
+            <a:solidFill>
+              <a:srgbClr val="0070C0"/>
+            </a:solidFill>
+            <a:tailEnd type="arrow"/>
+          </a:ln>
+        </p:spPr>
+        <p:style>
+          <a:lnRef idx="1">
+            <a:schemeClr val="accent1"/>
+          </a:lnRef>
+          <a:fillRef idx="0">
+            <a:schemeClr val="accent1"/>
+          </a:fillRef>
+          <a:effectRef idx="0">
+            <a:schemeClr val="accent1"/>
+          </a:effectRef>
+          <a:fontRef idx="minor">
+            <a:schemeClr val="tx1"/>
+          </a:fontRef>
+        </p:style>
+      </p:cxnSp>
+      <p:cxnSp>
+        <p:nvCxnSpPr>
+          <p:cNvPr id="76" name="Straight Arrow Connector 75"/>
+          <p:cNvCxnSpPr/>
+          <p:nvPr/>
+        </p:nvCxnSpPr>
+        <p:spPr>
+          <a:xfrm flipV="1">
+            <a:off x="5601960" y="4715696"/>
+            <a:ext cx="1838026" cy="9750"/>
+          </a:xfrm>
+          <a:prstGeom prst="straightConnector1">
+            <a:avLst/>
+          </a:prstGeom>
           <a:ln w="19050">
             <a:solidFill>
               <a:schemeClr val="accent4">
@@ -8455,73 +10546,49 @@
                 <a:lumOff val="40000"/>
               </a:schemeClr>
             </a:solidFill>
-          </a:ln>
-          <a:effectLst/>
-        </p:spPr>
-        <p:style>
-          <a:lnRef idx="1">
-            <a:schemeClr val="accent2"/>
-          </a:lnRef>
-          <a:fillRef idx="2">
-            <a:schemeClr val="accent2"/>
-          </a:fillRef>
-          <a:effectRef idx="1">
-            <a:schemeClr val="accent2"/>
-          </a:effectRef>
-          <a:fontRef idx="minor">
-            <a:schemeClr val="dk1"/>
-          </a:fontRef>
-        </p:style>
-        <p:txBody>
-          <a:bodyPr rtlCol="0" anchor="ctr"/>
-          <a:lstStyle/>
-          <a:p>
-            <a:pPr algn="ctr"/>
-            <a:r>
-              <a:rPr lang="en-US" sz="1200" dirty="0" smtClean="0">
-                <a:solidFill>
-                  <a:schemeClr val="bg1"/>
-                </a:solidFill>
-              </a:rPr>
-              <a:t>:</a:t>
-            </a:r>
-            <a:r>
-              <a:rPr lang="en-US" sz="1200" dirty="0" err="1" smtClean="0">
-                <a:solidFill>
-                  <a:schemeClr val="bg1"/>
-                </a:solidFill>
-              </a:rPr>
-              <a:t>AddressBook</a:t>
-            </a:r>
-            <a:endParaRPr lang="en-SG" sz="1200" dirty="0">
-              <a:solidFill>
-                <a:schemeClr val="bg1"/>
-              </a:solidFill>
-            </a:endParaRPr>
-          </a:p>
-        </p:txBody>
-      </p:sp>
+            <a:prstDash val="sysDash"/>
+            <a:headEnd type="arrow" w="med" len="med"/>
+            <a:tailEnd type="none" w="med" len="med"/>
+          </a:ln>
+        </p:spPr>
+        <p:style>
+          <a:lnRef idx="1">
+            <a:schemeClr val="accent1"/>
+          </a:lnRef>
+          <a:fillRef idx="0">
+            <a:schemeClr val="accent1"/>
+          </a:fillRef>
+          <a:effectRef idx="0">
+            <a:schemeClr val="accent1"/>
+          </a:effectRef>
+          <a:fontRef idx="minor">
+            <a:schemeClr val="tx1"/>
+          </a:fontRef>
+        </p:style>
+      </p:cxnSp>
       <p:cxnSp>
         <p:nvCxnSpPr>
-          <p:cNvPr id="12" name="Straight Arrow Connector 11"/>
+          <p:cNvPr id="77" name="Straight Arrow Connector 76"/>
           <p:cNvCxnSpPr>
-            <a:endCxn id="10" idx="0"/>
+            <a:endCxn id="65" idx="2"/>
           </p:cNvCxnSpPr>
           <p:nvPr/>
         </p:nvCxnSpPr>
         <p:spPr>
           <a:xfrm flipV="1">
-            <a:off x="1291629" y="2569550"/>
-            <a:ext cx="1226833" cy="9132"/>
+            <a:off x="1313588" y="5472666"/>
+            <a:ext cx="4195090" cy="19378"/>
           </a:xfrm>
           <a:prstGeom prst="straightConnector1">
             <a:avLst/>
           </a:prstGeom>
           <a:ln w="19050">
             <a:solidFill>
-              <a:srgbClr val="7030A0"/>
-            </a:solidFill>
-            <a:tailEnd type="arrow"/>
+              <a:srgbClr val="0070C0"/>
+            </a:solidFill>
+            <a:prstDash val="sysDash"/>
+            <a:headEnd type="arrow" w="med" len="med"/>
+            <a:tailEnd type="none" w="med" len="med"/>
           </a:ln>
         </p:spPr>
         <p:style>
@@ -8541,14 +10608,14 @@
       </p:cxnSp>
       <p:sp>
         <p:nvSpPr>
-          <p:cNvPr id="14" name="TextBox 13"/>
+          <p:cNvPr id="78" name="TextBox 77"/>
           <p:cNvSpPr txBox="1"/>
           <p:nvPr/>
         </p:nvSpPr>
         <p:spPr>
           <a:xfrm>
-            <a:off x="1342847" y="2196162"/>
-            <a:ext cx="1067200" cy="338554"/>
+            <a:off x="5485550" y="4288382"/>
+            <a:ext cx="2013560" cy="169277"/>
           </a:xfrm>
           <a:prstGeom prst="rect">
             <a:avLst/>
@@ -8573,7 +10640,7 @@
           </a:lstStyle>
           <a:p>
             <a:r>
-              <a:rPr lang="en-US" sz="1100" dirty="0" err="1" smtClean="0">
+              <a:rPr lang="en-US" sz="1100" dirty="0" err="1">
                 <a:solidFill>
                   <a:srgbClr val="7030A0"/>
                 </a:solidFill>
@@ -8581,7 +10648,7 @@
               <a:t>addPrisonerToCell</a:t>
             </a:r>
             <a:r>
-              <a:rPr lang="en-US" sz="1100" dirty="0" smtClean="0">
+              <a:rPr lang="en-US" sz="1100" dirty="0">
                 <a:solidFill>
                   <a:srgbClr val="7030A0"/>
                 </a:solidFill>
@@ -8589,7 +10656,7 @@
               <a:t>(p, </a:t>
             </a:r>
             <a:r>
-              <a:rPr lang="en-US" sz="1100" dirty="0" err="1" smtClean="0">
+              <a:rPr lang="en-US" sz="1100" dirty="0" err="1">
                 <a:solidFill>
                   <a:srgbClr val="7030A0"/>
                 </a:solidFill>
@@ -8597,171 +10664,26 @@
               <a:t>cellAddress</a:t>
             </a:r>
             <a:r>
-              <a:rPr lang="en-US" sz="1100" dirty="0" smtClean="0">
+              <a:rPr lang="en-US" sz="1100" dirty="0">
                 <a:solidFill>
                   <a:srgbClr val="7030A0"/>
                 </a:solidFill>
               </a:rPr>
               <a:t>)</a:t>
             </a:r>
-            <a:endParaRPr lang="en-US" sz="1100" dirty="0">
-              <a:solidFill>
-                <a:srgbClr val="7030A0"/>
-              </a:solidFill>
-            </a:endParaRPr>
-          </a:p>
-        </p:txBody>
-      </p:sp>
-      <p:cxnSp>
-        <p:nvCxnSpPr>
-          <p:cNvPr id="18" name="Straight Connector 17"/>
-          <p:cNvCxnSpPr/>
-          <p:nvPr/>
-        </p:nvCxnSpPr>
-        <p:spPr>
-          <a:xfrm flipH="1">
-            <a:off x="4107230" y="3550105"/>
-            <a:ext cx="1147" cy="398224"/>
-          </a:xfrm>
-          <a:prstGeom prst="line">
-            <a:avLst/>
-          </a:prstGeom>
-          <a:ln w="19050">
-            <a:solidFill>
-              <a:schemeClr val="accent4">
-                <a:lumMod val="60000"/>
-                <a:lumOff val="40000"/>
-              </a:schemeClr>
-            </a:solidFill>
-            <a:prstDash val="sysDash"/>
-          </a:ln>
-          <a:effectLst/>
-        </p:spPr>
-        <p:style>
-          <a:lnRef idx="1">
-            <a:schemeClr val="accent1"/>
-          </a:lnRef>
-          <a:fillRef idx="2">
-            <a:schemeClr val="accent1"/>
-          </a:fillRef>
-          <a:effectRef idx="1">
-            <a:schemeClr val="accent1"/>
-          </a:effectRef>
-          <a:fontRef idx="minor">
-            <a:schemeClr val="dk1"/>
-          </a:fontRef>
-        </p:style>
-      </p:cxnSp>
-      <p:sp>
-        <p:nvSpPr>
-          <p:cNvPr id="20" name="Rectangle 62"/>
-          <p:cNvSpPr/>
-          <p:nvPr/>
-        </p:nvSpPr>
-        <p:spPr>
-          <a:xfrm>
-            <a:off x="3718180" y="3165878"/>
-            <a:ext cx="802026" cy="287955"/>
-          </a:xfrm>
-          <a:prstGeom prst="rect">
-            <a:avLst/>
-          </a:prstGeom>
-          <a:solidFill>
-            <a:srgbClr val="7030A0"/>
-          </a:solidFill>
-          <a:ln w="19050">
-            <a:solidFill>
-              <a:schemeClr val="accent4">
-                <a:lumMod val="60000"/>
-                <a:lumOff val="40000"/>
-              </a:schemeClr>
-            </a:solidFill>
-          </a:ln>
-          <a:effectLst/>
-        </p:spPr>
-        <p:style>
-          <a:lnRef idx="1">
-            <a:schemeClr val="accent2"/>
-          </a:lnRef>
-          <a:fillRef idx="2">
-            <a:schemeClr val="accent2"/>
-          </a:fillRef>
-          <a:effectRef idx="1">
-            <a:schemeClr val="accent2"/>
-          </a:effectRef>
-          <a:fontRef idx="minor">
-            <a:schemeClr val="dk1"/>
-          </a:fontRef>
-        </p:style>
-        <p:txBody>
-          <a:bodyPr rtlCol="0" anchor="ctr"/>
-          <a:lstStyle/>
-          <a:p>
-            <a:pPr algn="ctr"/>
-            <a:r>
-              <a:rPr lang="en-US" sz="1200" dirty="0" smtClean="0">
-                <a:solidFill>
-                  <a:schemeClr val="bg1"/>
-                </a:solidFill>
-              </a:rPr>
-              <a:t>:Person</a:t>
-            </a:r>
-            <a:endParaRPr lang="en-SG" sz="1200" dirty="0">
-              <a:solidFill>
-                <a:schemeClr val="bg1"/>
-              </a:solidFill>
-            </a:endParaRPr>
-          </a:p>
-        </p:txBody>
-      </p:sp>
-      <p:cxnSp>
-        <p:nvCxnSpPr>
-          <p:cNvPr id="21" name="Straight Arrow Connector 20"/>
-          <p:cNvCxnSpPr>
-            <a:endCxn id="20" idx="1"/>
-          </p:cNvCxnSpPr>
-          <p:nvPr/>
-        </p:nvCxnSpPr>
-        <p:spPr>
-          <a:xfrm flipV="1">
-            <a:off x="2553471" y="3309856"/>
-            <a:ext cx="1164709" cy="11905"/>
-          </a:xfrm>
-          <a:prstGeom prst="straightConnector1">
-            <a:avLst/>
-          </a:prstGeom>
-          <a:ln w="19050">
-            <a:solidFill>
-              <a:srgbClr val="7030A0"/>
-            </a:solidFill>
-            <a:tailEnd type="arrow"/>
-          </a:ln>
-        </p:spPr>
-        <p:style>
-          <a:lnRef idx="1">
-            <a:schemeClr val="accent1"/>
-          </a:lnRef>
-          <a:fillRef idx="0">
-            <a:schemeClr val="accent1"/>
-          </a:fillRef>
-          <a:effectRef idx="0">
-            <a:schemeClr val="accent1"/>
-          </a:effectRef>
-          <a:fontRef idx="minor">
-            <a:schemeClr val="tx1"/>
-          </a:fontRef>
-        </p:style>
-      </p:cxnSp>
-      <p:sp>
-        <p:nvSpPr>
-          <p:cNvPr id="22" name="TextBox 21"/>
+          </a:p>
+        </p:txBody>
+      </p:sp>
+      <p:sp>
+        <p:nvSpPr>
+          <p:cNvPr id="79" name="TextBox 78"/>
           <p:cNvSpPr txBox="1"/>
           <p:nvPr/>
         </p:nvSpPr>
         <p:spPr>
           <a:xfrm>
-            <a:off x="2581040" y="2936667"/>
-            <a:ext cx="1000360" cy="338554"/>
+            <a:off x="3332591" y="3657600"/>
+            <a:ext cx="767033" cy="161583"/>
           </a:xfrm>
           <a:prstGeom prst="rect">
             <a:avLst/>
@@ -8786,518 +10708,22 @@
           </a:lstStyle>
           <a:p>
             <a:r>
-              <a:rPr lang="en-US" sz="1100" dirty="0" smtClean="0">
-                <a:solidFill>
-                  <a:srgbClr val="7030A0"/>
-                </a:solidFill>
-              </a:rPr>
-              <a:t>Person (p, true,</a:t>
-            </a:r>
-          </a:p>
-          <a:p>
-            <a:r>
-              <a:rPr lang="en-US" sz="1100" dirty="0" err="1" smtClean="0">
-                <a:solidFill>
-                  <a:srgbClr val="7030A0"/>
-                </a:solidFill>
-              </a:rPr>
-              <a:t>cellAddress</a:t>
-            </a:r>
-            <a:r>
-              <a:rPr lang="en-US" sz="1100" dirty="0" smtClean="0">
-                <a:solidFill>
-                  <a:srgbClr val="7030A0"/>
-                </a:solidFill>
-              </a:rPr>
-              <a:t>)</a:t>
-            </a:r>
-            <a:endParaRPr lang="en-US" sz="1100" dirty="0">
-              <a:solidFill>
-                <a:srgbClr val="7030A0"/>
-              </a:solidFill>
-            </a:endParaRPr>
-          </a:p>
-        </p:txBody>
-      </p:sp>
-      <p:cxnSp>
-        <p:nvCxnSpPr>
-          <p:cNvPr id="36" name="Straight Arrow Connector 35"/>
-          <p:cNvCxnSpPr/>
-          <p:nvPr/>
-        </p:nvCxnSpPr>
-        <p:spPr>
-          <a:xfrm flipV="1">
-            <a:off x="2618547" y="4014849"/>
-            <a:ext cx="2050677" cy="3482"/>
-          </a:xfrm>
-          <a:prstGeom prst="straightConnector1">
-            <a:avLst/>
-          </a:prstGeom>
-          <a:ln w="19050">
-            <a:solidFill>
-              <a:srgbClr val="7030A0"/>
-            </a:solidFill>
-            <a:tailEnd type="arrow"/>
-          </a:ln>
-        </p:spPr>
-        <p:style>
-          <a:lnRef idx="1">
-            <a:schemeClr val="accent1"/>
-          </a:lnRef>
-          <a:fillRef idx="0">
-            <a:schemeClr val="accent1"/>
-          </a:fillRef>
-          <a:effectRef idx="0">
-            <a:schemeClr val="accent1"/>
-          </a:effectRef>
-          <a:fontRef idx="minor">
-            <a:schemeClr val="tx1"/>
-          </a:fontRef>
-        </p:style>
-      </p:cxnSp>
-      <p:cxnSp>
-        <p:nvCxnSpPr>
-          <p:cNvPr id="37" name="Straight Connector 36"/>
-          <p:cNvCxnSpPr/>
-          <p:nvPr/>
-        </p:nvCxnSpPr>
-        <p:spPr>
-          <a:xfrm>
-            <a:off x="7843818" y="4467130"/>
-            <a:ext cx="8493" cy="826006"/>
-          </a:xfrm>
-          <a:prstGeom prst="line">
-            <a:avLst/>
-          </a:prstGeom>
-          <a:ln w="19050">
-            <a:solidFill>
-              <a:schemeClr val="accent4">
-                <a:lumMod val="60000"/>
-                <a:lumOff val="40000"/>
-              </a:schemeClr>
-            </a:solidFill>
-            <a:prstDash val="sysDash"/>
-          </a:ln>
-          <a:effectLst/>
-        </p:spPr>
-        <p:style>
-          <a:lnRef idx="1">
-            <a:schemeClr val="accent1"/>
-          </a:lnRef>
-          <a:fillRef idx="2">
-            <a:schemeClr val="accent1"/>
-          </a:fillRef>
-          <a:effectRef idx="1">
-            <a:schemeClr val="accent1"/>
-          </a:effectRef>
-          <a:fontRef idx="minor">
-            <a:schemeClr val="dk1"/>
-          </a:fontRef>
-        </p:style>
-      </p:cxnSp>
-      <p:sp>
-        <p:nvSpPr>
-          <p:cNvPr id="38" name="Rectangle 37"/>
-          <p:cNvSpPr/>
-          <p:nvPr/>
-        </p:nvSpPr>
-        <p:spPr>
-          <a:xfrm>
-            <a:off x="7771593" y="4673945"/>
-            <a:ext cx="171599" cy="355256"/>
-          </a:xfrm>
-          <a:prstGeom prst="rect">
-            <a:avLst/>
-          </a:prstGeom>
-          <a:solidFill>
-            <a:srgbClr val="7030A0"/>
-          </a:solidFill>
-          <a:ln>
-            <a:solidFill>
-              <a:schemeClr val="accent4">
-                <a:lumMod val="60000"/>
-                <a:lumOff val="40000"/>
-              </a:schemeClr>
-            </a:solidFill>
-          </a:ln>
-          <a:effectLst/>
-        </p:spPr>
-        <p:style>
-          <a:lnRef idx="1">
-            <a:schemeClr val="accent3"/>
-          </a:lnRef>
-          <a:fillRef idx="2">
-            <a:schemeClr val="accent3"/>
-          </a:fillRef>
-          <a:effectRef idx="1">
-            <a:schemeClr val="accent3"/>
-          </a:effectRef>
-          <a:fontRef idx="minor">
-            <a:schemeClr val="dk1"/>
-          </a:fontRef>
-        </p:style>
-        <p:txBody>
-          <a:bodyPr rtlCol="0" anchor="ctr"/>
-          <a:lstStyle/>
-          <a:p>
-            <a:pPr algn="ctr"/>
-            <a:endParaRPr lang="en-SG" sz="1100">
-              <a:solidFill>
-                <a:schemeClr val="dk1"/>
-              </a:solidFill>
-            </a:endParaRPr>
-          </a:p>
-        </p:txBody>
-      </p:sp>
-      <p:sp>
-        <p:nvSpPr>
-          <p:cNvPr id="39" name="Rectangle 62"/>
-          <p:cNvSpPr/>
-          <p:nvPr/>
-        </p:nvSpPr>
-        <p:spPr>
-          <a:xfrm>
-            <a:off x="7538885" y="4164404"/>
-            <a:ext cx="650656" cy="288369"/>
-          </a:xfrm>
-          <a:prstGeom prst="rect">
-            <a:avLst/>
-          </a:prstGeom>
-          <a:solidFill>
-            <a:srgbClr val="7030A0"/>
-          </a:solidFill>
-          <a:ln w="19050">
-            <a:solidFill>
-              <a:schemeClr val="accent4">
-                <a:lumMod val="60000"/>
-                <a:lumOff val="40000"/>
-              </a:schemeClr>
-            </a:solidFill>
-          </a:ln>
-          <a:effectLst/>
-        </p:spPr>
-        <p:style>
-          <a:lnRef idx="1">
-            <a:schemeClr val="accent2"/>
-          </a:lnRef>
-          <a:fillRef idx="2">
-            <a:schemeClr val="accent2"/>
-          </a:fillRef>
-          <a:effectRef idx="1">
-            <a:schemeClr val="accent2"/>
-          </a:effectRef>
-          <a:fontRef idx="minor">
-            <a:schemeClr val="dk1"/>
-          </a:fontRef>
-        </p:style>
-        <p:txBody>
-          <a:bodyPr rtlCol="0" anchor="ctr"/>
-          <a:lstStyle/>
-          <a:p>
-            <a:pPr algn="ctr"/>
-            <a:r>
-              <a:rPr lang="en-US" sz="1200" dirty="0" smtClean="0">
-                <a:solidFill>
-                  <a:schemeClr val="bg1"/>
-                </a:solidFill>
-              </a:rPr>
-              <a:t>:Cell</a:t>
-            </a:r>
-            <a:endParaRPr lang="en-SG" sz="1200" dirty="0">
-              <a:solidFill>
-                <a:schemeClr val="bg1"/>
-              </a:solidFill>
-            </a:endParaRPr>
-          </a:p>
-        </p:txBody>
-      </p:sp>
-      <p:sp>
-        <p:nvSpPr>
-          <p:cNvPr id="41" name="Rectangle 40"/>
-          <p:cNvSpPr/>
-          <p:nvPr/>
-        </p:nvSpPr>
-        <p:spPr>
-          <a:xfrm>
-            <a:off x="4047592" y="3429000"/>
-            <a:ext cx="143408" cy="138732"/>
-          </a:xfrm>
-          <a:prstGeom prst="rect">
-            <a:avLst/>
-          </a:prstGeom>
-          <a:solidFill>
-            <a:srgbClr val="7030A0"/>
-          </a:solidFill>
-          <a:ln>
-            <a:solidFill>
-              <a:schemeClr val="accent4">
-                <a:lumMod val="60000"/>
-                <a:lumOff val="40000"/>
-              </a:schemeClr>
-            </a:solidFill>
-          </a:ln>
-          <a:effectLst/>
-        </p:spPr>
-        <p:style>
-          <a:lnRef idx="1">
-            <a:schemeClr val="accent3"/>
-          </a:lnRef>
-          <a:fillRef idx="2">
-            <a:schemeClr val="accent3"/>
-          </a:fillRef>
-          <a:effectRef idx="1">
-            <a:schemeClr val="accent3"/>
-          </a:effectRef>
-          <a:fontRef idx="minor">
-            <a:schemeClr val="dk1"/>
-          </a:fontRef>
-        </p:style>
-        <p:txBody>
-          <a:bodyPr rtlCol="0" anchor="ctr"/>
-          <a:lstStyle/>
-          <a:p>
-            <a:pPr algn="ctr"/>
-            <a:endParaRPr lang="en-SG" sz="1100">
-              <a:solidFill>
-                <a:schemeClr val="dk1"/>
-              </a:solidFill>
-            </a:endParaRPr>
-          </a:p>
-        </p:txBody>
-      </p:sp>
-      <p:cxnSp>
-        <p:nvCxnSpPr>
-          <p:cNvPr id="48" name="Straight Arrow Connector 47"/>
-          <p:cNvCxnSpPr>
-            <a:endCxn id="41" idx="2"/>
-          </p:cNvCxnSpPr>
-          <p:nvPr/>
-        </p:nvCxnSpPr>
-        <p:spPr>
-          <a:xfrm>
-            <a:off x="2581040" y="3550105"/>
-            <a:ext cx="1538256" cy="17627"/>
-          </a:xfrm>
-          <a:prstGeom prst="straightConnector1">
-            <a:avLst/>
-          </a:prstGeom>
-          <a:ln w="19050">
-            <a:solidFill>
-              <a:schemeClr val="accent4">
-                <a:lumMod val="60000"/>
-                <a:lumOff val="40000"/>
-              </a:schemeClr>
-            </a:solidFill>
-            <a:prstDash val="sysDash"/>
-            <a:headEnd type="arrow" w="med" len="med"/>
-            <a:tailEnd type="none" w="med" len="med"/>
-          </a:ln>
-        </p:spPr>
-        <p:style>
-          <a:lnRef idx="1">
-            <a:schemeClr val="accent1"/>
-          </a:lnRef>
-          <a:fillRef idx="0">
-            <a:schemeClr val="accent1"/>
-          </a:fillRef>
-          <a:effectRef idx="0">
-            <a:schemeClr val="accent1"/>
-          </a:effectRef>
-          <a:fontRef idx="minor">
-            <a:schemeClr val="tx1"/>
-          </a:fontRef>
-        </p:style>
-      </p:cxnSp>
-      <p:cxnSp>
-        <p:nvCxnSpPr>
-          <p:cNvPr id="51" name="Straight Connector 50"/>
-          <p:cNvCxnSpPr/>
-          <p:nvPr/>
-        </p:nvCxnSpPr>
-        <p:spPr>
-          <a:xfrm flipH="1">
-            <a:off x="4759057" y="2863544"/>
-            <a:ext cx="13707" cy="1916198"/>
-          </a:xfrm>
-          <a:prstGeom prst="line">
-            <a:avLst/>
-          </a:prstGeom>
-          <a:ln w="19050">
-            <a:solidFill>
-              <a:schemeClr val="accent4">
-                <a:lumMod val="60000"/>
-                <a:lumOff val="40000"/>
-              </a:schemeClr>
-            </a:solidFill>
-            <a:prstDash val="sysDash"/>
-          </a:ln>
-          <a:effectLst/>
-        </p:spPr>
-        <p:style>
-          <a:lnRef idx="1">
-            <a:schemeClr val="accent1"/>
-          </a:lnRef>
-          <a:fillRef idx="2">
-            <a:schemeClr val="accent1"/>
-          </a:fillRef>
-          <a:effectRef idx="1">
-            <a:schemeClr val="accent1"/>
-          </a:effectRef>
-          <a:fontRef idx="minor">
-            <a:schemeClr val="dk1"/>
-          </a:fontRef>
-        </p:style>
-      </p:cxnSp>
-      <p:sp>
-        <p:nvSpPr>
-          <p:cNvPr id="52" name="Rectangle 51"/>
-          <p:cNvSpPr/>
-          <p:nvPr/>
-        </p:nvSpPr>
-        <p:spPr>
-          <a:xfrm>
-            <a:off x="4669150" y="3998403"/>
-            <a:ext cx="207650" cy="192598"/>
-          </a:xfrm>
-          <a:prstGeom prst="rect">
-            <a:avLst/>
-          </a:prstGeom>
-          <a:solidFill>
-            <a:srgbClr val="7030A0"/>
-          </a:solidFill>
-          <a:ln>
-            <a:solidFill>
-              <a:schemeClr val="accent4">
-                <a:lumMod val="60000"/>
-                <a:lumOff val="40000"/>
-              </a:schemeClr>
-            </a:solidFill>
-          </a:ln>
-          <a:effectLst/>
-        </p:spPr>
-        <p:style>
-          <a:lnRef idx="1">
-            <a:schemeClr val="accent3"/>
-          </a:lnRef>
-          <a:fillRef idx="2">
-            <a:schemeClr val="accent3"/>
-          </a:fillRef>
-          <a:effectRef idx="1">
-            <a:schemeClr val="accent3"/>
-          </a:effectRef>
-          <a:fontRef idx="minor">
-            <a:schemeClr val="dk1"/>
-          </a:fontRef>
-        </p:style>
-        <p:txBody>
-          <a:bodyPr rtlCol="0" anchor="ctr"/>
-          <a:lstStyle/>
-          <a:p>
-            <a:pPr algn="ctr"/>
-            <a:endParaRPr lang="en-SG" sz="1100">
-              <a:solidFill>
-                <a:schemeClr val="dk1"/>
-              </a:solidFill>
-            </a:endParaRPr>
-          </a:p>
-        </p:txBody>
-      </p:sp>
-      <p:sp>
-        <p:nvSpPr>
-          <p:cNvPr id="53" name="Rectangle 62"/>
-          <p:cNvSpPr/>
-          <p:nvPr/>
-        </p:nvSpPr>
-        <p:spPr>
-          <a:xfrm>
-            <a:off x="4209509" y="2753476"/>
-            <a:ext cx="1183026" cy="366381"/>
-          </a:xfrm>
-          <a:prstGeom prst="rect">
-            <a:avLst/>
-          </a:prstGeom>
-          <a:solidFill>
-            <a:srgbClr val="7030A0"/>
-          </a:solidFill>
-          <a:ln w="19050">
-            <a:solidFill>
-              <a:schemeClr val="accent4">
-                <a:lumMod val="60000"/>
-                <a:lumOff val="40000"/>
-              </a:schemeClr>
-            </a:solidFill>
-          </a:ln>
-          <a:effectLst/>
-        </p:spPr>
-        <p:style>
-          <a:lnRef idx="1">
-            <a:schemeClr val="accent2"/>
-          </a:lnRef>
-          <a:fillRef idx="2">
-            <a:schemeClr val="accent2"/>
-          </a:fillRef>
-          <a:effectRef idx="1">
-            <a:schemeClr val="accent2"/>
-          </a:effectRef>
-          <a:fontRef idx="minor">
-            <a:schemeClr val="dk1"/>
-          </a:fontRef>
-        </p:style>
-        <p:txBody>
-          <a:bodyPr rtlCol="0" anchor="ctr"/>
-          <a:lstStyle/>
-          <a:p>
-            <a:pPr algn="ctr"/>
-            <a:r>
-              <a:rPr lang="en-US" sz="1200" dirty="0" smtClean="0">
-                <a:solidFill>
-                  <a:schemeClr val="bg1"/>
-                </a:solidFill>
-              </a:rPr>
-              <a:t>:</a:t>
-            </a:r>
-            <a:r>
-              <a:rPr lang="en-US" sz="1200" dirty="0" err="1" smtClean="0">
-                <a:solidFill>
-                  <a:schemeClr val="bg1"/>
-                </a:solidFill>
-              </a:rPr>
-              <a:t>UniquePerson</a:t>
-            </a:r>
-            <a:endParaRPr lang="en-US" sz="1200" dirty="0" smtClean="0">
-              <a:solidFill>
-                <a:schemeClr val="bg1"/>
-              </a:solidFill>
-            </a:endParaRPr>
-          </a:p>
-          <a:p>
-            <a:pPr algn="ctr"/>
-            <a:r>
-              <a:rPr lang="en-US" sz="1200" dirty="0" smtClean="0">
-                <a:solidFill>
-                  <a:schemeClr val="bg1"/>
-                </a:solidFill>
-              </a:rPr>
-              <a:t>List</a:t>
-            </a:r>
-            <a:endParaRPr lang="en-SG" sz="1200" dirty="0">
-              <a:solidFill>
-                <a:schemeClr val="bg1"/>
-              </a:solidFill>
-            </a:endParaRPr>
-          </a:p>
-        </p:txBody>
-      </p:sp>
-      <p:sp>
-        <p:nvSpPr>
-          <p:cNvPr id="60" name="TextBox 59"/>
+              <a:rPr lang="en-US" sz="1050" dirty="0"/>
+              <a:t>parse(“1 1-1”)</a:t>
+            </a:r>
+          </a:p>
+        </p:txBody>
+      </p:sp>
+      <p:sp>
+        <p:nvSpPr>
+          <p:cNvPr id="80" name="TextBox 79"/>
           <p:cNvSpPr txBox="1"/>
           <p:nvPr/>
         </p:nvSpPr>
         <p:spPr>
           <a:xfrm>
-            <a:off x="2611851" y="3372645"/>
-            <a:ext cx="1000360" cy="169277"/>
+            <a:off x="1302969" y="2862454"/>
+            <a:ext cx="1424846" cy="169277"/>
           </a:xfrm>
           <a:prstGeom prst="rect">
             <a:avLst/>
@@ -9322,31 +10748,30 @@
           </a:lstStyle>
           <a:p>
             <a:r>
-              <a:rPr lang="en-US" sz="1100" dirty="0" err="1" smtClean="0">
-                <a:solidFill>
-                  <a:srgbClr val="7030A0"/>
-                </a:solidFill>
-              </a:rPr>
-              <a:t>updatedP</a:t>
-            </a:r>
-            <a:endParaRPr lang="en-US" sz="1100" dirty="0">
-              <a:solidFill>
-                <a:srgbClr val="7030A0"/>
-              </a:solidFill>
-            </a:endParaRPr>
-          </a:p>
-        </p:txBody>
-      </p:sp>
-      <p:sp>
-        <p:nvSpPr>
-          <p:cNvPr id="62" name="TextBox 61"/>
+              <a:rPr lang="en-US" sz="1100" dirty="0"/>
+              <a:t>parse(“</a:t>
+            </a:r>
+            <a:r>
+              <a:rPr lang="en-US" sz="1100" dirty="0" err="1"/>
+              <a:t>addcell</a:t>
+            </a:r>
+            <a:r>
+              <a:rPr lang="en-US" sz="1100" dirty="0"/>
+              <a:t> 1 1-1”)</a:t>
+            </a:r>
+          </a:p>
+        </p:txBody>
+      </p:sp>
+      <p:sp>
+        <p:nvSpPr>
+          <p:cNvPr id="82" name="TextBox 81"/>
           <p:cNvSpPr txBox="1"/>
           <p:nvPr/>
         </p:nvSpPr>
         <p:spPr>
           <a:xfrm>
-            <a:off x="2727396" y="3659849"/>
-            <a:ext cx="1140983" cy="338554"/>
+            <a:off x="4035337" y="5208879"/>
+            <a:ext cx="621216" cy="169277"/>
           </a:xfrm>
           <a:prstGeom prst="rect">
             <a:avLst/>
@@ -9371,338 +10796,22 @@
           </a:lstStyle>
           <a:p>
             <a:r>
-              <a:rPr lang="en-US" sz="1100" dirty="0" err="1" smtClean="0">
-                <a:solidFill>
-                  <a:srgbClr val="7030A0"/>
-                </a:solidFill>
-              </a:rPr>
-              <a:t>setPrisoner</a:t>
-            </a:r>
-            <a:endParaRPr lang="en-US" sz="1100" dirty="0" smtClean="0">
-              <a:solidFill>
-                <a:srgbClr val="7030A0"/>
-              </a:solidFill>
-            </a:endParaRPr>
-          </a:p>
-          <a:p>
-            <a:r>
-              <a:rPr lang="en-US" sz="1100" dirty="0" smtClean="0">
-                <a:solidFill>
-                  <a:srgbClr val="7030A0"/>
-                </a:solidFill>
-              </a:rPr>
-              <a:t>(p, </a:t>
-            </a:r>
-            <a:r>
-              <a:rPr lang="en-US" sz="1100" dirty="0" err="1" smtClean="0">
-                <a:solidFill>
-                  <a:srgbClr val="7030A0"/>
-                </a:solidFill>
-              </a:rPr>
-              <a:t>updatedP</a:t>
-            </a:r>
-            <a:r>
-              <a:rPr lang="en-US" sz="1100" dirty="0" smtClean="0">
-                <a:solidFill>
-                  <a:srgbClr val="7030A0"/>
-                </a:solidFill>
-              </a:rPr>
-              <a:t>)</a:t>
-            </a:r>
-            <a:endParaRPr lang="en-US" sz="1100" dirty="0">
-              <a:solidFill>
-                <a:srgbClr val="7030A0"/>
-              </a:solidFill>
-            </a:endParaRPr>
-          </a:p>
-        </p:txBody>
-      </p:sp>
-      <p:cxnSp>
-        <p:nvCxnSpPr>
-          <p:cNvPr id="68" name="Straight Connector 67"/>
-          <p:cNvCxnSpPr/>
-          <p:nvPr/>
-        </p:nvCxnSpPr>
-        <p:spPr>
-          <a:xfrm flipH="1">
-            <a:off x="5771361" y="4290284"/>
-            <a:ext cx="1496" cy="1500916"/>
-          </a:xfrm>
-          <a:prstGeom prst="line">
-            <a:avLst/>
-          </a:prstGeom>
-          <a:ln w="19050">
-            <a:solidFill>
-              <a:schemeClr val="accent4">
-                <a:lumMod val="60000"/>
-                <a:lumOff val="40000"/>
-              </a:schemeClr>
-            </a:solidFill>
-            <a:prstDash val="sysDash"/>
-          </a:ln>
-          <a:effectLst/>
-        </p:spPr>
-        <p:style>
-          <a:lnRef idx="1">
-            <a:schemeClr val="accent1"/>
-          </a:lnRef>
-          <a:fillRef idx="2">
-            <a:schemeClr val="accent1"/>
-          </a:fillRef>
-          <a:effectRef idx="1">
-            <a:schemeClr val="accent1"/>
-          </a:effectRef>
-          <a:fontRef idx="minor">
-            <a:schemeClr val="dk1"/>
-          </a:fontRef>
-        </p:style>
-      </p:cxnSp>
-      <p:sp>
-        <p:nvSpPr>
-          <p:cNvPr id="69" name="Rectangle 68"/>
-          <p:cNvSpPr/>
-          <p:nvPr/>
-        </p:nvSpPr>
-        <p:spPr>
-          <a:xfrm>
-            <a:off x="5680479" y="4489200"/>
-            <a:ext cx="180371" cy="803936"/>
-          </a:xfrm>
-          <a:prstGeom prst="rect">
-            <a:avLst/>
-          </a:prstGeom>
-          <a:solidFill>
-            <a:srgbClr val="7030A0"/>
-          </a:solidFill>
-          <a:ln>
-            <a:solidFill>
-              <a:schemeClr val="accent4">
-                <a:lumMod val="60000"/>
-                <a:lumOff val="40000"/>
-              </a:schemeClr>
-            </a:solidFill>
-          </a:ln>
-          <a:effectLst/>
-        </p:spPr>
-        <p:style>
-          <a:lnRef idx="1">
-            <a:schemeClr val="accent3"/>
-          </a:lnRef>
-          <a:fillRef idx="2">
-            <a:schemeClr val="accent3"/>
-          </a:fillRef>
-          <a:effectRef idx="1">
-            <a:schemeClr val="accent3"/>
-          </a:effectRef>
-          <a:fontRef idx="minor">
-            <a:schemeClr val="dk1"/>
-          </a:fontRef>
-        </p:style>
-        <p:txBody>
-          <a:bodyPr rtlCol="0" anchor="ctr"/>
-          <a:lstStyle/>
-          <a:p>
-            <a:pPr algn="ctr"/>
-            <a:endParaRPr lang="en-SG" sz="1100">
-              <a:solidFill>
-                <a:schemeClr val="dk1"/>
-              </a:solidFill>
-            </a:endParaRPr>
-          </a:p>
-        </p:txBody>
-      </p:sp>
-      <p:sp>
-        <p:nvSpPr>
-          <p:cNvPr id="70" name="Rectangle 62"/>
-          <p:cNvSpPr/>
-          <p:nvPr/>
-        </p:nvSpPr>
-        <p:spPr>
-          <a:xfrm>
-            <a:off x="5380651" y="4004702"/>
-            <a:ext cx="805185" cy="273177"/>
-          </a:xfrm>
-          <a:prstGeom prst="rect">
-            <a:avLst/>
-          </a:prstGeom>
-          <a:solidFill>
-            <a:srgbClr val="7030A0"/>
-          </a:solidFill>
-          <a:ln w="19050">
-            <a:solidFill>
-              <a:schemeClr val="accent4">
-                <a:lumMod val="60000"/>
-                <a:lumOff val="40000"/>
-              </a:schemeClr>
-            </a:solidFill>
-          </a:ln>
-          <a:effectLst/>
-        </p:spPr>
-        <p:style>
-          <a:lnRef idx="1">
-            <a:schemeClr val="accent2"/>
-          </a:lnRef>
-          <a:fillRef idx="2">
-            <a:schemeClr val="accent2"/>
-          </a:fillRef>
-          <a:effectRef idx="1">
-            <a:schemeClr val="accent2"/>
-          </a:effectRef>
-          <a:fontRef idx="minor">
-            <a:schemeClr val="dk1"/>
-          </a:fontRef>
-        </p:style>
-        <p:txBody>
-          <a:bodyPr rtlCol="0" anchor="ctr"/>
-          <a:lstStyle/>
-          <a:p>
-            <a:pPr algn="ctr"/>
-            <a:r>
-              <a:rPr lang="en-US" sz="1200" dirty="0" smtClean="0">
-                <a:solidFill>
-                  <a:schemeClr val="bg1"/>
-                </a:solidFill>
-              </a:rPr>
-              <a:t>:</a:t>
-            </a:r>
-            <a:r>
-              <a:rPr lang="en-US" sz="1200" dirty="0" err="1" smtClean="0">
-                <a:solidFill>
-                  <a:schemeClr val="bg1"/>
-                </a:solidFill>
-              </a:rPr>
-              <a:t>cellMap</a:t>
-            </a:r>
-            <a:endParaRPr lang="en-SG" sz="1200" dirty="0">
-              <a:solidFill>
-                <a:schemeClr val="bg1"/>
-              </a:solidFill>
-            </a:endParaRPr>
-          </a:p>
-        </p:txBody>
-      </p:sp>
-      <p:cxnSp>
-        <p:nvCxnSpPr>
-          <p:cNvPr id="92" name="Straight Arrow Connector 91"/>
-          <p:cNvCxnSpPr/>
-          <p:nvPr/>
-        </p:nvCxnSpPr>
-        <p:spPr>
-          <a:xfrm flipV="1">
-            <a:off x="2581040" y="4178598"/>
-            <a:ext cx="2112744" cy="12403"/>
-          </a:xfrm>
-          <a:prstGeom prst="straightConnector1">
-            <a:avLst/>
-          </a:prstGeom>
-          <a:ln w="19050">
-            <a:solidFill>
-              <a:schemeClr val="accent4">
-                <a:lumMod val="60000"/>
-                <a:lumOff val="40000"/>
-              </a:schemeClr>
-            </a:solidFill>
-            <a:prstDash val="sysDash"/>
-            <a:headEnd type="arrow" w="med" len="med"/>
-            <a:tailEnd type="none" w="med" len="med"/>
-          </a:ln>
-        </p:spPr>
-        <p:style>
-          <a:lnRef idx="1">
-            <a:schemeClr val="accent1"/>
-          </a:lnRef>
-          <a:fillRef idx="0">
-            <a:schemeClr val="accent1"/>
-          </a:fillRef>
-          <a:effectRef idx="0">
-            <a:schemeClr val="accent1"/>
-          </a:effectRef>
-          <a:fontRef idx="minor">
-            <a:schemeClr val="tx1"/>
-          </a:fontRef>
-        </p:style>
-      </p:cxnSp>
-      <p:cxnSp>
-        <p:nvCxnSpPr>
-          <p:cNvPr id="93" name="Straight Connector 92"/>
-          <p:cNvCxnSpPr/>
-          <p:nvPr/>
-        </p:nvCxnSpPr>
-        <p:spPr>
-          <a:xfrm>
-            <a:off x="8155478" y="145546"/>
-            <a:ext cx="0" cy="204572"/>
-          </a:xfrm>
-          <a:prstGeom prst="line">
-            <a:avLst/>
-          </a:prstGeom>
-          <a:ln>
-            <a:solidFill>
-              <a:srgbClr val="7030A0"/>
-            </a:solidFill>
-          </a:ln>
-        </p:spPr>
-        <p:style>
-          <a:lnRef idx="1">
-            <a:schemeClr val="accent1"/>
-          </a:lnRef>
-          <a:fillRef idx="0">
-            <a:schemeClr val="accent1"/>
-          </a:fillRef>
-          <a:effectRef idx="0">
-            <a:schemeClr val="accent1"/>
-          </a:effectRef>
-          <a:fontRef idx="minor">
-            <a:schemeClr val="tx1"/>
-          </a:fontRef>
-        </p:style>
-      </p:cxnSp>
-      <p:cxnSp>
-        <p:nvCxnSpPr>
-          <p:cNvPr id="96" name="Straight Arrow Connector 95"/>
-          <p:cNvCxnSpPr/>
-          <p:nvPr/>
-        </p:nvCxnSpPr>
-        <p:spPr>
-          <a:xfrm flipV="1">
-            <a:off x="2590800" y="4479783"/>
-            <a:ext cx="3090728" cy="16018"/>
-          </a:xfrm>
-          <a:prstGeom prst="straightConnector1">
-            <a:avLst/>
-          </a:prstGeom>
-          <a:ln w="19050">
-            <a:solidFill>
-              <a:srgbClr val="7030A0"/>
-            </a:solidFill>
-            <a:tailEnd type="arrow"/>
-          </a:ln>
-        </p:spPr>
-        <p:style>
-          <a:lnRef idx="1">
-            <a:schemeClr val="accent1"/>
-          </a:lnRef>
-          <a:fillRef idx="0">
-            <a:schemeClr val="accent1"/>
-          </a:fillRef>
-          <a:effectRef idx="0">
-            <a:schemeClr val="accent1"/>
-          </a:effectRef>
-          <a:fontRef idx="minor">
-            <a:schemeClr val="tx1"/>
-          </a:fontRef>
-        </p:style>
-      </p:cxnSp>
-      <p:sp>
-        <p:nvSpPr>
-          <p:cNvPr id="97" name="TextBox 96"/>
+              <a:rPr lang="en-US" sz="1100" dirty="0"/>
+              <a:t>result</a:t>
+            </a:r>
+          </a:p>
+        </p:txBody>
+      </p:sp>
+      <p:sp>
+        <p:nvSpPr>
+          <p:cNvPr id="83" name="TextBox 82"/>
           <p:cNvSpPr txBox="1"/>
           <p:nvPr/>
         </p:nvSpPr>
         <p:spPr>
           <a:xfrm>
-            <a:off x="2368717" y="4277879"/>
-            <a:ext cx="3114801" cy="169277"/>
+            <a:off x="295183" y="5492044"/>
+            <a:ext cx="762000" cy="169277"/>
           </a:xfrm>
           <a:prstGeom prst="rect">
             <a:avLst/>
@@ -9727,80 +10836,147 @@
           </a:lstStyle>
           <a:p>
             <a:r>
-              <a:rPr lang="en-US" sz="1100" dirty="0" err="1" smtClean="0">
-                <a:solidFill>
-                  <a:srgbClr val="7030A0"/>
+              <a:rPr lang="en-US" sz="1100" dirty="0"/>
+              <a:t>result</a:t>
+            </a:r>
+          </a:p>
+        </p:txBody>
+      </p:sp>
+      <p:sp>
+        <p:nvSpPr>
+          <p:cNvPr id="84" name="Rectangle 62"/>
+          <p:cNvSpPr/>
+          <p:nvPr/>
+        </p:nvSpPr>
+        <p:spPr>
+          <a:xfrm>
+            <a:off x="5773310" y="4782414"/>
+            <a:ext cx="1590354" cy="461538"/>
+          </a:xfrm>
+          <a:prstGeom prst="rect">
+            <a:avLst/>
+          </a:prstGeom>
+          <a:solidFill>
+            <a:srgbClr val="0070C0"/>
+          </a:solidFill>
+          <a:ln w="19050">
+            <a:solidFill>
+              <a:srgbClr val="0070C0"/>
+            </a:solidFill>
+          </a:ln>
+          <a:effectLst/>
+        </p:spPr>
+        <p:style>
+          <a:lnRef idx="1">
+            <a:schemeClr val="accent2"/>
+          </a:lnRef>
+          <a:fillRef idx="2">
+            <a:schemeClr val="accent2"/>
+          </a:fillRef>
+          <a:effectRef idx="1">
+            <a:schemeClr val="accent2"/>
+          </a:effectRef>
+          <a:fontRef idx="minor">
+            <a:schemeClr val="dk1"/>
+          </a:fontRef>
+        </p:style>
+        <p:txBody>
+          <a:bodyPr rtlCol="0" anchor="ctr"/>
+          <a:lstStyle/>
+          <a:p>
+            <a:pPr algn="ctr"/>
+            <a:r>
+              <a:rPr lang="en-US" sz="1200" dirty="0" err="1">
+                <a:solidFill>
+                  <a:schemeClr val="bg1"/>
                 </a:solidFill>
               </a:rPr>
-              <a:t>addPrisonerToCell</a:t>
-            </a:r>
-            <a:r>
-              <a:rPr lang="en-US" sz="1100" dirty="0" smtClean="0">
-                <a:solidFill>
-                  <a:srgbClr val="7030A0"/>
+              <a:t>result:Command</a:t>
+            </a:r>
+            <a:r>
+              <a:rPr lang="en-US" sz="1200" dirty="0">
+                <a:solidFill>
+                  <a:schemeClr val="bg1"/>
                 </a:solidFill>
               </a:rPr>
-              <a:t>(</a:t>
-            </a:r>
-            <a:r>
-              <a:rPr lang="en-US" sz="1100" dirty="0" err="1" smtClean="0">
-                <a:solidFill>
-                  <a:srgbClr val="7030A0"/>
-                </a:solidFill>
-              </a:rPr>
-              <a:t>updatedP</a:t>
-            </a:r>
-            <a:r>
-              <a:rPr lang="en-US" sz="1100" dirty="0" smtClean="0">
-                <a:solidFill>
-                  <a:srgbClr val="7030A0"/>
-                </a:solidFill>
-              </a:rPr>
-              <a:t>,   </a:t>
-            </a:r>
-            <a:r>
-              <a:rPr lang="en-US" sz="1100" dirty="0" err="1" smtClean="0">
-                <a:solidFill>
-                  <a:srgbClr val="7030A0"/>
-                </a:solidFill>
-              </a:rPr>
-              <a:t>cellAddress</a:t>
-            </a:r>
-            <a:r>
-              <a:rPr lang="en-US" sz="1100" dirty="0" smtClean="0">
-                <a:solidFill>
-                  <a:srgbClr val="7030A0"/>
-                </a:solidFill>
-              </a:rPr>
-              <a:t>)</a:t>
-            </a:r>
-            <a:endParaRPr lang="en-US" sz="1100" dirty="0">
+              <a:t> Result</a:t>
+            </a:r>
+            <a:endParaRPr lang="en-SG" sz="1200" dirty="0">
               <a:solidFill>
-                <a:srgbClr val="7030A0"/>
+                <a:schemeClr val="bg1"/>
               </a:solidFill>
             </a:endParaRPr>
           </a:p>
         </p:txBody>
       </p:sp>
+      <p:sp>
+        <p:nvSpPr>
+          <p:cNvPr id="86" name="Rectangle 85"/>
+          <p:cNvSpPr/>
+          <p:nvPr/>
+        </p:nvSpPr>
+        <p:spPr>
+          <a:xfrm>
+            <a:off x="6530509" y="5239870"/>
+            <a:ext cx="152400" cy="171376"/>
+          </a:xfrm>
+          <a:prstGeom prst="rect">
+            <a:avLst/>
+          </a:prstGeom>
+          <a:solidFill>
+            <a:srgbClr val="0070C0"/>
+          </a:solidFill>
+          <a:ln>
+            <a:solidFill>
+              <a:srgbClr val="0070C0"/>
+            </a:solidFill>
+          </a:ln>
+          <a:effectLst/>
+        </p:spPr>
+        <p:style>
+          <a:lnRef idx="1">
+            <a:schemeClr val="accent3"/>
+          </a:lnRef>
+          <a:fillRef idx="2">
+            <a:schemeClr val="accent3"/>
+          </a:fillRef>
+          <a:effectRef idx="1">
+            <a:schemeClr val="accent3"/>
+          </a:effectRef>
+          <a:fontRef idx="minor">
+            <a:schemeClr val="dk1"/>
+          </a:fontRef>
+        </p:style>
+        <p:txBody>
+          <a:bodyPr rtlCol="0" anchor="ctr"/>
+          <a:lstStyle/>
+          <a:p>
+            <a:pPr algn="ctr"/>
+            <a:endParaRPr lang="en-SG" sz="1100"/>
+          </a:p>
+        </p:txBody>
+      </p:sp>
       <p:cxnSp>
         <p:nvCxnSpPr>
-          <p:cNvPr id="102" name="Straight Arrow Connector 101"/>
+          <p:cNvPr id="90" name="Straight Arrow Connector 89"/>
           <p:cNvCxnSpPr/>
           <p:nvPr/>
         </p:nvCxnSpPr>
         <p:spPr>
-          <a:xfrm flipV="1">
-            <a:off x="5862905" y="4673944"/>
-            <a:ext cx="1909495" cy="4337"/>
+          <a:xfrm>
+            <a:off x="5611186" y="5411246"/>
+            <a:ext cx="966624" cy="0"/>
           </a:xfrm>
           <a:prstGeom prst="straightConnector1">
             <a:avLst/>
           </a:prstGeom>
           <a:ln w="19050">
             <a:solidFill>
-              <a:srgbClr val="7030A0"/>
-            </a:solidFill>
-            <a:tailEnd type="arrow"/>
+              <a:srgbClr val="0070C0"/>
+            </a:solidFill>
+            <a:prstDash val="sysDash"/>
+            <a:headEnd type="arrow" w="med" len="med"/>
+            <a:tailEnd type="none" w="med" len="med"/>
           </a:ln>
         </p:spPr>
         <p:style>
@@ -9820,14 +10996,14 @@
       </p:cxnSp>
       <p:sp>
         <p:nvSpPr>
-          <p:cNvPr id="103" name="TextBox 102"/>
+          <p:cNvPr id="93" name="TextBox 92"/>
           <p:cNvSpPr txBox="1"/>
           <p:nvPr/>
         </p:nvSpPr>
         <p:spPr>
           <a:xfrm>
-            <a:off x="5770387" y="4470071"/>
-            <a:ext cx="1783190" cy="169277"/>
+            <a:off x="2369045" y="3981343"/>
+            <a:ext cx="220343" cy="169277"/>
           </a:xfrm>
           <a:prstGeom prst="rect">
             <a:avLst/>
@@ -9852,42 +11028,2664 @@
           </a:lstStyle>
           <a:p>
             <a:r>
-              <a:rPr lang="en-US" sz="1100" dirty="0" err="1" smtClean="0">
+              <a:rPr lang="en-US" sz="1100" dirty="0"/>
+              <a:t>ac</a:t>
+            </a:r>
+          </a:p>
+        </p:txBody>
+      </p:sp>
+      <p:sp>
+        <p:nvSpPr>
+          <p:cNvPr id="40" name="Rectangle 62"/>
+          <p:cNvSpPr/>
+          <p:nvPr/>
+        </p:nvSpPr>
+        <p:spPr>
+          <a:xfrm>
+            <a:off x="3839764" y="2959290"/>
+            <a:ext cx="1468091" cy="356368"/>
+          </a:xfrm>
+          <a:prstGeom prst="rect">
+            <a:avLst/>
+          </a:prstGeom>
+          <a:solidFill>
+            <a:srgbClr val="0070C0"/>
+          </a:solidFill>
+          <a:ln w="19050">
+            <a:solidFill>
+              <a:srgbClr val="0070C0"/>
+            </a:solidFill>
+          </a:ln>
+          <a:effectLst/>
+        </p:spPr>
+        <p:style>
+          <a:lnRef idx="1">
+            <a:schemeClr val="accent2"/>
+          </a:lnRef>
+          <a:fillRef idx="2">
+            <a:schemeClr val="accent2"/>
+          </a:fillRef>
+          <a:effectRef idx="1">
+            <a:schemeClr val="accent2"/>
+          </a:effectRef>
+          <a:fontRef idx="minor">
+            <a:schemeClr val="dk1"/>
+          </a:fontRef>
+        </p:style>
+        <p:txBody>
+          <a:bodyPr rtlCol="0" anchor="ctr"/>
+          <a:lstStyle/>
+          <a:p>
+            <a:pPr algn="ctr"/>
+            <a:r>
+              <a:rPr lang="en-US" sz="1200" dirty="0">
+                <a:solidFill>
+                  <a:schemeClr val="bg1"/>
+                </a:solidFill>
+              </a:rPr>
+              <a:t>:</a:t>
+            </a:r>
+            <a:r>
+              <a:rPr lang="en-US" sz="1200" dirty="0" err="1">
+                <a:solidFill>
+                  <a:schemeClr val="bg1"/>
+                </a:solidFill>
+              </a:rPr>
+              <a:t>AddCellCommand</a:t>
+            </a:r>
+            <a:endParaRPr lang="en-US" sz="1200" dirty="0">
+              <a:solidFill>
+                <a:schemeClr val="bg1"/>
+              </a:solidFill>
+            </a:endParaRPr>
+          </a:p>
+          <a:p>
+            <a:pPr algn="ctr"/>
+            <a:r>
+              <a:rPr lang="en-US" sz="1200" dirty="0">
+                <a:solidFill>
+                  <a:schemeClr val="bg1"/>
+                </a:solidFill>
+              </a:rPr>
+              <a:t>Parser</a:t>
+            </a:r>
+            <a:endParaRPr lang="en-SG" sz="1200" dirty="0">
+              <a:solidFill>
+                <a:schemeClr val="bg1"/>
+              </a:solidFill>
+            </a:endParaRPr>
+          </a:p>
+        </p:txBody>
+      </p:sp>
+      <p:cxnSp>
+        <p:nvCxnSpPr>
+          <p:cNvPr id="8" name="Straight Arrow Connector 7"/>
+          <p:cNvCxnSpPr/>
+          <p:nvPr/>
+        </p:nvCxnSpPr>
+        <p:spPr>
+          <a:xfrm>
+            <a:off x="3047163" y="3656770"/>
+            <a:ext cx="1434045" cy="22263"/>
+          </a:xfrm>
+          <a:prstGeom prst="straightConnector1">
+            <a:avLst/>
+          </a:prstGeom>
+          <a:ln w="19050">
+            <a:headEnd type="none" w="med" len="med"/>
+            <a:tailEnd type="arrow" w="med" len="med"/>
+          </a:ln>
+        </p:spPr>
+        <p:style>
+          <a:lnRef idx="1">
+            <a:schemeClr val="accent1"/>
+          </a:lnRef>
+          <a:fillRef idx="0">
+            <a:schemeClr val="accent1"/>
+          </a:fillRef>
+          <a:effectRef idx="0">
+            <a:schemeClr val="accent1"/>
+          </a:effectRef>
+          <a:fontRef idx="minor">
+            <a:schemeClr val="tx1"/>
+          </a:fontRef>
+        </p:style>
+      </p:cxnSp>
+      <p:sp>
+        <p:nvSpPr>
+          <p:cNvPr id="45" name="Rectangle 44"/>
+          <p:cNvSpPr/>
+          <p:nvPr/>
+        </p:nvSpPr>
+        <p:spPr>
+          <a:xfrm>
+            <a:off x="4495500" y="3286032"/>
+            <a:ext cx="205843" cy="123165"/>
+          </a:xfrm>
+          <a:prstGeom prst="rect">
+            <a:avLst/>
+          </a:prstGeom>
+          <a:solidFill>
+            <a:srgbClr val="0070C0"/>
+          </a:solidFill>
+          <a:ln>
+            <a:solidFill>
+              <a:srgbClr val="0070C0"/>
+            </a:solidFill>
+          </a:ln>
+          <a:effectLst/>
+        </p:spPr>
+        <p:style>
+          <a:lnRef idx="1">
+            <a:schemeClr val="accent3"/>
+          </a:lnRef>
+          <a:fillRef idx="2">
+            <a:schemeClr val="accent3"/>
+          </a:fillRef>
+          <a:effectRef idx="1">
+            <a:schemeClr val="accent3"/>
+          </a:effectRef>
+          <a:fontRef idx="minor">
+            <a:schemeClr val="dk1"/>
+          </a:fontRef>
+        </p:style>
+        <p:txBody>
+          <a:bodyPr rtlCol="0" anchor="ctr"/>
+          <a:lstStyle/>
+          <a:p>
+            <a:pPr algn="ctr"/>
+            <a:endParaRPr lang="en-SG" sz="1100"/>
+          </a:p>
+        </p:txBody>
+      </p:sp>
+      <p:cxnSp>
+        <p:nvCxnSpPr>
+          <p:cNvPr id="46" name="Straight Connector 45"/>
+          <p:cNvCxnSpPr/>
+          <p:nvPr/>
+        </p:nvCxnSpPr>
+        <p:spPr>
+          <a:xfrm>
+            <a:off x="4598421" y="3383789"/>
+            <a:ext cx="0" cy="990600"/>
+          </a:xfrm>
+          <a:prstGeom prst="line">
+            <a:avLst/>
+          </a:prstGeom>
+          <a:ln w="19050">
+            <a:solidFill>
+              <a:srgbClr val="0070C0"/>
+            </a:solidFill>
+            <a:prstDash val="sysDash"/>
+          </a:ln>
+          <a:effectLst/>
+        </p:spPr>
+        <p:style>
+          <a:lnRef idx="1">
+            <a:schemeClr val="accent1"/>
+          </a:lnRef>
+          <a:fillRef idx="2">
+            <a:schemeClr val="accent1"/>
+          </a:fillRef>
+          <a:effectRef idx="1">
+            <a:schemeClr val="accent1"/>
+          </a:effectRef>
+          <a:fontRef idx="minor">
+            <a:schemeClr val="dk1"/>
+          </a:fontRef>
+        </p:style>
+      </p:cxnSp>
+      <p:sp>
+        <p:nvSpPr>
+          <p:cNvPr id="49" name="Rectangle 48"/>
+          <p:cNvSpPr/>
+          <p:nvPr/>
+        </p:nvSpPr>
+        <p:spPr>
+          <a:xfrm>
+            <a:off x="4473896" y="3580918"/>
+            <a:ext cx="205843" cy="533400"/>
+          </a:xfrm>
+          <a:prstGeom prst="rect">
+            <a:avLst/>
+          </a:prstGeom>
+          <a:solidFill>
+            <a:srgbClr val="0070C0"/>
+          </a:solidFill>
+          <a:ln>
+            <a:solidFill>
+              <a:srgbClr val="0070C0"/>
+            </a:solidFill>
+          </a:ln>
+          <a:effectLst/>
+        </p:spPr>
+        <p:style>
+          <a:lnRef idx="1">
+            <a:schemeClr val="accent3"/>
+          </a:lnRef>
+          <a:fillRef idx="2">
+            <a:schemeClr val="accent3"/>
+          </a:fillRef>
+          <a:effectRef idx="1">
+            <a:schemeClr val="accent3"/>
+          </a:effectRef>
+          <a:fontRef idx="minor">
+            <a:schemeClr val="dk1"/>
+          </a:fontRef>
+        </p:style>
+        <p:txBody>
+          <a:bodyPr rtlCol="0" anchor="ctr"/>
+          <a:lstStyle/>
+          <a:p>
+            <a:pPr algn="ctr"/>
+            <a:endParaRPr lang="en-SG" sz="1100"/>
+          </a:p>
+        </p:txBody>
+      </p:sp>
+      <p:cxnSp>
+        <p:nvCxnSpPr>
+          <p:cNvPr id="51" name="Straight Arrow Connector 50"/>
+          <p:cNvCxnSpPr/>
+          <p:nvPr/>
+        </p:nvCxnSpPr>
+        <p:spPr>
+          <a:xfrm>
+            <a:off x="3006154" y="4104459"/>
+            <a:ext cx="1667219" cy="0"/>
+          </a:xfrm>
+          <a:prstGeom prst="straightConnector1">
+            <a:avLst/>
+          </a:prstGeom>
+          <a:ln w="19050">
+            <a:solidFill>
+              <a:srgbClr val="0070C0"/>
+            </a:solidFill>
+            <a:prstDash val="sysDash"/>
+            <a:headEnd type="arrow" w="med" len="med"/>
+            <a:tailEnd type="none" w="med" len="med"/>
+          </a:ln>
+        </p:spPr>
+        <p:style>
+          <a:lnRef idx="1">
+            <a:schemeClr val="accent1"/>
+          </a:lnRef>
+          <a:fillRef idx="0">
+            <a:schemeClr val="accent1"/>
+          </a:fillRef>
+          <a:effectRef idx="0">
+            <a:schemeClr val="accent1"/>
+          </a:effectRef>
+          <a:fontRef idx="minor">
+            <a:schemeClr val="tx1"/>
+          </a:fontRef>
+        </p:style>
+      </p:cxnSp>
+      <p:cxnSp>
+        <p:nvCxnSpPr>
+          <p:cNvPr id="13" name="Straight Arrow Connector 12"/>
+          <p:cNvCxnSpPr/>
+          <p:nvPr/>
+        </p:nvCxnSpPr>
+        <p:spPr>
+          <a:xfrm>
+            <a:off x="5611186" y="5030246"/>
+            <a:ext cx="162246" cy="0"/>
+          </a:xfrm>
+          <a:prstGeom prst="straightConnector1">
+            <a:avLst/>
+          </a:prstGeom>
+          <a:ln w="19050">
+            <a:headEnd type="none" w="med" len="med"/>
+            <a:tailEnd type="arrow" w="med" len="med"/>
+          </a:ln>
+        </p:spPr>
+        <p:style>
+          <a:lnRef idx="1">
+            <a:schemeClr val="accent1"/>
+          </a:lnRef>
+          <a:fillRef idx="0">
+            <a:schemeClr val="accent1"/>
+          </a:fillRef>
+          <a:effectRef idx="0">
+            <a:schemeClr val="accent1"/>
+          </a:effectRef>
+          <a:fontRef idx="minor">
+            <a:schemeClr val="tx1"/>
+          </a:fontRef>
+        </p:style>
+      </p:cxnSp>
+      <p:cxnSp>
+        <p:nvCxnSpPr>
+          <p:cNvPr id="50" name="Straight Arrow Connector 49"/>
+          <p:cNvCxnSpPr/>
+          <p:nvPr/>
+        </p:nvCxnSpPr>
+        <p:spPr>
+          <a:xfrm>
+            <a:off x="3022351" y="3115614"/>
+            <a:ext cx="819556" cy="1"/>
+          </a:xfrm>
+          <a:prstGeom prst="straightConnector1">
+            <a:avLst/>
+          </a:prstGeom>
+          <a:ln w="19050">
+            <a:solidFill>
+              <a:srgbClr val="0070C0"/>
+            </a:solidFill>
+            <a:tailEnd type="arrow"/>
+          </a:ln>
+        </p:spPr>
+        <p:style>
+          <a:lnRef idx="1">
+            <a:schemeClr val="accent1"/>
+          </a:lnRef>
+          <a:fillRef idx="0">
+            <a:schemeClr val="accent1"/>
+          </a:fillRef>
+          <a:effectRef idx="0">
+            <a:schemeClr val="accent1"/>
+          </a:effectRef>
+          <a:fontRef idx="minor">
+            <a:schemeClr val="tx1"/>
+          </a:fontRef>
+        </p:style>
+      </p:cxnSp>
+      <p:cxnSp>
+        <p:nvCxnSpPr>
+          <p:cNvPr id="52" name="Straight Arrow Connector 51"/>
+          <p:cNvCxnSpPr/>
+          <p:nvPr/>
+        </p:nvCxnSpPr>
+        <p:spPr>
+          <a:xfrm>
+            <a:off x="3029552" y="3409551"/>
+            <a:ext cx="1568869" cy="7714"/>
+          </a:xfrm>
+          <a:prstGeom prst="straightConnector1">
+            <a:avLst/>
+          </a:prstGeom>
+          <a:ln w="19050">
+            <a:solidFill>
+              <a:srgbClr val="0070C0"/>
+            </a:solidFill>
+            <a:prstDash val="sysDash"/>
+            <a:headEnd type="arrow" w="med" len="med"/>
+            <a:tailEnd type="none" w="med" len="med"/>
+          </a:ln>
+        </p:spPr>
+        <p:style>
+          <a:lnRef idx="1">
+            <a:schemeClr val="accent1"/>
+          </a:lnRef>
+          <a:fillRef idx="0">
+            <a:schemeClr val="accent1"/>
+          </a:fillRef>
+          <a:effectRef idx="0">
+            <a:schemeClr val="accent1"/>
+          </a:effectRef>
+          <a:fontRef idx="minor">
+            <a:schemeClr val="tx1"/>
+          </a:fontRef>
+        </p:style>
+      </p:cxnSp>
+      <p:sp>
+        <p:nvSpPr>
+          <p:cNvPr id="4" name="TextBox 3"/>
+          <p:cNvSpPr txBox="1"/>
+          <p:nvPr/>
+        </p:nvSpPr>
+        <p:spPr>
+          <a:xfrm>
+            <a:off x="4472408" y="4251278"/>
+            <a:ext cx="251992" cy="246221"/>
+          </a:xfrm>
+          <a:prstGeom prst="rect">
+            <a:avLst/>
+          </a:prstGeom>
+          <a:noFill/>
+        </p:spPr>
+        <p:txBody>
+          <a:bodyPr wrap="none" rtlCol="0">
+            <a:spAutoFit/>
+          </a:bodyPr>
+          <a:lstStyle/>
+          <a:p>
+            <a:r>
+              <a:rPr lang="en-SG" sz="1000" dirty="0">
+                <a:solidFill>
+                  <a:srgbClr val="002060"/>
+                </a:solidFill>
+              </a:rPr>
+              <a:t>X</a:t>
+            </a:r>
+          </a:p>
+        </p:txBody>
+      </p:sp>
+    </p:spTree>
+    <p:extLst>
+      <p:ext uri="{BB962C8B-B14F-4D97-AF65-F5344CB8AC3E}">
+        <p14:creationId xmlns:p14="http://schemas.microsoft.com/office/powerpoint/2010/main" val="2535266439"/>
+      </p:ext>
+    </p:extLst>
+  </p:cSld>
+  <p:clrMapOvr>
+    <a:masterClrMapping/>
+  </p:clrMapOvr>
+</p:sld>
+</file>
+
+<file path=ppt/slides/slide4.xml><?xml version="1.0" encoding="utf-8"?>
+<p:sld xmlns:a="http://schemas.openxmlformats.org/drawingml/2006/main" xmlns:r="http://schemas.openxmlformats.org/officeDocument/2006/relationships" xmlns:p="http://schemas.openxmlformats.org/presentationml/2006/main">
+  <p:cSld>
+    <p:spTree>
+      <p:nvGrpSpPr>
+        <p:cNvPr id="1" name=""/>
+        <p:cNvGrpSpPr/>
+        <p:nvPr/>
+      </p:nvGrpSpPr>
+      <p:grpSpPr>
+        <a:xfrm>
+          <a:off x="0" y="0"/>
+          <a:ext cx="0" cy="0"/>
+          <a:chOff x="0" y="0"/>
+          <a:chExt cx="0" cy="0"/>
+        </a:xfrm>
+      </p:grpSpPr>
+      <p:sp>
+        <p:nvSpPr>
+          <p:cNvPr id="127" name="Rectangle 65"/>
+          <p:cNvSpPr/>
+          <p:nvPr/>
+        </p:nvSpPr>
+        <p:spPr>
+          <a:xfrm>
+            <a:off x="255972" y="1530804"/>
+            <a:ext cx="8735628" cy="4869995"/>
+          </a:xfrm>
+          <a:prstGeom prst="roundRect">
+            <a:avLst>
+              <a:gd name="adj" fmla="val 3484"/>
+            </a:avLst>
+          </a:prstGeom>
+          <a:solidFill>
+            <a:schemeClr val="accent4">
+              <a:lumMod val="20000"/>
+              <a:lumOff val="80000"/>
+            </a:schemeClr>
+          </a:solidFill>
+          <a:ln w="19050">
+            <a:noFill/>
+          </a:ln>
+          <a:effectLst/>
+        </p:spPr>
+        <p:style>
+          <a:lnRef idx="1">
+            <a:schemeClr val="accent2"/>
+          </a:lnRef>
+          <a:fillRef idx="2">
+            <a:schemeClr val="accent2"/>
+          </a:fillRef>
+          <a:effectRef idx="1">
+            <a:schemeClr val="accent2"/>
+          </a:effectRef>
+          <a:fontRef idx="minor">
+            <a:schemeClr val="dk1"/>
+          </a:fontRef>
+        </p:style>
+        <p:txBody>
+          <a:bodyPr rtlCol="0" anchor="t"/>
+          <a:lstStyle/>
+          <a:p>
+            <a:r>
+              <a:rPr lang="en-US" sz="1200" b="1" dirty="0">
+                <a:solidFill>
+                  <a:srgbClr val="7030A0"/>
+                </a:solidFill>
+              </a:rPr>
+              <a:t>Model</a:t>
+            </a:r>
+            <a:endParaRPr lang="en-SG" sz="1200" b="1" dirty="0">
+              <a:solidFill>
+                <a:srgbClr val="7030A0"/>
+              </a:solidFill>
+            </a:endParaRPr>
+          </a:p>
+        </p:txBody>
+      </p:sp>
+      <p:sp>
+        <p:nvSpPr>
+          <p:cNvPr id="72" name="TextBox 71"/>
+          <p:cNvSpPr txBox="1"/>
+          <p:nvPr/>
+        </p:nvSpPr>
+        <p:spPr>
+          <a:xfrm>
+            <a:off x="1828800" y="2713681"/>
+            <a:ext cx="6553200" cy="3477875"/>
+          </a:xfrm>
+          <a:prstGeom prst="rect">
+            <a:avLst/>
+          </a:prstGeom>
+          <a:solidFill>
+            <a:schemeClr val="accent2">
+              <a:lumMod val="20000"/>
+              <a:lumOff val="80000"/>
+            </a:schemeClr>
+          </a:solidFill>
+          <a:ln>
+            <a:solidFill>
+              <a:srgbClr val="FF0000"/>
+            </a:solidFill>
+          </a:ln>
+        </p:spPr>
+        <p:txBody>
+          <a:bodyPr wrap="square" rtlCol="0">
+            <a:spAutoFit/>
+          </a:bodyPr>
+          <a:lstStyle/>
+          <a:p>
+            <a:r>
+              <a:rPr lang="en-SG" sz="1100" dirty="0">
+                <a:solidFill>
+                  <a:srgbClr val="FF0000"/>
+                </a:solidFill>
+              </a:rPr>
+              <a:t>opt                [no exceptions thrown]</a:t>
+            </a:r>
+          </a:p>
+          <a:p>
+            <a:endParaRPr lang="en-SG" sz="1100" dirty="0">
+              <a:solidFill>
+                <a:srgbClr val="FF0000"/>
+              </a:solidFill>
+            </a:endParaRPr>
+          </a:p>
+          <a:p>
+            <a:endParaRPr lang="en-SG" sz="1100" dirty="0">
+              <a:solidFill>
+                <a:srgbClr val="FF0000"/>
+              </a:solidFill>
+            </a:endParaRPr>
+          </a:p>
+          <a:p>
+            <a:endParaRPr lang="en-SG" sz="1100" dirty="0">
+              <a:solidFill>
+                <a:srgbClr val="FF0000"/>
+              </a:solidFill>
+            </a:endParaRPr>
+          </a:p>
+          <a:p>
+            <a:endParaRPr lang="en-SG" sz="1100" dirty="0">
+              <a:solidFill>
+                <a:srgbClr val="FF0000"/>
+              </a:solidFill>
+            </a:endParaRPr>
+          </a:p>
+          <a:p>
+            <a:endParaRPr lang="en-SG" sz="1100" dirty="0">
+              <a:solidFill>
+                <a:srgbClr val="FF0000"/>
+              </a:solidFill>
+            </a:endParaRPr>
+          </a:p>
+          <a:p>
+            <a:endParaRPr lang="en-SG" sz="1100" dirty="0">
+              <a:solidFill>
+                <a:srgbClr val="FF0000"/>
+              </a:solidFill>
+            </a:endParaRPr>
+          </a:p>
+          <a:p>
+            <a:endParaRPr lang="en-SG" sz="1100" dirty="0">
+              <a:solidFill>
+                <a:srgbClr val="FF0000"/>
+              </a:solidFill>
+            </a:endParaRPr>
+          </a:p>
+          <a:p>
+            <a:endParaRPr lang="en-SG" sz="1100" dirty="0">
+              <a:solidFill>
+                <a:srgbClr val="FF0000"/>
+              </a:solidFill>
+            </a:endParaRPr>
+          </a:p>
+          <a:p>
+            <a:endParaRPr lang="en-SG" sz="1100" dirty="0">
+              <a:solidFill>
+                <a:srgbClr val="FF0000"/>
+              </a:solidFill>
+            </a:endParaRPr>
+          </a:p>
+          <a:p>
+            <a:endParaRPr lang="en-SG" sz="1100" dirty="0">
+              <a:solidFill>
+                <a:srgbClr val="FF0000"/>
+              </a:solidFill>
+            </a:endParaRPr>
+          </a:p>
+          <a:p>
+            <a:endParaRPr lang="en-SG" sz="1100" dirty="0">
+              <a:solidFill>
+                <a:srgbClr val="FF0000"/>
+              </a:solidFill>
+            </a:endParaRPr>
+          </a:p>
+          <a:p>
+            <a:endParaRPr lang="en-SG" sz="1100" dirty="0">
+              <a:solidFill>
+                <a:srgbClr val="FF0000"/>
+              </a:solidFill>
+            </a:endParaRPr>
+          </a:p>
+          <a:p>
+            <a:endParaRPr lang="en-SG" sz="1100" dirty="0">
+              <a:solidFill>
+                <a:srgbClr val="FF0000"/>
+              </a:solidFill>
+            </a:endParaRPr>
+          </a:p>
+          <a:p>
+            <a:endParaRPr lang="en-SG" sz="1100" dirty="0">
+              <a:solidFill>
+                <a:srgbClr val="FF0000"/>
+              </a:solidFill>
+            </a:endParaRPr>
+          </a:p>
+          <a:p>
+            <a:endParaRPr lang="en-SG" sz="1100" dirty="0">
+              <a:solidFill>
+                <a:srgbClr val="FF0000"/>
+              </a:solidFill>
+            </a:endParaRPr>
+          </a:p>
+          <a:p>
+            <a:endParaRPr lang="en-SG" sz="1100" dirty="0">
+              <a:solidFill>
+                <a:srgbClr val="FF0000"/>
+              </a:solidFill>
+            </a:endParaRPr>
+          </a:p>
+          <a:p>
+            <a:endParaRPr lang="en-SG" sz="1100" dirty="0">
+              <a:solidFill>
+                <a:srgbClr val="FF0000"/>
+              </a:solidFill>
+            </a:endParaRPr>
+          </a:p>
+          <a:p>
+            <a:endParaRPr lang="en-SG" sz="1100" dirty="0">
+              <a:solidFill>
+                <a:srgbClr val="FF0000"/>
+              </a:solidFill>
+            </a:endParaRPr>
+          </a:p>
+          <a:p>
+            <a:endParaRPr lang="en-SG" sz="1100" dirty="0">
+              <a:solidFill>
+                <a:srgbClr val="FF0000"/>
+              </a:solidFill>
+            </a:endParaRPr>
+          </a:p>
+        </p:txBody>
+      </p:sp>
+      <p:cxnSp>
+        <p:nvCxnSpPr>
+          <p:cNvPr id="76" name="Straight Connector 75"/>
+          <p:cNvCxnSpPr/>
+          <p:nvPr/>
+        </p:nvCxnSpPr>
+        <p:spPr>
+          <a:xfrm>
+            <a:off x="2282117" y="2713681"/>
+            <a:ext cx="3883" cy="149863"/>
+          </a:xfrm>
+          <a:prstGeom prst="line">
+            <a:avLst/>
+          </a:prstGeom>
+          <a:solidFill>
+            <a:schemeClr val="bg1"/>
+          </a:solidFill>
+          <a:ln>
+            <a:solidFill>
+              <a:srgbClr val="FF0000"/>
+            </a:solidFill>
+          </a:ln>
+        </p:spPr>
+        <p:style>
+          <a:lnRef idx="1">
+            <a:schemeClr val="accent1"/>
+          </a:lnRef>
+          <a:fillRef idx="0">
+            <a:schemeClr val="accent1"/>
+          </a:fillRef>
+          <a:effectRef idx="0">
+            <a:schemeClr val="accent1"/>
+          </a:effectRef>
+          <a:fontRef idx="minor">
+            <a:schemeClr val="tx1"/>
+          </a:fontRef>
+        </p:style>
+      </p:cxnSp>
+      <p:cxnSp>
+        <p:nvCxnSpPr>
+          <p:cNvPr id="80" name="Straight Connector 79"/>
+          <p:cNvCxnSpPr/>
+          <p:nvPr/>
+        </p:nvCxnSpPr>
+        <p:spPr>
+          <a:xfrm flipH="1">
+            <a:off x="1826796" y="2952070"/>
+            <a:ext cx="374336" cy="0"/>
+          </a:xfrm>
+          <a:prstGeom prst="line">
+            <a:avLst/>
+          </a:prstGeom>
+          <a:solidFill>
+            <a:schemeClr val="bg1"/>
+          </a:solidFill>
+          <a:ln>
+            <a:solidFill>
+              <a:srgbClr val="FF0000"/>
+            </a:solidFill>
+          </a:ln>
+        </p:spPr>
+        <p:style>
+          <a:lnRef idx="1">
+            <a:schemeClr val="accent1"/>
+          </a:lnRef>
+          <a:fillRef idx="0">
+            <a:schemeClr val="accent1"/>
+          </a:fillRef>
+          <a:effectRef idx="0">
+            <a:schemeClr val="accent1"/>
+          </a:effectRef>
+          <a:fontRef idx="minor">
+            <a:schemeClr val="tx1"/>
+          </a:fontRef>
+        </p:style>
+      </p:cxnSp>
+      <p:cxnSp>
+        <p:nvCxnSpPr>
+          <p:cNvPr id="84" name="Straight Connector 83"/>
+          <p:cNvCxnSpPr/>
+          <p:nvPr/>
+        </p:nvCxnSpPr>
+        <p:spPr>
+          <a:xfrm flipH="1">
+            <a:off x="2201131" y="2863544"/>
+            <a:ext cx="80987" cy="88526"/>
+          </a:xfrm>
+          <a:prstGeom prst="line">
+            <a:avLst/>
+          </a:prstGeom>
+          <a:solidFill>
+            <a:schemeClr val="bg1"/>
+          </a:solidFill>
+          <a:ln>
+            <a:solidFill>
+              <a:srgbClr val="FF0000"/>
+            </a:solidFill>
+          </a:ln>
+        </p:spPr>
+        <p:style>
+          <a:lnRef idx="1">
+            <a:schemeClr val="accent1"/>
+          </a:lnRef>
+          <a:fillRef idx="0">
+            <a:schemeClr val="accent1"/>
+          </a:fillRef>
+          <a:effectRef idx="0">
+            <a:schemeClr val="accent1"/>
+          </a:effectRef>
+          <a:fontRef idx="minor">
+            <a:schemeClr val="tx1"/>
+          </a:fontRef>
+        </p:style>
+      </p:cxnSp>
+      <p:cxnSp>
+        <p:nvCxnSpPr>
+          <p:cNvPr id="3" name="Straight Connector 2"/>
+          <p:cNvCxnSpPr>
+            <a:stCxn id="5" idx="2"/>
+          </p:cNvCxnSpPr>
+          <p:nvPr/>
+        </p:nvCxnSpPr>
+        <p:spPr>
+          <a:xfrm flipH="1">
+            <a:off x="1232843" y="2118981"/>
+            <a:ext cx="2440" cy="3824619"/>
+          </a:xfrm>
+          <a:prstGeom prst="line">
+            <a:avLst/>
+          </a:prstGeom>
+          <a:ln w="19050">
+            <a:solidFill>
+              <a:schemeClr val="accent4">
+                <a:lumMod val="60000"/>
+                <a:lumOff val="40000"/>
+              </a:schemeClr>
+            </a:solidFill>
+            <a:prstDash val="sysDash"/>
+          </a:ln>
+          <a:effectLst/>
+        </p:spPr>
+        <p:style>
+          <a:lnRef idx="1">
+            <a:schemeClr val="accent1"/>
+          </a:lnRef>
+          <a:fillRef idx="2">
+            <a:schemeClr val="accent1"/>
+          </a:fillRef>
+          <a:effectRef idx="1">
+            <a:schemeClr val="accent1"/>
+          </a:effectRef>
+          <a:fontRef idx="minor">
+            <a:schemeClr val="dk1"/>
+          </a:fontRef>
+        </p:style>
+      </p:cxnSp>
+      <p:sp>
+        <p:nvSpPr>
+          <p:cNvPr id="4" name="Rectangle 3"/>
+          <p:cNvSpPr/>
+          <p:nvPr/>
+        </p:nvSpPr>
+        <p:spPr>
+          <a:xfrm>
+            <a:off x="1154848" y="2478600"/>
+            <a:ext cx="180941" cy="3312600"/>
+          </a:xfrm>
+          <a:prstGeom prst="rect">
+            <a:avLst/>
+          </a:prstGeom>
+          <a:solidFill>
+            <a:srgbClr val="7030A0"/>
+          </a:solidFill>
+          <a:ln>
+            <a:solidFill>
+              <a:schemeClr val="accent4">
+                <a:lumMod val="60000"/>
+                <a:lumOff val="40000"/>
+              </a:schemeClr>
+            </a:solidFill>
+          </a:ln>
+          <a:effectLst/>
+        </p:spPr>
+        <p:style>
+          <a:lnRef idx="1">
+            <a:schemeClr val="accent3"/>
+          </a:lnRef>
+          <a:fillRef idx="2">
+            <a:schemeClr val="accent3"/>
+          </a:fillRef>
+          <a:effectRef idx="1">
+            <a:schemeClr val="accent3"/>
+          </a:effectRef>
+          <a:fontRef idx="minor">
+            <a:schemeClr val="dk1"/>
+          </a:fontRef>
+        </p:style>
+        <p:txBody>
+          <a:bodyPr rtlCol="0" anchor="ctr"/>
+          <a:lstStyle/>
+          <a:p>
+            <a:pPr algn="ctr"/>
+            <a:endParaRPr lang="en-SG" sz="1100">
+              <a:solidFill>
+                <a:schemeClr val="dk1"/>
+              </a:solidFill>
+            </a:endParaRPr>
+          </a:p>
+        </p:txBody>
+      </p:sp>
+      <p:sp>
+        <p:nvSpPr>
+          <p:cNvPr id="5" name="Rectangle 62"/>
+          <p:cNvSpPr/>
+          <p:nvPr/>
+        </p:nvSpPr>
+        <p:spPr>
+          <a:xfrm>
+            <a:off x="643770" y="1831026"/>
+            <a:ext cx="1183026" cy="287955"/>
+          </a:xfrm>
+          <a:prstGeom prst="rect">
+            <a:avLst/>
+          </a:prstGeom>
+          <a:solidFill>
+            <a:srgbClr val="7030A0"/>
+          </a:solidFill>
+          <a:ln w="19050">
+            <a:solidFill>
+              <a:schemeClr val="accent4">
+                <a:lumMod val="60000"/>
+                <a:lumOff val="40000"/>
+              </a:schemeClr>
+            </a:solidFill>
+          </a:ln>
+          <a:effectLst/>
+        </p:spPr>
+        <p:style>
+          <a:lnRef idx="1">
+            <a:schemeClr val="accent2"/>
+          </a:lnRef>
+          <a:fillRef idx="2">
+            <a:schemeClr val="accent2"/>
+          </a:fillRef>
+          <a:effectRef idx="1">
+            <a:schemeClr val="accent2"/>
+          </a:effectRef>
+          <a:fontRef idx="minor">
+            <a:schemeClr val="dk1"/>
+          </a:fontRef>
+        </p:style>
+        <p:txBody>
+          <a:bodyPr rtlCol="0" anchor="ctr"/>
+          <a:lstStyle/>
+          <a:p>
+            <a:pPr algn="ctr"/>
+            <a:r>
+              <a:rPr lang="en-US" sz="1200" dirty="0">
+                <a:solidFill>
+                  <a:schemeClr val="bg1"/>
+                </a:solidFill>
+              </a:rPr>
+              <a:t>:</a:t>
+            </a:r>
+            <a:r>
+              <a:rPr lang="en-US" sz="1200" dirty="0" err="1">
+                <a:solidFill>
+                  <a:schemeClr val="bg1"/>
+                </a:solidFill>
+              </a:rPr>
+              <a:t>ModelManager</a:t>
+            </a:r>
+            <a:endParaRPr lang="en-SG" sz="1200" dirty="0">
+              <a:solidFill>
+                <a:schemeClr val="bg1"/>
+              </a:solidFill>
+            </a:endParaRPr>
+          </a:p>
+        </p:txBody>
+      </p:sp>
+      <p:cxnSp>
+        <p:nvCxnSpPr>
+          <p:cNvPr id="6" name="Straight Arrow Connector 5"/>
+          <p:cNvCxnSpPr/>
+          <p:nvPr/>
+        </p:nvCxnSpPr>
+        <p:spPr>
+          <a:xfrm flipV="1">
+            <a:off x="68679" y="2472154"/>
+            <a:ext cx="1110495" cy="16661"/>
+          </a:xfrm>
+          <a:prstGeom prst="straightConnector1">
+            <a:avLst/>
+          </a:prstGeom>
+          <a:ln w="19050">
+            <a:solidFill>
+              <a:srgbClr val="0070C0"/>
+            </a:solidFill>
+            <a:tailEnd type="arrow"/>
+          </a:ln>
+        </p:spPr>
+        <p:style>
+          <a:lnRef idx="1">
+            <a:schemeClr val="accent1"/>
+          </a:lnRef>
+          <a:fillRef idx="0">
+            <a:schemeClr val="accent1"/>
+          </a:fillRef>
+          <a:effectRef idx="0">
+            <a:schemeClr val="accent1"/>
+          </a:effectRef>
+          <a:fontRef idx="minor">
+            <a:schemeClr val="tx1"/>
+          </a:fontRef>
+        </p:style>
+      </p:cxnSp>
+      <p:sp>
+        <p:nvSpPr>
+          <p:cNvPr id="7" name="TextBox 6"/>
+          <p:cNvSpPr txBox="1"/>
+          <p:nvPr/>
+        </p:nvSpPr>
+        <p:spPr>
+          <a:xfrm>
+            <a:off x="-66395" y="2133600"/>
+            <a:ext cx="1145231" cy="338554"/>
+          </a:xfrm>
+          <a:prstGeom prst="rect">
+            <a:avLst/>
+          </a:prstGeom>
+          <a:noFill/>
+        </p:spPr>
+        <p:txBody>
+          <a:bodyPr wrap="square" lIns="0" tIns="0" rIns="0" bIns="0" rtlCol="0">
+            <a:spAutoFit/>
+          </a:bodyPr>
+          <a:lstStyle>
+            <a:defPPr>
+              <a:defRPr lang="en-US"/>
+            </a:defPPr>
+            <a:lvl1pPr algn="r">
+              <a:defRPr sz="1400">
+                <a:solidFill>
+                  <a:srgbClr val="0070C0"/>
+                </a:solidFill>
+              </a:defRPr>
+            </a:lvl1pPr>
+          </a:lstStyle>
+          <a:p>
+            <a:r>
+              <a:rPr lang="en-US" sz="1100" dirty="0" err="1">
                 <a:solidFill>
                   <a:srgbClr val="7030A0"/>
                 </a:solidFill>
               </a:rPr>
               <a:t>addPrisonerToCell</a:t>
-            </a:r>
-            <a:r>
-              <a:rPr lang="en-US" sz="1100" dirty="0" smtClean="0">
-                <a:solidFill>
-                  <a:srgbClr val="7030A0"/>
-                </a:solidFill>
-              </a:rPr>
-              <a:t>(</a:t>
-            </a:r>
-            <a:r>
-              <a:rPr lang="en-US" sz="1100" dirty="0" err="1" smtClean="0">
-                <a:solidFill>
-                  <a:srgbClr val="7030A0"/>
-                </a:solidFill>
-              </a:rPr>
-              <a:t>updatedP</a:t>
-            </a:r>
-            <a:r>
-              <a:rPr lang="en-US" sz="1100" dirty="0" smtClean="0">
-                <a:solidFill>
-                  <a:srgbClr val="7030A0"/>
-                </a:solidFill>
-              </a:rPr>
-              <a:t>)</a:t>
             </a:r>
             <a:endParaRPr lang="en-US" sz="1100" dirty="0">
               <a:solidFill>
                 <a:srgbClr val="7030A0"/>
               </a:solidFill>
             </a:endParaRPr>
+          </a:p>
+          <a:p>
+            <a:r>
+              <a:rPr lang="en-US" sz="1100" dirty="0">
+                <a:solidFill>
+                  <a:srgbClr val="7030A0"/>
+                </a:solidFill>
+              </a:rPr>
+              <a:t>(p, </a:t>
+            </a:r>
+            <a:r>
+              <a:rPr lang="en-US" sz="1100" dirty="0" err="1">
+                <a:solidFill>
+                  <a:srgbClr val="7030A0"/>
+                </a:solidFill>
+              </a:rPr>
+              <a:t>cellAddress</a:t>
+            </a:r>
+            <a:r>
+              <a:rPr lang="en-US" sz="1100" dirty="0">
+                <a:solidFill>
+                  <a:srgbClr val="7030A0"/>
+                </a:solidFill>
+              </a:rPr>
+              <a:t>)</a:t>
+            </a:r>
+          </a:p>
+        </p:txBody>
+      </p:sp>
+      <p:cxnSp>
+        <p:nvCxnSpPr>
+          <p:cNvPr id="8" name="Straight Arrow Connector 7"/>
+          <p:cNvCxnSpPr/>
+          <p:nvPr/>
+        </p:nvCxnSpPr>
+        <p:spPr>
+          <a:xfrm>
+            <a:off x="42464" y="5780568"/>
+            <a:ext cx="1112384" cy="0"/>
+          </a:xfrm>
+          <a:prstGeom prst="straightConnector1">
+            <a:avLst/>
+          </a:prstGeom>
+          <a:ln w="19050">
+            <a:solidFill>
+              <a:schemeClr val="accent4">
+                <a:lumMod val="60000"/>
+                <a:lumOff val="40000"/>
+              </a:schemeClr>
+            </a:solidFill>
+            <a:prstDash val="sysDash"/>
+            <a:headEnd type="arrow" w="med" len="med"/>
+            <a:tailEnd type="none" w="med" len="med"/>
+          </a:ln>
+        </p:spPr>
+        <p:style>
+          <a:lnRef idx="1">
+            <a:schemeClr val="accent1"/>
+          </a:lnRef>
+          <a:fillRef idx="0">
+            <a:schemeClr val="accent1"/>
+          </a:fillRef>
+          <a:effectRef idx="0">
+            <a:schemeClr val="accent1"/>
+          </a:effectRef>
+          <a:fontRef idx="minor">
+            <a:schemeClr val="tx1"/>
+          </a:fontRef>
+        </p:style>
+      </p:cxnSp>
+      <p:cxnSp>
+        <p:nvCxnSpPr>
+          <p:cNvPr id="9" name="Straight Connector 8"/>
+          <p:cNvCxnSpPr/>
+          <p:nvPr/>
+        </p:nvCxnSpPr>
+        <p:spPr>
+          <a:xfrm flipH="1">
+            <a:off x="2507432" y="2133600"/>
+            <a:ext cx="25256" cy="3657600"/>
+          </a:xfrm>
+          <a:prstGeom prst="line">
+            <a:avLst/>
+          </a:prstGeom>
+          <a:ln w="19050">
+            <a:solidFill>
+              <a:schemeClr val="accent4">
+                <a:lumMod val="60000"/>
+                <a:lumOff val="40000"/>
+              </a:schemeClr>
+            </a:solidFill>
+            <a:prstDash val="sysDash"/>
+          </a:ln>
+          <a:effectLst/>
+        </p:spPr>
+        <p:style>
+          <a:lnRef idx="1">
+            <a:schemeClr val="accent1"/>
+          </a:lnRef>
+          <a:fillRef idx="2">
+            <a:schemeClr val="accent1"/>
+          </a:fillRef>
+          <a:effectRef idx="1">
+            <a:schemeClr val="accent1"/>
+          </a:effectRef>
+          <a:fontRef idx="minor">
+            <a:schemeClr val="dk1"/>
+          </a:fontRef>
+        </p:style>
+      </p:cxnSp>
+      <p:sp>
+        <p:nvSpPr>
+          <p:cNvPr id="10" name="Rectangle 9"/>
+          <p:cNvSpPr/>
+          <p:nvPr/>
+        </p:nvSpPr>
+        <p:spPr>
+          <a:xfrm>
+            <a:off x="2438734" y="2569550"/>
+            <a:ext cx="159456" cy="2916850"/>
+          </a:xfrm>
+          <a:prstGeom prst="rect">
+            <a:avLst/>
+          </a:prstGeom>
+          <a:solidFill>
+            <a:srgbClr val="7030A0"/>
+          </a:solidFill>
+          <a:ln>
+            <a:solidFill>
+              <a:schemeClr val="accent4">
+                <a:lumMod val="60000"/>
+                <a:lumOff val="40000"/>
+              </a:schemeClr>
+            </a:solidFill>
+          </a:ln>
+          <a:effectLst/>
+        </p:spPr>
+        <p:style>
+          <a:lnRef idx="1">
+            <a:schemeClr val="accent3"/>
+          </a:lnRef>
+          <a:fillRef idx="2">
+            <a:schemeClr val="accent3"/>
+          </a:fillRef>
+          <a:effectRef idx="1">
+            <a:schemeClr val="accent3"/>
+          </a:effectRef>
+          <a:fontRef idx="minor">
+            <a:schemeClr val="dk1"/>
+          </a:fontRef>
+        </p:style>
+        <p:txBody>
+          <a:bodyPr rtlCol="0" anchor="ctr"/>
+          <a:lstStyle/>
+          <a:p>
+            <a:pPr algn="ctr"/>
+            <a:endParaRPr lang="en-SG" sz="1100">
+              <a:solidFill>
+                <a:schemeClr val="dk1"/>
+              </a:solidFill>
+            </a:endParaRPr>
+          </a:p>
+        </p:txBody>
+      </p:sp>
+      <p:sp>
+        <p:nvSpPr>
+          <p:cNvPr id="11" name="Rectangle 62"/>
+          <p:cNvSpPr/>
+          <p:nvPr/>
+        </p:nvSpPr>
+        <p:spPr>
+          <a:xfrm>
+            <a:off x="1941174" y="1908207"/>
+            <a:ext cx="1183026" cy="287955"/>
+          </a:xfrm>
+          <a:prstGeom prst="rect">
+            <a:avLst/>
+          </a:prstGeom>
+          <a:solidFill>
+            <a:srgbClr val="7030A0"/>
+          </a:solidFill>
+          <a:ln w="19050">
+            <a:solidFill>
+              <a:schemeClr val="accent4">
+                <a:lumMod val="60000"/>
+                <a:lumOff val="40000"/>
+              </a:schemeClr>
+            </a:solidFill>
+          </a:ln>
+          <a:effectLst/>
+        </p:spPr>
+        <p:style>
+          <a:lnRef idx="1">
+            <a:schemeClr val="accent2"/>
+          </a:lnRef>
+          <a:fillRef idx="2">
+            <a:schemeClr val="accent2"/>
+          </a:fillRef>
+          <a:effectRef idx="1">
+            <a:schemeClr val="accent2"/>
+          </a:effectRef>
+          <a:fontRef idx="minor">
+            <a:schemeClr val="dk1"/>
+          </a:fontRef>
+        </p:style>
+        <p:txBody>
+          <a:bodyPr rtlCol="0" anchor="ctr"/>
+          <a:lstStyle/>
+          <a:p>
+            <a:pPr algn="ctr"/>
+            <a:r>
+              <a:rPr lang="en-US" sz="1200" dirty="0">
+                <a:solidFill>
+                  <a:schemeClr val="bg1"/>
+                </a:solidFill>
+              </a:rPr>
+              <a:t>:</a:t>
+            </a:r>
+            <a:r>
+              <a:rPr lang="en-US" sz="1200" dirty="0" err="1">
+                <a:solidFill>
+                  <a:schemeClr val="bg1"/>
+                </a:solidFill>
+              </a:rPr>
+              <a:t>AddressBook</a:t>
+            </a:r>
+            <a:endParaRPr lang="en-SG" sz="1200" dirty="0">
+              <a:solidFill>
+                <a:schemeClr val="bg1"/>
+              </a:solidFill>
+            </a:endParaRPr>
+          </a:p>
+        </p:txBody>
+      </p:sp>
+      <p:cxnSp>
+        <p:nvCxnSpPr>
+          <p:cNvPr id="12" name="Straight Arrow Connector 11"/>
+          <p:cNvCxnSpPr>
+            <a:endCxn id="10" idx="0"/>
+          </p:cNvCxnSpPr>
+          <p:nvPr/>
+        </p:nvCxnSpPr>
+        <p:spPr>
+          <a:xfrm flipV="1">
+            <a:off x="1291629" y="2569550"/>
+            <a:ext cx="1226833" cy="9132"/>
+          </a:xfrm>
+          <a:prstGeom prst="straightConnector1">
+            <a:avLst/>
+          </a:prstGeom>
+          <a:ln w="19050">
+            <a:solidFill>
+              <a:srgbClr val="7030A0"/>
+            </a:solidFill>
+            <a:tailEnd type="arrow"/>
+          </a:ln>
+        </p:spPr>
+        <p:style>
+          <a:lnRef idx="1">
+            <a:schemeClr val="accent1"/>
+          </a:lnRef>
+          <a:fillRef idx="0">
+            <a:schemeClr val="accent1"/>
+          </a:fillRef>
+          <a:effectRef idx="0">
+            <a:schemeClr val="accent1"/>
+          </a:effectRef>
+          <a:fontRef idx="minor">
+            <a:schemeClr val="tx1"/>
+          </a:fontRef>
+        </p:style>
+      </p:cxnSp>
+      <p:sp>
+        <p:nvSpPr>
+          <p:cNvPr id="14" name="TextBox 13"/>
+          <p:cNvSpPr txBox="1"/>
+          <p:nvPr/>
+        </p:nvSpPr>
+        <p:spPr>
+          <a:xfrm>
+            <a:off x="1342847" y="2196162"/>
+            <a:ext cx="1067200" cy="338554"/>
+          </a:xfrm>
+          <a:prstGeom prst="rect">
+            <a:avLst/>
+          </a:prstGeom>
+          <a:noFill/>
+        </p:spPr>
+        <p:txBody>
+          <a:bodyPr wrap="square" lIns="0" tIns="0" rIns="0" bIns="0" rtlCol="0">
+            <a:spAutoFit/>
+          </a:bodyPr>
+          <a:lstStyle>
+            <a:defPPr>
+              <a:defRPr lang="en-US"/>
+            </a:defPPr>
+            <a:lvl1pPr algn="r">
+              <a:defRPr sz="1400">
+                <a:solidFill>
+                  <a:srgbClr val="0070C0"/>
+                </a:solidFill>
+              </a:defRPr>
+            </a:lvl1pPr>
+          </a:lstStyle>
+          <a:p>
+            <a:r>
+              <a:rPr lang="en-US" sz="1100" dirty="0" err="1">
+                <a:solidFill>
+                  <a:srgbClr val="7030A0"/>
+                </a:solidFill>
+              </a:rPr>
+              <a:t>addPrisonerToCell</a:t>
+            </a:r>
+            <a:r>
+              <a:rPr lang="en-US" sz="1100" dirty="0">
+                <a:solidFill>
+                  <a:srgbClr val="7030A0"/>
+                </a:solidFill>
+              </a:rPr>
+              <a:t>(p, </a:t>
+            </a:r>
+            <a:r>
+              <a:rPr lang="en-US" sz="1100" dirty="0" err="1">
+                <a:solidFill>
+                  <a:srgbClr val="7030A0"/>
+                </a:solidFill>
+              </a:rPr>
+              <a:t>cellAddress</a:t>
+            </a:r>
+            <a:r>
+              <a:rPr lang="en-US" sz="1100" dirty="0">
+                <a:solidFill>
+                  <a:srgbClr val="7030A0"/>
+                </a:solidFill>
+              </a:rPr>
+              <a:t>)</a:t>
+            </a:r>
+          </a:p>
+        </p:txBody>
+      </p:sp>
+      <p:cxnSp>
+        <p:nvCxnSpPr>
+          <p:cNvPr id="18" name="Straight Connector 17"/>
+          <p:cNvCxnSpPr/>
+          <p:nvPr/>
+        </p:nvCxnSpPr>
+        <p:spPr>
+          <a:xfrm flipH="1">
+            <a:off x="4107230" y="3550105"/>
+            <a:ext cx="1147" cy="398224"/>
+          </a:xfrm>
+          <a:prstGeom prst="line">
+            <a:avLst/>
+          </a:prstGeom>
+          <a:ln w="19050">
+            <a:solidFill>
+              <a:schemeClr val="accent4">
+                <a:lumMod val="60000"/>
+                <a:lumOff val="40000"/>
+              </a:schemeClr>
+            </a:solidFill>
+            <a:prstDash val="sysDash"/>
+          </a:ln>
+          <a:effectLst/>
+        </p:spPr>
+        <p:style>
+          <a:lnRef idx="1">
+            <a:schemeClr val="accent1"/>
+          </a:lnRef>
+          <a:fillRef idx="2">
+            <a:schemeClr val="accent1"/>
+          </a:fillRef>
+          <a:effectRef idx="1">
+            <a:schemeClr val="accent1"/>
+          </a:effectRef>
+          <a:fontRef idx="minor">
+            <a:schemeClr val="dk1"/>
+          </a:fontRef>
+        </p:style>
+      </p:cxnSp>
+      <p:sp>
+        <p:nvSpPr>
+          <p:cNvPr id="20" name="Rectangle 62"/>
+          <p:cNvSpPr/>
+          <p:nvPr/>
+        </p:nvSpPr>
+        <p:spPr>
+          <a:xfrm>
+            <a:off x="3718180" y="3165878"/>
+            <a:ext cx="802026" cy="287955"/>
+          </a:xfrm>
+          <a:prstGeom prst="rect">
+            <a:avLst/>
+          </a:prstGeom>
+          <a:solidFill>
+            <a:srgbClr val="7030A0"/>
+          </a:solidFill>
+          <a:ln w="19050">
+            <a:solidFill>
+              <a:schemeClr val="accent4">
+                <a:lumMod val="60000"/>
+                <a:lumOff val="40000"/>
+              </a:schemeClr>
+            </a:solidFill>
+          </a:ln>
+          <a:effectLst/>
+        </p:spPr>
+        <p:style>
+          <a:lnRef idx="1">
+            <a:schemeClr val="accent2"/>
+          </a:lnRef>
+          <a:fillRef idx="2">
+            <a:schemeClr val="accent2"/>
+          </a:fillRef>
+          <a:effectRef idx="1">
+            <a:schemeClr val="accent2"/>
+          </a:effectRef>
+          <a:fontRef idx="minor">
+            <a:schemeClr val="dk1"/>
+          </a:fontRef>
+        </p:style>
+        <p:txBody>
+          <a:bodyPr rtlCol="0" anchor="ctr"/>
+          <a:lstStyle/>
+          <a:p>
+            <a:pPr algn="ctr"/>
+            <a:r>
+              <a:rPr lang="en-US" sz="1200" dirty="0">
+                <a:solidFill>
+                  <a:schemeClr val="bg1"/>
+                </a:solidFill>
+              </a:rPr>
+              <a:t>:Person</a:t>
+            </a:r>
+            <a:endParaRPr lang="en-SG" sz="1200" dirty="0">
+              <a:solidFill>
+                <a:schemeClr val="bg1"/>
+              </a:solidFill>
+            </a:endParaRPr>
+          </a:p>
+        </p:txBody>
+      </p:sp>
+      <p:cxnSp>
+        <p:nvCxnSpPr>
+          <p:cNvPr id="21" name="Straight Arrow Connector 20"/>
+          <p:cNvCxnSpPr>
+            <a:endCxn id="20" idx="1"/>
+          </p:cNvCxnSpPr>
+          <p:nvPr/>
+        </p:nvCxnSpPr>
+        <p:spPr>
+          <a:xfrm flipV="1">
+            <a:off x="2553471" y="3309856"/>
+            <a:ext cx="1164709" cy="11905"/>
+          </a:xfrm>
+          <a:prstGeom prst="straightConnector1">
+            <a:avLst/>
+          </a:prstGeom>
+          <a:ln w="19050">
+            <a:solidFill>
+              <a:srgbClr val="7030A0"/>
+            </a:solidFill>
+            <a:tailEnd type="arrow"/>
+          </a:ln>
+        </p:spPr>
+        <p:style>
+          <a:lnRef idx="1">
+            <a:schemeClr val="accent1"/>
+          </a:lnRef>
+          <a:fillRef idx="0">
+            <a:schemeClr val="accent1"/>
+          </a:fillRef>
+          <a:effectRef idx="0">
+            <a:schemeClr val="accent1"/>
+          </a:effectRef>
+          <a:fontRef idx="minor">
+            <a:schemeClr val="tx1"/>
+          </a:fontRef>
+        </p:style>
+      </p:cxnSp>
+      <p:sp>
+        <p:nvSpPr>
+          <p:cNvPr id="22" name="TextBox 21"/>
+          <p:cNvSpPr txBox="1"/>
+          <p:nvPr/>
+        </p:nvSpPr>
+        <p:spPr>
+          <a:xfrm>
+            <a:off x="2581040" y="2936667"/>
+            <a:ext cx="1000360" cy="338554"/>
+          </a:xfrm>
+          <a:prstGeom prst="rect">
+            <a:avLst/>
+          </a:prstGeom>
+          <a:noFill/>
+        </p:spPr>
+        <p:txBody>
+          <a:bodyPr wrap="square" lIns="0" tIns="0" rIns="0" bIns="0" rtlCol="0">
+            <a:spAutoFit/>
+          </a:bodyPr>
+          <a:lstStyle>
+            <a:defPPr>
+              <a:defRPr lang="en-US"/>
+            </a:defPPr>
+            <a:lvl1pPr algn="r">
+              <a:defRPr sz="1400">
+                <a:solidFill>
+                  <a:srgbClr val="0070C0"/>
+                </a:solidFill>
+              </a:defRPr>
+            </a:lvl1pPr>
+          </a:lstStyle>
+          <a:p>
+            <a:r>
+              <a:rPr lang="en-US" sz="1100" dirty="0">
+                <a:solidFill>
+                  <a:srgbClr val="7030A0"/>
+                </a:solidFill>
+              </a:rPr>
+              <a:t>Person (p, true,</a:t>
+            </a:r>
+          </a:p>
+          <a:p>
+            <a:r>
+              <a:rPr lang="en-US" sz="1100" dirty="0" err="1">
+                <a:solidFill>
+                  <a:srgbClr val="7030A0"/>
+                </a:solidFill>
+              </a:rPr>
+              <a:t>cellAddress</a:t>
+            </a:r>
+            <a:r>
+              <a:rPr lang="en-US" sz="1100" dirty="0">
+                <a:solidFill>
+                  <a:srgbClr val="7030A0"/>
+                </a:solidFill>
+              </a:rPr>
+              <a:t>)</a:t>
+            </a:r>
+          </a:p>
+        </p:txBody>
+      </p:sp>
+      <p:cxnSp>
+        <p:nvCxnSpPr>
+          <p:cNvPr id="36" name="Straight Arrow Connector 35"/>
+          <p:cNvCxnSpPr/>
+          <p:nvPr/>
+        </p:nvCxnSpPr>
+        <p:spPr>
+          <a:xfrm flipV="1">
+            <a:off x="2618547" y="4014849"/>
+            <a:ext cx="2050677" cy="3482"/>
+          </a:xfrm>
+          <a:prstGeom prst="straightConnector1">
+            <a:avLst/>
+          </a:prstGeom>
+          <a:ln w="19050">
+            <a:solidFill>
+              <a:srgbClr val="7030A0"/>
+            </a:solidFill>
+            <a:tailEnd type="arrow"/>
+          </a:ln>
+        </p:spPr>
+        <p:style>
+          <a:lnRef idx="1">
+            <a:schemeClr val="accent1"/>
+          </a:lnRef>
+          <a:fillRef idx="0">
+            <a:schemeClr val="accent1"/>
+          </a:fillRef>
+          <a:effectRef idx="0">
+            <a:schemeClr val="accent1"/>
+          </a:effectRef>
+          <a:fontRef idx="minor">
+            <a:schemeClr val="tx1"/>
+          </a:fontRef>
+        </p:style>
+      </p:cxnSp>
+      <p:cxnSp>
+        <p:nvCxnSpPr>
+          <p:cNvPr id="37" name="Straight Connector 36"/>
+          <p:cNvCxnSpPr/>
+          <p:nvPr/>
+        </p:nvCxnSpPr>
+        <p:spPr>
+          <a:xfrm>
+            <a:off x="7843818" y="4467130"/>
+            <a:ext cx="8493" cy="826006"/>
+          </a:xfrm>
+          <a:prstGeom prst="line">
+            <a:avLst/>
+          </a:prstGeom>
+          <a:ln w="19050">
+            <a:solidFill>
+              <a:schemeClr val="accent4">
+                <a:lumMod val="60000"/>
+                <a:lumOff val="40000"/>
+              </a:schemeClr>
+            </a:solidFill>
+            <a:prstDash val="sysDash"/>
+          </a:ln>
+          <a:effectLst/>
+        </p:spPr>
+        <p:style>
+          <a:lnRef idx="1">
+            <a:schemeClr val="accent1"/>
+          </a:lnRef>
+          <a:fillRef idx="2">
+            <a:schemeClr val="accent1"/>
+          </a:fillRef>
+          <a:effectRef idx="1">
+            <a:schemeClr val="accent1"/>
+          </a:effectRef>
+          <a:fontRef idx="minor">
+            <a:schemeClr val="dk1"/>
+          </a:fontRef>
+        </p:style>
+      </p:cxnSp>
+      <p:sp>
+        <p:nvSpPr>
+          <p:cNvPr id="38" name="Rectangle 37"/>
+          <p:cNvSpPr/>
+          <p:nvPr/>
+        </p:nvSpPr>
+        <p:spPr>
+          <a:xfrm>
+            <a:off x="7771593" y="4673945"/>
+            <a:ext cx="171599" cy="355256"/>
+          </a:xfrm>
+          <a:prstGeom prst="rect">
+            <a:avLst/>
+          </a:prstGeom>
+          <a:solidFill>
+            <a:srgbClr val="7030A0"/>
+          </a:solidFill>
+          <a:ln>
+            <a:solidFill>
+              <a:schemeClr val="accent4">
+                <a:lumMod val="60000"/>
+                <a:lumOff val="40000"/>
+              </a:schemeClr>
+            </a:solidFill>
+          </a:ln>
+          <a:effectLst/>
+        </p:spPr>
+        <p:style>
+          <a:lnRef idx="1">
+            <a:schemeClr val="accent3"/>
+          </a:lnRef>
+          <a:fillRef idx="2">
+            <a:schemeClr val="accent3"/>
+          </a:fillRef>
+          <a:effectRef idx="1">
+            <a:schemeClr val="accent3"/>
+          </a:effectRef>
+          <a:fontRef idx="minor">
+            <a:schemeClr val="dk1"/>
+          </a:fontRef>
+        </p:style>
+        <p:txBody>
+          <a:bodyPr rtlCol="0" anchor="ctr"/>
+          <a:lstStyle/>
+          <a:p>
+            <a:pPr algn="ctr"/>
+            <a:endParaRPr lang="en-SG" sz="1100">
+              <a:solidFill>
+                <a:schemeClr val="dk1"/>
+              </a:solidFill>
+            </a:endParaRPr>
+          </a:p>
+        </p:txBody>
+      </p:sp>
+      <p:sp>
+        <p:nvSpPr>
+          <p:cNvPr id="39" name="Rectangle 62"/>
+          <p:cNvSpPr/>
+          <p:nvPr/>
+        </p:nvSpPr>
+        <p:spPr>
+          <a:xfrm>
+            <a:off x="7538885" y="4164404"/>
+            <a:ext cx="650656" cy="288369"/>
+          </a:xfrm>
+          <a:prstGeom prst="rect">
+            <a:avLst/>
+          </a:prstGeom>
+          <a:solidFill>
+            <a:srgbClr val="7030A0"/>
+          </a:solidFill>
+          <a:ln w="19050">
+            <a:solidFill>
+              <a:schemeClr val="accent4">
+                <a:lumMod val="60000"/>
+                <a:lumOff val="40000"/>
+              </a:schemeClr>
+            </a:solidFill>
+          </a:ln>
+          <a:effectLst/>
+        </p:spPr>
+        <p:style>
+          <a:lnRef idx="1">
+            <a:schemeClr val="accent2"/>
+          </a:lnRef>
+          <a:fillRef idx="2">
+            <a:schemeClr val="accent2"/>
+          </a:fillRef>
+          <a:effectRef idx="1">
+            <a:schemeClr val="accent2"/>
+          </a:effectRef>
+          <a:fontRef idx="minor">
+            <a:schemeClr val="dk1"/>
+          </a:fontRef>
+        </p:style>
+        <p:txBody>
+          <a:bodyPr rtlCol="0" anchor="ctr"/>
+          <a:lstStyle/>
+          <a:p>
+            <a:pPr algn="ctr"/>
+            <a:r>
+              <a:rPr lang="en-US" sz="1200" dirty="0">
+                <a:solidFill>
+                  <a:schemeClr val="bg1"/>
+                </a:solidFill>
+              </a:rPr>
+              <a:t>:Cell</a:t>
+            </a:r>
+            <a:endParaRPr lang="en-SG" sz="1200" dirty="0">
+              <a:solidFill>
+                <a:schemeClr val="bg1"/>
+              </a:solidFill>
+            </a:endParaRPr>
+          </a:p>
+        </p:txBody>
+      </p:sp>
+      <p:sp>
+        <p:nvSpPr>
+          <p:cNvPr id="41" name="Rectangle 40"/>
+          <p:cNvSpPr/>
+          <p:nvPr/>
+        </p:nvSpPr>
+        <p:spPr>
+          <a:xfrm>
+            <a:off x="4047592" y="3429000"/>
+            <a:ext cx="143408" cy="138732"/>
+          </a:xfrm>
+          <a:prstGeom prst="rect">
+            <a:avLst/>
+          </a:prstGeom>
+          <a:solidFill>
+            <a:srgbClr val="7030A0"/>
+          </a:solidFill>
+          <a:ln>
+            <a:solidFill>
+              <a:schemeClr val="accent4">
+                <a:lumMod val="60000"/>
+                <a:lumOff val="40000"/>
+              </a:schemeClr>
+            </a:solidFill>
+          </a:ln>
+          <a:effectLst/>
+        </p:spPr>
+        <p:style>
+          <a:lnRef idx="1">
+            <a:schemeClr val="accent3"/>
+          </a:lnRef>
+          <a:fillRef idx="2">
+            <a:schemeClr val="accent3"/>
+          </a:fillRef>
+          <a:effectRef idx="1">
+            <a:schemeClr val="accent3"/>
+          </a:effectRef>
+          <a:fontRef idx="minor">
+            <a:schemeClr val="dk1"/>
+          </a:fontRef>
+        </p:style>
+        <p:txBody>
+          <a:bodyPr rtlCol="0" anchor="ctr"/>
+          <a:lstStyle/>
+          <a:p>
+            <a:pPr algn="ctr"/>
+            <a:endParaRPr lang="en-SG" sz="1100">
+              <a:solidFill>
+                <a:schemeClr val="dk1"/>
+              </a:solidFill>
+            </a:endParaRPr>
+          </a:p>
+        </p:txBody>
+      </p:sp>
+      <p:cxnSp>
+        <p:nvCxnSpPr>
+          <p:cNvPr id="48" name="Straight Arrow Connector 47"/>
+          <p:cNvCxnSpPr>
+            <a:endCxn id="41" idx="2"/>
+          </p:cNvCxnSpPr>
+          <p:nvPr/>
+        </p:nvCxnSpPr>
+        <p:spPr>
+          <a:xfrm>
+            <a:off x="2581040" y="3550105"/>
+            <a:ext cx="1538256" cy="17627"/>
+          </a:xfrm>
+          <a:prstGeom prst="straightConnector1">
+            <a:avLst/>
+          </a:prstGeom>
+          <a:ln w="19050">
+            <a:solidFill>
+              <a:schemeClr val="accent4">
+                <a:lumMod val="60000"/>
+                <a:lumOff val="40000"/>
+              </a:schemeClr>
+            </a:solidFill>
+            <a:prstDash val="sysDash"/>
+            <a:headEnd type="arrow" w="med" len="med"/>
+            <a:tailEnd type="none" w="med" len="med"/>
+          </a:ln>
+        </p:spPr>
+        <p:style>
+          <a:lnRef idx="1">
+            <a:schemeClr val="accent1"/>
+          </a:lnRef>
+          <a:fillRef idx="0">
+            <a:schemeClr val="accent1"/>
+          </a:fillRef>
+          <a:effectRef idx="0">
+            <a:schemeClr val="accent1"/>
+          </a:effectRef>
+          <a:fontRef idx="minor">
+            <a:schemeClr val="tx1"/>
+          </a:fontRef>
+        </p:style>
+      </p:cxnSp>
+      <p:cxnSp>
+        <p:nvCxnSpPr>
+          <p:cNvPr id="51" name="Straight Connector 50"/>
+          <p:cNvCxnSpPr/>
+          <p:nvPr/>
+        </p:nvCxnSpPr>
+        <p:spPr>
+          <a:xfrm flipH="1">
+            <a:off x="4759057" y="2863544"/>
+            <a:ext cx="13707" cy="1916198"/>
+          </a:xfrm>
+          <a:prstGeom prst="line">
+            <a:avLst/>
+          </a:prstGeom>
+          <a:ln w="19050">
+            <a:solidFill>
+              <a:schemeClr val="accent4">
+                <a:lumMod val="60000"/>
+                <a:lumOff val="40000"/>
+              </a:schemeClr>
+            </a:solidFill>
+            <a:prstDash val="sysDash"/>
+          </a:ln>
+          <a:effectLst/>
+        </p:spPr>
+        <p:style>
+          <a:lnRef idx="1">
+            <a:schemeClr val="accent1"/>
+          </a:lnRef>
+          <a:fillRef idx="2">
+            <a:schemeClr val="accent1"/>
+          </a:fillRef>
+          <a:effectRef idx="1">
+            <a:schemeClr val="accent1"/>
+          </a:effectRef>
+          <a:fontRef idx="minor">
+            <a:schemeClr val="dk1"/>
+          </a:fontRef>
+        </p:style>
+      </p:cxnSp>
+      <p:sp>
+        <p:nvSpPr>
+          <p:cNvPr id="52" name="Rectangle 51"/>
+          <p:cNvSpPr/>
+          <p:nvPr/>
+        </p:nvSpPr>
+        <p:spPr>
+          <a:xfrm>
+            <a:off x="4669150" y="3998403"/>
+            <a:ext cx="207650" cy="192598"/>
+          </a:xfrm>
+          <a:prstGeom prst="rect">
+            <a:avLst/>
+          </a:prstGeom>
+          <a:solidFill>
+            <a:srgbClr val="7030A0"/>
+          </a:solidFill>
+          <a:ln>
+            <a:solidFill>
+              <a:schemeClr val="accent4">
+                <a:lumMod val="60000"/>
+                <a:lumOff val="40000"/>
+              </a:schemeClr>
+            </a:solidFill>
+          </a:ln>
+          <a:effectLst/>
+        </p:spPr>
+        <p:style>
+          <a:lnRef idx="1">
+            <a:schemeClr val="accent3"/>
+          </a:lnRef>
+          <a:fillRef idx="2">
+            <a:schemeClr val="accent3"/>
+          </a:fillRef>
+          <a:effectRef idx="1">
+            <a:schemeClr val="accent3"/>
+          </a:effectRef>
+          <a:fontRef idx="minor">
+            <a:schemeClr val="dk1"/>
+          </a:fontRef>
+        </p:style>
+        <p:txBody>
+          <a:bodyPr rtlCol="0" anchor="ctr"/>
+          <a:lstStyle/>
+          <a:p>
+            <a:pPr algn="ctr"/>
+            <a:endParaRPr lang="en-SG" sz="1100">
+              <a:solidFill>
+                <a:schemeClr val="dk1"/>
+              </a:solidFill>
+            </a:endParaRPr>
+          </a:p>
+        </p:txBody>
+      </p:sp>
+      <p:sp>
+        <p:nvSpPr>
+          <p:cNvPr id="53" name="Rectangle 62"/>
+          <p:cNvSpPr/>
+          <p:nvPr/>
+        </p:nvSpPr>
+        <p:spPr>
+          <a:xfrm>
+            <a:off x="4209509" y="2753476"/>
+            <a:ext cx="1183026" cy="366381"/>
+          </a:xfrm>
+          <a:prstGeom prst="rect">
+            <a:avLst/>
+          </a:prstGeom>
+          <a:solidFill>
+            <a:srgbClr val="7030A0"/>
+          </a:solidFill>
+          <a:ln w="19050">
+            <a:solidFill>
+              <a:schemeClr val="accent4">
+                <a:lumMod val="60000"/>
+                <a:lumOff val="40000"/>
+              </a:schemeClr>
+            </a:solidFill>
+          </a:ln>
+          <a:effectLst/>
+        </p:spPr>
+        <p:style>
+          <a:lnRef idx="1">
+            <a:schemeClr val="accent2"/>
+          </a:lnRef>
+          <a:fillRef idx="2">
+            <a:schemeClr val="accent2"/>
+          </a:fillRef>
+          <a:effectRef idx="1">
+            <a:schemeClr val="accent2"/>
+          </a:effectRef>
+          <a:fontRef idx="minor">
+            <a:schemeClr val="dk1"/>
+          </a:fontRef>
+        </p:style>
+        <p:txBody>
+          <a:bodyPr rtlCol="0" anchor="ctr"/>
+          <a:lstStyle/>
+          <a:p>
+            <a:pPr algn="ctr"/>
+            <a:r>
+              <a:rPr lang="en-US" sz="1200" dirty="0">
+                <a:solidFill>
+                  <a:schemeClr val="bg1"/>
+                </a:solidFill>
+              </a:rPr>
+              <a:t>:</a:t>
+            </a:r>
+            <a:r>
+              <a:rPr lang="en-US" sz="1200" dirty="0" err="1">
+                <a:solidFill>
+                  <a:schemeClr val="bg1"/>
+                </a:solidFill>
+              </a:rPr>
+              <a:t>UniquePerson</a:t>
+            </a:r>
+            <a:endParaRPr lang="en-US" sz="1200" dirty="0">
+              <a:solidFill>
+                <a:schemeClr val="bg1"/>
+              </a:solidFill>
+            </a:endParaRPr>
+          </a:p>
+          <a:p>
+            <a:pPr algn="ctr"/>
+            <a:r>
+              <a:rPr lang="en-US" sz="1200" dirty="0">
+                <a:solidFill>
+                  <a:schemeClr val="bg1"/>
+                </a:solidFill>
+              </a:rPr>
+              <a:t>List</a:t>
+            </a:r>
+            <a:endParaRPr lang="en-SG" sz="1200" dirty="0">
+              <a:solidFill>
+                <a:schemeClr val="bg1"/>
+              </a:solidFill>
+            </a:endParaRPr>
+          </a:p>
+        </p:txBody>
+      </p:sp>
+      <p:sp>
+        <p:nvSpPr>
+          <p:cNvPr id="60" name="TextBox 59"/>
+          <p:cNvSpPr txBox="1"/>
+          <p:nvPr/>
+        </p:nvSpPr>
+        <p:spPr>
+          <a:xfrm>
+            <a:off x="2611851" y="3372645"/>
+            <a:ext cx="1000360" cy="169277"/>
+          </a:xfrm>
+          <a:prstGeom prst="rect">
+            <a:avLst/>
+          </a:prstGeom>
+          <a:noFill/>
+        </p:spPr>
+        <p:txBody>
+          <a:bodyPr wrap="square" lIns="0" tIns="0" rIns="0" bIns="0" rtlCol="0">
+            <a:spAutoFit/>
+          </a:bodyPr>
+          <a:lstStyle>
+            <a:defPPr>
+              <a:defRPr lang="en-US"/>
+            </a:defPPr>
+            <a:lvl1pPr algn="r">
+              <a:defRPr sz="1400">
+                <a:solidFill>
+                  <a:srgbClr val="0070C0"/>
+                </a:solidFill>
+              </a:defRPr>
+            </a:lvl1pPr>
+          </a:lstStyle>
+          <a:p>
+            <a:r>
+              <a:rPr lang="en-US" sz="1100" dirty="0" err="1">
+                <a:solidFill>
+                  <a:srgbClr val="7030A0"/>
+                </a:solidFill>
+              </a:rPr>
+              <a:t>updatedP</a:t>
+            </a:r>
+            <a:endParaRPr lang="en-US" sz="1100" dirty="0">
+              <a:solidFill>
+                <a:srgbClr val="7030A0"/>
+              </a:solidFill>
+            </a:endParaRPr>
+          </a:p>
+        </p:txBody>
+      </p:sp>
+      <p:sp>
+        <p:nvSpPr>
+          <p:cNvPr id="62" name="TextBox 61"/>
+          <p:cNvSpPr txBox="1"/>
+          <p:nvPr/>
+        </p:nvSpPr>
+        <p:spPr>
+          <a:xfrm>
+            <a:off x="2727396" y="3659849"/>
+            <a:ext cx="1140983" cy="338554"/>
+          </a:xfrm>
+          <a:prstGeom prst="rect">
+            <a:avLst/>
+          </a:prstGeom>
+          <a:noFill/>
+        </p:spPr>
+        <p:txBody>
+          <a:bodyPr wrap="square" lIns="0" tIns="0" rIns="0" bIns="0" rtlCol="0">
+            <a:spAutoFit/>
+          </a:bodyPr>
+          <a:lstStyle>
+            <a:defPPr>
+              <a:defRPr lang="en-US"/>
+            </a:defPPr>
+            <a:lvl1pPr algn="r">
+              <a:defRPr sz="1400">
+                <a:solidFill>
+                  <a:srgbClr val="0070C0"/>
+                </a:solidFill>
+              </a:defRPr>
+            </a:lvl1pPr>
+          </a:lstStyle>
+          <a:p>
+            <a:r>
+              <a:rPr lang="en-US" sz="1100" dirty="0" err="1">
+                <a:solidFill>
+                  <a:srgbClr val="7030A0"/>
+                </a:solidFill>
+              </a:rPr>
+              <a:t>setPrisoner</a:t>
+            </a:r>
+            <a:endParaRPr lang="en-US" sz="1100" dirty="0">
+              <a:solidFill>
+                <a:srgbClr val="7030A0"/>
+              </a:solidFill>
+            </a:endParaRPr>
+          </a:p>
+          <a:p>
+            <a:r>
+              <a:rPr lang="en-US" sz="1100" dirty="0">
+                <a:solidFill>
+                  <a:srgbClr val="7030A0"/>
+                </a:solidFill>
+              </a:rPr>
+              <a:t>(p, </a:t>
+            </a:r>
+            <a:r>
+              <a:rPr lang="en-US" sz="1100" dirty="0" err="1">
+                <a:solidFill>
+                  <a:srgbClr val="7030A0"/>
+                </a:solidFill>
+              </a:rPr>
+              <a:t>updatedP</a:t>
+            </a:r>
+            <a:r>
+              <a:rPr lang="en-US" sz="1100" dirty="0">
+                <a:solidFill>
+                  <a:srgbClr val="7030A0"/>
+                </a:solidFill>
+              </a:rPr>
+              <a:t>)</a:t>
+            </a:r>
+          </a:p>
+        </p:txBody>
+      </p:sp>
+      <p:cxnSp>
+        <p:nvCxnSpPr>
+          <p:cNvPr id="68" name="Straight Connector 67"/>
+          <p:cNvCxnSpPr/>
+          <p:nvPr/>
+        </p:nvCxnSpPr>
+        <p:spPr>
+          <a:xfrm flipH="1">
+            <a:off x="5771361" y="4290284"/>
+            <a:ext cx="1496" cy="1500916"/>
+          </a:xfrm>
+          <a:prstGeom prst="line">
+            <a:avLst/>
+          </a:prstGeom>
+          <a:ln w="19050">
+            <a:solidFill>
+              <a:schemeClr val="accent4">
+                <a:lumMod val="60000"/>
+                <a:lumOff val="40000"/>
+              </a:schemeClr>
+            </a:solidFill>
+            <a:prstDash val="sysDash"/>
+          </a:ln>
+          <a:effectLst/>
+        </p:spPr>
+        <p:style>
+          <a:lnRef idx="1">
+            <a:schemeClr val="accent1"/>
+          </a:lnRef>
+          <a:fillRef idx="2">
+            <a:schemeClr val="accent1"/>
+          </a:fillRef>
+          <a:effectRef idx="1">
+            <a:schemeClr val="accent1"/>
+          </a:effectRef>
+          <a:fontRef idx="minor">
+            <a:schemeClr val="dk1"/>
+          </a:fontRef>
+        </p:style>
+      </p:cxnSp>
+      <p:sp>
+        <p:nvSpPr>
+          <p:cNvPr id="69" name="Rectangle 68"/>
+          <p:cNvSpPr/>
+          <p:nvPr/>
+        </p:nvSpPr>
+        <p:spPr>
+          <a:xfrm>
+            <a:off x="5680479" y="4489200"/>
+            <a:ext cx="180371" cy="803936"/>
+          </a:xfrm>
+          <a:prstGeom prst="rect">
+            <a:avLst/>
+          </a:prstGeom>
+          <a:solidFill>
+            <a:srgbClr val="7030A0"/>
+          </a:solidFill>
+          <a:ln>
+            <a:solidFill>
+              <a:schemeClr val="accent4">
+                <a:lumMod val="60000"/>
+                <a:lumOff val="40000"/>
+              </a:schemeClr>
+            </a:solidFill>
+          </a:ln>
+          <a:effectLst/>
+        </p:spPr>
+        <p:style>
+          <a:lnRef idx="1">
+            <a:schemeClr val="accent3"/>
+          </a:lnRef>
+          <a:fillRef idx="2">
+            <a:schemeClr val="accent3"/>
+          </a:fillRef>
+          <a:effectRef idx="1">
+            <a:schemeClr val="accent3"/>
+          </a:effectRef>
+          <a:fontRef idx="minor">
+            <a:schemeClr val="dk1"/>
+          </a:fontRef>
+        </p:style>
+        <p:txBody>
+          <a:bodyPr rtlCol="0" anchor="ctr"/>
+          <a:lstStyle/>
+          <a:p>
+            <a:pPr algn="ctr"/>
+            <a:endParaRPr lang="en-SG" sz="1100">
+              <a:solidFill>
+                <a:schemeClr val="dk1"/>
+              </a:solidFill>
+            </a:endParaRPr>
+          </a:p>
+        </p:txBody>
+      </p:sp>
+      <p:sp>
+        <p:nvSpPr>
+          <p:cNvPr id="70" name="Rectangle 62"/>
+          <p:cNvSpPr/>
+          <p:nvPr/>
+        </p:nvSpPr>
+        <p:spPr>
+          <a:xfrm>
+            <a:off x="5380651" y="4004702"/>
+            <a:ext cx="805185" cy="273177"/>
+          </a:xfrm>
+          <a:prstGeom prst="rect">
+            <a:avLst/>
+          </a:prstGeom>
+          <a:solidFill>
+            <a:srgbClr val="7030A0"/>
+          </a:solidFill>
+          <a:ln w="19050">
+            <a:solidFill>
+              <a:schemeClr val="accent4">
+                <a:lumMod val="60000"/>
+                <a:lumOff val="40000"/>
+              </a:schemeClr>
+            </a:solidFill>
+          </a:ln>
+          <a:effectLst/>
+        </p:spPr>
+        <p:style>
+          <a:lnRef idx="1">
+            <a:schemeClr val="accent2"/>
+          </a:lnRef>
+          <a:fillRef idx="2">
+            <a:schemeClr val="accent2"/>
+          </a:fillRef>
+          <a:effectRef idx="1">
+            <a:schemeClr val="accent2"/>
+          </a:effectRef>
+          <a:fontRef idx="minor">
+            <a:schemeClr val="dk1"/>
+          </a:fontRef>
+        </p:style>
+        <p:txBody>
+          <a:bodyPr rtlCol="0" anchor="ctr"/>
+          <a:lstStyle/>
+          <a:p>
+            <a:pPr algn="ctr"/>
+            <a:r>
+              <a:rPr lang="en-US" sz="1200" dirty="0">
+                <a:solidFill>
+                  <a:schemeClr val="bg1"/>
+                </a:solidFill>
+              </a:rPr>
+              <a:t>:</a:t>
+            </a:r>
+            <a:r>
+              <a:rPr lang="en-US" sz="1200" dirty="0" err="1">
+                <a:solidFill>
+                  <a:schemeClr val="bg1"/>
+                </a:solidFill>
+              </a:rPr>
+              <a:t>cellMap</a:t>
+            </a:r>
+            <a:endParaRPr lang="en-SG" sz="1200" dirty="0">
+              <a:solidFill>
+                <a:schemeClr val="bg1"/>
+              </a:solidFill>
+            </a:endParaRPr>
+          </a:p>
+        </p:txBody>
+      </p:sp>
+      <p:cxnSp>
+        <p:nvCxnSpPr>
+          <p:cNvPr id="92" name="Straight Arrow Connector 91"/>
+          <p:cNvCxnSpPr/>
+          <p:nvPr/>
+        </p:nvCxnSpPr>
+        <p:spPr>
+          <a:xfrm flipV="1">
+            <a:off x="2581040" y="4178598"/>
+            <a:ext cx="2112744" cy="12403"/>
+          </a:xfrm>
+          <a:prstGeom prst="straightConnector1">
+            <a:avLst/>
+          </a:prstGeom>
+          <a:ln w="19050">
+            <a:solidFill>
+              <a:schemeClr val="accent4">
+                <a:lumMod val="60000"/>
+                <a:lumOff val="40000"/>
+              </a:schemeClr>
+            </a:solidFill>
+            <a:prstDash val="sysDash"/>
+            <a:headEnd type="arrow" w="med" len="med"/>
+            <a:tailEnd type="none" w="med" len="med"/>
+          </a:ln>
+        </p:spPr>
+        <p:style>
+          <a:lnRef idx="1">
+            <a:schemeClr val="accent1"/>
+          </a:lnRef>
+          <a:fillRef idx="0">
+            <a:schemeClr val="accent1"/>
+          </a:fillRef>
+          <a:effectRef idx="0">
+            <a:schemeClr val="accent1"/>
+          </a:effectRef>
+          <a:fontRef idx="minor">
+            <a:schemeClr val="tx1"/>
+          </a:fontRef>
+        </p:style>
+      </p:cxnSp>
+      <p:cxnSp>
+        <p:nvCxnSpPr>
+          <p:cNvPr id="93" name="Straight Connector 92"/>
+          <p:cNvCxnSpPr/>
+          <p:nvPr/>
+        </p:nvCxnSpPr>
+        <p:spPr>
+          <a:xfrm>
+            <a:off x="8155478" y="145546"/>
+            <a:ext cx="0" cy="204572"/>
+          </a:xfrm>
+          <a:prstGeom prst="line">
+            <a:avLst/>
+          </a:prstGeom>
+          <a:ln>
+            <a:solidFill>
+              <a:srgbClr val="7030A0"/>
+            </a:solidFill>
+          </a:ln>
+        </p:spPr>
+        <p:style>
+          <a:lnRef idx="1">
+            <a:schemeClr val="accent1"/>
+          </a:lnRef>
+          <a:fillRef idx="0">
+            <a:schemeClr val="accent1"/>
+          </a:fillRef>
+          <a:effectRef idx="0">
+            <a:schemeClr val="accent1"/>
+          </a:effectRef>
+          <a:fontRef idx="minor">
+            <a:schemeClr val="tx1"/>
+          </a:fontRef>
+        </p:style>
+      </p:cxnSp>
+      <p:cxnSp>
+        <p:nvCxnSpPr>
+          <p:cNvPr id="96" name="Straight Arrow Connector 95"/>
+          <p:cNvCxnSpPr/>
+          <p:nvPr/>
+        </p:nvCxnSpPr>
+        <p:spPr>
+          <a:xfrm flipV="1">
+            <a:off x="2590800" y="4479783"/>
+            <a:ext cx="3090728" cy="16018"/>
+          </a:xfrm>
+          <a:prstGeom prst="straightConnector1">
+            <a:avLst/>
+          </a:prstGeom>
+          <a:ln w="19050">
+            <a:solidFill>
+              <a:srgbClr val="7030A0"/>
+            </a:solidFill>
+            <a:tailEnd type="arrow"/>
+          </a:ln>
+        </p:spPr>
+        <p:style>
+          <a:lnRef idx="1">
+            <a:schemeClr val="accent1"/>
+          </a:lnRef>
+          <a:fillRef idx="0">
+            <a:schemeClr val="accent1"/>
+          </a:fillRef>
+          <a:effectRef idx="0">
+            <a:schemeClr val="accent1"/>
+          </a:effectRef>
+          <a:fontRef idx="minor">
+            <a:schemeClr val="tx1"/>
+          </a:fontRef>
+        </p:style>
+      </p:cxnSp>
+      <p:sp>
+        <p:nvSpPr>
+          <p:cNvPr id="97" name="TextBox 96"/>
+          <p:cNvSpPr txBox="1"/>
+          <p:nvPr/>
+        </p:nvSpPr>
+        <p:spPr>
+          <a:xfrm>
+            <a:off x="2368717" y="4277879"/>
+            <a:ext cx="3114801" cy="169277"/>
+          </a:xfrm>
+          <a:prstGeom prst="rect">
+            <a:avLst/>
+          </a:prstGeom>
+          <a:noFill/>
+        </p:spPr>
+        <p:txBody>
+          <a:bodyPr wrap="square" lIns="0" tIns="0" rIns="0" bIns="0" rtlCol="0">
+            <a:spAutoFit/>
+          </a:bodyPr>
+          <a:lstStyle>
+            <a:defPPr>
+              <a:defRPr lang="en-US"/>
+            </a:defPPr>
+            <a:lvl1pPr algn="r">
+              <a:defRPr sz="1400">
+                <a:solidFill>
+                  <a:srgbClr val="0070C0"/>
+                </a:solidFill>
+              </a:defRPr>
+            </a:lvl1pPr>
+          </a:lstStyle>
+          <a:p>
+            <a:r>
+              <a:rPr lang="en-US" sz="1100" dirty="0" err="1">
+                <a:solidFill>
+                  <a:srgbClr val="7030A0"/>
+                </a:solidFill>
+              </a:rPr>
+              <a:t>addPrisonerToCell</a:t>
+            </a:r>
+            <a:r>
+              <a:rPr lang="en-US" sz="1100" dirty="0">
+                <a:solidFill>
+                  <a:srgbClr val="7030A0"/>
+                </a:solidFill>
+              </a:rPr>
+              <a:t>(</a:t>
+            </a:r>
+            <a:r>
+              <a:rPr lang="en-US" sz="1100" dirty="0" err="1">
+                <a:solidFill>
+                  <a:srgbClr val="7030A0"/>
+                </a:solidFill>
+              </a:rPr>
+              <a:t>updatedP</a:t>
+            </a:r>
+            <a:r>
+              <a:rPr lang="en-US" sz="1100" dirty="0">
+                <a:solidFill>
+                  <a:srgbClr val="7030A0"/>
+                </a:solidFill>
+              </a:rPr>
+              <a:t>,   </a:t>
+            </a:r>
+            <a:r>
+              <a:rPr lang="en-US" sz="1100" dirty="0" err="1">
+                <a:solidFill>
+                  <a:srgbClr val="7030A0"/>
+                </a:solidFill>
+              </a:rPr>
+              <a:t>cellAddress</a:t>
+            </a:r>
+            <a:r>
+              <a:rPr lang="en-US" sz="1100" dirty="0">
+                <a:solidFill>
+                  <a:srgbClr val="7030A0"/>
+                </a:solidFill>
+              </a:rPr>
+              <a:t>)</a:t>
+            </a:r>
+          </a:p>
+        </p:txBody>
+      </p:sp>
+      <p:cxnSp>
+        <p:nvCxnSpPr>
+          <p:cNvPr id="102" name="Straight Arrow Connector 101"/>
+          <p:cNvCxnSpPr/>
+          <p:nvPr/>
+        </p:nvCxnSpPr>
+        <p:spPr>
+          <a:xfrm flipV="1">
+            <a:off x="5862905" y="4673944"/>
+            <a:ext cx="1909495" cy="4337"/>
+          </a:xfrm>
+          <a:prstGeom prst="straightConnector1">
+            <a:avLst/>
+          </a:prstGeom>
+          <a:ln w="19050">
+            <a:solidFill>
+              <a:srgbClr val="7030A0"/>
+            </a:solidFill>
+            <a:tailEnd type="arrow"/>
+          </a:ln>
+        </p:spPr>
+        <p:style>
+          <a:lnRef idx="1">
+            <a:schemeClr val="accent1"/>
+          </a:lnRef>
+          <a:fillRef idx="0">
+            <a:schemeClr val="accent1"/>
+          </a:fillRef>
+          <a:effectRef idx="0">
+            <a:schemeClr val="accent1"/>
+          </a:effectRef>
+          <a:fontRef idx="minor">
+            <a:schemeClr val="tx1"/>
+          </a:fontRef>
+        </p:style>
+      </p:cxnSp>
+      <p:sp>
+        <p:nvSpPr>
+          <p:cNvPr id="103" name="TextBox 102"/>
+          <p:cNvSpPr txBox="1"/>
+          <p:nvPr/>
+        </p:nvSpPr>
+        <p:spPr>
+          <a:xfrm>
+            <a:off x="5770387" y="4470071"/>
+            <a:ext cx="1783190" cy="169277"/>
+          </a:xfrm>
+          <a:prstGeom prst="rect">
+            <a:avLst/>
+          </a:prstGeom>
+          <a:noFill/>
+        </p:spPr>
+        <p:txBody>
+          <a:bodyPr wrap="square" lIns="0" tIns="0" rIns="0" bIns="0" rtlCol="0">
+            <a:spAutoFit/>
+          </a:bodyPr>
+          <a:lstStyle>
+            <a:defPPr>
+              <a:defRPr lang="en-US"/>
+            </a:defPPr>
+            <a:lvl1pPr algn="r">
+              <a:defRPr sz="1400">
+                <a:solidFill>
+                  <a:srgbClr val="0070C0"/>
+                </a:solidFill>
+              </a:defRPr>
+            </a:lvl1pPr>
+          </a:lstStyle>
+          <a:p>
+            <a:r>
+              <a:rPr lang="en-US" sz="1100" dirty="0" err="1">
+                <a:solidFill>
+                  <a:srgbClr val="7030A0"/>
+                </a:solidFill>
+              </a:rPr>
+              <a:t>addPrisonerToCell</a:t>
+            </a:r>
+            <a:r>
+              <a:rPr lang="en-US" sz="1100" dirty="0">
+                <a:solidFill>
+                  <a:srgbClr val="7030A0"/>
+                </a:solidFill>
+              </a:rPr>
+              <a:t>(</a:t>
+            </a:r>
+            <a:r>
+              <a:rPr lang="en-US" sz="1100" dirty="0" err="1">
+                <a:solidFill>
+                  <a:srgbClr val="7030A0"/>
+                </a:solidFill>
+              </a:rPr>
+              <a:t>updatedP</a:t>
+            </a:r>
+            <a:r>
+              <a:rPr lang="en-US" sz="1100" dirty="0">
+                <a:solidFill>
+                  <a:srgbClr val="7030A0"/>
+                </a:solidFill>
+              </a:rPr>
+              <a:t>)</a:t>
+            </a:r>
           </a:p>
         </p:txBody>
       </p:sp>
@@ -10024,13 +13822,6 @@
   <p:clrMapOvr>
     <a:masterClrMapping/>
   </p:clrMapOvr>
-  <p:timing>
-    <p:tnLst>
-      <p:par>
-        <p:cTn id="1" dur="indefinite" restart="never" nodeType="tmRoot"/>
-      </p:par>
-    </p:tnLst>
-  </p:timing>
 </p:sld>
 </file>
 
